--- a/Slides/Lesson 3.1 Introduction to Universe Programs.pptx
+++ b/Slides/Lesson 3.1 Introduction to Universe Programs.pptx
@@ -10,7 +10,7 @@
   <p:sldIdLst>
     <p:sldId id="257" r:id="rId2"/>
     <p:sldId id="320" r:id="rId3"/>
-    <p:sldId id="322" r:id="rId4"/>
+    <p:sldId id="326" r:id="rId4"/>
     <p:sldId id="323" r:id="rId5"/>
     <p:sldId id="306" r:id="rId6"/>
     <p:sldId id="265" r:id="rId7"/>
@@ -153,7 +153,7 @@
   </p:defaultTextStyle>
   <p:extLst>
     <p:ext uri="{EFAFB233-063F-42B5-8137-9DF3F51BA10A}">
-      <p15:sldGuideLst xmlns:p15="http://schemas.microsoft.com/office/powerpoint/2012/main" xmlns="">
+      <p15:sldGuideLst xmlns:p15="http://schemas.microsoft.com/office/powerpoint/2012/main">
         <p15:guide id="1" orient="horz" pos="2160">
           <p15:clr>
             <a:srgbClr val="A4A3A4"/>
@@ -259,7 +259,7 @@
             <a:fld id="{CF8F25F6-E1EF-4065-8525-42EDEBD9BD22}" type="datetimeFigureOut">
               <a:rPr lang="en-US" smtClean="0"/>
               <a:pPr/>
-              <a:t>9/9/2014</a:t>
+              <a:t>8/18/2015</a:t>
             </a:fld>
             <a:endParaRPr lang="en-US"/>
           </a:p>
@@ -1263,7 +1263,7 @@
             <a:fld id="{CBE6DF32-C57F-4EA4-9518-EB5F320F182D}" type="datetimeFigureOut">
               <a:rPr lang="en-US" smtClean="0"/>
               <a:pPr/>
-              <a:t>9/9/2014</a:t>
+              <a:t>8/18/2015</a:t>
             </a:fld>
             <a:endParaRPr lang="en-US"/>
           </a:p>
@@ -1544,7 +1544,7 @@
             <a:fld id="{CBE6DF32-C57F-4EA4-9518-EB5F320F182D}" type="datetimeFigureOut">
               <a:rPr lang="en-US" smtClean="0"/>
               <a:pPr/>
-              <a:t>9/9/2014</a:t>
+              <a:t>8/18/2015</a:t>
             </a:fld>
             <a:endParaRPr lang="en-US"/>
           </a:p>
@@ -1794,7 +1794,7 @@
             <a:fld id="{CBE6DF32-C57F-4EA4-9518-EB5F320F182D}" type="datetimeFigureOut">
               <a:rPr lang="en-US" smtClean="0"/>
               <a:pPr/>
-              <a:t>9/9/2014</a:t>
+              <a:t>8/18/2015</a:t>
             </a:fld>
             <a:endParaRPr lang="en-US"/>
           </a:p>
@@ -1961,7 +1961,7 @@
             <a:fld id="{CBE6DF32-C57F-4EA4-9518-EB5F320F182D}" type="datetimeFigureOut">
               <a:rPr lang="en-US" smtClean="0"/>
               <a:pPr/>
-              <a:t>9/9/2014</a:t>
+              <a:t>8/18/2015</a:t>
             </a:fld>
             <a:endParaRPr lang="en-US"/>
           </a:p>
@@ -2138,7 +2138,7 @@
             <a:fld id="{CBE6DF32-C57F-4EA4-9518-EB5F320F182D}" type="datetimeFigureOut">
               <a:rPr lang="en-US" smtClean="0"/>
               <a:pPr/>
-              <a:t>9/9/2014</a:t>
+              <a:t>8/18/2015</a:t>
             </a:fld>
             <a:endParaRPr lang="en-US"/>
           </a:p>
@@ -2312,7 +2312,7 @@
             <a:fld id="{CBE6DF32-C57F-4EA4-9518-EB5F320F182D}" type="datetimeFigureOut">
               <a:rPr lang="en-US" smtClean="0"/>
               <a:pPr/>
-              <a:t>9/9/2014</a:t>
+              <a:t>8/18/2015</a:t>
             </a:fld>
             <a:endParaRPr lang="en-US"/>
           </a:p>
@@ -2493,7 +2493,7 @@
           <a:p>
             <a:fld id="{2A227105-D2B9-4910-8FAF-23A09D7D404E}" type="datetimeFigureOut">
               <a:rPr lang="en-US" smtClean="0"/>
-              <a:t>9/9/2014</a:t>
+              <a:t>8/18/2015</a:t>
             </a:fld>
             <a:endParaRPr lang="en-US"/>
           </a:p>
@@ -2675,7 +2675,7 @@
           <a:p>
             <a:fld id="{E22ED4DA-448D-4BB1-B935-CC112220207B}" type="datetime1">
               <a:rPr lang="en-US" smtClean="0"/>
-              <a:t>9/9/2014</a:t>
+              <a:t>8/18/2015</a:t>
             </a:fld>
             <a:endParaRPr lang="en-US"/>
           </a:p>
@@ -3013,7 +3013,7 @@
             <a:fld id="{CBE6DF32-C57F-4EA4-9518-EB5F320F182D}" type="datetimeFigureOut">
               <a:rPr lang="en-US" smtClean="0"/>
               <a:pPr/>
-              <a:t>9/9/2014</a:t>
+              <a:t>8/18/2015</a:t>
             </a:fld>
             <a:endParaRPr lang="en-US"/>
           </a:p>
@@ -3305,7 +3305,7 @@
             <a:fld id="{CBE6DF32-C57F-4EA4-9518-EB5F320F182D}" type="datetimeFigureOut">
               <a:rPr lang="en-US" smtClean="0"/>
               <a:pPr/>
-              <a:t>9/9/2014</a:t>
+              <a:t>8/18/2015</a:t>
             </a:fld>
             <a:endParaRPr lang="en-US"/>
           </a:p>
@@ -3724,7 +3724,7 @@
             <a:fld id="{CBE6DF32-C57F-4EA4-9518-EB5F320F182D}" type="datetimeFigureOut">
               <a:rPr lang="en-US" smtClean="0"/>
               <a:pPr/>
-              <a:t>9/9/2014</a:t>
+              <a:t>8/18/2015</a:t>
             </a:fld>
             <a:endParaRPr lang="en-US"/>
           </a:p>
@@ -3839,7 +3839,7 @@
             <a:fld id="{CBE6DF32-C57F-4EA4-9518-EB5F320F182D}" type="datetimeFigureOut">
               <a:rPr lang="en-US" smtClean="0"/>
               <a:pPr/>
-              <a:t>9/9/2014</a:t>
+              <a:t>8/18/2015</a:t>
             </a:fld>
             <a:endParaRPr lang="en-US"/>
           </a:p>
@@ -3938,7 +3938,7 @@
             <a:fld id="{CBE6DF32-C57F-4EA4-9518-EB5F320F182D}" type="datetimeFigureOut">
               <a:rPr lang="en-US" smtClean="0"/>
               <a:pPr/>
-              <a:t>9/9/2014</a:t>
+              <a:t>8/18/2015</a:t>
             </a:fld>
             <a:endParaRPr lang="en-US"/>
           </a:p>
@@ -4148,7 +4148,7 @@
             <a:fld id="{CBE6DF32-C57F-4EA4-9518-EB5F320F182D}" type="datetimeFigureOut">
               <a:rPr lang="en-US" smtClean="0"/>
               <a:pPr/>
-              <a:t>9/9/2014</a:t>
+              <a:t>8/18/2015</a:t>
             </a:fld>
             <a:endParaRPr lang="en-US"/>
           </a:p>
@@ -4747,8 +4747,9 @@
               </a:r>
               <a:r>
                 <a:rPr lang="en-US" sz="1000" dirty="0" smtClean="0"/>
-                <a:t>2012-2014</a:t>
+                <a:t>2012-2015</a:t>
               </a:r>
+              <a:endParaRPr lang="en-US" sz="1000" dirty="0" smtClean="0"/>
             </a:p>
             <a:p>
               <a:r>
@@ -7039,7 +7040,7 @@
         <p:spPr/>
         <p:txBody>
           <a:bodyPr>
-            <a:normAutofit/>
+            <a:normAutofit fontScale="92500"/>
           </a:bodyPr>
           <a:lstStyle/>
           <a:p>
@@ -7052,8 +7053,13 @@
             </a:r>
             <a:r>
               <a:rPr lang="en-US" dirty="0" smtClean="0"/>
-              <a:t> is compound, so use structural decomposition:</a:t>
-            </a:r>
+              <a:t> is compound, so use </a:t>
+            </a:r>
+            <a:r>
+              <a:rPr lang="en-US" dirty="0" smtClean="0"/>
+              <a:t>the template for World</a:t>
+            </a:r>
+            <a:endParaRPr lang="en-US" dirty="0" smtClean="0"/>
           </a:p>
           <a:p>
             <a:pPr>
@@ -7064,8 +7070,19 @@
                 <a:latin typeface="Consolas" pitchFamily="49" charset="0"/>
                 <a:cs typeface="Consolas" pitchFamily="49" charset="0"/>
               </a:rPr>
-              <a:t>;; strategy: structural decomposition [World]</a:t>
-            </a:r>
+              <a:t>;; strategy: </a:t>
+            </a:r>
+            <a:r>
+              <a:rPr lang="en-US" sz="2400" b="1" dirty="0" smtClean="0">
+                <a:latin typeface="Consolas" pitchFamily="49" charset="0"/>
+                <a:cs typeface="Consolas" pitchFamily="49" charset="0"/>
+              </a:rPr>
+              <a:t>use template for World on w</a:t>
+            </a:r>
+            <a:endParaRPr lang="en-US" sz="2400" b="1" dirty="0" smtClean="0">
+              <a:latin typeface="Consolas" pitchFamily="49" charset="0"/>
+              <a:cs typeface="Consolas" pitchFamily="49" charset="0"/>
+            </a:endParaRPr>
           </a:p>
           <a:p>
             <a:pPr>
@@ -7143,7 +7160,7 @@
               <a:rPr lang="en-US" dirty="0" smtClean="0">
                 <a:cs typeface="Courier New" pitchFamily="49" charset="0"/>
               </a:rPr>
-              <a:t>It’s complicated, so we'll make it a separate function</a:t>
+              <a:t>If the world is paused, we should return w unchanged.  Otherwise, we should return a world in which the cat has fallen CATSPEED pixels.</a:t>
             </a:r>
             <a:endParaRPr lang="en-US" dirty="0">
               <a:cs typeface="Courier New" pitchFamily="49" charset="0"/>
@@ -7200,7 +7217,7 @@
           <a:p>
             <a:r>
               <a:rPr lang="en-US" dirty="0" smtClean="0"/>
-              <a:t>Helper function</a:t>
+              <a:t>Function Definition</a:t>
             </a:r>
             <a:endParaRPr lang="en-US" dirty="0"/>
           </a:p>
@@ -7231,152 +7248,8 @@
                 <a:latin typeface="Consolas" pitchFamily="49" charset="0"/>
                 <a:cs typeface="Consolas" pitchFamily="49" charset="0"/>
               </a:rPr>
-              <a:t>;; world-after-tick-helper : </a:t>
-            </a:r>
-            <a:r>
-              <a:rPr lang="en-US" sz="2000" b="1" dirty="0" smtClean="0">
-                <a:latin typeface="Consolas" pitchFamily="49" charset="0"/>
-                <a:cs typeface="Consolas" pitchFamily="49" charset="0"/>
-              </a:rPr>
-              <a:t>Integer </a:t>
-            </a:r>
-            <a:r>
-              <a:rPr lang="en-US" sz="2000" b="1" dirty="0">
-                <a:latin typeface="Consolas" pitchFamily="49" charset="0"/>
-                <a:cs typeface="Consolas" pitchFamily="49" charset="0"/>
-              </a:rPr>
-              <a:t>Boolean -&gt; World</a:t>
-            </a:r>
-          </a:p>
-          <a:p>
-            <a:pPr>
-              <a:buNone/>
-            </a:pPr>
-            <a:r>
-              <a:rPr lang="en-US" sz="2000" b="1" dirty="0">
-                <a:latin typeface="Consolas" pitchFamily="49" charset="0"/>
-                <a:cs typeface="Consolas" pitchFamily="49" charset="0"/>
-              </a:rPr>
-              <a:t>;; GIVEN the position of the cat and paused?</a:t>
-            </a:r>
-          </a:p>
-          <a:p>
-            <a:pPr>
-              <a:buNone/>
-            </a:pPr>
-            <a:r>
-              <a:rPr lang="en-US" sz="2000" b="1" dirty="0">
-                <a:latin typeface="Consolas" pitchFamily="49" charset="0"/>
-                <a:cs typeface="Consolas" pitchFamily="49" charset="0"/>
-              </a:rPr>
-              <a:t>;; RETURNS: the next World</a:t>
-            </a:r>
-          </a:p>
-          <a:p>
-            <a:pPr>
-              <a:buNone/>
-            </a:pPr>
-            <a:r>
-              <a:rPr lang="en-US" sz="2000" b="1" dirty="0">
-                <a:latin typeface="Consolas" pitchFamily="49" charset="0"/>
-                <a:cs typeface="Consolas" pitchFamily="49" charset="0"/>
-              </a:rPr>
-              <a:t>;; STRATEGY: function composition</a:t>
-            </a:r>
-          </a:p>
-          <a:p>
-            <a:pPr>
-              <a:buNone/>
-            </a:pPr>
-            <a:r>
-              <a:rPr lang="en-US" sz="2000" b="1" dirty="0">
-                <a:latin typeface="Consolas" pitchFamily="49" charset="0"/>
-                <a:cs typeface="Consolas" pitchFamily="49" charset="0"/>
-              </a:rPr>
-              <a:t>(define (world-after-tick-helper </a:t>
-            </a:r>
-            <a:r>
-              <a:rPr lang="en-US" sz="2000" b="1" dirty="0" err="1">
-                <a:latin typeface="Consolas" pitchFamily="49" charset="0"/>
-                <a:cs typeface="Consolas" pitchFamily="49" charset="0"/>
-              </a:rPr>
-              <a:t>pos</a:t>
-            </a:r>
-            <a:r>
-              <a:rPr lang="en-US" sz="2000" b="1" dirty="0">
-                <a:latin typeface="Consolas" pitchFamily="49" charset="0"/>
-                <a:cs typeface="Consolas" pitchFamily="49" charset="0"/>
-              </a:rPr>
-              <a:t> paused?)</a:t>
-            </a:r>
-          </a:p>
-          <a:p>
-            <a:pPr>
-              <a:buNone/>
-            </a:pPr>
-            <a:r>
-              <a:rPr lang="en-US" sz="2000" b="1" dirty="0">
-                <a:latin typeface="Consolas" pitchFamily="49" charset="0"/>
-                <a:cs typeface="Consolas" pitchFamily="49" charset="0"/>
-              </a:rPr>
-              <a:t>  (if paused? </a:t>
-            </a:r>
-          </a:p>
-          <a:p>
-            <a:pPr>
-              <a:buNone/>
-            </a:pPr>
-            <a:r>
-              <a:rPr lang="en-US" sz="2000" b="1" dirty="0">
-                <a:latin typeface="Consolas" pitchFamily="49" charset="0"/>
-                <a:cs typeface="Consolas" pitchFamily="49" charset="0"/>
-              </a:rPr>
-              <a:t>      (make-world </a:t>
-            </a:r>
-            <a:r>
-              <a:rPr lang="en-US" sz="2000" b="1" dirty="0" err="1">
-                <a:latin typeface="Consolas" pitchFamily="49" charset="0"/>
-                <a:cs typeface="Consolas" pitchFamily="49" charset="0"/>
-              </a:rPr>
-              <a:t>pos</a:t>
-            </a:r>
-            <a:r>
-              <a:rPr lang="en-US" sz="2000" b="1" dirty="0">
-                <a:latin typeface="Consolas" pitchFamily="49" charset="0"/>
-                <a:cs typeface="Consolas" pitchFamily="49" charset="0"/>
-              </a:rPr>
-              <a:t> paused?)</a:t>
-            </a:r>
-          </a:p>
-          <a:p>
-            <a:pPr>
-              <a:buNone/>
-            </a:pPr>
-            <a:r>
-              <a:rPr lang="en-US" sz="2000" b="1" dirty="0">
-                <a:latin typeface="Consolas" pitchFamily="49" charset="0"/>
-                <a:cs typeface="Consolas" pitchFamily="49" charset="0"/>
-              </a:rPr>
-              <a:t>      (make-world (+ </a:t>
-            </a:r>
-            <a:r>
-              <a:rPr lang="en-US" sz="2000" b="1" dirty="0" err="1">
-                <a:latin typeface="Consolas" pitchFamily="49" charset="0"/>
-                <a:cs typeface="Consolas" pitchFamily="49" charset="0"/>
-              </a:rPr>
-              <a:t>pos</a:t>
-            </a:r>
-            <a:r>
-              <a:rPr lang="en-US" sz="2000" b="1" dirty="0">
-                <a:latin typeface="Consolas" pitchFamily="49" charset="0"/>
-                <a:cs typeface="Consolas" pitchFamily="49" charset="0"/>
-              </a:rPr>
-              <a:t> CATSPEED) paused?))) </a:t>
-            </a:r>
-            <a:endParaRPr lang="en-US" sz="2000" b="1" dirty="0" smtClean="0">
-              <a:latin typeface="Consolas" pitchFamily="49" charset="0"/>
-              <a:cs typeface="Consolas" pitchFamily="49" charset="0"/>
-            </a:endParaRPr>
+              <a:t>;; STRATEGY: Use template for World on w</a:t>
+            </a:r>
           </a:p>
           <a:p>
             <a:pPr>
@@ -7392,11 +7265,78 @@
               <a:buNone/>
             </a:pPr>
             <a:r>
-              <a:rPr lang="en-US" sz="2400" dirty="0" smtClean="0">
-                <a:cs typeface="Courier New" pitchFamily="49" charset="0"/>
-              </a:rPr>
-              <a:t>Don’t need separate tests for helper functions except for debugging.</a:t>
-            </a:r>
+              <a:rPr lang="en-US" sz="2000" b="1" dirty="0">
+                <a:latin typeface="Consolas" pitchFamily="49" charset="0"/>
+                <a:cs typeface="Consolas" pitchFamily="49" charset="0"/>
+              </a:rPr>
+              <a:t>(define (world-after-tick w)</a:t>
+            </a:r>
+          </a:p>
+          <a:p>
+            <a:pPr>
+              <a:buNone/>
+            </a:pPr>
+            <a:r>
+              <a:rPr lang="en-US" sz="2000" b="1" dirty="0">
+                <a:latin typeface="Consolas" pitchFamily="49" charset="0"/>
+                <a:cs typeface="Consolas" pitchFamily="49" charset="0"/>
+              </a:rPr>
+              <a:t>  (if (world-paused? w)</a:t>
+            </a:r>
+          </a:p>
+          <a:p>
+            <a:pPr>
+              <a:buNone/>
+            </a:pPr>
+            <a:r>
+              <a:rPr lang="en-US" sz="2000" b="1" dirty="0">
+                <a:latin typeface="Consolas" pitchFamily="49" charset="0"/>
+                <a:cs typeface="Consolas" pitchFamily="49" charset="0"/>
+              </a:rPr>
+              <a:t>      w</a:t>
+            </a:r>
+          </a:p>
+          <a:p>
+            <a:pPr>
+              <a:buNone/>
+            </a:pPr>
+            <a:r>
+              <a:rPr lang="en-US" sz="2000" b="1" dirty="0">
+                <a:latin typeface="Consolas" pitchFamily="49" charset="0"/>
+                <a:cs typeface="Consolas" pitchFamily="49" charset="0"/>
+              </a:rPr>
+              <a:t>      (make-world (+ (world-</a:t>
+            </a:r>
+            <a:r>
+              <a:rPr lang="en-US" sz="2000" b="1" dirty="0" err="1">
+                <a:latin typeface="Consolas" pitchFamily="49" charset="0"/>
+                <a:cs typeface="Consolas" pitchFamily="49" charset="0"/>
+              </a:rPr>
+              <a:t>pos</a:t>
+            </a:r>
+            <a:r>
+              <a:rPr lang="en-US" sz="2000" b="1" dirty="0">
+                <a:latin typeface="Consolas" pitchFamily="49" charset="0"/>
+                <a:cs typeface="Consolas" pitchFamily="49" charset="0"/>
+              </a:rPr>
+              <a:t> w) CATSPEED)</a:t>
+            </a:r>
+          </a:p>
+          <a:p>
+            <a:pPr>
+              <a:buNone/>
+            </a:pPr>
+            <a:r>
+              <a:rPr lang="en-US" sz="2000" b="1" dirty="0">
+                <a:latin typeface="Consolas" pitchFamily="49" charset="0"/>
+                <a:cs typeface="Consolas" pitchFamily="49" charset="0"/>
+              </a:rPr>
+              <a:t>                  (world-paused? w))))</a:t>
+            </a:r>
+            <a:endParaRPr lang="en-US" sz="2000" b="1" dirty="0">
+              <a:latin typeface="Consolas" pitchFamily="49" charset="0"/>
+              <a:cs typeface="Consolas" pitchFamily="49" charset="0"/>
+            </a:endParaRPr>
           </a:p>
           <a:p>
             <a:endParaRPr lang="en-US" sz="2400" dirty="0">
@@ -10330,7 +10270,7 @@
               <a:pPr algn="ctr"/>
               <a:r>
                 <a:rPr lang="en-US" dirty="0" smtClean="0"/>
-                <a:t>Function Composition</a:t>
+                <a:t>Combine simpler functions</a:t>
               </a:r>
               <a:endParaRPr lang="en-US" dirty="0"/>
             </a:p>
@@ -10344,7 +10284,7 @@
           </p:nvSpPr>
           <p:spPr>
             <a:xfrm>
-              <a:off x="2598691" y="2566044"/>
+              <a:off x="2598691" y="2766140"/>
               <a:ext cx="1828800" cy="533400"/>
             </a:xfrm>
             <a:prstGeom prst="roundRect">
@@ -10374,7 +10314,7 @@
               <a:pPr algn="ctr"/>
               <a:r>
                 <a:rPr lang="en-US" dirty="0" smtClean="0"/>
-                <a:t>Structural Decomposition</a:t>
+                <a:t>Use a template</a:t>
               </a:r>
               <a:endParaRPr lang="en-US" dirty="0"/>
             </a:p>
@@ -10422,7 +10362,7 @@
               <a:pPr algn="ctr"/>
               <a:r>
                 <a:rPr lang="en-US" dirty="0" smtClean="0"/>
-                <a:t>Generalization</a:t>
+                <a:t>Divide into Cases</a:t>
               </a:r>
               <a:endParaRPr lang="en-US" dirty="0"/>
             </a:p>
@@ -10470,7 +10410,7 @@
               <a:pPr algn="ctr"/>
               <a:r>
                 <a:rPr lang="en-US" dirty="0" smtClean="0"/>
-                <a:t>General Recursion</a:t>
+                <a:t>Call a more general function</a:t>
               </a:r>
               <a:endParaRPr lang="en-US" dirty="0"/>
             </a:p>
@@ -10518,7 +10458,7 @@
               <a:pPr algn="ctr"/>
               <a:r>
                 <a:rPr lang="en-US" dirty="0" smtClean="0"/>
-                <a:t>Communication via State</a:t>
+                <a:t>Communicate via State</a:t>
               </a:r>
               <a:endParaRPr lang="en-US" dirty="0"/>
             </a:p>
@@ -10536,7 +10476,7 @@
           <p:spPr>
             <a:xfrm>
               <a:off x="3513091" y="2291187"/>
-              <a:ext cx="0" cy="274857"/>
+              <a:ext cx="0" cy="474953"/>
             </a:xfrm>
             <a:prstGeom prst="straightConnector1">
               <a:avLst/>
@@ -10571,8 +10511,8 @@
           </p:nvCxnSpPr>
           <p:spPr>
             <a:xfrm>
-              <a:off x="3513091" y="3099444"/>
-              <a:ext cx="0" cy="675049"/>
+              <a:off x="3513091" y="3299540"/>
+              <a:ext cx="0" cy="474953"/>
             </a:xfrm>
             <a:prstGeom prst="straightConnector1">
               <a:avLst/>
@@ -11018,7 +10958,7 @@
         <p:nvCxnSpPr>
           <p:cNvPr id="113" name="Elbow Connector 112"/>
           <p:cNvCxnSpPr>
-            <a:stCxn id="28" idx="3"/>
+            <a:stCxn id="38" idx="3"/>
             <a:endCxn id="7" idx="1"/>
           </p:cNvCxnSpPr>
           <p:nvPr/>
@@ -11026,7 +10966,7 @@
         <p:spPr>
           <a:xfrm flipV="1">
             <a:off x="5486400" y="2024487"/>
-            <a:ext cx="914400" cy="2016706"/>
+            <a:ext cx="914400" cy="3025059"/>
           </a:xfrm>
           <a:prstGeom prst="bentConnector3">
             <a:avLst>
@@ -11052,10 +10992,33 @@
           </a:fontRef>
         </p:style>
       </p:cxnSp>
+      <p:sp>
+        <p:nvSpPr>
+          <p:cNvPr id="2" name="Slide Number Placeholder 1"/>
+          <p:cNvSpPr>
+            <a:spLocks noGrp="1"/>
+          </p:cNvSpPr>
+          <p:nvPr>
+            <p:ph type="sldNum" sz="quarter" idx="12"/>
+          </p:nvPr>
+        </p:nvSpPr>
+        <p:spPr/>
+        <p:txBody>
+          <a:bodyPr/>
+          <a:lstStyle/>
+          <a:p>
+            <a:fld id="{2AF3B5EA-18B6-4040-9F78-6052AF49C681}" type="slidenum">
+              <a:rPr lang="en-US" smtClean="0"/>
+              <a:t>3</a:t>
+            </a:fld>
+            <a:endParaRPr lang="en-US"/>
+          </a:p>
+        </p:txBody>
+      </p:sp>
     </p:spTree>
     <p:extLst>
       <p:ext uri="{BB962C8B-B14F-4D97-AF65-F5344CB8AC3E}">
-        <p14:creationId xmlns:p14="http://schemas.microsoft.com/office/powerpoint/2010/main" val="2933289503"/>
+        <p14:creationId xmlns:p14="http://schemas.microsoft.com/office/powerpoint/2010/main" val="4205652346"/>
       </p:ext>
     </p:extLst>
   </p:cSld>
@@ -11265,8 +11228,19 @@
                 <a:latin typeface="Consolas" pitchFamily="49" charset="0"/>
                 <a:cs typeface="Consolas" pitchFamily="49" charset="0"/>
               </a:rPr>
-              <a:t>;; STRATEGY: structural decomposition on w : World</a:t>
-            </a:r>
+              <a:t>;; STRATEGY: </a:t>
+            </a:r>
+            <a:r>
+              <a:rPr lang="en-US" sz="2000" b="1" dirty="0" smtClean="0">
+                <a:latin typeface="Consolas" pitchFamily="49" charset="0"/>
+                <a:cs typeface="Consolas" pitchFamily="49" charset="0"/>
+              </a:rPr>
+              <a:t>Use template for World on w</a:t>
+            </a:r>
+            <a:endParaRPr lang="en-US" sz="2000" b="1" dirty="0">
+              <a:latin typeface="Consolas" pitchFamily="49" charset="0"/>
+              <a:cs typeface="Consolas" pitchFamily="49" charset="0"/>
+            </a:endParaRPr>
           </a:p>
           <a:p>
             <a:pPr>
@@ -11615,8 +11589,19 @@
                 <a:latin typeface="Consolas" pitchFamily="49" charset="0"/>
                 <a:cs typeface="Consolas" pitchFamily="49" charset="0"/>
               </a:rPr>
-              <a:t>;; STRATEGY: structural decomposition on w : World</a:t>
-            </a:r>
+              <a:t>;; STRATEGY: </a:t>
+            </a:r>
+            <a:r>
+              <a:rPr lang="en-US" sz="2000" b="1" dirty="0" smtClean="0">
+                <a:latin typeface="Consolas" pitchFamily="49" charset="0"/>
+                <a:cs typeface="Consolas" pitchFamily="49" charset="0"/>
+              </a:rPr>
+              <a:t>use template for World on w</a:t>
+            </a:r>
+            <a:endParaRPr lang="en-US" sz="2000" b="1" dirty="0">
+              <a:latin typeface="Consolas" pitchFamily="49" charset="0"/>
+              <a:cs typeface="Consolas" pitchFamily="49" charset="0"/>
+            </a:endParaRPr>
           </a:p>
           <a:p>
             <a:r>
@@ -13231,7 +13216,14 @@
                 <a:latin typeface="Consolas" pitchFamily="49" charset="0"/>
                 <a:cs typeface="Consolas" pitchFamily="49" charset="0"/>
               </a:rPr>
-              <a:t>;; STRATEGY: function composition</a:t>
+              <a:t>;; STRATEGY: </a:t>
+            </a:r>
+            <a:r>
+              <a:rPr lang="en-US" sz="2000" b="1" dirty="0" smtClean="0">
+                <a:latin typeface="Consolas" pitchFamily="49" charset="0"/>
+                <a:cs typeface="Consolas" pitchFamily="49" charset="0"/>
+              </a:rPr>
+              <a:t>Combine simpler functions</a:t>
             </a:r>
             <a:endParaRPr lang="en-US" sz="2000" b="1" dirty="0">
               <a:latin typeface="Consolas" pitchFamily="49" charset="0"/>
@@ -13334,8 +13326,8 @@
         </p:nvSpPr>
         <p:spPr>
           <a:xfrm>
-            <a:off x="6373090" y="3302669"/>
-            <a:ext cx="2770909" cy="923330"/>
+            <a:off x="6373091" y="3029727"/>
+            <a:ext cx="2770909" cy="1200329"/>
           </a:xfrm>
           <a:prstGeom prst="rect">
             <a:avLst/>
@@ -13368,12 +13360,8 @@
           <a:lstStyle/>
           <a:p>
             <a:r>
-              <a:rPr lang="en-US" b="1" dirty="0" smtClean="0"/>
-              <a:t>main</a:t>
-            </a:r>
-            <a:r>
-              <a:rPr lang="en-US" dirty="0" smtClean="0"/>
-              <a:t> just calls </a:t>
+              <a:rPr lang="en-US" dirty="0" smtClean="0"/>
+              <a:t>Here the simpler functions are </a:t>
             </a:r>
             <a:r>
               <a:rPr lang="en-US" b="1" dirty="0" smtClean="0"/>
@@ -13381,9 +13369,29 @@
             </a:r>
             <a:r>
               <a:rPr lang="en-US" dirty="0" smtClean="0"/>
-              <a:t>, so the strategy is function composition.</a:t>
-            </a:r>
-            <a:endParaRPr lang="en-US" dirty="0"/>
+              <a:t>, </a:t>
+            </a:r>
+            <a:r>
+              <a:rPr lang="en-US" b="1" dirty="0" smtClean="0"/>
+              <a:t>world-after-tick</a:t>
+            </a:r>
+            <a:r>
+              <a:rPr lang="en-US" dirty="0" smtClean="0"/>
+              <a:t>, </a:t>
+            </a:r>
+            <a:r>
+              <a:rPr lang="en-US" b="1" dirty="0" smtClean="0"/>
+              <a:t>world-after-key-event</a:t>
+            </a:r>
+            <a:r>
+              <a:rPr lang="en-US" dirty="0" smtClean="0"/>
+              <a:t>, and </a:t>
+            </a:r>
+            <a:r>
+              <a:rPr lang="en-US" b="1" dirty="0" smtClean="0"/>
+              <a:t>world-to-scene</a:t>
+            </a:r>
+            <a:endParaRPr lang="en-US" b="1" dirty="0"/>
           </a:p>
         </p:txBody>
       </p:sp>
@@ -13396,9 +13404,9 @@
           <p:nvPr/>
         </p:nvCxnSpPr>
         <p:spPr>
-          <a:xfrm flipH="1" flipV="1">
-            <a:off x="5237018" y="3629891"/>
-            <a:ext cx="1136072" cy="134443"/>
+          <a:xfrm flipH="1">
+            <a:off x="5923280" y="3629892"/>
+            <a:ext cx="449811" cy="0"/>
           </a:xfrm>
           <a:prstGeom prst="straightConnector1">
             <a:avLst/>

--- a/Slides/Lesson 3.1 Introduction to Universe Programs.pptx
+++ b/Slides/Lesson 3.1 Introduction to Universe Programs.pptx
@@ -2,10 +2,10 @@
 <file path=ppt/presentation.xml><?xml version="1.0" encoding="utf-8"?>
 <p:presentation xmlns:a="http://schemas.openxmlformats.org/drawingml/2006/main" xmlns:r="http://schemas.openxmlformats.org/officeDocument/2006/relationships" xmlns:p="http://schemas.openxmlformats.org/presentationml/2006/main" saveSubsetFonts="1">
   <p:sldMasterIdLst>
-    <p:sldMasterId id="2147483648" r:id="rId1"/>
+    <p:sldMasterId id="2147483663" r:id="rId1"/>
   </p:sldMasterIdLst>
   <p:notesMasterIdLst>
-    <p:notesMasterId r:id="rId44"/>
+    <p:notesMasterId r:id="rId45"/>
   </p:notesMasterIdLst>
   <p:sldIdLst>
     <p:sldId id="257" r:id="rId2"/>
@@ -30,31 +30,32 @@
     <p:sldId id="274" r:id="rId21"/>
     <p:sldId id="275" r:id="rId22"/>
     <p:sldId id="298" r:id="rId23"/>
-    <p:sldId id="299" r:id="rId24"/>
-    <p:sldId id="291" r:id="rId25"/>
-    <p:sldId id="283" r:id="rId26"/>
-    <p:sldId id="300" r:id="rId27"/>
-    <p:sldId id="301" r:id="rId28"/>
-    <p:sldId id="302" r:id="rId29"/>
-    <p:sldId id="312" r:id="rId30"/>
-    <p:sldId id="313" r:id="rId31"/>
-    <p:sldId id="310" r:id="rId32"/>
-    <p:sldId id="277" r:id="rId33"/>
-    <p:sldId id="293" r:id="rId34"/>
-    <p:sldId id="314" r:id="rId35"/>
-    <p:sldId id="315" r:id="rId36"/>
-    <p:sldId id="309" r:id="rId37"/>
-    <p:sldId id="324" r:id="rId38"/>
-    <p:sldId id="285" r:id="rId39"/>
-    <p:sldId id="318" r:id="rId40"/>
-    <p:sldId id="317" r:id="rId41"/>
-    <p:sldId id="264" r:id="rId42"/>
-    <p:sldId id="325" r:id="rId43"/>
+    <p:sldId id="327" r:id="rId24"/>
+    <p:sldId id="299" r:id="rId25"/>
+    <p:sldId id="291" r:id="rId26"/>
+    <p:sldId id="283" r:id="rId27"/>
+    <p:sldId id="300" r:id="rId28"/>
+    <p:sldId id="301" r:id="rId29"/>
+    <p:sldId id="302" r:id="rId30"/>
+    <p:sldId id="312" r:id="rId31"/>
+    <p:sldId id="313" r:id="rId32"/>
+    <p:sldId id="310" r:id="rId33"/>
+    <p:sldId id="277" r:id="rId34"/>
+    <p:sldId id="293" r:id="rId35"/>
+    <p:sldId id="314" r:id="rId36"/>
+    <p:sldId id="315" r:id="rId37"/>
+    <p:sldId id="309" r:id="rId38"/>
+    <p:sldId id="324" r:id="rId39"/>
+    <p:sldId id="285" r:id="rId40"/>
+    <p:sldId id="318" r:id="rId41"/>
+    <p:sldId id="317" r:id="rId42"/>
+    <p:sldId id="264" r:id="rId43"/>
+    <p:sldId id="325" r:id="rId44"/>
   </p:sldIdLst>
   <p:sldSz cx="9144000" cy="6858000" type="screen4x3"/>
   <p:notesSz cx="7315200" cy="9601200"/>
   <p:custDataLst>
-    <p:tags r:id="rId45"/>
+    <p:tags r:id="rId46"/>
   </p:custDataLst>
   <p:defaultTextStyle>
     <a:defPPr>
@@ -259,7 +260,7 @@
             <a:fld id="{CF8F25F6-E1EF-4065-8525-42EDEBD9BD22}" type="datetimeFigureOut">
               <a:rPr lang="en-US" smtClean="0"/>
               <a:pPr/>
-              <a:t>8/18/2015</a:t>
+              <a:t>8/19/2015</a:t>
             </a:fld>
             <a:endParaRPr lang="en-US"/>
           </a:p>
@@ -863,7 +864,7 @@
             <a:fld id="{00E1DFD8-B619-4FFF-B366-BDCC98D08110}" type="slidenum">
               <a:rPr lang="en-US" smtClean="0"/>
               <a:pPr/>
-              <a:t>26</a:t>
+              <a:t>27</a:t>
             </a:fld>
             <a:endParaRPr lang="en-US"/>
           </a:p>
@@ -977,7 +978,7 @@
             <a:fld id="{00E1DFD8-B619-4FFF-B366-BDCC98D08110}" type="slidenum">
               <a:rPr lang="en-US" smtClean="0"/>
               <a:pPr/>
-              <a:t>38</a:t>
+              <a:t>39</a:t>
             </a:fld>
             <a:endParaRPr lang="en-US"/>
           </a:p>
@@ -1062,7 +1063,7 @@
             <a:fld id="{35B728A6-6F57-4E84-A2C2-C78EE294E18B}" type="slidenum">
               <a:rPr lang="en-US" smtClean="0"/>
               <a:pPr/>
-              <a:t>40</a:t>
+              <a:t>41</a:t>
             </a:fld>
             <a:endParaRPr lang="en-US"/>
           </a:p>
@@ -1260,10 +1261,9 @@
           <a:bodyPr/>
           <a:lstStyle/>
           <a:p>
-            <a:fld id="{CBE6DF32-C57F-4EA4-9518-EB5F320F182D}" type="datetimeFigureOut">
+            <a:fld id="{A63C2178-8CCA-4041-9770-46941EE52DB5}" type="datetime1">
               <a:rPr lang="en-US" smtClean="0"/>
-              <a:pPr/>
-              <a:t>8/18/2015</a:t>
+              <a:t>8/19/2015</a:t>
             </a:fld>
             <a:endParaRPr lang="en-US"/>
           </a:p>
@@ -1303,9 +1303,8 @@
           <a:bodyPr/>
           <a:lstStyle/>
           <a:p>
-            <a:fld id="{9F4492BD-6A9C-48FC-AC76-0B4FE11194A1}" type="slidenum">
+            <a:fld id="{2AF3B5EA-18B6-4040-9F78-6052AF49C681}" type="slidenum">
               <a:rPr lang="en-US" smtClean="0"/>
-              <a:pPr/>
               <a:t>‹#›</a:t>
             </a:fld>
             <a:endParaRPr lang="en-US"/>
@@ -1313,6 +1312,11 @@
         </p:txBody>
       </p:sp>
     </p:spTree>
+    <p:extLst>
+      <p:ext uri="{BB962C8B-B14F-4D97-AF65-F5344CB8AC3E}">
+        <p14:creationId xmlns:p14="http://schemas.microsoft.com/office/powerpoint/2010/main" val="2042053274"/>
+      </p:ext>
+    </p:extLst>
   </p:cSld>
   <p:clrMapOvr>
     <a:masterClrMapping/>
@@ -1328,6 +1332,101 @@
 </file>
 
 <file path=ppt/slideLayouts/slideLayout10.xml><?xml version="1.0" encoding="utf-8"?>
+<p:sldLayout xmlns:a="http://schemas.openxmlformats.org/drawingml/2006/main" xmlns:r="http://schemas.openxmlformats.org/officeDocument/2006/relationships" xmlns:p="http://schemas.openxmlformats.org/presentationml/2006/main" type="blank" preserve="1">
+  <p:cSld name="Blank">
+    <p:spTree>
+      <p:nvGrpSpPr>
+        <p:cNvPr id="1" name=""/>
+        <p:cNvGrpSpPr/>
+        <p:nvPr/>
+      </p:nvGrpSpPr>
+      <p:grpSpPr>
+        <a:xfrm>
+          <a:off x="0" y="0"/>
+          <a:ext cx="0" cy="0"/>
+          <a:chOff x="0" y="0"/>
+          <a:chExt cx="0" cy="0"/>
+        </a:xfrm>
+      </p:grpSpPr>
+      <p:sp>
+        <p:nvSpPr>
+          <p:cNvPr id="2" name="Date Placeholder 1"/>
+          <p:cNvSpPr>
+            <a:spLocks noGrp="1"/>
+          </p:cNvSpPr>
+          <p:nvPr>
+            <p:ph type="dt" sz="half" idx="10"/>
+          </p:nvPr>
+        </p:nvSpPr>
+        <p:spPr/>
+        <p:txBody>
+          <a:bodyPr/>
+          <a:lstStyle/>
+          <a:p>
+            <a:fld id="{0C161806-E715-468D-BE16-87701E4DEEBC}" type="datetime1">
+              <a:rPr lang="en-US" smtClean="0"/>
+              <a:t>8/19/2015</a:t>
+            </a:fld>
+            <a:endParaRPr lang="en-US"/>
+          </a:p>
+        </p:txBody>
+      </p:sp>
+      <p:sp>
+        <p:nvSpPr>
+          <p:cNvPr id="3" name="Footer Placeholder 2"/>
+          <p:cNvSpPr>
+            <a:spLocks noGrp="1"/>
+          </p:cNvSpPr>
+          <p:nvPr>
+            <p:ph type="ftr" sz="quarter" idx="11"/>
+          </p:nvPr>
+        </p:nvSpPr>
+        <p:spPr/>
+        <p:txBody>
+          <a:bodyPr/>
+          <a:lstStyle/>
+          <a:p>
+            <a:endParaRPr lang="en-US"/>
+          </a:p>
+        </p:txBody>
+      </p:sp>
+      <p:sp>
+        <p:nvSpPr>
+          <p:cNvPr id="4" name="Slide Number Placeholder 3"/>
+          <p:cNvSpPr>
+            <a:spLocks noGrp="1"/>
+          </p:cNvSpPr>
+          <p:nvPr>
+            <p:ph type="sldNum" sz="quarter" idx="12"/>
+          </p:nvPr>
+        </p:nvSpPr>
+        <p:spPr/>
+        <p:txBody>
+          <a:bodyPr/>
+          <a:lstStyle/>
+          <a:p>
+            <a:fld id="{2AF3B5EA-18B6-4040-9F78-6052AF49C681}" type="slidenum">
+              <a:rPr lang="en-US" smtClean="0"/>
+              <a:t>‹#›</a:t>
+            </a:fld>
+            <a:endParaRPr lang="en-US"/>
+          </a:p>
+        </p:txBody>
+      </p:sp>
+    </p:spTree>
+    <p:extLst>
+      <p:ext uri="{BB962C8B-B14F-4D97-AF65-F5344CB8AC3E}">
+        <p14:creationId xmlns:p14="http://schemas.microsoft.com/office/powerpoint/2010/main" val="3611247263"/>
+      </p:ext>
+    </p:extLst>
+  </p:cSld>
+  <p:clrMapOvr>
+    <a:masterClrMapping/>
+  </p:clrMapOvr>
+</p:sldLayout>
+</file>
+
+<file path=ppt/slideLayouts/slideLayout11.xml><?xml version="1.0" encoding="utf-8"?>
 <p:sldLayout xmlns:a="http://schemas.openxmlformats.org/drawingml/2006/main" xmlns:r="http://schemas.openxmlformats.org/officeDocument/2006/relationships" xmlns:p="http://schemas.openxmlformats.org/presentationml/2006/main" type="objTx" preserve="1">
   <p:cSld name="Content with Caption">
     <p:spTree>
@@ -1541,10 +1640,9 @@
           <a:bodyPr/>
           <a:lstStyle/>
           <a:p>
-            <a:fld id="{CBE6DF32-C57F-4EA4-9518-EB5F320F182D}" type="datetimeFigureOut">
+            <a:fld id="{A9D8D303-42C4-427F-ABF7-AEFFFE32ED17}" type="datetime1">
               <a:rPr lang="en-US" smtClean="0"/>
-              <a:pPr/>
-              <a:t>8/18/2015</a:t>
+              <a:t>8/19/2015</a:t>
             </a:fld>
             <a:endParaRPr lang="en-US"/>
           </a:p>
@@ -1584,9 +1682,8 @@
           <a:bodyPr/>
           <a:lstStyle/>
           <a:p>
-            <a:fld id="{9F4492BD-6A9C-48FC-AC76-0B4FE11194A1}" type="slidenum">
+            <a:fld id="{2AF3B5EA-18B6-4040-9F78-6052AF49C681}" type="slidenum">
               <a:rPr lang="en-US" smtClean="0"/>
-              <a:pPr/>
               <a:t>‹#›</a:t>
             </a:fld>
             <a:endParaRPr lang="en-US"/>
@@ -1594,6 +1691,11 @@
         </p:txBody>
       </p:sp>
     </p:spTree>
+    <p:extLst>
+      <p:ext uri="{BB962C8B-B14F-4D97-AF65-F5344CB8AC3E}">
+        <p14:creationId xmlns:p14="http://schemas.microsoft.com/office/powerpoint/2010/main" val="3073162205"/>
+      </p:ext>
+    </p:extLst>
   </p:cSld>
   <p:clrMapOvr>
     <a:masterClrMapping/>
@@ -1601,7 +1703,7 @@
 </p:sldLayout>
 </file>
 
-<file path=ppt/slideLayouts/slideLayout11.xml><?xml version="1.0" encoding="utf-8"?>
+<file path=ppt/slideLayouts/slideLayout12.xml><?xml version="1.0" encoding="utf-8"?>
 <p:sldLayout xmlns:a="http://schemas.openxmlformats.org/drawingml/2006/main" xmlns:r="http://schemas.openxmlformats.org/officeDocument/2006/relationships" xmlns:p="http://schemas.openxmlformats.org/presentationml/2006/main" type="picTx" preserve="1">
   <p:cSld name="Picture with Caption">
     <p:spTree>
@@ -1791,10 +1893,9 @@
           <a:bodyPr/>
           <a:lstStyle/>
           <a:p>
-            <a:fld id="{CBE6DF32-C57F-4EA4-9518-EB5F320F182D}" type="datetimeFigureOut">
+            <a:fld id="{8881F7A1-287F-44F2-B7D9-DD795EA52044}" type="datetime1">
               <a:rPr lang="en-US" smtClean="0"/>
-              <a:pPr/>
-              <a:t>8/18/2015</a:t>
+              <a:t>8/19/2015</a:t>
             </a:fld>
             <a:endParaRPr lang="en-US"/>
           </a:p>
@@ -1834,9 +1935,8 @@
           <a:bodyPr/>
           <a:lstStyle/>
           <a:p>
-            <a:fld id="{9F4492BD-6A9C-48FC-AC76-0B4FE11194A1}" type="slidenum">
+            <a:fld id="{2AF3B5EA-18B6-4040-9F78-6052AF49C681}" type="slidenum">
               <a:rPr lang="en-US" smtClean="0"/>
-              <a:pPr/>
               <a:t>‹#›</a:t>
             </a:fld>
             <a:endParaRPr lang="en-US"/>
@@ -1844,6 +1944,11 @@
         </p:txBody>
       </p:sp>
     </p:spTree>
+    <p:extLst>
+      <p:ext uri="{BB962C8B-B14F-4D97-AF65-F5344CB8AC3E}">
+        <p14:creationId xmlns:p14="http://schemas.microsoft.com/office/powerpoint/2010/main" val="2235398462"/>
+      </p:ext>
+    </p:extLst>
   </p:cSld>
   <p:clrMapOvr>
     <a:masterClrMapping/>
@@ -1851,7 +1956,7 @@
 </p:sldLayout>
 </file>
 
-<file path=ppt/slideLayouts/slideLayout12.xml><?xml version="1.0" encoding="utf-8"?>
+<file path=ppt/slideLayouts/slideLayout13.xml><?xml version="1.0" encoding="utf-8"?>
 <p:sldLayout xmlns:a="http://schemas.openxmlformats.org/drawingml/2006/main" xmlns:r="http://schemas.openxmlformats.org/officeDocument/2006/relationships" xmlns:p="http://schemas.openxmlformats.org/presentationml/2006/main" type="vertTx" preserve="1">
   <p:cSld name="Title and Vertical Text">
     <p:spTree>
@@ -1958,10 +2063,9 @@
           <a:bodyPr/>
           <a:lstStyle/>
           <a:p>
-            <a:fld id="{CBE6DF32-C57F-4EA4-9518-EB5F320F182D}" type="datetimeFigureOut">
+            <a:fld id="{83474B67-F4E7-4DFB-B423-D87208E8E4B0}" type="datetime1">
               <a:rPr lang="en-US" smtClean="0"/>
-              <a:pPr/>
-              <a:t>8/18/2015</a:t>
+              <a:t>8/19/2015</a:t>
             </a:fld>
             <a:endParaRPr lang="en-US"/>
           </a:p>
@@ -2001,9 +2105,8 @@
           <a:bodyPr/>
           <a:lstStyle/>
           <a:p>
-            <a:fld id="{9F4492BD-6A9C-48FC-AC76-0B4FE11194A1}" type="slidenum">
+            <a:fld id="{2AF3B5EA-18B6-4040-9F78-6052AF49C681}" type="slidenum">
               <a:rPr lang="en-US" smtClean="0"/>
-              <a:pPr/>
               <a:t>‹#›</a:t>
             </a:fld>
             <a:endParaRPr lang="en-US"/>
@@ -2011,6 +2114,11 @@
         </p:txBody>
       </p:sp>
     </p:spTree>
+    <p:extLst>
+      <p:ext uri="{BB962C8B-B14F-4D97-AF65-F5344CB8AC3E}">
+        <p14:creationId xmlns:p14="http://schemas.microsoft.com/office/powerpoint/2010/main" val="767016548"/>
+      </p:ext>
+    </p:extLst>
   </p:cSld>
   <p:clrMapOvr>
     <a:masterClrMapping/>
@@ -2018,7 +2126,7 @@
 </p:sldLayout>
 </file>
 
-<file path=ppt/slideLayouts/slideLayout13.xml><?xml version="1.0" encoding="utf-8"?>
+<file path=ppt/slideLayouts/slideLayout14.xml><?xml version="1.0" encoding="utf-8"?>
 <p:sldLayout xmlns:a="http://schemas.openxmlformats.org/drawingml/2006/main" xmlns:r="http://schemas.openxmlformats.org/officeDocument/2006/relationships" xmlns:p="http://schemas.openxmlformats.org/presentationml/2006/main" type="vertTitleAndTx" preserve="1">
   <p:cSld name="Vertical Title and Text">
     <p:spTree>
@@ -2135,10 +2243,9 @@
           <a:bodyPr/>
           <a:lstStyle/>
           <a:p>
-            <a:fld id="{CBE6DF32-C57F-4EA4-9518-EB5F320F182D}" type="datetimeFigureOut">
+            <a:fld id="{F60F46CE-91A9-441B-A2C8-FCB5990C0EDE}" type="datetime1">
               <a:rPr lang="en-US" smtClean="0"/>
-              <a:pPr/>
-              <a:t>8/18/2015</a:t>
+              <a:t>8/19/2015</a:t>
             </a:fld>
             <a:endParaRPr lang="en-US"/>
           </a:p>
@@ -2178,9 +2285,8 @@
           <a:bodyPr/>
           <a:lstStyle/>
           <a:p>
-            <a:fld id="{9F4492BD-6A9C-48FC-AC76-0B4FE11194A1}" type="slidenum">
+            <a:fld id="{2AF3B5EA-18B6-4040-9F78-6052AF49C681}" type="slidenum">
               <a:rPr lang="en-US" smtClean="0"/>
-              <a:pPr/>
               <a:t>‹#›</a:t>
             </a:fld>
             <a:endParaRPr lang="en-US"/>
@@ -2188,17 +2294,15 @@
         </p:txBody>
       </p:sp>
     </p:spTree>
+    <p:extLst>
+      <p:ext uri="{BB962C8B-B14F-4D97-AF65-F5344CB8AC3E}">
+        <p14:creationId xmlns:p14="http://schemas.microsoft.com/office/powerpoint/2010/main" val="2207166523"/>
+      </p:ext>
+    </p:extLst>
   </p:cSld>
   <p:clrMapOvr>
     <a:masterClrMapping/>
   </p:clrMapOvr>
-  <p:timing>
-    <p:tnLst>
-      <p:par>
-        <p:cTn id="1" dur="indefinite" restart="never" nodeType="tmRoot"/>
-      </p:par>
-    </p:tnLst>
-  </p:timing>
 </p:sldLayout>
 </file>
 
@@ -2229,16 +2333,22 @@
             <p:ph type="title"/>
           </p:nvPr>
         </p:nvSpPr>
-        <p:spPr/>
+        <p:spPr>
+          <a:ln w="28575">
+            <a:solidFill>
+              <a:schemeClr val="accent1"/>
+            </a:solidFill>
+          </a:ln>
+        </p:spPr>
         <p:txBody>
           <a:bodyPr/>
           <a:lstStyle/>
           <a:p>
             <a:r>
-              <a:rPr lang="en-US" smtClean="0"/>
+              <a:rPr lang="en-US" dirty="0" smtClean="0"/>
               <a:t>Click to edit Master title style</a:t>
             </a:r>
-            <a:endParaRPr lang="en-US"/>
+            <a:endParaRPr lang="en-US" dirty="0"/>
           </a:p>
         </p:txBody>
       </p:sp>
@@ -2309,10 +2419,9 @@
           <a:bodyPr/>
           <a:lstStyle/>
           <a:p>
-            <a:fld id="{CBE6DF32-C57F-4EA4-9518-EB5F320F182D}" type="datetimeFigureOut">
+            <a:fld id="{B3DFFEBE-01B4-41A8-9B95-B3B902B856D2}" type="datetime1">
               <a:rPr lang="en-US" smtClean="0"/>
-              <a:pPr/>
-              <a:t>8/18/2015</a:t>
+              <a:t>8/19/2015</a:t>
             </a:fld>
             <a:endParaRPr lang="en-US"/>
           </a:p>
@@ -2352,9 +2461,8 @@
           <a:bodyPr/>
           <a:lstStyle/>
           <a:p>
-            <a:fld id="{9F4492BD-6A9C-48FC-AC76-0B4FE11194A1}" type="slidenum">
+            <a:fld id="{2AF3B5EA-18B6-4040-9F78-6052AF49C681}" type="slidenum">
               <a:rPr lang="en-US" smtClean="0"/>
-              <a:pPr/>
               <a:t>‹#›</a:t>
             </a:fld>
             <a:endParaRPr lang="en-US"/>
@@ -2362,6 +2470,11 @@
         </p:txBody>
       </p:sp>
     </p:spTree>
+    <p:extLst>
+      <p:ext uri="{BB962C8B-B14F-4D97-AF65-F5344CB8AC3E}">
+        <p14:creationId xmlns:p14="http://schemas.microsoft.com/office/powerpoint/2010/main" val="2237121619"/>
+      </p:ext>
+    </p:extLst>
   </p:cSld>
   <p:clrMapOvr>
     <a:masterClrMapping/>
@@ -2378,191 +2491,6 @@
 
 <file path=ppt/slideLayouts/slideLayout3.xml><?xml version="1.0" encoding="utf-8"?>
 <p:sldLayout xmlns:a="http://schemas.openxmlformats.org/drawingml/2006/main" xmlns:r="http://schemas.openxmlformats.org/officeDocument/2006/relationships" xmlns:p="http://schemas.openxmlformats.org/presentationml/2006/main" type="obj" preserve="1">
-  <p:cSld name="Code">
-    <p:spTree>
-      <p:nvGrpSpPr>
-        <p:cNvPr id="1" name=""/>
-        <p:cNvGrpSpPr/>
-        <p:nvPr/>
-      </p:nvGrpSpPr>
-      <p:grpSpPr>
-        <a:xfrm>
-          <a:off x="0" y="0"/>
-          <a:ext cx="0" cy="0"/>
-          <a:chOff x="0" y="0"/>
-          <a:chExt cx="0" cy="0"/>
-        </a:xfrm>
-      </p:grpSpPr>
-      <p:sp>
-        <p:nvSpPr>
-          <p:cNvPr id="2" name="Title 1"/>
-          <p:cNvSpPr>
-            <a:spLocks noGrp="1"/>
-          </p:cNvSpPr>
-          <p:nvPr>
-            <p:ph type="title"/>
-          </p:nvPr>
-        </p:nvSpPr>
-        <p:spPr/>
-        <p:txBody>
-          <a:bodyPr/>
-          <a:lstStyle/>
-          <a:p>
-            <a:r>
-              <a:rPr lang="en-US" smtClean="0"/>
-              <a:t>Click to edit Master title style</a:t>
-            </a:r>
-            <a:endParaRPr lang="en-US"/>
-          </a:p>
-        </p:txBody>
-      </p:sp>
-      <p:sp>
-        <p:nvSpPr>
-          <p:cNvPr id="3" name="Content Placeholder 2"/>
-          <p:cNvSpPr>
-            <a:spLocks noGrp="1"/>
-          </p:cNvSpPr>
-          <p:nvPr>
-            <p:ph idx="1"/>
-          </p:nvPr>
-        </p:nvSpPr>
-        <p:spPr/>
-        <p:txBody>
-          <a:bodyPr/>
-          <a:lstStyle>
-            <a:lvl1pPr marL="0" indent="0">
-              <a:buNone/>
-              <a:defRPr b="1">
-                <a:latin typeface="Consolas" pitchFamily="49" charset="0"/>
-                <a:cs typeface="Consolas" pitchFamily="49" charset="0"/>
-              </a:defRPr>
-            </a:lvl1pPr>
-          </a:lstStyle>
-          <a:p>
-            <a:pPr lvl="0"/>
-            <a:r>
-              <a:rPr lang="en-US" dirty="0" smtClean="0"/>
-              <a:t>Click to edit Master text styles</a:t>
-            </a:r>
-          </a:p>
-          <a:p>
-            <a:pPr lvl="1"/>
-            <a:r>
-              <a:rPr lang="en-US" dirty="0" smtClean="0"/>
-              <a:t>Second level</a:t>
-            </a:r>
-          </a:p>
-          <a:p>
-            <a:pPr lvl="2"/>
-            <a:r>
-              <a:rPr lang="en-US" dirty="0" smtClean="0"/>
-              <a:t>Third level</a:t>
-            </a:r>
-          </a:p>
-          <a:p>
-            <a:pPr lvl="3"/>
-            <a:r>
-              <a:rPr lang="en-US" dirty="0" smtClean="0"/>
-              <a:t>Fourth level</a:t>
-            </a:r>
-          </a:p>
-          <a:p>
-            <a:pPr lvl="4"/>
-            <a:r>
-              <a:rPr lang="en-US" dirty="0" smtClean="0"/>
-              <a:t>Fifth level</a:t>
-            </a:r>
-            <a:endParaRPr lang="en-US" dirty="0"/>
-          </a:p>
-        </p:txBody>
-      </p:sp>
-      <p:sp>
-        <p:nvSpPr>
-          <p:cNvPr id="4" name="Date Placeholder 3"/>
-          <p:cNvSpPr>
-            <a:spLocks noGrp="1"/>
-          </p:cNvSpPr>
-          <p:nvPr>
-            <p:ph type="dt" sz="half" idx="10"/>
-          </p:nvPr>
-        </p:nvSpPr>
-        <p:spPr/>
-        <p:txBody>
-          <a:bodyPr/>
-          <a:lstStyle/>
-          <a:p>
-            <a:fld id="{2A227105-D2B9-4910-8FAF-23A09D7D404E}" type="datetimeFigureOut">
-              <a:rPr lang="en-US" smtClean="0"/>
-              <a:t>8/18/2015</a:t>
-            </a:fld>
-            <a:endParaRPr lang="en-US"/>
-          </a:p>
-        </p:txBody>
-      </p:sp>
-      <p:sp>
-        <p:nvSpPr>
-          <p:cNvPr id="5" name="Footer Placeholder 4"/>
-          <p:cNvSpPr>
-            <a:spLocks noGrp="1"/>
-          </p:cNvSpPr>
-          <p:nvPr>
-            <p:ph type="ftr" sz="quarter" idx="11"/>
-          </p:nvPr>
-        </p:nvSpPr>
-        <p:spPr/>
-        <p:txBody>
-          <a:bodyPr/>
-          <a:lstStyle/>
-          <a:p>
-            <a:endParaRPr lang="en-US"/>
-          </a:p>
-        </p:txBody>
-      </p:sp>
-      <p:sp>
-        <p:nvSpPr>
-          <p:cNvPr id="6" name="Slide Number Placeholder 5"/>
-          <p:cNvSpPr>
-            <a:spLocks noGrp="1"/>
-          </p:cNvSpPr>
-          <p:nvPr>
-            <p:ph type="sldNum" sz="quarter" idx="12"/>
-          </p:nvPr>
-        </p:nvSpPr>
-        <p:spPr/>
-        <p:txBody>
-          <a:bodyPr/>
-          <a:lstStyle/>
-          <a:p>
-            <a:fld id="{2AF3B5EA-18B6-4040-9F78-6052AF49C681}" type="slidenum">
-              <a:rPr lang="en-US" smtClean="0"/>
-              <a:t>‹#›</a:t>
-            </a:fld>
-            <a:endParaRPr lang="en-US"/>
-          </a:p>
-        </p:txBody>
-      </p:sp>
-    </p:spTree>
-    <p:extLst>
-      <p:ext uri="{BB962C8B-B14F-4D97-AF65-F5344CB8AC3E}">
-        <p14:creationId xmlns:p14="http://schemas.microsoft.com/office/powerpoint/2010/main" val="617229886"/>
-      </p:ext>
-    </p:extLst>
-  </p:cSld>
-  <p:clrMapOvr>
-    <a:masterClrMapping/>
-  </p:clrMapOvr>
-  <p:timing>
-    <p:tnLst>
-      <p:par>
-        <p:cTn id="1" dur="indefinite" restart="never" nodeType="tmRoot"/>
-      </p:par>
-    </p:tnLst>
-  </p:timing>
-</p:sldLayout>
-</file>
-
-<file path=ppt/slideLayouts/slideLayout4.xml><?xml version="1.0" encoding="utf-8"?>
-<p:sldLayout xmlns:a="http://schemas.openxmlformats.org/drawingml/2006/main" xmlns:r="http://schemas.openxmlformats.org/officeDocument/2006/relationships" xmlns:p="http://schemas.openxmlformats.org/presentationml/2006/main" type="obj" preserve="1">
   <p:cSld name="Video">
     <p:spTree>
       <p:nvGrpSpPr>
@@ -2673,9 +2601,9 @@
           <a:bodyPr/>
           <a:lstStyle/>
           <a:p>
-            <a:fld id="{E22ED4DA-448D-4BB1-B935-CC112220207B}" type="datetime1">
+            <a:fld id="{2A6D6241-06C8-44C3-8021-44489836A6EB}" type="datetime1">
               <a:rPr lang="en-US" smtClean="0"/>
-              <a:t>8/18/2015</a:t>
+              <a:t>8/19/2015</a:t>
             </a:fld>
             <a:endParaRPr lang="en-US"/>
           </a:p>
@@ -2810,7 +2738,195 @@
     </p:spTree>
     <p:extLst>
       <p:ext uri="{BB962C8B-B14F-4D97-AF65-F5344CB8AC3E}">
-        <p14:creationId xmlns:p14="http://schemas.microsoft.com/office/powerpoint/2010/main" val="2550674154"/>
+        <p14:creationId xmlns:p14="http://schemas.microsoft.com/office/powerpoint/2010/main" val="2009644510"/>
+      </p:ext>
+    </p:extLst>
+  </p:cSld>
+  <p:clrMapOvr>
+    <a:masterClrMapping/>
+  </p:clrMapOvr>
+  <p:timing>
+    <p:tnLst>
+      <p:par>
+        <p:cTn id="1" dur="indefinite" restart="never" nodeType="tmRoot"/>
+      </p:par>
+    </p:tnLst>
+  </p:timing>
+</p:sldLayout>
+</file>
+
+<file path=ppt/slideLayouts/slideLayout4.xml><?xml version="1.0" encoding="utf-8"?>
+<p:sldLayout xmlns:a="http://schemas.openxmlformats.org/drawingml/2006/main" xmlns:r="http://schemas.openxmlformats.org/officeDocument/2006/relationships" xmlns:p="http://schemas.openxmlformats.org/presentationml/2006/main" type="obj" preserve="1">
+  <p:cSld name="Code">
+    <p:spTree>
+      <p:nvGrpSpPr>
+        <p:cNvPr id="1" name=""/>
+        <p:cNvGrpSpPr/>
+        <p:nvPr/>
+      </p:nvGrpSpPr>
+      <p:grpSpPr>
+        <a:xfrm>
+          <a:off x="0" y="0"/>
+          <a:ext cx="0" cy="0"/>
+          <a:chOff x="0" y="0"/>
+          <a:chExt cx="0" cy="0"/>
+        </a:xfrm>
+      </p:grpSpPr>
+      <p:sp>
+        <p:nvSpPr>
+          <p:cNvPr id="2" name="Title 1"/>
+          <p:cNvSpPr>
+            <a:spLocks noGrp="1"/>
+          </p:cNvSpPr>
+          <p:nvPr>
+            <p:ph type="title"/>
+          </p:nvPr>
+        </p:nvSpPr>
+        <p:spPr/>
+        <p:txBody>
+          <a:bodyPr/>
+          <a:lstStyle/>
+          <a:p>
+            <a:r>
+              <a:rPr lang="en-US" smtClean="0"/>
+              <a:t>Click to edit Master title style</a:t>
+            </a:r>
+            <a:endParaRPr lang="en-US"/>
+          </a:p>
+        </p:txBody>
+      </p:sp>
+      <p:sp>
+        <p:nvSpPr>
+          <p:cNvPr id="3" name="Content Placeholder 2"/>
+          <p:cNvSpPr>
+            <a:spLocks noGrp="1"/>
+          </p:cNvSpPr>
+          <p:nvPr>
+            <p:ph idx="1"/>
+          </p:nvPr>
+        </p:nvSpPr>
+        <p:spPr/>
+        <p:txBody>
+          <a:bodyPr/>
+          <a:lstStyle>
+            <a:lvl1pPr marL="0" indent="0">
+              <a:spcBef>
+                <a:spcPts val="0"/>
+              </a:spcBef>
+              <a:buNone/>
+              <a:defRPr b="1">
+                <a:latin typeface="Consolas" pitchFamily="49" charset="0"/>
+                <a:cs typeface="Consolas" pitchFamily="49" charset="0"/>
+              </a:defRPr>
+            </a:lvl1pPr>
+          </a:lstStyle>
+          <a:p>
+            <a:pPr lvl="0"/>
+            <a:r>
+              <a:rPr lang="en-US" dirty="0" smtClean="0"/>
+              <a:t>Click to edit Master text styles</a:t>
+            </a:r>
+          </a:p>
+          <a:p>
+            <a:pPr lvl="1"/>
+            <a:r>
+              <a:rPr lang="en-US" dirty="0" smtClean="0"/>
+              <a:t>Second level</a:t>
+            </a:r>
+          </a:p>
+          <a:p>
+            <a:pPr lvl="2"/>
+            <a:r>
+              <a:rPr lang="en-US" dirty="0" smtClean="0"/>
+              <a:t>Third level</a:t>
+            </a:r>
+          </a:p>
+          <a:p>
+            <a:pPr lvl="3"/>
+            <a:r>
+              <a:rPr lang="en-US" dirty="0" smtClean="0"/>
+              <a:t>Fourth level</a:t>
+            </a:r>
+          </a:p>
+          <a:p>
+            <a:pPr lvl="4"/>
+            <a:r>
+              <a:rPr lang="en-US" dirty="0" smtClean="0"/>
+              <a:t>Fifth level</a:t>
+            </a:r>
+            <a:endParaRPr lang="en-US" dirty="0"/>
+          </a:p>
+        </p:txBody>
+      </p:sp>
+      <p:sp>
+        <p:nvSpPr>
+          <p:cNvPr id="4" name="Date Placeholder 3"/>
+          <p:cNvSpPr>
+            <a:spLocks noGrp="1"/>
+          </p:cNvSpPr>
+          <p:nvPr>
+            <p:ph type="dt" sz="half" idx="10"/>
+          </p:nvPr>
+        </p:nvSpPr>
+        <p:spPr/>
+        <p:txBody>
+          <a:bodyPr/>
+          <a:lstStyle/>
+          <a:p>
+            <a:fld id="{CD473BB5-DF40-4CF2-8CE7-6D226E43FF1C}" type="datetime1">
+              <a:rPr lang="en-US" smtClean="0"/>
+              <a:t>8/19/2015</a:t>
+            </a:fld>
+            <a:endParaRPr lang="en-US"/>
+          </a:p>
+        </p:txBody>
+      </p:sp>
+      <p:sp>
+        <p:nvSpPr>
+          <p:cNvPr id="5" name="Footer Placeholder 4"/>
+          <p:cNvSpPr>
+            <a:spLocks noGrp="1"/>
+          </p:cNvSpPr>
+          <p:nvPr>
+            <p:ph type="ftr" sz="quarter" idx="11"/>
+          </p:nvPr>
+        </p:nvSpPr>
+        <p:spPr/>
+        <p:txBody>
+          <a:bodyPr/>
+          <a:lstStyle/>
+          <a:p>
+            <a:endParaRPr lang="en-US"/>
+          </a:p>
+        </p:txBody>
+      </p:sp>
+      <p:sp>
+        <p:nvSpPr>
+          <p:cNvPr id="6" name="Slide Number Placeholder 5"/>
+          <p:cNvSpPr>
+            <a:spLocks noGrp="1"/>
+          </p:cNvSpPr>
+          <p:nvPr>
+            <p:ph type="sldNum" sz="quarter" idx="12"/>
+          </p:nvPr>
+        </p:nvSpPr>
+        <p:spPr/>
+        <p:txBody>
+          <a:bodyPr/>
+          <a:lstStyle/>
+          <a:p>
+            <a:fld id="{2AF3B5EA-18B6-4040-9F78-6052AF49C681}" type="slidenum">
+              <a:rPr lang="en-US" smtClean="0"/>
+              <a:t>‹#›</a:t>
+            </a:fld>
+            <a:endParaRPr lang="en-US"/>
+          </a:p>
+        </p:txBody>
+      </p:sp>
+    </p:spTree>
+    <p:extLst>
+      <p:ext uri="{BB962C8B-B14F-4D97-AF65-F5344CB8AC3E}">
+        <p14:creationId xmlns:p14="http://schemas.microsoft.com/office/powerpoint/2010/main" val="3348925847"/>
       </p:ext>
     </p:extLst>
   </p:cSld>
@@ -2828,6 +2944,240 @@
 </file>
 
 <file path=ppt/slideLayouts/slideLayout5.xml><?xml version="1.0" encoding="utf-8"?>
+<p:sldLayout xmlns:a="http://schemas.openxmlformats.org/drawingml/2006/main" xmlns:r="http://schemas.openxmlformats.org/officeDocument/2006/relationships" xmlns:p="http://schemas.openxmlformats.org/presentationml/2006/main" type="obj" preserve="1">
+  <p:cSld name="Video Clip">
+    <p:spTree>
+      <p:nvGrpSpPr>
+        <p:cNvPr id="1" name=""/>
+        <p:cNvGrpSpPr/>
+        <p:nvPr/>
+      </p:nvGrpSpPr>
+      <p:grpSpPr>
+        <a:xfrm>
+          <a:off x="0" y="0"/>
+          <a:ext cx="0" cy="0"/>
+          <a:chOff x="0" y="0"/>
+          <a:chExt cx="0" cy="0"/>
+        </a:xfrm>
+      </p:grpSpPr>
+      <p:sp>
+        <p:nvSpPr>
+          <p:cNvPr id="2" name="Title 1"/>
+          <p:cNvSpPr>
+            <a:spLocks noGrp="1"/>
+          </p:cNvSpPr>
+          <p:nvPr>
+            <p:ph type="title"/>
+          </p:nvPr>
+        </p:nvSpPr>
+        <p:spPr/>
+        <p:txBody>
+          <a:bodyPr/>
+          <a:lstStyle/>
+          <a:p>
+            <a:r>
+              <a:rPr lang="en-US" smtClean="0"/>
+              <a:t>Click to edit Master title style</a:t>
+            </a:r>
+            <a:endParaRPr lang="en-US"/>
+          </a:p>
+        </p:txBody>
+      </p:sp>
+      <p:sp>
+        <p:nvSpPr>
+          <p:cNvPr id="3" name="Content Placeholder 2"/>
+          <p:cNvSpPr>
+            <a:spLocks noGrp="1"/>
+          </p:cNvSpPr>
+          <p:nvPr>
+            <p:ph idx="1"/>
+          </p:nvPr>
+        </p:nvSpPr>
+        <p:spPr/>
+        <p:txBody>
+          <a:bodyPr/>
+          <a:lstStyle>
+            <a:lvl1pPr marL="0" indent="0">
+              <a:buNone/>
+              <a:defRPr b="1">
+                <a:latin typeface="Consolas" pitchFamily="49" charset="0"/>
+                <a:cs typeface="Consolas" pitchFamily="49" charset="0"/>
+              </a:defRPr>
+            </a:lvl1pPr>
+          </a:lstStyle>
+          <a:p>
+            <a:pPr lvl="0"/>
+            <a:r>
+              <a:rPr lang="en-US" dirty="0" smtClean="0"/>
+              <a:t>Click to edit Master text styles</a:t>
+            </a:r>
+          </a:p>
+          <a:p>
+            <a:pPr lvl="1"/>
+            <a:r>
+              <a:rPr lang="en-US" dirty="0" smtClean="0"/>
+              <a:t>Second level</a:t>
+            </a:r>
+          </a:p>
+          <a:p>
+            <a:pPr lvl="2"/>
+            <a:r>
+              <a:rPr lang="en-US" dirty="0" smtClean="0"/>
+              <a:t>Third level</a:t>
+            </a:r>
+          </a:p>
+          <a:p>
+            <a:pPr lvl="3"/>
+            <a:r>
+              <a:rPr lang="en-US" dirty="0" smtClean="0"/>
+              <a:t>Fourth level</a:t>
+            </a:r>
+          </a:p>
+          <a:p>
+            <a:pPr lvl="4"/>
+            <a:r>
+              <a:rPr lang="en-US" dirty="0" smtClean="0"/>
+              <a:t>Fifth level</a:t>
+            </a:r>
+            <a:endParaRPr lang="en-US" dirty="0"/>
+          </a:p>
+        </p:txBody>
+      </p:sp>
+      <p:sp>
+        <p:nvSpPr>
+          <p:cNvPr id="4" name="Date Placeholder 3"/>
+          <p:cNvSpPr>
+            <a:spLocks noGrp="1"/>
+          </p:cNvSpPr>
+          <p:nvPr>
+            <p:ph type="dt" sz="half" idx="10"/>
+          </p:nvPr>
+        </p:nvSpPr>
+        <p:spPr/>
+        <p:txBody>
+          <a:bodyPr/>
+          <a:lstStyle/>
+          <a:p>
+            <a:fld id="{F70727AD-60D7-4449-BD5C-671E0F9D77F5}" type="datetime1">
+              <a:rPr lang="en-US" smtClean="0"/>
+              <a:t>8/19/2015</a:t>
+            </a:fld>
+            <a:endParaRPr lang="en-US"/>
+          </a:p>
+        </p:txBody>
+      </p:sp>
+      <p:sp>
+        <p:nvSpPr>
+          <p:cNvPr id="5" name="Footer Placeholder 4"/>
+          <p:cNvSpPr>
+            <a:spLocks noGrp="1"/>
+          </p:cNvSpPr>
+          <p:nvPr>
+            <p:ph type="ftr" sz="quarter" idx="11"/>
+          </p:nvPr>
+        </p:nvSpPr>
+        <p:spPr/>
+        <p:txBody>
+          <a:bodyPr/>
+          <a:lstStyle/>
+          <a:p>
+            <a:endParaRPr lang="en-US"/>
+          </a:p>
+        </p:txBody>
+      </p:sp>
+      <p:sp>
+        <p:nvSpPr>
+          <p:cNvPr id="7" name="Rectangle 6"/>
+          <p:cNvSpPr/>
+          <p:nvPr userDrawn="1"/>
+        </p:nvSpPr>
+        <p:spPr>
+          <a:xfrm>
+            <a:off x="609600" y="1676400"/>
+            <a:ext cx="7924800" cy="4343400"/>
+          </a:xfrm>
+          <a:prstGeom prst="rect">
+            <a:avLst/>
+          </a:prstGeom>
+          <a:noFill/>
+          <a:ln/>
+        </p:spPr>
+        <p:style>
+          <a:lnRef idx="2">
+            <a:schemeClr val="dk1"/>
+          </a:lnRef>
+          <a:fillRef idx="1">
+            <a:schemeClr val="lt1"/>
+          </a:fillRef>
+          <a:effectRef idx="0">
+            <a:schemeClr val="dk1"/>
+          </a:effectRef>
+          <a:fontRef idx="minor">
+            <a:schemeClr val="dk1"/>
+          </a:fontRef>
+        </p:style>
+        <p:txBody>
+          <a:bodyPr rot="0" spcFirstLastPara="0" vertOverflow="overflow" horzOverflow="overflow" vert="horz" wrap="square" lIns="91440" tIns="45720" rIns="91440" bIns="45720" numCol="1" spcCol="0" rtlCol="0" fromWordArt="0" anchor="ctr" anchorCtr="0" forceAA="0" compatLnSpc="1">
+            <a:prstTxWarp prst="textNoShape">
+              <a:avLst/>
+            </a:prstTxWarp>
+            <a:noAutofit/>
+          </a:bodyPr>
+          <a:lstStyle/>
+          <a:p>
+            <a:pPr algn="ctr"/>
+            <a:endParaRPr lang="en-US" dirty="0">
+              <a:solidFill>
+                <a:schemeClr val="tx1"/>
+              </a:solidFill>
+            </a:endParaRPr>
+          </a:p>
+        </p:txBody>
+      </p:sp>
+      <p:sp>
+        <p:nvSpPr>
+          <p:cNvPr id="6" name="Slide Number Placeholder 5"/>
+          <p:cNvSpPr>
+            <a:spLocks noGrp="1"/>
+          </p:cNvSpPr>
+          <p:nvPr>
+            <p:ph type="sldNum" sz="quarter" idx="12"/>
+          </p:nvPr>
+        </p:nvSpPr>
+        <p:spPr/>
+        <p:txBody>
+          <a:bodyPr/>
+          <a:lstStyle/>
+          <a:p>
+            <a:fld id="{2AF3B5EA-18B6-4040-9F78-6052AF49C681}" type="slidenum">
+              <a:rPr lang="en-US" smtClean="0"/>
+              <a:t>‹#›</a:t>
+            </a:fld>
+            <a:endParaRPr lang="en-US"/>
+          </a:p>
+        </p:txBody>
+      </p:sp>
+    </p:spTree>
+    <p:extLst>
+      <p:ext uri="{BB962C8B-B14F-4D97-AF65-F5344CB8AC3E}">
+        <p14:creationId xmlns:p14="http://schemas.microsoft.com/office/powerpoint/2010/main" val="4123923122"/>
+      </p:ext>
+    </p:extLst>
+  </p:cSld>
+  <p:clrMapOvr>
+    <a:masterClrMapping/>
+  </p:clrMapOvr>
+  <p:timing>
+    <p:tnLst>
+      <p:par>
+        <p:cTn id="1" dur="indefinite" restart="never" nodeType="tmRoot"/>
+      </p:par>
+    </p:tnLst>
+  </p:timing>
+</p:sldLayout>
+</file>
+
+<file path=ppt/slideLayouts/slideLayout6.xml><?xml version="1.0" encoding="utf-8"?>
 <p:sldLayout xmlns:a="http://schemas.openxmlformats.org/drawingml/2006/main" xmlns:r="http://schemas.openxmlformats.org/officeDocument/2006/relationships" xmlns:p="http://schemas.openxmlformats.org/presentationml/2006/main" type="secHead" preserve="1">
   <p:cSld name="Section Header">
     <p:spTree>
@@ -3010,10 +3360,9 @@
           <a:bodyPr/>
           <a:lstStyle/>
           <a:p>
-            <a:fld id="{CBE6DF32-C57F-4EA4-9518-EB5F320F182D}" type="datetimeFigureOut">
+            <a:fld id="{D3E92E5D-74F7-4353-A80A-F4D05623AC96}" type="datetime1">
               <a:rPr lang="en-US" smtClean="0"/>
-              <a:pPr/>
-              <a:t>8/18/2015</a:t>
+              <a:t>8/19/2015</a:t>
             </a:fld>
             <a:endParaRPr lang="en-US"/>
           </a:p>
@@ -3053,9 +3402,8 @@
           <a:bodyPr/>
           <a:lstStyle/>
           <a:p>
-            <a:fld id="{9F4492BD-6A9C-48FC-AC76-0B4FE11194A1}" type="slidenum">
+            <a:fld id="{2AF3B5EA-18B6-4040-9F78-6052AF49C681}" type="slidenum">
               <a:rPr lang="en-US" smtClean="0"/>
-              <a:pPr/>
               <a:t>‹#›</a:t>
             </a:fld>
             <a:endParaRPr lang="en-US"/>
@@ -3063,21 +3411,19 @@
         </p:txBody>
       </p:sp>
     </p:spTree>
+    <p:extLst>
+      <p:ext uri="{BB962C8B-B14F-4D97-AF65-F5344CB8AC3E}">
+        <p14:creationId xmlns:p14="http://schemas.microsoft.com/office/powerpoint/2010/main" val="401870237"/>
+      </p:ext>
+    </p:extLst>
   </p:cSld>
   <p:clrMapOvr>
     <a:masterClrMapping/>
   </p:clrMapOvr>
-  <p:timing>
-    <p:tnLst>
-      <p:par>
-        <p:cTn id="1" dur="indefinite" restart="never" nodeType="tmRoot"/>
-      </p:par>
-    </p:tnLst>
-  </p:timing>
 </p:sldLayout>
 </file>
 
-<file path=ppt/slideLayouts/slideLayout6.xml><?xml version="1.0" encoding="utf-8"?>
+<file path=ppt/slideLayouts/slideLayout7.xml><?xml version="1.0" encoding="utf-8"?>
 <p:sldLayout xmlns:a="http://schemas.openxmlformats.org/drawingml/2006/main" xmlns:r="http://schemas.openxmlformats.org/officeDocument/2006/relationships" xmlns:p="http://schemas.openxmlformats.org/presentationml/2006/main" type="twoObj" preserve="1">
   <p:cSld name="Two Content">
     <p:spTree>
@@ -3302,10 +3648,9 @@
           <a:bodyPr/>
           <a:lstStyle/>
           <a:p>
-            <a:fld id="{CBE6DF32-C57F-4EA4-9518-EB5F320F182D}" type="datetimeFigureOut">
+            <a:fld id="{6543AFF9-3E5C-4F69-80D4-8BC6FD57BFEF}" type="datetime1">
               <a:rPr lang="en-US" smtClean="0"/>
-              <a:pPr/>
-              <a:t>8/18/2015</a:t>
+              <a:t>8/19/2015</a:t>
             </a:fld>
             <a:endParaRPr lang="en-US"/>
           </a:p>
@@ -3345,9 +3690,8 @@
           <a:bodyPr/>
           <a:lstStyle/>
           <a:p>
-            <a:fld id="{9F4492BD-6A9C-48FC-AC76-0B4FE11194A1}" type="slidenum">
+            <a:fld id="{2AF3B5EA-18B6-4040-9F78-6052AF49C681}" type="slidenum">
               <a:rPr lang="en-US" smtClean="0"/>
-              <a:pPr/>
               <a:t>‹#›</a:t>
             </a:fld>
             <a:endParaRPr lang="en-US"/>
@@ -3355,6 +3699,11 @@
         </p:txBody>
       </p:sp>
     </p:spTree>
+    <p:extLst>
+      <p:ext uri="{BB962C8B-B14F-4D97-AF65-F5344CB8AC3E}">
+        <p14:creationId xmlns:p14="http://schemas.microsoft.com/office/powerpoint/2010/main" val="1776026987"/>
+      </p:ext>
+    </p:extLst>
   </p:cSld>
   <p:clrMapOvr>
     <a:masterClrMapping/>
@@ -3362,7 +3711,7 @@
 </p:sldLayout>
 </file>
 
-<file path=ppt/slideLayouts/slideLayout7.xml><?xml version="1.0" encoding="utf-8"?>
+<file path=ppt/slideLayouts/slideLayout8.xml><?xml version="1.0" encoding="utf-8"?>
 <p:sldLayout xmlns:a="http://schemas.openxmlformats.org/drawingml/2006/main" xmlns:r="http://schemas.openxmlformats.org/officeDocument/2006/relationships" xmlns:p="http://schemas.openxmlformats.org/presentationml/2006/main" type="twoTxTwoObj" preserve="1">
   <p:cSld name="Comparison">
     <p:spTree>
@@ -3721,10 +4070,9 @@
           <a:bodyPr/>
           <a:lstStyle/>
           <a:p>
-            <a:fld id="{CBE6DF32-C57F-4EA4-9518-EB5F320F182D}" type="datetimeFigureOut">
+            <a:fld id="{806389F3-E267-4166-96D5-E1B928433BFE}" type="datetime1">
               <a:rPr lang="en-US" smtClean="0"/>
-              <a:pPr/>
-              <a:t>8/18/2015</a:t>
+              <a:t>8/19/2015</a:t>
             </a:fld>
             <a:endParaRPr lang="en-US"/>
           </a:p>
@@ -3764,9 +4112,8 @@
           <a:bodyPr/>
           <a:lstStyle/>
           <a:p>
-            <a:fld id="{9F4492BD-6A9C-48FC-AC76-0B4FE11194A1}" type="slidenum">
+            <a:fld id="{2AF3B5EA-18B6-4040-9F78-6052AF49C681}" type="slidenum">
               <a:rPr lang="en-US" smtClean="0"/>
-              <a:pPr/>
               <a:t>‹#›</a:t>
             </a:fld>
             <a:endParaRPr lang="en-US"/>
@@ -3774,6 +4121,11 @@
         </p:txBody>
       </p:sp>
     </p:spTree>
+    <p:extLst>
+      <p:ext uri="{BB962C8B-B14F-4D97-AF65-F5344CB8AC3E}">
+        <p14:creationId xmlns:p14="http://schemas.microsoft.com/office/powerpoint/2010/main" val="6895213"/>
+      </p:ext>
+    </p:extLst>
   </p:cSld>
   <p:clrMapOvr>
     <a:masterClrMapping/>
@@ -3781,7 +4133,7 @@
 </p:sldLayout>
 </file>
 
-<file path=ppt/slideLayouts/slideLayout8.xml><?xml version="1.0" encoding="utf-8"?>
+<file path=ppt/slideLayouts/slideLayout9.xml><?xml version="1.0" encoding="utf-8"?>
 <p:sldLayout xmlns:a="http://schemas.openxmlformats.org/drawingml/2006/main" xmlns:r="http://schemas.openxmlformats.org/officeDocument/2006/relationships" xmlns:p="http://schemas.openxmlformats.org/presentationml/2006/main" type="titleOnly" preserve="1">
   <p:cSld name="Title Only">
     <p:spTree>
@@ -3836,10 +4188,9 @@
           <a:bodyPr/>
           <a:lstStyle/>
           <a:p>
-            <a:fld id="{CBE6DF32-C57F-4EA4-9518-EB5F320F182D}" type="datetimeFigureOut">
+            <a:fld id="{1FD6636A-1E59-4641-9B3B-6A1B810E8AEE}" type="datetime1">
               <a:rPr lang="en-US" smtClean="0"/>
-              <a:pPr/>
-              <a:t>8/18/2015</a:t>
+              <a:t>8/19/2015</a:t>
             </a:fld>
             <a:endParaRPr lang="en-US"/>
           </a:p>
@@ -3879,9 +4230,8 @@
           <a:bodyPr/>
           <a:lstStyle/>
           <a:p>
-            <a:fld id="{9F4492BD-6A9C-48FC-AC76-0B4FE11194A1}" type="slidenum">
+            <a:fld id="{2AF3B5EA-18B6-4040-9F78-6052AF49C681}" type="slidenum">
               <a:rPr lang="en-US" smtClean="0"/>
-              <a:pPr/>
               <a:t>‹#›</a:t>
             </a:fld>
             <a:endParaRPr lang="en-US"/>
@@ -3889,6 +4239,11 @@
         </p:txBody>
       </p:sp>
     </p:spTree>
+    <p:extLst>
+      <p:ext uri="{BB962C8B-B14F-4D97-AF65-F5344CB8AC3E}">
+        <p14:creationId xmlns:p14="http://schemas.microsoft.com/office/powerpoint/2010/main" val="2655511320"/>
+      </p:ext>
+    </p:extLst>
   </p:cSld>
   <p:clrMapOvr>
     <a:masterClrMapping/>
@@ -3903,100 +4258,8 @@
 </p:sldLayout>
 </file>
 
-<file path=ppt/slideLayouts/slideLayout9.xml><?xml version="1.0" encoding="utf-8"?>
-<p:sldLayout xmlns:a="http://schemas.openxmlformats.org/drawingml/2006/main" xmlns:r="http://schemas.openxmlformats.org/officeDocument/2006/relationships" xmlns:p="http://schemas.openxmlformats.org/presentationml/2006/main" type="blank" preserve="1">
-  <p:cSld name="Blank">
-    <p:spTree>
-      <p:nvGrpSpPr>
-        <p:cNvPr id="1" name=""/>
-        <p:cNvGrpSpPr/>
-        <p:nvPr/>
-      </p:nvGrpSpPr>
-      <p:grpSpPr>
-        <a:xfrm>
-          <a:off x="0" y="0"/>
-          <a:ext cx="0" cy="0"/>
-          <a:chOff x="0" y="0"/>
-          <a:chExt cx="0" cy="0"/>
-        </a:xfrm>
-      </p:grpSpPr>
-      <p:sp>
-        <p:nvSpPr>
-          <p:cNvPr id="2" name="Date Placeholder 1"/>
-          <p:cNvSpPr>
-            <a:spLocks noGrp="1"/>
-          </p:cNvSpPr>
-          <p:nvPr>
-            <p:ph type="dt" sz="half" idx="10"/>
-          </p:nvPr>
-        </p:nvSpPr>
-        <p:spPr/>
-        <p:txBody>
-          <a:bodyPr/>
-          <a:lstStyle/>
-          <a:p>
-            <a:fld id="{CBE6DF32-C57F-4EA4-9518-EB5F320F182D}" type="datetimeFigureOut">
-              <a:rPr lang="en-US" smtClean="0"/>
-              <a:pPr/>
-              <a:t>8/18/2015</a:t>
-            </a:fld>
-            <a:endParaRPr lang="en-US"/>
-          </a:p>
-        </p:txBody>
-      </p:sp>
-      <p:sp>
-        <p:nvSpPr>
-          <p:cNvPr id="3" name="Footer Placeholder 2"/>
-          <p:cNvSpPr>
-            <a:spLocks noGrp="1"/>
-          </p:cNvSpPr>
-          <p:nvPr>
-            <p:ph type="ftr" sz="quarter" idx="11"/>
-          </p:nvPr>
-        </p:nvSpPr>
-        <p:spPr/>
-        <p:txBody>
-          <a:bodyPr/>
-          <a:lstStyle/>
-          <a:p>
-            <a:endParaRPr lang="en-US"/>
-          </a:p>
-        </p:txBody>
-      </p:sp>
-      <p:sp>
-        <p:nvSpPr>
-          <p:cNvPr id="4" name="Slide Number Placeholder 3"/>
-          <p:cNvSpPr>
-            <a:spLocks noGrp="1"/>
-          </p:cNvSpPr>
-          <p:nvPr>
-            <p:ph type="sldNum" sz="quarter" idx="12"/>
-          </p:nvPr>
-        </p:nvSpPr>
-        <p:spPr/>
-        <p:txBody>
-          <a:bodyPr/>
-          <a:lstStyle/>
-          <a:p>
-            <a:fld id="{9F4492BD-6A9C-48FC-AC76-0B4FE11194A1}" type="slidenum">
-              <a:rPr lang="en-US" smtClean="0"/>
-              <a:pPr/>
-              <a:t>‹#›</a:t>
-            </a:fld>
-            <a:endParaRPr lang="en-US"/>
-          </a:p>
-        </p:txBody>
-      </p:sp>
-    </p:spTree>
-  </p:cSld>
-  <p:clrMapOvr>
-    <a:masterClrMapping/>
-  </p:clrMapOvr>
-</p:sldLayout>
-</file>
-
 <file path=ppt/slideMasters/slideMaster1.xml><?xml version="1.0" encoding="utf-8"?>
-<p:sldMaster xmlns:a="http://schemas.openxmlformats.org/drawingml/2006/main" xmlns:r="http://schemas.openxmlformats.org/officeDocument/2006/relationships" xmlns:p="http://schemas.openxmlformats.org/presentationml/2006/main">
+<p:sldMaster xmlns:a="http://schemas.openxmlformats.org/drawingml/2006/main" xmlns:r="http://schemas.openxmlformats.org/officeDocument/2006/relationships" xmlns:p="http://schemas.openxmlformats.org/presentationml/2006/main" preserve="1">
   <p:cSld>
     <p:bg>
       <p:bgRef idx="1001">
@@ -4036,6 +4299,18 @@
             <a:avLst/>
           </a:prstGeom>
         </p:spPr>
+        <p:style>
+          <a:lnRef idx="2">
+            <a:schemeClr val="accent1"/>
+          </a:lnRef>
+          <a:fillRef idx="1">
+            <a:schemeClr val="lt1"/>
+          </a:fillRef>
+          <a:effectRef idx="0">
+            <a:schemeClr val="accent1"/>
+          </a:effectRef>
+          <a:fontRef idx="none"/>
+        </p:style>
         <p:txBody>
           <a:bodyPr vert="horz" lIns="91440" tIns="45720" rIns="91440" bIns="45720" rtlCol="0" anchor="ctr">
             <a:normAutofit/>
@@ -4145,10 +4420,9 @@
             </a:lvl1pPr>
           </a:lstStyle>
           <a:p>
-            <a:fld id="{CBE6DF32-C57F-4EA4-9518-EB5F320F182D}" type="datetimeFigureOut">
+            <a:fld id="{925A3613-5E0B-4B6E-BE51-1FA4AA29D085}" type="datetime1">
               <a:rPr lang="en-US" smtClean="0"/>
-              <a:pPr/>
-              <a:t>8/18/2015</a:t>
+              <a:t>8/19/2015</a:t>
             </a:fld>
             <a:endParaRPr lang="en-US"/>
           </a:p>
@@ -4224,9 +4498,8 @@
             </a:lvl1pPr>
           </a:lstStyle>
           <a:p>
-            <a:fld id="{9F4492BD-6A9C-48FC-AC76-0B4FE11194A1}" type="slidenum">
+            <a:fld id="{2AF3B5EA-18B6-4040-9F78-6052AF49C681}" type="slidenum">
               <a:rPr lang="en-US" smtClean="0"/>
-              <a:pPr/>
               <a:t>‹#›</a:t>
             </a:fld>
             <a:endParaRPr lang="en-US"/>
@@ -4234,22 +4507,28 @@
         </p:txBody>
       </p:sp>
     </p:spTree>
+    <p:extLst>
+      <p:ext uri="{BB962C8B-B14F-4D97-AF65-F5344CB8AC3E}">
+        <p14:creationId xmlns:p14="http://schemas.microsoft.com/office/powerpoint/2010/main" val="3621464951"/>
+      </p:ext>
+    </p:extLst>
   </p:cSld>
   <p:clrMap bg1="lt1" tx1="dk1" bg2="lt2" tx2="dk2" accent1="accent1" accent2="accent2" accent3="accent3" accent4="accent4" accent5="accent5" accent6="accent6" hlink="hlink" folHlink="folHlink"/>
   <p:sldLayoutIdLst>
-    <p:sldLayoutId id="2147483649" r:id="rId1"/>
-    <p:sldLayoutId id="2147483650" r:id="rId2"/>
-    <p:sldLayoutId id="2147483660" r:id="rId3"/>
-    <p:sldLayoutId id="2147483662" r:id="rId4"/>
-    <p:sldLayoutId id="2147483651" r:id="rId5"/>
-    <p:sldLayoutId id="2147483652" r:id="rId6"/>
-    <p:sldLayoutId id="2147483653" r:id="rId7"/>
-    <p:sldLayoutId id="2147483654" r:id="rId8"/>
-    <p:sldLayoutId id="2147483655" r:id="rId9"/>
-    <p:sldLayoutId id="2147483656" r:id="rId10"/>
-    <p:sldLayoutId id="2147483657" r:id="rId11"/>
-    <p:sldLayoutId id="2147483658" r:id="rId12"/>
-    <p:sldLayoutId id="2147483659" r:id="rId13"/>
+    <p:sldLayoutId id="2147483664" r:id="rId1"/>
+    <p:sldLayoutId id="2147483665" r:id="rId2"/>
+    <p:sldLayoutId id="2147483666" r:id="rId3"/>
+    <p:sldLayoutId id="2147483667" r:id="rId4"/>
+    <p:sldLayoutId id="2147483668" r:id="rId5"/>
+    <p:sldLayoutId id="2147483669" r:id="rId6"/>
+    <p:sldLayoutId id="2147483670" r:id="rId7"/>
+    <p:sldLayoutId id="2147483671" r:id="rId8"/>
+    <p:sldLayoutId id="2147483672" r:id="rId9"/>
+    <p:sldLayoutId id="2147483673" r:id="rId10"/>
+    <p:sldLayoutId id="2147483674" r:id="rId11"/>
+    <p:sldLayoutId id="2147483675" r:id="rId12"/>
+    <p:sldLayoutId id="2147483676" r:id="rId13"/>
+    <p:sldLayoutId id="2147483677" r:id="rId14"/>
   </p:sldLayoutIdLst>
   <p:timing>
     <p:tnLst>
@@ -4258,6 +4537,7 @@
       </p:par>
     </p:tnLst>
   </p:timing>
+  <p:hf hdr="0" ftr="0" dt="0"/>
   <p:txStyles>
     <p:titleStyle>
       <a:lvl1pPr algn="ctr" defTabSz="914400" rtl="0" eaLnBrk="1" latinLnBrk="0" hangingPunct="1">
@@ -4595,6 +4875,30 @@
       </p:sp>
       <p:sp>
         <p:nvSpPr>
+          <p:cNvPr id="5" name="Slide Number Placeholder 4"/>
+          <p:cNvSpPr>
+            <a:spLocks noGrp="1"/>
+          </p:cNvSpPr>
+          <p:nvPr>
+            <p:ph type="sldNum" sz="quarter" idx="12"/>
+          </p:nvPr>
+        </p:nvSpPr>
+        <p:spPr/>
+        <p:txBody>
+          <a:bodyPr/>
+          <a:lstStyle/>
+          <a:p>
+            <a:fld id="{AB376464-0CAE-48CA-94A1-62F8E9374B4C}" type="slidenum">
+              <a:rPr lang="en-US" smtClean="0"/>
+              <a:pPr/>
+              <a:t>1</a:t>
+            </a:fld>
+            <a:endParaRPr lang="en-US"/>
+          </a:p>
+        </p:txBody>
+      </p:sp>
+      <p:sp>
+        <p:nvSpPr>
           <p:cNvPr id="4" name="TextBox 3"/>
           <p:cNvSpPr txBox="1"/>
           <p:nvPr>
@@ -4647,30 +4951,6 @@
               </a:rPr>
               <a:t>A</a:t>
             </a:r>
-            <a:endParaRPr lang="en-US"/>
-          </a:p>
-        </p:txBody>
-      </p:sp>
-      <p:sp>
-        <p:nvSpPr>
-          <p:cNvPr id="5" name="Slide Number Placeholder 4"/>
-          <p:cNvSpPr>
-            <a:spLocks noGrp="1"/>
-          </p:cNvSpPr>
-          <p:nvPr>
-            <p:ph type="sldNum" sz="quarter" idx="12"/>
-          </p:nvPr>
-        </p:nvSpPr>
-        <p:spPr/>
-        <p:txBody>
-          <a:bodyPr/>
-          <a:lstStyle/>
-          <a:p>
-            <a:fld id="{AB376464-0CAE-48CA-94A1-62F8E9374B4C}" type="slidenum">
-              <a:rPr lang="en-US" smtClean="0"/>
-              <a:pPr/>
-              <a:t>1</a:t>
-            </a:fld>
             <a:endParaRPr lang="en-US"/>
           </a:p>
         </p:txBody>
@@ -4749,7 +5029,6 @@
                 <a:rPr lang="en-US" sz="1000" dirty="0" smtClean="0"/>
                 <a:t>2012-2015</a:t>
               </a:r>
-              <a:endParaRPr lang="en-US" sz="1000" dirty="0" smtClean="0"/>
             </a:p>
             <a:p>
               <a:r>
@@ -4889,8 +5168,8 @@
         </p:blipFill>
         <p:spPr>
           <a:xfrm>
-            <a:off x="899562" y="1624614"/>
-            <a:ext cx="7344876" cy="4131493"/>
+            <a:off x="900113" y="1624013"/>
+            <a:ext cx="7343775" cy="4130675"/>
           </a:xfrm>
           <a:prstGeom prst="rect">
             <a:avLst/>
@@ -4976,6 +5255,29 @@
               <a:t>YouTube link</a:t>
             </a:r>
             <a:endParaRPr lang="en-US" dirty="0"/>
+          </a:p>
+        </p:txBody>
+      </p:sp>
+      <p:sp>
+        <p:nvSpPr>
+          <p:cNvPr id="3" name="Slide Number Placeholder 2"/>
+          <p:cNvSpPr>
+            <a:spLocks noGrp="1"/>
+          </p:cNvSpPr>
+          <p:nvPr>
+            <p:ph type="sldNum" sz="quarter" idx="12"/>
+          </p:nvPr>
+        </p:nvSpPr>
+        <p:spPr/>
+        <p:txBody>
+          <a:bodyPr/>
+          <a:lstStyle/>
+          <a:p>
+            <a:fld id="{2AF3B5EA-18B6-4040-9F78-6052AF49C681}" type="slidenum">
+              <a:rPr lang="en-US" smtClean="0"/>
+              <a:t>10</a:t>
+            </a:fld>
+            <a:endParaRPr lang="en-US"/>
           </a:p>
         </p:txBody>
       </p:sp>
@@ -5174,6 +5476,29 @@
           </a:p>
         </p:txBody>
       </p:sp>
+      <p:sp>
+        <p:nvSpPr>
+          <p:cNvPr id="4" name="Slide Number Placeholder 3"/>
+          <p:cNvSpPr>
+            <a:spLocks noGrp="1"/>
+          </p:cNvSpPr>
+          <p:nvPr>
+            <p:ph type="sldNum" sz="quarter" idx="12"/>
+          </p:nvPr>
+        </p:nvSpPr>
+        <p:spPr/>
+        <p:txBody>
+          <a:bodyPr/>
+          <a:lstStyle/>
+          <a:p>
+            <a:fld id="{2AF3B5EA-18B6-4040-9F78-6052AF49C681}" type="slidenum">
+              <a:rPr lang="en-US" smtClean="0"/>
+              <a:t>11</a:t>
+            </a:fld>
+            <a:endParaRPr lang="en-US"/>
+          </a:p>
+        </p:txBody>
+      </p:sp>
     </p:spTree>
   </p:cSld>
   <p:clrMapOvr>
@@ -5396,6 +5721,29 @@
           </a:p>
         </p:txBody>
       </p:sp>
+      <p:sp>
+        <p:nvSpPr>
+          <p:cNvPr id="4" name="Slide Number Placeholder 3"/>
+          <p:cNvSpPr>
+            <a:spLocks noGrp="1"/>
+          </p:cNvSpPr>
+          <p:nvPr>
+            <p:ph type="sldNum" sz="quarter" idx="12"/>
+          </p:nvPr>
+        </p:nvSpPr>
+        <p:spPr/>
+        <p:txBody>
+          <a:bodyPr/>
+          <a:lstStyle/>
+          <a:p>
+            <a:fld id="{2AF3B5EA-18B6-4040-9F78-6052AF49C681}" type="slidenum">
+              <a:rPr lang="en-US" smtClean="0"/>
+              <a:t>12</a:t>
+            </a:fld>
+            <a:endParaRPr lang="en-US"/>
+          </a:p>
+        </p:txBody>
+      </p:sp>
     </p:spTree>
   </p:cSld>
   <p:clrMapOvr>
@@ -5517,6 +5865,29 @@
           </a:p>
         </p:txBody>
       </p:sp>
+      <p:sp>
+        <p:nvSpPr>
+          <p:cNvPr id="4" name="Slide Number Placeholder 3"/>
+          <p:cNvSpPr>
+            <a:spLocks noGrp="1"/>
+          </p:cNvSpPr>
+          <p:nvPr>
+            <p:ph type="sldNum" sz="quarter" idx="12"/>
+          </p:nvPr>
+        </p:nvSpPr>
+        <p:spPr/>
+        <p:txBody>
+          <a:bodyPr/>
+          <a:lstStyle/>
+          <a:p>
+            <a:fld id="{2AF3B5EA-18B6-4040-9F78-6052AF49C681}" type="slidenum">
+              <a:rPr lang="en-US" smtClean="0"/>
+              <a:t>13</a:t>
+            </a:fld>
+            <a:endParaRPr lang="en-US"/>
+          </a:p>
+        </p:txBody>
+      </p:sp>
     </p:spTree>
   </p:cSld>
   <p:clrMapOvr>
@@ -5611,6 +5982,29 @@
           </a:p>
         </p:txBody>
       </p:sp>
+      <p:sp>
+        <p:nvSpPr>
+          <p:cNvPr id="3" name="Slide Number Placeholder 2"/>
+          <p:cNvSpPr>
+            <a:spLocks noGrp="1"/>
+          </p:cNvSpPr>
+          <p:nvPr>
+            <p:ph type="sldNum" sz="quarter" idx="12"/>
+          </p:nvPr>
+        </p:nvSpPr>
+        <p:spPr/>
+        <p:txBody>
+          <a:bodyPr/>
+          <a:lstStyle/>
+          <a:p>
+            <a:fld id="{2AF3B5EA-18B6-4040-9F78-6052AF49C681}" type="slidenum">
+              <a:rPr lang="en-US" smtClean="0"/>
+              <a:t>14</a:t>
+            </a:fld>
+            <a:endParaRPr lang="en-US"/>
+          </a:p>
+        </p:txBody>
+      </p:sp>
     </p:spTree>
   </p:cSld>
   <p:clrMapOvr>
@@ -5701,6 +6095,29 @@
           </a:p>
         </p:txBody>
       </p:sp>
+      <p:sp>
+        <p:nvSpPr>
+          <p:cNvPr id="4" name="Slide Number Placeholder 3"/>
+          <p:cNvSpPr>
+            <a:spLocks noGrp="1"/>
+          </p:cNvSpPr>
+          <p:nvPr>
+            <p:ph type="sldNum" sz="quarter" idx="12"/>
+          </p:nvPr>
+        </p:nvSpPr>
+        <p:spPr/>
+        <p:txBody>
+          <a:bodyPr/>
+          <a:lstStyle/>
+          <a:p>
+            <a:fld id="{2AF3B5EA-18B6-4040-9F78-6052AF49C681}" type="slidenum">
+              <a:rPr lang="en-US" smtClean="0"/>
+              <a:t>15</a:t>
+            </a:fld>
+            <a:endParaRPr lang="en-US"/>
+          </a:p>
+        </p:txBody>
+      </p:sp>
     </p:spTree>
   </p:cSld>
   <p:clrMapOvr>
@@ -5853,6 +6270,29 @@
           </a:p>
         </p:txBody>
       </p:sp>
+      <p:sp>
+        <p:nvSpPr>
+          <p:cNvPr id="4" name="Slide Number Placeholder 3"/>
+          <p:cNvSpPr>
+            <a:spLocks noGrp="1"/>
+          </p:cNvSpPr>
+          <p:nvPr>
+            <p:ph type="sldNum" sz="quarter" idx="12"/>
+          </p:nvPr>
+        </p:nvSpPr>
+        <p:spPr/>
+        <p:txBody>
+          <a:bodyPr/>
+          <a:lstStyle/>
+          <a:p>
+            <a:fld id="{2AF3B5EA-18B6-4040-9F78-6052AF49C681}" type="slidenum">
+              <a:rPr lang="en-US" smtClean="0"/>
+              <a:t>16</a:t>
+            </a:fld>
+            <a:endParaRPr lang="en-US"/>
+          </a:p>
+        </p:txBody>
+      </p:sp>
     </p:spTree>
   </p:cSld>
   <p:clrMapOvr>
@@ -6086,6 +6526,29 @@
               </a:rPr>
               <a:t>is.</a:t>
             </a:r>
+          </a:p>
+        </p:txBody>
+      </p:sp>
+      <p:sp>
+        <p:nvSpPr>
+          <p:cNvPr id="5" name="Slide Number Placeholder 4"/>
+          <p:cNvSpPr>
+            <a:spLocks noGrp="1"/>
+          </p:cNvSpPr>
+          <p:nvPr>
+            <p:ph type="sldNum" sz="quarter" idx="12"/>
+          </p:nvPr>
+        </p:nvSpPr>
+        <p:spPr/>
+        <p:txBody>
+          <a:bodyPr/>
+          <a:lstStyle/>
+          <a:p>
+            <a:fld id="{2AF3B5EA-18B6-4040-9F78-6052AF49C681}" type="slidenum">
+              <a:rPr lang="en-US" smtClean="0"/>
+              <a:t>17</a:t>
+            </a:fld>
+            <a:endParaRPr lang="en-US"/>
           </a:p>
         </p:txBody>
       </p:sp>
@@ -6281,6 +6744,29 @@
           </a:p>
         </p:txBody>
       </p:sp>
+      <p:sp>
+        <p:nvSpPr>
+          <p:cNvPr id="4" name="Slide Number Placeholder 3"/>
+          <p:cNvSpPr>
+            <a:spLocks noGrp="1"/>
+          </p:cNvSpPr>
+          <p:nvPr>
+            <p:ph type="sldNum" sz="quarter" idx="12"/>
+          </p:nvPr>
+        </p:nvSpPr>
+        <p:spPr/>
+        <p:txBody>
+          <a:bodyPr/>
+          <a:lstStyle/>
+          <a:p>
+            <a:fld id="{2AF3B5EA-18B6-4040-9F78-6052AF49C681}" type="slidenum">
+              <a:rPr lang="en-US" smtClean="0"/>
+              <a:t>18</a:t>
+            </a:fld>
+            <a:endParaRPr lang="en-US"/>
+          </a:p>
+        </p:txBody>
+      </p:sp>
     </p:spTree>
   </p:cSld>
   <p:clrMapOvr>
@@ -6569,6 +7055,29 @@
           </a:p>
         </p:txBody>
       </p:sp>
+      <p:sp>
+        <p:nvSpPr>
+          <p:cNvPr id="4" name="Slide Number Placeholder 3"/>
+          <p:cNvSpPr>
+            <a:spLocks noGrp="1"/>
+          </p:cNvSpPr>
+          <p:nvPr>
+            <p:ph type="sldNum" sz="quarter" idx="12"/>
+          </p:nvPr>
+        </p:nvSpPr>
+        <p:spPr/>
+        <p:txBody>
+          <a:bodyPr/>
+          <a:lstStyle/>
+          <a:p>
+            <a:fld id="{2AF3B5EA-18B6-4040-9F78-6052AF49C681}" type="slidenum">
+              <a:rPr lang="en-US" smtClean="0"/>
+              <a:t>19</a:t>
+            </a:fld>
+            <a:endParaRPr lang="en-US"/>
+          </a:p>
+        </p:txBody>
+      </p:sp>
     </p:spTree>
   </p:cSld>
   <p:clrMapOvr>
@@ -6664,6 +7173,29 @@
               <a:t>We’ll do all this in the context of 3 versions of a simple system.</a:t>
             </a:r>
             <a:endParaRPr lang="en-US" dirty="0"/>
+          </a:p>
+        </p:txBody>
+      </p:sp>
+      <p:sp>
+        <p:nvSpPr>
+          <p:cNvPr id="4" name="Slide Number Placeholder 3"/>
+          <p:cNvSpPr>
+            <a:spLocks noGrp="1"/>
+          </p:cNvSpPr>
+          <p:nvPr>
+            <p:ph type="sldNum" sz="quarter" idx="12"/>
+          </p:nvPr>
+        </p:nvSpPr>
+        <p:spPr/>
+        <p:txBody>
+          <a:bodyPr/>
+          <a:lstStyle/>
+          <a:p>
+            <a:fld id="{2AF3B5EA-18B6-4040-9F78-6052AF49C681}" type="slidenum">
+              <a:rPr lang="en-US" smtClean="0"/>
+              <a:t>2</a:t>
+            </a:fld>
+            <a:endParaRPr lang="en-US"/>
           </a:p>
         </p:txBody>
       </p:sp>
@@ -6970,6 +7502,29 @@
           </a:p>
         </p:txBody>
       </p:sp>
+      <p:sp>
+        <p:nvSpPr>
+          <p:cNvPr id="5" name="Slide Number Placeholder 4"/>
+          <p:cNvSpPr>
+            <a:spLocks noGrp="1"/>
+          </p:cNvSpPr>
+          <p:nvPr>
+            <p:ph type="sldNum" sz="quarter" idx="12"/>
+          </p:nvPr>
+        </p:nvSpPr>
+        <p:spPr/>
+        <p:txBody>
+          <a:bodyPr/>
+          <a:lstStyle/>
+          <a:p>
+            <a:fld id="{2AF3B5EA-18B6-4040-9F78-6052AF49C681}" type="slidenum">
+              <a:rPr lang="en-US" smtClean="0"/>
+              <a:t>20</a:t>
+            </a:fld>
+            <a:endParaRPr lang="en-US"/>
+          </a:p>
+        </p:txBody>
+      </p:sp>
     </p:spTree>
   </p:cSld>
   <p:clrMapOvr>
@@ -7053,13 +7608,8 @@
             </a:r>
             <a:r>
               <a:rPr lang="en-US" dirty="0" smtClean="0"/>
-              <a:t> is compound, so use </a:t>
-            </a:r>
-            <a:r>
-              <a:rPr lang="en-US" dirty="0" smtClean="0"/>
-              <a:t>the template for World</a:t>
-            </a:r>
-            <a:endParaRPr lang="en-US" dirty="0" smtClean="0"/>
+              <a:t> is compound, so use the template for World</a:t>
+            </a:r>
           </a:p>
           <a:p>
             <a:pPr>
@@ -7070,19 +7620,8 @@
                 <a:latin typeface="Consolas" pitchFamily="49" charset="0"/>
                 <a:cs typeface="Consolas" pitchFamily="49" charset="0"/>
               </a:rPr>
-              <a:t>;; strategy: </a:t>
-            </a:r>
-            <a:r>
-              <a:rPr lang="en-US" sz="2400" b="1" dirty="0" smtClean="0">
-                <a:latin typeface="Consolas" pitchFamily="49" charset="0"/>
-                <a:cs typeface="Consolas" pitchFamily="49" charset="0"/>
-              </a:rPr>
-              <a:t>use template for World on w</a:t>
-            </a:r>
-            <a:endParaRPr lang="en-US" sz="2400" b="1" dirty="0" smtClean="0">
-              <a:latin typeface="Consolas" pitchFamily="49" charset="0"/>
-              <a:cs typeface="Consolas" pitchFamily="49" charset="0"/>
-            </a:endParaRPr>
+              <a:t>;; strategy: use template for World on w</a:t>
+            </a:r>
           </a:p>
           <a:p>
             <a:pPr>
@@ -7160,11 +7699,58 @@
               <a:rPr lang="en-US" dirty="0" smtClean="0">
                 <a:cs typeface="Courier New" pitchFamily="49" charset="0"/>
               </a:rPr>
-              <a:t>If the world is paused, we should return w unchanged.  Otherwise, we should return a world in which the cat has fallen CATSPEED pixels.</a:t>
+              <a:t>If the world is paused, we should return </a:t>
+            </a:r>
+            <a:r>
+              <a:rPr lang="en-US" b="1" dirty="0" smtClean="0">
+                <a:cs typeface="Courier New" pitchFamily="49" charset="0"/>
+              </a:rPr>
+              <a:t>w</a:t>
+            </a:r>
+            <a:r>
+              <a:rPr lang="en-US" dirty="0" smtClean="0">
+                <a:cs typeface="Courier New" pitchFamily="49" charset="0"/>
+              </a:rPr>
+              <a:t> unchanged.  Otherwise, we should return a world in which the cat has fallen </a:t>
+            </a:r>
+            <a:r>
+              <a:rPr lang="en-US" b="1" dirty="0" smtClean="0">
+                <a:cs typeface="Courier New" pitchFamily="49" charset="0"/>
+              </a:rPr>
+              <a:t>CATSPEED</a:t>
+            </a:r>
+            <a:r>
+              <a:rPr lang="en-US" dirty="0" smtClean="0">
+                <a:cs typeface="Courier New" pitchFamily="49" charset="0"/>
+              </a:rPr>
+              <a:t> pixels.</a:t>
             </a:r>
             <a:endParaRPr lang="en-US" dirty="0">
               <a:cs typeface="Courier New" pitchFamily="49" charset="0"/>
             </a:endParaRPr>
+          </a:p>
+        </p:txBody>
+      </p:sp>
+      <p:sp>
+        <p:nvSpPr>
+          <p:cNvPr id="4" name="Slide Number Placeholder 3"/>
+          <p:cNvSpPr>
+            <a:spLocks noGrp="1"/>
+          </p:cNvSpPr>
+          <p:nvPr>
+            <p:ph type="sldNum" sz="quarter" idx="12"/>
+          </p:nvPr>
+        </p:nvSpPr>
+        <p:spPr/>
+        <p:txBody>
+          <a:bodyPr/>
+          <a:lstStyle/>
+          <a:p>
+            <a:fld id="{2AF3B5EA-18B6-4040-9F78-6052AF49C681}" type="slidenum">
+              <a:rPr lang="en-US" smtClean="0"/>
+              <a:t>21</a:t>
+            </a:fld>
+            <a:endParaRPr lang="en-US"/>
           </a:p>
         </p:txBody>
       </p:sp>
@@ -7333,15 +7919,198 @@
               </a:rPr>
               <a:t>                  (world-paused? w))))</a:t>
             </a:r>
-            <a:endParaRPr lang="en-US" sz="2000" b="1" dirty="0">
-              <a:latin typeface="Consolas" pitchFamily="49" charset="0"/>
-              <a:cs typeface="Consolas" pitchFamily="49" charset="0"/>
-            </a:endParaRPr>
           </a:p>
           <a:p>
             <a:endParaRPr lang="en-US" sz="2400" dirty="0">
               <a:cs typeface="Courier New" pitchFamily="49" charset="0"/>
             </a:endParaRPr>
+          </a:p>
+        </p:txBody>
+      </p:sp>
+      <p:sp>
+        <p:nvSpPr>
+          <p:cNvPr id="4" name="Rectangle 3"/>
+          <p:cNvSpPr/>
+          <p:nvPr/>
+        </p:nvSpPr>
+        <p:spPr>
+          <a:xfrm>
+            <a:off x="457200" y="4296578"/>
+            <a:ext cx="3013113" cy="1707615"/>
+          </a:xfrm>
+          <a:prstGeom prst="rect">
+            <a:avLst/>
+          </a:prstGeom>
+          <a:solidFill>
+            <a:schemeClr val="accent3">
+              <a:lumMod val="40000"/>
+              <a:lumOff val="60000"/>
+            </a:schemeClr>
+          </a:solidFill>
+          <a:ln/>
+        </p:spPr>
+        <p:style>
+          <a:lnRef idx="2">
+            <a:schemeClr val="accent1"/>
+          </a:lnRef>
+          <a:fillRef idx="1">
+            <a:schemeClr val="lt1"/>
+          </a:fillRef>
+          <a:effectRef idx="0">
+            <a:schemeClr val="accent1"/>
+          </a:effectRef>
+          <a:fontRef idx="minor">
+            <a:schemeClr val="dk1"/>
+          </a:fontRef>
+        </p:style>
+        <p:txBody>
+          <a:bodyPr rot="0" spcFirstLastPara="0" vertOverflow="overflow" horzOverflow="overflow" vert="horz" wrap="square" lIns="91440" tIns="45720" rIns="91440" bIns="45720" numCol="1" spcCol="0" rtlCol="0" fromWordArt="0" anchor="t" anchorCtr="0" forceAA="0" compatLnSpc="1">
+            <a:prstTxWarp prst="textNoShape">
+              <a:avLst/>
+            </a:prstTxWarp>
+            <a:noAutofit/>
+          </a:bodyPr>
+          <a:lstStyle/>
+          <a:p>
+            <a:r>
+              <a:rPr lang="en-US" dirty="0" smtClean="0">
+                <a:solidFill>
+                  <a:schemeClr val="tx1"/>
+                </a:solidFill>
+              </a:rPr>
+              <a:t>Here we’ve just written out the function because it was so </a:t>
+            </a:r>
+            <a:r>
+              <a:rPr lang="en-US" dirty="0" smtClean="0">
+                <a:solidFill>
+                  <a:schemeClr val="tx1"/>
+                </a:solidFill>
+              </a:rPr>
+              <a:t>simple.  If it were any more complicated, we might break it up into pieces, as on the next slide.</a:t>
+            </a:r>
+            <a:endParaRPr lang="en-US" dirty="0" smtClean="0">
+              <a:solidFill>
+                <a:schemeClr val="tx1"/>
+              </a:solidFill>
+            </a:endParaRPr>
+          </a:p>
+        </p:txBody>
+      </p:sp>
+      <p:sp>
+        <p:nvSpPr>
+          <p:cNvPr id="5" name="Rectangle 4"/>
+          <p:cNvSpPr/>
+          <p:nvPr/>
+        </p:nvSpPr>
+        <p:spPr>
+          <a:xfrm>
+            <a:off x="3558447" y="4318609"/>
+            <a:ext cx="5442333" cy="1813061"/>
+          </a:xfrm>
+          <a:prstGeom prst="rect">
+            <a:avLst/>
+          </a:prstGeom>
+          <a:solidFill>
+            <a:schemeClr val="accent3">
+              <a:lumMod val="40000"/>
+              <a:lumOff val="60000"/>
+            </a:schemeClr>
+          </a:solidFill>
+          <a:ln/>
+        </p:spPr>
+        <p:style>
+          <a:lnRef idx="2">
+            <a:schemeClr val="accent1"/>
+          </a:lnRef>
+          <a:fillRef idx="1">
+            <a:schemeClr val="lt1"/>
+          </a:fillRef>
+          <a:effectRef idx="0">
+            <a:schemeClr val="accent1"/>
+          </a:effectRef>
+          <a:fontRef idx="minor">
+            <a:schemeClr val="dk1"/>
+          </a:fontRef>
+        </p:style>
+        <p:txBody>
+          <a:bodyPr rot="0" spcFirstLastPara="0" vertOverflow="overflow" horzOverflow="overflow" vert="horz" wrap="square" lIns="91440" tIns="45720" rIns="91440" bIns="45720" numCol="1" spcCol="0" rtlCol="0" fromWordArt="0" anchor="t" anchorCtr="0" forceAA="0" compatLnSpc="1">
+            <a:prstTxWarp prst="textNoShape">
+              <a:avLst/>
+            </a:prstTxWarp>
+            <a:noAutofit/>
+          </a:bodyPr>
+          <a:lstStyle/>
+          <a:p>
+            <a:r>
+              <a:rPr lang="en-US" dirty="0" smtClean="0">
+                <a:solidFill>
+                  <a:schemeClr val="tx1"/>
+                </a:solidFill>
+              </a:rPr>
+              <a:t>A more complete description of our strategy might be</a:t>
+            </a:r>
+          </a:p>
+          <a:p>
+            <a:endParaRPr lang="en-US" dirty="0" smtClean="0">
+              <a:solidFill>
+                <a:schemeClr val="tx1"/>
+              </a:solidFill>
+            </a:endParaRPr>
+          </a:p>
+          <a:p>
+            <a:r>
+              <a:rPr lang="en-US" b="1" dirty="0" smtClean="0">
+                <a:solidFill>
+                  <a:schemeClr val="tx1"/>
+                </a:solidFill>
+              </a:rPr>
+              <a:t>STRATEGY: Use template for World on w, then cases on whether w is paused.</a:t>
+            </a:r>
+          </a:p>
+          <a:p>
+            <a:endParaRPr lang="en-US" dirty="0">
+              <a:solidFill>
+                <a:schemeClr val="tx1"/>
+              </a:solidFill>
+            </a:endParaRPr>
+          </a:p>
+          <a:p>
+            <a:r>
+              <a:rPr lang="en-US" dirty="0" smtClean="0">
+                <a:solidFill>
+                  <a:schemeClr val="tx1"/>
+                </a:solidFill>
+              </a:rPr>
+              <a:t>You don’t have to be so detailed.  </a:t>
+            </a:r>
+            <a:endParaRPr lang="en-US" dirty="0" smtClean="0">
+              <a:solidFill>
+                <a:schemeClr val="tx1"/>
+              </a:solidFill>
+            </a:endParaRPr>
+          </a:p>
+        </p:txBody>
+      </p:sp>
+      <p:sp>
+        <p:nvSpPr>
+          <p:cNvPr id="6" name="Slide Number Placeholder 5"/>
+          <p:cNvSpPr>
+            <a:spLocks noGrp="1"/>
+          </p:cNvSpPr>
+          <p:nvPr>
+            <p:ph type="sldNum" sz="quarter" idx="12"/>
+          </p:nvPr>
+        </p:nvSpPr>
+        <p:spPr/>
+        <p:txBody>
+          <a:bodyPr/>
+          <a:lstStyle/>
+          <a:p>
+            <a:fld id="{2AF3B5EA-18B6-4040-9F78-6052AF49C681}" type="slidenum">
+              <a:rPr lang="en-US" smtClean="0"/>
+              <a:t>22</a:t>
+            </a:fld>
+            <a:endParaRPr lang="en-US"/>
           </a:p>
         </p:txBody>
       </p:sp>
@@ -7394,7 +8163,7 @@
           <a:p>
             <a:r>
               <a:rPr lang="en-US" dirty="0" smtClean="0"/>
-              <a:t>Tests</a:t>
+              <a:t>Function Definition</a:t>
             </a:r>
             <a:endParaRPr lang="en-US" dirty="0"/>
           </a:p>
@@ -7413,7 +8182,7 @@
         <p:spPr/>
         <p:txBody>
           <a:bodyPr>
-            <a:noAutofit/>
+            <a:normAutofit/>
           </a:bodyPr>
           <a:lstStyle/>
           <a:p>
@@ -7421,54 +8190,18 @@
               <a:buNone/>
             </a:pPr>
             <a:r>
-              <a:rPr lang="en-US" sz="1400" b="1" dirty="0" smtClean="0">
-                <a:latin typeface="Consolas" pitchFamily="49" charset="0"/>
-                <a:cs typeface="Consolas" pitchFamily="49" charset="0"/>
-              </a:rPr>
-              <a:t>(define unpaused-world-at-20 (make-world 20 false))  </a:t>
-            </a:r>
-          </a:p>
-          <a:p>
-            <a:pPr>
-              <a:buNone/>
-            </a:pPr>
-            <a:r>
-              <a:rPr lang="en-US" sz="1400" b="1" dirty="0" smtClean="0">
-                <a:latin typeface="Consolas" pitchFamily="49" charset="0"/>
-                <a:cs typeface="Consolas" pitchFamily="49" charset="0"/>
-              </a:rPr>
-              <a:t>(define paused-world-at-20   (make-world 20 true))</a:t>
-            </a:r>
-          </a:p>
-          <a:p>
-            <a:pPr>
-              <a:buNone/>
-            </a:pPr>
-            <a:r>
-              <a:rPr lang="en-US" sz="1400" b="1" dirty="0" smtClean="0">
-                <a:latin typeface="Consolas" pitchFamily="49" charset="0"/>
-                <a:cs typeface="Consolas" pitchFamily="49" charset="0"/>
-              </a:rPr>
-              <a:t>(define unpaused-world-at-28 (make-world (+ 20 CATSPEED) false))  </a:t>
-            </a:r>
-          </a:p>
-          <a:p>
-            <a:pPr>
-              <a:buNone/>
-            </a:pPr>
-            <a:r>
-              <a:rPr lang="en-US" sz="1400" b="1" dirty="0" smtClean="0">
-                <a:latin typeface="Consolas" pitchFamily="49" charset="0"/>
-                <a:cs typeface="Consolas" pitchFamily="49" charset="0"/>
-              </a:rPr>
-              <a:t>(define paused-world-at-28   (make-world (+ 20 CATSPEED) true))</a:t>
-            </a:r>
-          </a:p>
-          <a:p>
-            <a:pPr>
-              <a:buNone/>
-            </a:pPr>
-            <a:endParaRPr lang="en-US" sz="1400" b="1" dirty="0" smtClean="0">
+              <a:rPr lang="en-US" sz="2000" b="1" dirty="0">
+                <a:latin typeface="Consolas" pitchFamily="49" charset="0"/>
+                <a:cs typeface="Consolas" pitchFamily="49" charset="0"/>
+              </a:rPr>
+              <a:t>;; STRATEGY: Use template for World on w</a:t>
+            </a:r>
+          </a:p>
+          <a:p>
+            <a:pPr>
+              <a:buNone/>
+            </a:pPr>
+            <a:endParaRPr lang="en-US" sz="2000" b="1" dirty="0">
               <a:latin typeface="Consolas" pitchFamily="49" charset="0"/>
               <a:cs typeface="Consolas" pitchFamily="49" charset="0"/>
             </a:endParaRPr>
@@ -7478,158 +8211,172 @@
               <a:buNone/>
             </a:pPr>
             <a:r>
-              <a:rPr lang="en-US" sz="1400" b="1" dirty="0" smtClean="0">
-                <a:latin typeface="Consolas" pitchFamily="49" charset="0"/>
-                <a:cs typeface="Consolas" pitchFamily="49" charset="0"/>
-              </a:rPr>
-              <a:t>(begin-for-tests</a:t>
-            </a:r>
-          </a:p>
-          <a:p>
-            <a:pPr>
-              <a:buNone/>
-            </a:pPr>
-            <a:r>
-              <a:rPr lang="en-US" sz="1400" b="1" dirty="0" smtClean="0">
-                <a:latin typeface="Consolas" pitchFamily="49" charset="0"/>
-                <a:cs typeface="Consolas" pitchFamily="49" charset="0"/>
-              </a:rPr>
-              <a:t>  (check-equal? </a:t>
-            </a:r>
-          </a:p>
-          <a:p>
-            <a:pPr>
-              <a:buNone/>
-            </a:pPr>
-            <a:r>
-              <a:rPr lang="en-US" sz="1400" b="1" dirty="0" smtClean="0">
-                <a:latin typeface="Consolas" pitchFamily="49" charset="0"/>
-                <a:cs typeface="Consolas" pitchFamily="49" charset="0"/>
-              </a:rPr>
-              <a:t>    (world-after-tick unpaused-world-at-20) </a:t>
-            </a:r>
-          </a:p>
-          <a:p>
-            <a:pPr>
-              <a:buNone/>
-            </a:pPr>
-            <a:r>
-              <a:rPr lang="en-US" sz="1400" b="1" dirty="0" smtClean="0">
-                <a:latin typeface="Consolas" pitchFamily="49" charset="0"/>
-                <a:cs typeface="Consolas" pitchFamily="49" charset="0"/>
-              </a:rPr>
-              <a:t>    unpaused-world-at-28</a:t>
-            </a:r>
-          </a:p>
-          <a:p>
-            <a:pPr>
-              <a:buNone/>
-            </a:pPr>
-            <a:r>
-              <a:rPr lang="en-US" sz="1400" b="1" dirty="0" smtClean="0">
-                <a:latin typeface="Consolas" pitchFamily="49" charset="0"/>
-                <a:cs typeface="Consolas" pitchFamily="49" charset="0"/>
-              </a:rPr>
-              <a:t>    "in </a:t>
-            </a:r>
-            <a:r>
-              <a:rPr lang="en-US" sz="1400" b="1" dirty="0" err="1" smtClean="0">
+              <a:rPr lang="en-US" sz="2000" b="1" dirty="0">
+                <a:latin typeface="Consolas" pitchFamily="49" charset="0"/>
+                <a:cs typeface="Consolas" pitchFamily="49" charset="0"/>
+              </a:rPr>
+              <a:t>(define (world-after-tick w)</a:t>
+            </a:r>
+          </a:p>
+          <a:p>
+            <a:pPr>
+              <a:buNone/>
+            </a:pPr>
+            <a:r>
+              <a:rPr lang="en-US" sz="2000" b="1" dirty="0">
+                <a:latin typeface="Consolas" pitchFamily="49" charset="0"/>
+                <a:cs typeface="Consolas" pitchFamily="49" charset="0"/>
+              </a:rPr>
+              <a:t>  (if (world-paused? w)</a:t>
+            </a:r>
+          </a:p>
+          <a:p>
+            <a:pPr>
+              <a:buNone/>
+            </a:pPr>
+            <a:r>
+              <a:rPr lang="en-US" sz="2000" b="1" dirty="0">
+                <a:latin typeface="Consolas" pitchFamily="49" charset="0"/>
+                <a:cs typeface="Consolas" pitchFamily="49" charset="0"/>
+              </a:rPr>
+              <a:t>      </a:t>
+            </a:r>
+            <a:r>
+              <a:rPr lang="en-US" sz="2000" b="1" dirty="0" smtClean="0">
+                <a:latin typeface="Consolas" pitchFamily="49" charset="0"/>
+                <a:cs typeface="Consolas" pitchFamily="49" charset="0"/>
+              </a:rPr>
+              <a:t>(paused-world-after-tick w)</a:t>
+            </a:r>
+          </a:p>
+          <a:p>
+            <a:pPr>
+              <a:buNone/>
+            </a:pPr>
+            <a:r>
+              <a:rPr lang="en-US" sz="2000" b="1" dirty="0">
+                <a:latin typeface="Consolas" pitchFamily="49" charset="0"/>
+                <a:cs typeface="Consolas" pitchFamily="49" charset="0"/>
+              </a:rPr>
+              <a:t> </a:t>
+            </a:r>
+            <a:r>
+              <a:rPr lang="en-US" sz="2000" b="1" dirty="0" smtClean="0">
+                <a:latin typeface="Consolas" pitchFamily="49" charset="0"/>
+                <a:cs typeface="Consolas" pitchFamily="49" charset="0"/>
+              </a:rPr>
+              <a:t>     (</a:t>
+            </a:r>
+            <a:r>
+              <a:rPr lang="en-US" sz="2000" b="1" dirty="0" err="1" smtClean="0">
                 <a:latin typeface="Consolas" pitchFamily="49" charset="0"/>
                 <a:cs typeface="Consolas" pitchFamily="49" charset="0"/>
               </a:rPr>
               <a:t>unpaused</a:t>
             </a:r>
             <a:r>
-              <a:rPr lang="en-US" sz="1400" b="1" dirty="0" smtClean="0">
-                <a:latin typeface="Consolas" pitchFamily="49" charset="0"/>
-                <a:cs typeface="Consolas" pitchFamily="49" charset="0"/>
-              </a:rPr>
-              <a:t> world, the cat should fall CATSPEED pixels and world should still be </a:t>
-            </a:r>
-            <a:r>
-              <a:rPr lang="en-US" sz="1400" b="1" dirty="0" err="1" smtClean="0">
-                <a:latin typeface="Consolas" pitchFamily="49" charset="0"/>
-                <a:cs typeface="Consolas" pitchFamily="49" charset="0"/>
-              </a:rPr>
-              <a:t>unpaused</a:t>
-            </a:r>
-            <a:r>
-              <a:rPr lang="en-US" sz="1400" b="1" dirty="0" smtClean="0">
-                <a:latin typeface="Consolas" pitchFamily="49" charset="0"/>
-                <a:cs typeface="Consolas" pitchFamily="49" charset="0"/>
-              </a:rPr>
-              <a:t>")</a:t>
-            </a:r>
-          </a:p>
-          <a:p>
-            <a:pPr>
-              <a:buNone/>
-            </a:pPr>
-            <a:endParaRPr lang="en-US" sz="1400" b="1" dirty="0" smtClean="0">
-              <a:latin typeface="Consolas" pitchFamily="49" charset="0"/>
-              <a:cs typeface="Consolas" pitchFamily="49" charset="0"/>
+              <a:rPr lang="en-US" sz="2000" b="1" dirty="0" smtClean="0">
+                <a:latin typeface="Consolas" pitchFamily="49" charset="0"/>
+                <a:cs typeface="Consolas" pitchFamily="49" charset="0"/>
+              </a:rPr>
+              <a:t>-world-after-tick w))</a:t>
+            </a:r>
+            <a:endParaRPr lang="en-US" sz="2400" dirty="0">
+              <a:cs typeface="Courier New" pitchFamily="49" charset="0"/>
             </a:endParaRPr>
           </a:p>
-          <a:p>
-            <a:pPr>
-              <a:buNone/>
-            </a:pPr>
-            <a:r>
-              <a:rPr lang="en-US" sz="1400" b="1" dirty="0" smtClean="0">
-                <a:latin typeface="Consolas" pitchFamily="49" charset="0"/>
-                <a:cs typeface="Consolas" pitchFamily="49" charset="0"/>
-              </a:rPr>
-              <a:t>  (check-equal? </a:t>
-            </a:r>
-          </a:p>
-          <a:p>
-            <a:pPr>
-              <a:buNone/>
-            </a:pPr>
-            <a:r>
-              <a:rPr lang="en-US" sz="1400" b="1" dirty="0" smtClean="0">
-                <a:latin typeface="Consolas" pitchFamily="49" charset="0"/>
-                <a:cs typeface="Consolas" pitchFamily="49" charset="0"/>
-              </a:rPr>
-              <a:t>    (world-after-tick paused-world-at-20)</a:t>
-            </a:r>
-          </a:p>
-          <a:p>
-            <a:pPr>
-              <a:buNone/>
-            </a:pPr>
-            <a:r>
-              <a:rPr lang="en-US" sz="1400" b="1" dirty="0" smtClean="0">
-                <a:latin typeface="Consolas" pitchFamily="49" charset="0"/>
-                <a:cs typeface="Consolas" pitchFamily="49" charset="0"/>
-              </a:rPr>
-              <a:t>    paused-world-at-20</a:t>
-            </a:r>
-          </a:p>
-          <a:p>
-            <a:pPr>
-              <a:buNone/>
-            </a:pPr>
-            <a:r>
-              <a:rPr lang="en-US" sz="1400" b="1" dirty="0" smtClean="0">
-                <a:latin typeface="Consolas" pitchFamily="49" charset="0"/>
-                <a:cs typeface="Consolas" pitchFamily="49" charset="0"/>
-              </a:rPr>
-              <a:t>    "in paused world, cat should be unmoved"))</a:t>
-            </a:r>
-          </a:p>
-          <a:p>
-            <a:pPr>
-              <a:buNone/>
-            </a:pPr>
-            <a:endParaRPr lang="en-US" sz="1400" b="1" dirty="0" smtClean="0">
-              <a:latin typeface="Consolas" pitchFamily="49" charset="0"/>
-              <a:cs typeface="Consolas" pitchFamily="49" charset="0"/>
+        </p:txBody>
+      </p:sp>
+      <p:sp>
+        <p:nvSpPr>
+          <p:cNvPr id="4" name="Rectangle 3"/>
+          <p:cNvSpPr/>
+          <p:nvPr/>
+        </p:nvSpPr>
+        <p:spPr>
+          <a:xfrm>
+            <a:off x="1875621" y="4197427"/>
+            <a:ext cx="5392757" cy="991518"/>
+          </a:xfrm>
+          <a:prstGeom prst="rect">
+            <a:avLst/>
+          </a:prstGeom>
+          <a:solidFill>
+            <a:schemeClr val="accent3">
+              <a:lumMod val="40000"/>
+              <a:lumOff val="60000"/>
+            </a:schemeClr>
+          </a:solidFill>
+          <a:ln/>
+        </p:spPr>
+        <p:style>
+          <a:lnRef idx="2">
+            <a:schemeClr val="accent1"/>
+          </a:lnRef>
+          <a:fillRef idx="1">
+            <a:schemeClr val="lt1"/>
+          </a:fillRef>
+          <a:effectRef idx="0">
+            <a:schemeClr val="accent1"/>
+          </a:effectRef>
+          <a:fontRef idx="minor">
+            <a:schemeClr val="dk1"/>
+          </a:fontRef>
+        </p:style>
+        <p:txBody>
+          <a:bodyPr rot="0" spcFirstLastPara="0" vertOverflow="overflow" horzOverflow="overflow" vert="horz" wrap="square" lIns="91440" tIns="45720" rIns="91440" bIns="45720" numCol="1" spcCol="0" rtlCol="0" fromWordArt="0" anchor="t" anchorCtr="0" forceAA="0" compatLnSpc="1">
+            <a:prstTxWarp prst="textNoShape">
+              <a:avLst/>
+            </a:prstTxWarp>
+            <a:noAutofit/>
+          </a:bodyPr>
+          <a:lstStyle/>
+          <a:p>
+            <a:r>
+              <a:rPr lang="en-US" dirty="0" smtClean="0">
+                <a:solidFill>
+                  <a:schemeClr val="tx1"/>
+                </a:solidFill>
+              </a:rPr>
+              <a:t>Here we’ve broken the definition into pieces.  If either of the pieces is complicated, this would be better code than what we saw on the preceding slide.</a:t>
+            </a:r>
+            <a:endParaRPr lang="en-US" dirty="0" smtClean="0">
+              <a:solidFill>
+                <a:schemeClr val="tx1"/>
+              </a:solidFill>
             </a:endParaRPr>
           </a:p>
         </p:txBody>
       </p:sp>
+      <p:sp>
+        <p:nvSpPr>
+          <p:cNvPr id="6" name="Slide Number Placeholder 5"/>
+          <p:cNvSpPr>
+            <a:spLocks noGrp="1"/>
+          </p:cNvSpPr>
+          <p:nvPr>
+            <p:ph type="sldNum" sz="quarter" idx="12"/>
+          </p:nvPr>
+        </p:nvSpPr>
+        <p:spPr/>
+        <p:txBody>
+          <a:bodyPr/>
+          <a:lstStyle/>
+          <a:p>
+            <a:fld id="{2AF3B5EA-18B6-4040-9F78-6052AF49C681}" type="slidenum">
+              <a:rPr lang="en-US" smtClean="0"/>
+              <a:t>23</a:t>
+            </a:fld>
+            <a:endParaRPr lang="en-US"/>
+          </a:p>
+        </p:txBody>
+      </p:sp>
     </p:spTree>
+    <p:extLst>
+      <p:ext uri="{BB962C8B-B14F-4D97-AF65-F5344CB8AC3E}">
+        <p14:creationId xmlns:p14="http://schemas.microsoft.com/office/powerpoint/2010/main" val="727035755"/>
+      </p:ext>
+    </p:extLst>
   </p:cSld>
   <p:clrMapOvr>
     <a:masterClrMapping/>
@@ -7673,14 +8420,12 @@
         </p:nvSpPr>
         <p:spPr/>
         <p:txBody>
-          <a:bodyPr>
-            <a:normAutofit fontScale="90000"/>
-          </a:bodyPr>
+          <a:bodyPr/>
           <a:lstStyle/>
           <a:p>
             <a:r>
               <a:rPr lang="en-US" dirty="0" smtClean="0"/>
-              <a:t>How does it respond to key events?</a:t>
+              <a:t>Tests</a:t>
             </a:r>
             <a:endParaRPr lang="en-US" dirty="0"/>
           </a:p>
@@ -7696,12 +8441,7 @@
             <p:ph idx="1"/>
           </p:nvPr>
         </p:nvSpPr>
-        <p:spPr>
-          <a:xfrm>
-            <a:off x="457200" y="1600200"/>
-            <a:ext cx="8229600" cy="5054600"/>
-          </a:xfrm>
-        </p:spPr>
+        <p:spPr/>
         <p:txBody>
           <a:bodyPr>
             <a:noAutofit/>
@@ -7709,315 +8449,285 @@
           <a:lstStyle/>
           <a:p>
             <a:pPr>
-              <a:buNone/>
-            </a:pPr>
-            <a:r>
-              <a:rPr lang="en-US" sz="2000" b="1" dirty="0">
-                <a:latin typeface="Consolas" pitchFamily="49" charset="0"/>
-                <a:cs typeface="Consolas" pitchFamily="49" charset="0"/>
-              </a:rPr>
-              <a:t>;; world-after-key-event : </a:t>
-            </a:r>
-            <a:endParaRPr lang="en-US" sz="2000" b="1" dirty="0" smtClean="0">
+              <a:spcBef>
+                <a:spcPts val="0"/>
+              </a:spcBef>
+              <a:buNone/>
+            </a:pPr>
+            <a:r>
+              <a:rPr lang="en-US" sz="1400" b="1" dirty="0" smtClean="0">
+                <a:latin typeface="Consolas" pitchFamily="49" charset="0"/>
+                <a:cs typeface="Consolas" pitchFamily="49" charset="0"/>
+              </a:rPr>
+              <a:t>(define unpaused-world-at-20 (make-world 20 false))  </a:t>
+            </a:r>
+          </a:p>
+          <a:p>
+            <a:pPr>
+              <a:spcBef>
+                <a:spcPts val="0"/>
+              </a:spcBef>
+              <a:buNone/>
+            </a:pPr>
+            <a:r>
+              <a:rPr lang="en-US" sz="1400" b="1" dirty="0" smtClean="0">
+                <a:latin typeface="Consolas" pitchFamily="49" charset="0"/>
+                <a:cs typeface="Consolas" pitchFamily="49" charset="0"/>
+              </a:rPr>
+              <a:t>(define paused-world-at-20   (make-world 20 true))</a:t>
+            </a:r>
+          </a:p>
+          <a:p>
+            <a:pPr>
+              <a:spcBef>
+                <a:spcPts val="0"/>
+              </a:spcBef>
+              <a:buNone/>
+            </a:pPr>
+            <a:r>
+              <a:rPr lang="en-US" sz="1400" b="1" dirty="0" smtClean="0">
+                <a:latin typeface="Consolas" pitchFamily="49" charset="0"/>
+                <a:cs typeface="Consolas" pitchFamily="49" charset="0"/>
+              </a:rPr>
+              <a:t>(define unpaused-world-at-28 (make-world (+ 20 CATSPEED) false))  </a:t>
+            </a:r>
+          </a:p>
+          <a:p>
+            <a:pPr>
+              <a:spcBef>
+                <a:spcPts val="0"/>
+              </a:spcBef>
+              <a:buNone/>
+            </a:pPr>
+            <a:r>
+              <a:rPr lang="en-US" sz="1400" b="1" dirty="0" smtClean="0">
+                <a:latin typeface="Consolas" pitchFamily="49" charset="0"/>
+                <a:cs typeface="Consolas" pitchFamily="49" charset="0"/>
+              </a:rPr>
+              <a:t>(define paused-world-at-28   (make-world (+ 20 CATSPEED) true))</a:t>
+            </a:r>
+          </a:p>
+          <a:p>
+            <a:pPr>
+              <a:spcBef>
+                <a:spcPts val="0"/>
+              </a:spcBef>
+              <a:buNone/>
+            </a:pPr>
+            <a:endParaRPr lang="en-US" sz="1400" b="1" dirty="0" smtClean="0">
               <a:latin typeface="Consolas" pitchFamily="49" charset="0"/>
               <a:cs typeface="Consolas" pitchFamily="49" charset="0"/>
             </a:endParaRPr>
           </a:p>
           <a:p>
             <a:pPr>
-              <a:buNone/>
-            </a:pPr>
-            <a:r>
-              <a:rPr lang="en-US" sz="2000" b="1" dirty="0" smtClean="0">
-                <a:latin typeface="Consolas" pitchFamily="49" charset="0"/>
-                <a:cs typeface="Consolas" pitchFamily="49" charset="0"/>
-              </a:rPr>
-              <a:t>;;    World </a:t>
-            </a:r>
-            <a:r>
-              <a:rPr lang="en-US" sz="2000" b="1" dirty="0" err="1" smtClean="0">
-                <a:latin typeface="Consolas" pitchFamily="49" charset="0"/>
-                <a:cs typeface="Consolas" pitchFamily="49" charset="0"/>
-              </a:rPr>
-              <a:t>KeyEvent</a:t>
-            </a:r>
-            <a:r>
-              <a:rPr lang="en-US" sz="2000" b="1" dirty="0" smtClean="0">
-                <a:latin typeface="Consolas" pitchFamily="49" charset="0"/>
-                <a:cs typeface="Consolas" pitchFamily="49" charset="0"/>
-              </a:rPr>
-              <a:t> </a:t>
-            </a:r>
-            <a:r>
-              <a:rPr lang="en-US" sz="2000" b="1" dirty="0">
-                <a:latin typeface="Consolas" pitchFamily="49" charset="0"/>
-                <a:cs typeface="Consolas" pitchFamily="49" charset="0"/>
-              </a:rPr>
-              <a:t>-&gt; World</a:t>
-            </a:r>
-          </a:p>
-          <a:p>
-            <a:pPr>
-              <a:buNone/>
-            </a:pPr>
-            <a:r>
-              <a:rPr lang="en-US" sz="2000" b="1" dirty="0">
-                <a:latin typeface="Consolas" pitchFamily="49" charset="0"/>
-                <a:cs typeface="Consolas" pitchFamily="49" charset="0"/>
-              </a:rPr>
-              <a:t>;; GIVEN: a world w</a:t>
-            </a:r>
-          </a:p>
-          <a:p>
-            <a:pPr>
-              <a:buNone/>
-            </a:pPr>
-            <a:r>
-              <a:rPr lang="en-US" sz="2000" b="1" dirty="0">
-                <a:latin typeface="Consolas" pitchFamily="49" charset="0"/>
-                <a:cs typeface="Consolas" pitchFamily="49" charset="0"/>
-              </a:rPr>
-              <a:t>;; RETURNS: the world that should follow the given world</a:t>
-            </a:r>
-          </a:p>
-          <a:p>
-            <a:pPr>
-              <a:buNone/>
-            </a:pPr>
-            <a:r>
-              <a:rPr lang="en-US" sz="2000" b="1" dirty="0">
-                <a:latin typeface="Consolas" pitchFamily="49" charset="0"/>
-                <a:cs typeface="Consolas" pitchFamily="49" charset="0"/>
-              </a:rPr>
-              <a:t>;; after the given key event.</a:t>
-            </a:r>
-          </a:p>
-          <a:p>
-            <a:pPr>
-              <a:buNone/>
-            </a:pPr>
-            <a:r>
-              <a:rPr lang="en-US" sz="2000" b="1" dirty="0">
-                <a:latin typeface="Consolas" pitchFamily="49" charset="0"/>
-                <a:cs typeface="Consolas" pitchFamily="49" charset="0"/>
-              </a:rPr>
-              <a:t>;; on space, toggle paused?-- ignore all others</a:t>
-            </a:r>
-          </a:p>
-          <a:p>
-            <a:pPr>
-              <a:buNone/>
-            </a:pPr>
-            <a:r>
-              <a:rPr lang="en-US" sz="2000" b="1" dirty="0">
-                <a:latin typeface="Consolas" pitchFamily="49" charset="0"/>
-                <a:cs typeface="Consolas" pitchFamily="49" charset="0"/>
-              </a:rPr>
-              <a:t>;; EXAMPLES: see tests below</a:t>
-            </a:r>
-          </a:p>
-          <a:p>
-            <a:pPr>
-              <a:buNone/>
-            </a:pPr>
-            <a:r>
-              <a:rPr lang="en-US" sz="2000" b="1" dirty="0">
-                <a:latin typeface="Consolas" pitchFamily="49" charset="0"/>
-                <a:cs typeface="Consolas" pitchFamily="49" charset="0"/>
-              </a:rPr>
-              <a:t>;; STRATEGY: </a:t>
-            </a:r>
-            <a:r>
-              <a:rPr lang="en-US" sz="2000" b="1" dirty="0" smtClean="0">
-                <a:latin typeface="Consolas" pitchFamily="49" charset="0"/>
-                <a:cs typeface="Consolas" pitchFamily="49" charset="0"/>
-              </a:rPr>
-              <a:t>cases on </a:t>
-            </a:r>
-            <a:r>
-              <a:rPr lang="en-US" sz="2000" b="1" dirty="0" err="1" smtClean="0">
-                <a:latin typeface="Consolas" pitchFamily="49" charset="0"/>
-                <a:cs typeface="Consolas" pitchFamily="49" charset="0"/>
-              </a:rPr>
-              <a:t>kev</a:t>
-            </a:r>
-            <a:r>
-              <a:rPr lang="en-US" sz="2000" b="1" dirty="0" smtClean="0">
-                <a:latin typeface="Consolas" pitchFamily="49" charset="0"/>
-                <a:cs typeface="Consolas" pitchFamily="49" charset="0"/>
-              </a:rPr>
-              <a:t> : </a:t>
-            </a:r>
-            <a:r>
-              <a:rPr lang="en-US" sz="2000" b="1" dirty="0" err="1" smtClean="0">
-                <a:latin typeface="Consolas" pitchFamily="49" charset="0"/>
-                <a:cs typeface="Consolas" pitchFamily="49" charset="0"/>
-              </a:rPr>
-              <a:t>KeyEvent</a:t>
-            </a:r>
-            <a:endParaRPr lang="en-US" sz="2000" b="1" dirty="0">
+              <a:spcBef>
+                <a:spcPts val="0"/>
+              </a:spcBef>
+              <a:buNone/>
+            </a:pPr>
+            <a:r>
+              <a:rPr lang="en-US" sz="1400" b="1" dirty="0" smtClean="0">
+                <a:latin typeface="Consolas" pitchFamily="49" charset="0"/>
+                <a:cs typeface="Consolas" pitchFamily="49" charset="0"/>
+              </a:rPr>
+              <a:t>(begin-for-tests</a:t>
+            </a:r>
+          </a:p>
+          <a:p>
+            <a:pPr>
+              <a:spcBef>
+                <a:spcPts val="0"/>
+              </a:spcBef>
+              <a:buNone/>
+            </a:pPr>
+            <a:r>
+              <a:rPr lang="en-US" sz="1400" b="1" dirty="0" smtClean="0">
+                <a:latin typeface="Consolas" pitchFamily="49" charset="0"/>
+                <a:cs typeface="Consolas" pitchFamily="49" charset="0"/>
+              </a:rPr>
+              <a:t>  (check-equal? </a:t>
+            </a:r>
+          </a:p>
+          <a:p>
+            <a:pPr>
+              <a:spcBef>
+                <a:spcPts val="0"/>
+              </a:spcBef>
+              <a:buNone/>
+            </a:pPr>
+            <a:r>
+              <a:rPr lang="en-US" sz="1400" b="1" dirty="0" smtClean="0">
+                <a:latin typeface="Consolas" pitchFamily="49" charset="0"/>
+                <a:cs typeface="Consolas" pitchFamily="49" charset="0"/>
+              </a:rPr>
+              <a:t>    (world-after-tick unpaused-world-at-20) </a:t>
+            </a:r>
+          </a:p>
+          <a:p>
+            <a:pPr>
+              <a:spcBef>
+                <a:spcPts val="0"/>
+              </a:spcBef>
+              <a:buNone/>
+            </a:pPr>
+            <a:r>
+              <a:rPr lang="en-US" sz="1400" b="1" dirty="0" smtClean="0">
+                <a:latin typeface="Consolas" pitchFamily="49" charset="0"/>
+                <a:cs typeface="Consolas" pitchFamily="49" charset="0"/>
+              </a:rPr>
+              <a:t>    unpaused-world-at-28</a:t>
+            </a:r>
+          </a:p>
+          <a:p>
+            <a:pPr>
+              <a:spcBef>
+                <a:spcPts val="0"/>
+              </a:spcBef>
+              <a:buNone/>
+            </a:pPr>
+            <a:r>
+              <a:rPr lang="en-US" sz="1400" b="1" dirty="0" smtClean="0">
+                <a:latin typeface="Consolas" pitchFamily="49" charset="0"/>
+                <a:cs typeface="Consolas" pitchFamily="49" charset="0"/>
+              </a:rPr>
+              <a:t>    "in </a:t>
+            </a:r>
+            <a:r>
+              <a:rPr lang="en-US" sz="1400" b="1" dirty="0" err="1" smtClean="0">
+                <a:latin typeface="Consolas" pitchFamily="49" charset="0"/>
+                <a:cs typeface="Consolas" pitchFamily="49" charset="0"/>
+              </a:rPr>
+              <a:t>unpaused</a:t>
+            </a:r>
+            <a:r>
+              <a:rPr lang="en-US" sz="1400" b="1" dirty="0" smtClean="0">
+                <a:latin typeface="Consolas" pitchFamily="49" charset="0"/>
+                <a:cs typeface="Consolas" pitchFamily="49" charset="0"/>
+              </a:rPr>
+              <a:t> world, the cat should fall CATSPEED pixels and world should still be </a:t>
+            </a:r>
+            <a:r>
+              <a:rPr lang="en-US" sz="1400" b="1" dirty="0" err="1" smtClean="0">
+                <a:latin typeface="Consolas" pitchFamily="49" charset="0"/>
+                <a:cs typeface="Consolas" pitchFamily="49" charset="0"/>
+              </a:rPr>
+              <a:t>unpaused</a:t>
+            </a:r>
+            <a:r>
+              <a:rPr lang="en-US" sz="1400" b="1" dirty="0" smtClean="0">
+                <a:latin typeface="Consolas" pitchFamily="49" charset="0"/>
+                <a:cs typeface="Consolas" pitchFamily="49" charset="0"/>
+              </a:rPr>
+              <a:t>")</a:t>
+            </a:r>
+          </a:p>
+          <a:p>
+            <a:pPr>
+              <a:spcBef>
+                <a:spcPts val="0"/>
+              </a:spcBef>
+              <a:buNone/>
+            </a:pPr>
+            <a:endParaRPr lang="en-US" sz="1400" b="1" dirty="0" smtClean="0">
               <a:latin typeface="Consolas" pitchFamily="49" charset="0"/>
               <a:cs typeface="Consolas" pitchFamily="49" charset="0"/>
             </a:endParaRPr>
           </a:p>
           <a:p>
             <a:pPr>
-              <a:buNone/>
-            </a:pPr>
-            <a:r>
-              <a:rPr lang="en-US" sz="2000" b="1" dirty="0">
-                <a:latin typeface="Consolas" pitchFamily="49" charset="0"/>
-                <a:cs typeface="Consolas" pitchFamily="49" charset="0"/>
-              </a:rPr>
-              <a:t>(define (world-after-key-event w </a:t>
-            </a:r>
-            <a:r>
-              <a:rPr lang="en-US" sz="2000" b="1" dirty="0" err="1">
-                <a:latin typeface="Consolas" pitchFamily="49" charset="0"/>
-                <a:cs typeface="Consolas" pitchFamily="49" charset="0"/>
-              </a:rPr>
-              <a:t>kev</a:t>
-            </a:r>
-            <a:r>
-              <a:rPr lang="en-US" sz="2000" b="1" dirty="0">
-                <a:latin typeface="Consolas" pitchFamily="49" charset="0"/>
-                <a:cs typeface="Consolas" pitchFamily="49" charset="0"/>
-              </a:rPr>
-              <a:t>)</a:t>
-            </a:r>
-          </a:p>
-          <a:p>
-            <a:pPr>
-              <a:buNone/>
-            </a:pPr>
-            <a:r>
-              <a:rPr lang="en-US" sz="2000" b="1" dirty="0">
-                <a:latin typeface="Consolas" pitchFamily="49" charset="0"/>
-                <a:cs typeface="Consolas" pitchFamily="49" charset="0"/>
-              </a:rPr>
-              <a:t>  (</a:t>
-            </a:r>
-            <a:r>
-              <a:rPr lang="en-US" sz="2000" b="1" dirty="0" err="1">
-                <a:latin typeface="Consolas" pitchFamily="49" charset="0"/>
-                <a:cs typeface="Consolas" pitchFamily="49" charset="0"/>
-              </a:rPr>
-              <a:t>cond</a:t>
-            </a:r>
-            <a:endParaRPr lang="en-US" sz="2000" b="1" dirty="0">
+              <a:spcBef>
+                <a:spcPts val="0"/>
+              </a:spcBef>
+              <a:buNone/>
+            </a:pPr>
+            <a:r>
+              <a:rPr lang="en-US" sz="1400" b="1" dirty="0" smtClean="0">
+                <a:latin typeface="Consolas" pitchFamily="49" charset="0"/>
+                <a:cs typeface="Consolas" pitchFamily="49" charset="0"/>
+              </a:rPr>
+              <a:t>  (check-equal? </a:t>
+            </a:r>
+          </a:p>
+          <a:p>
+            <a:pPr>
+              <a:spcBef>
+                <a:spcPts val="0"/>
+              </a:spcBef>
+              <a:buNone/>
+            </a:pPr>
+            <a:r>
+              <a:rPr lang="en-US" sz="1400" b="1" dirty="0" smtClean="0">
+                <a:latin typeface="Consolas" pitchFamily="49" charset="0"/>
+                <a:cs typeface="Consolas" pitchFamily="49" charset="0"/>
+              </a:rPr>
+              <a:t>    (world-after-tick paused-world-at-20)</a:t>
+            </a:r>
+          </a:p>
+          <a:p>
+            <a:pPr>
+              <a:spcBef>
+                <a:spcPts val="0"/>
+              </a:spcBef>
+              <a:buNone/>
+            </a:pPr>
+            <a:r>
+              <a:rPr lang="en-US" sz="1400" b="1" dirty="0" smtClean="0">
+                <a:latin typeface="Consolas" pitchFamily="49" charset="0"/>
+                <a:cs typeface="Consolas" pitchFamily="49" charset="0"/>
+              </a:rPr>
+              <a:t>    paused-world-at-20</a:t>
+            </a:r>
+          </a:p>
+          <a:p>
+            <a:pPr>
+              <a:spcBef>
+                <a:spcPts val="0"/>
+              </a:spcBef>
+              <a:buNone/>
+            </a:pPr>
+            <a:r>
+              <a:rPr lang="en-US" sz="1400" b="1" dirty="0" smtClean="0">
+                <a:latin typeface="Consolas" pitchFamily="49" charset="0"/>
+                <a:cs typeface="Consolas" pitchFamily="49" charset="0"/>
+              </a:rPr>
+              <a:t>    "in paused world, cat should be unmoved"))</a:t>
+            </a:r>
+          </a:p>
+          <a:p>
+            <a:pPr>
+              <a:spcBef>
+                <a:spcPts val="0"/>
+              </a:spcBef>
+              <a:buNone/>
+            </a:pPr>
+            <a:endParaRPr lang="en-US" sz="1400" b="1" dirty="0" smtClean="0">
               <a:latin typeface="Consolas" pitchFamily="49" charset="0"/>
               <a:cs typeface="Consolas" pitchFamily="49" charset="0"/>
             </a:endParaRPr>
           </a:p>
-          <a:p>
-            <a:pPr>
-              <a:buNone/>
-            </a:pPr>
-            <a:r>
-              <a:rPr lang="en-US" sz="2000" b="1" dirty="0">
-                <a:latin typeface="Consolas" pitchFamily="49" charset="0"/>
-                <a:cs typeface="Consolas" pitchFamily="49" charset="0"/>
-              </a:rPr>
-              <a:t>    [(key=? </a:t>
-            </a:r>
-            <a:r>
-              <a:rPr lang="en-US" sz="2000" b="1" dirty="0" err="1">
-                <a:latin typeface="Consolas" pitchFamily="49" charset="0"/>
-                <a:cs typeface="Consolas" pitchFamily="49" charset="0"/>
-              </a:rPr>
-              <a:t>kev</a:t>
-            </a:r>
-            <a:r>
-              <a:rPr lang="en-US" sz="2000" b="1" dirty="0">
-                <a:latin typeface="Consolas" pitchFamily="49" charset="0"/>
-                <a:cs typeface="Consolas" pitchFamily="49" charset="0"/>
-              </a:rPr>
-              <a:t> " ")</a:t>
-            </a:r>
-          </a:p>
-          <a:p>
-            <a:pPr>
-              <a:buNone/>
-            </a:pPr>
-            <a:r>
-              <a:rPr lang="en-US" sz="2000" b="1" dirty="0">
-                <a:latin typeface="Consolas" pitchFamily="49" charset="0"/>
-                <a:cs typeface="Consolas" pitchFamily="49" charset="0"/>
-              </a:rPr>
-              <a:t>     (world-with-paused-toggled w)]</a:t>
-            </a:r>
-          </a:p>
-          <a:p>
-            <a:pPr>
-              <a:buNone/>
-            </a:pPr>
-            <a:r>
-              <a:rPr lang="en-US" sz="2000" b="1" dirty="0">
-                <a:latin typeface="Consolas" pitchFamily="49" charset="0"/>
-                <a:cs typeface="Consolas" pitchFamily="49" charset="0"/>
-              </a:rPr>
-              <a:t>    [else w]))</a:t>
-            </a:r>
-          </a:p>
-        </p:txBody>
-      </p:sp>
-      <p:sp>
-        <p:nvSpPr>
-          <p:cNvPr id="4" name="TextBox 3"/>
-          <p:cNvSpPr txBox="1"/>
-          <p:nvPr/>
-        </p:nvSpPr>
-        <p:spPr>
-          <a:xfrm>
-            <a:off x="5663379" y="5630699"/>
-            <a:ext cx="3333135" cy="923330"/>
-          </a:xfrm>
-          <a:prstGeom prst="rect">
-            <a:avLst/>
-          </a:prstGeom>
-          <a:solidFill>
-            <a:schemeClr val="accent3">
-              <a:lumMod val="40000"/>
-              <a:lumOff val="60000"/>
-            </a:schemeClr>
-          </a:solidFill>
-        </p:spPr>
-        <p:style>
-          <a:lnRef idx="2">
-            <a:schemeClr val="accent1"/>
-          </a:lnRef>
-          <a:fillRef idx="1">
-            <a:schemeClr val="lt1"/>
-          </a:fillRef>
-          <a:effectRef idx="0">
-            <a:schemeClr val="accent1"/>
-          </a:effectRef>
-          <a:fontRef idx="minor">
-            <a:schemeClr val="dk1"/>
-          </a:fontRef>
-        </p:style>
-        <p:txBody>
-          <a:bodyPr wrap="square" rtlCol="0">
-            <a:spAutoFit/>
-          </a:bodyPr>
-          <a:lstStyle/>
-          <a:p>
-            <a:r>
-              <a:rPr lang="en-US" dirty="0" smtClean="0"/>
-              <a:t>We make a decision based on </a:t>
-            </a:r>
-            <a:r>
-              <a:rPr lang="en-US" b="1" dirty="0" err="1" smtClean="0">
-                <a:latin typeface="Consolas" pitchFamily="49" charset="0"/>
-                <a:cs typeface="Consolas" pitchFamily="49" charset="0"/>
-              </a:rPr>
-              <a:t>kev</a:t>
-            </a:r>
-            <a:r>
-              <a:rPr lang="en-US" dirty="0" smtClean="0"/>
-              <a:t>, and pass the data on to a help function to do the real work.</a:t>
-            </a:r>
-            <a:endParaRPr lang="en-US" dirty="0"/>
+        </p:txBody>
+      </p:sp>
+      <p:sp>
+        <p:nvSpPr>
+          <p:cNvPr id="4" name="Slide Number Placeholder 3"/>
+          <p:cNvSpPr>
+            <a:spLocks noGrp="1"/>
+          </p:cNvSpPr>
+          <p:nvPr>
+            <p:ph type="sldNum" sz="quarter" idx="12"/>
+          </p:nvPr>
+        </p:nvSpPr>
+        <p:spPr/>
+        <p:txBody>
+          <a:bodyPr/>
+          <a:lstStyle/>
+          <a:p>
+            <a:fld id="{2AF3B5EA-18B6-4040-9F78-6052AF49C681}" type="slidenum">
+              <a:rPr lang="en-US" smtClean="0"/>
+              <a:t>24</a:t>
+            </a:fld>
+            <a:endParaRPr lang="en-US"/>
           </a:p>
         </p:txBody>
       </p:sp>
@@ -8065,12 +8775,14 @@
         </p:nvSpPr>
         <p:spPr/>
         <p:txBody>
-          <a:bodyPr/>
+          <a:bodyPr>
+            <a:normAutofit fontScale="90000"/>
+          </a:bodyPr>
           <a:lstStyle/>
           <a:p>
             <a:r>
               <a:rPr lang="en-US" dirty="0" smtClean="0"/>
-              <a:t>Requirements for Helper Function</a:t>
+              <a:t>How does it respond to key events?</a:t>
             </a:r>
             <a:endParaRPr lang="en-US" dirty="0"/>
           </a:p>
@@ -8086,14 +8798,22 @@
             <p:ph idx="1"/>
           </p:nvPr>
         </p:nvSpPr>
-        <p:spPr/>
+        <p:spPr>
+          <a:xfrm>
+            <a:off x="457200" y="1600200"/>
+            <a:ext cx="8229600" cy="5054600"/>
+          </a:xfrm>
+        </p:spPr>
         <p:txBody>
           <a:bodyPr>
-            <a:normAutofit/>
+            <a:noAutofit/>
           </a:bodyPr>
           <a:lstStyle/>
           <a:p>
             <a:pPr>
+              <a:spcBef>
+                <a:spcPts val="0"/>
+              </a:spcBef>
               <a:buNone/>
             </a:pPr>
             <a:r>
@@ -8101,19 +8821,7 @@
                 <a:latin typeface="Consolas" pitchFamily="49" charset="0"/>
                 <a:cs typeface="Consolas" pitchFamily="49" charset="0"/>
               </a:rPr>
-              <a:t>;; world-with-paused-toggled : World -&gt; World</a:t>
-            </a:r>
-          </a:p>
-          <a:p>
-            <a:pPr>
-              <a:buNone/>
-            </a:pPr>
-            <a:r>
-              <a:rPr lang="en-US" sz="2000" b="1" dirty="0">
-                <a:latin typeface="Consolas" pitchFamily="49" charset="0"/>
-                <a:cs typeface="Consolas" pitchFamily="49" charset="0"/>
-              </a:rPr>
-              <a:t>;; RETURNS: a world just like the given one, but with </a:t>
+              <a:t>;; world-after-key-event : </a:t>
             </a:r>
             <a:endParaRPr lang="en-US" sz="2000" b="1" dirty="0" smtClean="0">
               <a:latin typeface="Consolas" pitchFamily="49" charset="0"/>
@@ -8122,6 +8830,9 @@
           </a:p>
           <a:p>
             <a:pPr>
+              <a:spcBef>
+                <a:spcPts val="0"/>
+              </a:spcBef>
               <a:buNone/>
             </a:pPr>
             <a:r>
@@ -8129,20 +8840,147 @@
                 <a:latin typeface="Consolas" pitchFamily="49" charset="0"/>
                 <a:cs typeface="Consolas" pitchFamily="49" charset="0"/>
               </a:rPr>
-              <a:t>;;  paused</a:t>
+              <a:t>;;    World </a:t>
+            </a:r>
+            <a:r>
+              <a:rPr lang="en-US" sz="2000" b="1" dirty="0" err="1" smtClean="0">
+                <a:latin typeface="Consolas" pitchFamily="49" charset="0"/>
+                <a:cs typeface="Consolas" pitchFamily="49" charset="0"/>
+              </a:rPr>
+              <a:t>KeyEvent</a:t>
+            </a:r>
+            <a:r>
+              <a:rPr lang="en-US" sz="2000" b="1" dirty="0" smtClean="0">
+                <a:latin typeface="Consolas" pitchFamily="49" charset="0"/>
+                <a:cs typeface="Consolas" pitchFamily="49" charset="0"/>
+              </a:rPr>
+              <a:t> </a:t>
             </a:r>
             <a:r>
               <a:rPr lang="en-US" sz="2000" b="1" dirty="0">
                 <a:latin typeface="Consolas" pitchFamily="49" charset="0"/>
                 <a:cs typeface="Consolas" pitchFamily="49" charset="0"/>
               </a:rPr>
-              <a:t>? toggled</a:t>
-            </a:r>
-          </a:p>
-          <a:p>
-            <a:pPr>
-              <a:buNone/>
-            </a:pPr>
+              <a:t>-&gt; World</a:t>
+            </a:r>
+          </a:p>
+          <a:p>
+            <a:pPr>
+              <a:spcBef>
+                <a:spcPts val="0"/>
+              </a:spcBef>
+              <a:buNone/>
+            </a:pPr>
+            <a:r>
+              <a:rPr lang="en-US" sz="2000" b="1" dirty="0">
+                <a:latin typeface="Consolas" pitchFamily="49" charset="0"/>
+                <a:cs typeface="Consolas" pitchFamily="49" charset="0"/>
+              </a:rPr>
+              <a:t>;; GIVEN: a world w</a:t>
+            </a:r>
+          </a:p>
+          <a:p>
+            <a:pPr>
+              <a:spcBef>
+                <a:spcPts val="0"/>
+              </a:spcBef>
+              <a:buNone/>
+            </a:pPr>
+            <a:r>
+              <a:rPr lang="en-US" sz="2000" b="1" dirty="0">
+                <a:latin typeface="Consolas" pitchFamily="49" charset="0"/>
+                <a:cs typeface="Consolas" pitchFamily="49" charset="0"/>
+              </a:rPr>
+              <a:t>;; RETURNS: the world that should follow the given world</a:t>
+            </a:r>
+          </a:p>
+          <a:p>
+            <a:pPr>
+              <a:spcBef>
+                <a:spcPts val="0"/>
+              </a:spcBef>
+              <a:buNone/>
+            </a:pPr>
+            <a:r>
+              <a:rPr lang="en-US" sz="2000" b="1" dirty="0">
+                <a:latin typeface="Consolas" pitchFamily="49" charset="0"/>
+                <a:cs typeface="Consolas" pitchFamily="49" charset="0"/>
+              </a:rPr>
+              <a:t>;; after the given key event.</a:t>
+            </a:r>
+          </a:p>
+          <a:p>
+            <a:pPr>
+              <a:spcBef>
+                <a:spcPts val="0"/>
+              </a:spcBef>
+              <a:buNone/>
+            </a:pPr>
+            <a:r>
+              <a:rPr lang="en-US" sz="2000" b="1" dirty="0">
+                <a:latin typeface="Consolas" pitchFamily="49" charset="0"/>
+                <a:cs typeface="Consolas" pitchFamily="49" charset="0"/>
+              </a:rPr>
+              <a:t>;; on space, toggle paused?-- ignore all others</a:t>
+            </a:r>
+          </a:p>
+          <a:p>
+            <a:pPr>
+              <a:spcBef>
+                <a:spcPts val="0"/>
+              </a:spcBef>
+              <a:buNone/>
+            </a:pPr>
+            <a:r>
+              <a:rPr lang="en-US" sz="2000" b="1" dirty="0">
+                <a:latin typeface="Consolas" pitchFamily="49" charset="0"/>
+                <a:cs typeface="Consolas" pitchFamily="49" charset="0"/>
+              </a:rPr>
+              <a:t>;; EXAMPLES: see tests below</a:t>
+            </a:r>
+          </a:p>
+          <a:p>
+            <a:pPr>
+              <a:spcBef>
+                <a:spcPts val="0"/>
+              </a:spcBef>
+              <a:buNone/>
+            </a:pPr>
+            <a:r>
+              <a:rPr lang="en-US" sz="2000" b="1" dirty="0">
+                <a:latin typeface="Consolas" pitchFamily="49" charset="0"/>
+                <a:cs typeface="Consolas" pitchFamily="49" charset="0"/>
+              </a:rPr>
+              <a:t>;; STRATEGY: </a:t>
+            </a:r>
+            <a:r>
+              <a:rPr lang="en-US" sz="2000" b="1" dirty="0" smtClean="0">
+                <a:latin typeface="Consolas" pitchFamily="49" charset="0"/>
+                <a:cs typeface="Consolas" pitchFamily="49" charset="0"/>
+              </a:rPr>
+              <a:t>cases on </a:t>
+            </a:r>
+            <a:r>
+              <a:rPr lang="en-US" sz="2000" b="1" dirty="0" err="1" smtClean="0">
+                <a:latin typeface="Consolas" pitchFamily="49" charset="0"/>
+                <a:cs typeface="Consolas" pitchFamily="49" charset="0"/>
+              </a:rPr>
+              <a:t>kev</a:t>
+            </a:r>
+            <a:r>
+              <a:rPr lang="en-US" sz="2000" b="1" dirty="0" smtClean="0">
+                <a:latin typeface="Consolas" pitchFamily="49" charset="0"/>
+                <a:cs typeface="Consolas" pitchFamily="49" charset="0"/>
+              </a:rPr>
+              <a:t> : </a:t>
+            </a:r>
+            <a:r>
+              <a:rPr lang="en-US" sz="2000" b="1" dirty="0" err="1" smtClean="0">
+                <a:latin typeface="Consolas" pitchFamily="49" charset="0"/>
+                <a:cs typeface="Consolas" pitchFamily="49" charset="0"/>
+              </a:rPr>
+              <a:t>KeyEvent</a:t>
+            </a:r>
             <a:endParaRPr lang="en-US" sz="2000" b="1" dirty="0" smtClean="0">
               <a:latin typeface="Consolas" pitchFamily="49" charset="0"/>
               <a:cs typeface="Consolas" pitchFamily="49" charset="0"/>
@@ -8150,12 +8988,129 @@
           </a:p>
           <a:p>
             <a:pPr>
-              <a:buNone/>
-            </a:pPr>
-            <a:endParaRPr lang="en-US" sz="1800" b="1" dirty="0">
-              <a:latin typeface="Courier New" pitchFamily="49" charset="0"/>
-              <a:cs typeface="Courier New" pitchFamily="49" charset="0"/>
+              <a:spcBef>
+                <a:spcPts val="0"/>
+              </a:spcBef>
+              <a:buNone/>
+            </a:pPr>
+            <a:endParaRPr lang="en-US" sz="2000" b="1" dirty="0">
+              <a:latin typeface="Consolas" pitchFamily="49" charset="0"/>
+              <a:cs typeface="Consolas" pitchFamily="49" charset="0"/>
             </a:endParaRPr>
+          </a:p>
+          <a:p>
+            <a:pPr>
+              <a:spcBef>
+                <a:spcPts val="0"/>
+              </a:spcBef>
+              <a:buNone/>
+            </a:pPr>
+            <a:r>
+              <a:rPr lang="en-US" sz="2000" b="1" dirty="0">
+                <a:latin typeface="Consolas" pitchFamily="49" charset="0"/>
+                <a:cs typeface="Consolas" pitchFamily="49" charset="0"/>
+              </a:rPr>
+              <a:t>(define (world-after-key-event w </a:t>
+            </a:r>
+            <a:r>
+              <a:rPr lang="en-US" sz="2000" b="1" dirty="0" err="1">
+                <a:latin typeface="Consolas" pitchFamily="49" charset="0"/>
+                <a:cs typeface="Consolas" pitchFamily="49" charset="0"/>
+              </a:rPr>
+              <a:t>kev</a:t>
+            </a:r>
+            <a:r>
+              <a:rPr lang="en-US" sz="2000" b="1" dirty="0">
+                <a:latin typeface="Consolas" pitchFamily="49" charset="0"/>
+                <a:cs typeface="Consolas" pitchFamily="49" charset="0"/>
+              </a:rPr>
+              <a:t>)</a:t>
+            </a:r>
+          </a:p>
+          <a:p>
+            <a:pPr>
+              <a:spcBef>
+                <a:spcPts val="0"/>
+              </a:spcBef>
+              <a:buNone/>
+            </a:pPr>
+            <a:r>
+              <a:rPr lang="en-US" sz="2000" b="1" dirty="0">
+                <a:latin typeface="Consolas" pitchFamily="49" charset="0"/>
+                <a:cs typeface="Consolas" pitchFamily="49" charset="0"/>
+              </a:rPr>
+              <a:t>  (</a:t>
+            </a:r>
+            <a:r>
+              <a:rPr lang="en-US" sz="2000" b="1" dirty="0" err="1">
+                <a:latin typeface="Consolas" pitchFamily="49" charset="0"/>
+                <a:cs typeface="Consolas" pitchFamily="49" charset="0"/>
+              </a:rPr>
+              <a:t>cond</a:t>
+            </a:r>
+            <a:endParaRPr lang="en-US" sz="2000" b="1" dirty="0">
+              <a:latin typeface="Consolas" pitchFamily="49" charset="0"/>
+              <a:cs typeface="Consolas" pitchFamily="49" charset="0"/>
+            </a:endParaRPr>
+          </a:p>
+          <a:p>
+            <a:pPr>
+              <a:spcBef>
+                <a:spcPts val="0"/>
+              </a:spcBef>
+              <a:buNone/>
+            </a:pPr>
+            <a:r>
+              <a:rPr lang="en-US" sz="2000" b="1" dirty="0">
+                <a:latin typeface="Consolas" pitchFamily="49" charset="0"/>
+                <a:cs typeface="Consolas" pitchFamily="49" charset="0"/>
+              </a:rPr>
+              <a:t>    [(key=? </a:t>
+            </a:r>
+            <a:r>
+              <a:rPr lang="en-US" sz="2000" b="1" dirty="0" err="1">
+                <a:latin typeface="Consolas" pitchFamily="49" charset="0"/>
+                <a:cs typeface="Consolas" pitchFamily="49" charset="0"/>
+              </a:rPr>
+              <a:t>kev</a:t>
+            </a:r>
+            <a:r>
+              <a:rPr lang="en-US" sz="2000" b="1" dirty="0">
+                <a:latin typeface="Consolas" pitchFamily="49" charset="0"/>
+                <a:cs typeface="Consolas" pitchFamily="49" charset="0"/>
+              </a:rPr>
+              <a:t> " ")</a:t>
+            </a:r>
+          </a:p>
+          <a:p>
+            <a:pPr>
+              <a:spcBef>
+                <a:spcPts val="0"/>
+              </a:spcBef>
+              <a:buNone/>
+            </a:pPr>
+            <a:r>
+              <a:rPr lang="en-US" sz="2000" b="1" dirty="0">
+                <a:latin typeface="Consolas" pitchFamily="49" charset="0"/>
+                <a:cs typeface="Consolas" pitchFamily="49" charset="0"/>
+              </a:rPr>
+              <a:t>     (world-with-paused-toggled w)]</a:t>
+            </a:r>
+          </a:p>
+          <a:p>
+            <a:pPr>
+              <a:spcBef>
+                <a:spcPts val="0"/>
+              </a:spcBef>
+              <a:buNone/>
+            </a:pPr>
+            <a:r>
+              <a:rPr lang="en-US" sz="2000" b="1" dirty="0">
+                <a:latin typeface="Consolas" pitchFamily="49" charset="0"/>
+                <a:cs typeface="Consolas" pitchFamily="49" charset="0"/>
+              </a:rPr>
+              <a:t>    [else w]))</a:t>
+            </a:r>
           </a:p>
         </p:txBody>
       </p:sp>
@@ -8167,8 +9122,8 @@
         </p:nvSpPr>
         <p:spPr>
           <a:xfrm>
-            <a:off x="4350773" y="2624607"/>
-            <a:ext cx="4336027" cy="923330"/>
+            <a:off x="5663379" y="5630699"/>
+            <a:ext cx="3333135" cy="923330"/>
           </a:xfrm>
           <a:prstGeom prst="rect">
             <a:avLst/>
@@ -8200,31 +9155,45 @@
           </a:bodyPr>
           <a:lstStyle/>
           <a:p>
-            <a:pPr>
-              <a:buNone/>
-            </a:pPr>
-            <a:r>
-              <a:rPr lang="en-US" dirty="0" smtClean="0">
-                <a:cs typeface="Consolas" pitchFamily="49" charset="0"/>
-              </a:rPr>
-              <a:t>If this helper function does what it's supposed to, then world-after-key-event will do what </a:t>
-            </a:r>
-            <a:r>
-              <a:rPr lang="en-US" i="1" dirty="0" smtClean="0">
-                <a:cs typeface="Consolas" pitchFamily="49" charset="0"/>
-              </a:rPr>
-              <a:t>it</a:t>
-            </a:r>
-            <a:r>
-              <a:rPr lang="en-US" dirty="0" smtClean="0">
-                <a:cs typeface="Consolas" pitchFamily="49" charset="0"/>
-              </a:rPr>
-              <a:t> is supposed to do.</a:t>
-            </a:r>
-            <a:endParaRPr lang="en-US" sz="1600" b="1" dirty="0">
-              <a:latin typeface="Courier New" pitchFamily="49" charset="0"/>
-              <a:cs typeface="Courier New" pitchFamily="49" charset="0"/>
-            </a:endParaRPr>
+            <a:r>
+              <a:rPr lang="en-US" dirty="0" smtClean="0"/>
+              <a:t>We make a decision based on </a:t>
+            </a:r>
+            <a:r>
+              <a:rPr lang="en-US" b="1" dirty="0" err="1" smtClean="0">
+                <a:latin typeface="Consolas" pitchFamily="49" charset="0"/>
+                <a:cs typeface="Consolas" pitchFamily="49" charset="0"/>
+              </a:rPr>
+              <a:t>kev</a:t>
+            </a:r>
+            <a:r>
+              <a:rPr lang="en-US" dirty="0" smtClean="0"/>
+              <a:t>, and pass the data on to a help function to do the real work.</a:t>
+            </a:r>
+            <a:endParaRPr lang="en-US" dirty="0"/>
+          </a:p>
+        </p:txBody>
+      </p:sp>
+      <p:sp>
+        <p:nvSpPr>
+          <p:cNvPr id="5" name="Slide Number Placeholder 4"/>
+          <p:cNvSpPr>
+            <a:spLocks noGrp="1"/>
+          </p:cNvSpPr>
+          <p:nvPr>
+            <p:ph type="sldNum" sz="quarter" idx="12"/>
+          </p:nvPr>
+        </p:nvSpPr>
+        <p:spPr/>
+        <p:txBody>
+          <a:bodyPr/>
+          <a:lstStyle/>
+          <a:p>
+            <a:fld id="{2AF3B5EA-18B6-4040-9F78-6052AF49C681}" type="slidenum">
+              <a:rPr lang="en-US" smtClean="0"/>
+              <a:t>25</a:t>
+            </a:fld>
+            <a:endParaRPr lang="en-US"/>
           </a:p>
         </p:txBody>
       </p:sp>
@@ -8277,7 +9246,7 @@
           <a:p>
             <a:r>
               <a:rPr lang="en-US" dirty="0" smtClean="0"/>
-              <a:t>Tests (1)</a:t>
+              <a:t>Requirements for Helper Function</a:t>
             </a:r>
             <a:endParaRPr lang="en-US" dirty="0"/>
           </a:p>
@@ -8293,15 +9262,10 @@
             <p:ph idx="1"/>
           </p:nvPr>
         </p:nvSpPr>
-        <p:spPr>
-          <a:xfrm>
-            <a:off x="457200" y="1600200"/>
-            <a:ext cx="8686800" cy="4525963"/>
-          </a:xfrm>
-        </p:spPr>
+        <p:spPr/>
         <p:txBody>
           <a:bodyPr>
-            <a:normAutofit fontScale="92500"/>
+            <a:normAutofit/>
           </a:bodyPr>
           <a:lstStyle/>
           <a:p>
@@ -8309,68 +9273,25 @@
               <a:buNone/>
             </a:pPr>
             <a:r>
-              <a:rPr lang="en-US" sz="2400" b="1" dirty="0" smtClean="0">
-                <a:latin typeface="Consolas" pitchFamily="49" charset="0"/>
-                <a:cs typeface="Consolas" pitchFamily="49" charset="0"/>
-              </a:rPr>
-              <a:t>;; for world-after-key-event, we have 4 equivalence</a:t>
-            </a:r>
-          </a:p>
-          <a:p>
-            <a:pPr>
-              <a:buNone/>
-            </a:pPr>
-            <a:r>
-              <a:rPr lang="en-US" sz="2400" b="1" dirty="0" smtClean="0">
-                <a:latin typeface="Consolas" pitchFamily="49" charset="0"/>
-                <a:cs typeface="Consolas" pitchFamily="49" charset="0"/>
-              </a:rPr>
-              <a:t>;; classes: all combinations of: </a:t>
-            </a:r>
-          </a:p>
-          <a:p>
-            <a:pPr>
-              <a:buNone/>
-            </a:pPr>
-            <a:r>
-              <a:rPr lang="en-US" sz="2400" b="1" dirty="0" smtClean="0">
-                <a:latin typeface="Consolas" pitchFamily="49" charset="0"/>
-                <a:cs typeface="Consolas" pitchFamily="49" charset="0"/>
-              </a:rPr>
-              <a:t>;; a paused world and an </a:t>
-            </a:r>
-            <a:r>
-              <a:rPr lang="en-US" sz="2400" b="1" dirty="0" err="1" smtClean="0">
-                <a:latin typeface="Consolas" pitchFamily="49" charset="0"/>
-                <a:cs typeface="Consolas" pitchFamily="49" charset="0"/>
-              </a:rPr>
-              <a:t>unpaused</a:t>
-            </a:r>
-            <a:r>
-              <a:rPr lang="en-US" sz="2400" b="1" dirty="0" smtClean="0">
-                <a:latin typeface="Consolas" pitchFamily="49" charset="0"/>
-                <a:cs typeface="Consolas" pitchFamily="49" charset="0"/>
-              </a:rPr>
-              <a:t> world, </a:t>
-            </a:r>
-          </a:p>
-          <a:p>
-            <a:pPr>
-              <a:buNone/>
-            </a:pPr>
-            <a:r>
-              <a:rPr lang="en-US" sz="2400" b="1" dirty="0" smtClean="0">
-                <a:latin typeface="Consolas" pitchFamily="49" charset="0"/>
-                <a:cs typeface="Consolas" pitchFamily="49" charset="0"/>
-              </a:rPr>
-              <a:t>;; and a "pause" key event and a "non-pause" key event</a:t>
-            </a:r>
-          </a:p>
-          <a:p>
-            <a:pPr>
-              <a:buNone/>
-            </a:pPr>
-            <a:endParaRPr lang="en-US" sz="2400" b="1" dirty="0" smtClean="0">
+              <a:rPr lang="en-US" sz="2000" b="1" dirty="0">
+                <a:latin typeface="Consolas" pitchFamily="49" charset="0"/>
+                <a:cs typeface="Consolas" pitchFamily="49" charset="0"/>
+              </a:rPr>
+              <a:t>;; world-with-paused-toggled : World -&gt; World</a:t>
+            </a:r>
+          </a:p>
+          <a:p>
+            <a:pPr>
+              <a:buNone/>
+            </a:pPr>
+            <a:r>
+              <a:rPr lang="en-US" sz="2000" b="1" dirty="0">
+                <a:latin typeface="Consolas" pitchFamily="49" charset="0"/>
+                <a:cs typeface="Consolas" pitchFamily="49" charset="0"/>
+              </a:rPr>
+              <a:t>;; RETURNS: a world just like the given one, but with </a:t>
+            </a:r>
+            <a:endParaRPr lang="en-US" sz="2000" b="1" dirty="0" smtClean="0">
               <a:latin typeface="Consolas" pitchFamily="49" charset="0"/>
               <a:cs typeface="Consolas" pitchFamily="49" charset="0"/>
             </a:endParaRPr>
@@ -8380,66 +9301,25 @@
               <a:buNone/>
             </a:pPr>
             <a:r>
-              <a:rPr lang="en-US" sz="2400" b="1" dirty="0" smtClean="0">
-                <a:latin typeface="Consolas" pitchFamily="49" charset="0"/>
-                <a:cs typeface="Consolas" pitchFamily="49" charset="0"/>
-              </a:rPr>
-              <a:t>;; Give symbolic names to "typical" values:</a:t>
-            </a:r>
-          </a:p>
-          <a:p>
-            <a:pPr>
-              <a:buNone/>
-            </a:pPr>
-            <a:r>
-              <a:rPr lang="en-US" sz="2400" b="1" dirty="0" smtClean="0">
-                <a:latin typeface="Consolas" pitchFamily="49" charset="0"/>
-                <a:cs typeface="Consolas" pitchFamily="49" charset="0"/>
-              </a:rPr>
-              <a:t>;; we have these for worlds, </a:t>
-            </a:r>
-          </a:p>
-          <a:p>
-            <a:pPr>
-              <a:buNone/>
-            </a:pPr>
-            <a:r>
-              <a:rPr lang="en-US" sz="2400" b="1" dirty="0" smtClean="0">
-                <a:latin typeface="Consolas" pitchFamily="49" charset="0"/>
-                <a:cs typeface="Consolas" pitchFamily="49" charset="0"/>
-              </a:rPr>
-              <a:t>;; now we'll add them for key events:</a:t>
-            </a:r>
-          </a:p>
-          <a:p>
-            <a:pPr>
-              <a:buNone/>
-            </a:pPr>
-            <a:r>
-              <a:rPr lang="en-US" sz="2400" b="1" dirty="0" smtClean="0">
-                <a:latin typeface="Consolas" pitchFamily="49" charset="0"/>
-                <a:cs typeface="Consolas" pitchFamily="49" charset="0"/>
-              </a:rPr>
-              <a:t>(define pause-key-event " ")</a:t>
-            </a:r>
-          </a:p>
-          <a:p>
-            <a:pPr>
-              <a:buNone/>
-            </a:pPr>
-            <a:r>
-              <a:rPr lang="en-US" sz="2400" b="1" dirty="0" smtClean="0">
-                <a:latin typeface="Consolas" pitchFamily="49" charset="0"/>
-                <a:cs typeface="Consolas" pitchFamily="49" charset="0"/>
-              </a:rPr>
-              <a:t>(define non-pause-key-event "q")</a:t>
-            </a:r>
-          </a:p>
-          <a:p>
-            <a:pPr>
-              <a:buNone/>
-            </a:pPr>
-            <a:endParaRPr lang="en-US" b="1" dirty="0" smtClean="0">
+              <a:rPr lang="en-US" sz="2000" b="1" dirty="0" smtClean="0">
+                <a:latin typeface="Consolas" pitchFamily="49" charset="0"/>
+                <a:cs typeface="Consolas" pitchFamily="49" charset="0"/>
+              </a:rPr>
+              <a:t>;;  paused</a:t>
+            </a:r>
+            <a:r>
+              <a:rPr lang="en-US" sz="2000" b="1" dirty="0">
+                <a:latin typeface="Consolas" pitchFamily="49" charset="0"/>
+                <a:cs typeface="Consolas" pitchFamily="49" charset="0"/>
+              </a:rPr>
+              <a:t>? toggled</a:t>
+            </a:r>
+          </a:p>
+          <a:p>
+            <a:pPr>
+              <a:buNone/>
+            </a:pPr>
+            <a:endParaRPr lang="en-US" sz="2000" b="1" dirty="0" smtClean="0">
               <a:latin typeface="Consolas" pitchFamily="49" charset="0"/>
               <a:cs typeface="Consolas" pitchFamily="49" charset="0"/>
             </a:endParaRPr>
@@ -8448,19 +9328,102 @@
             <a:pPr>
               <a:buNone/>
             </a:pPr>
-            <a:endParaRPr lang="en-US" b="1" dirty="0" smtClean="0">
-              <a:latin typeface="Consolas" pitchFamily="49" charset="0"/>
-              <a:cs typeface="Consolas" pitchFamily="49" charset="0"/>
+            <a:endParaRPr lang="en-US" sz="1800" b="1" dirty="0">
+              <a:latin typeface="Courier New" pitchFamily="49" charset="0"/>
+              <a:cs typeface="Courier New" pitchFamily="49" charset="0"/>
             </a:endParaRPr>
           </a:p>
-          <a:p>
-            <a:pPr>
-              <a:buNone/>
-            </a:pPr>
-            <a:endParaRPr lang="en-US" b="1" dirty="0">
-              <a:latin typeface="Consolas" pitchFamily="49" charset="0"/>
-              <a:cs typeface="Consolas" pitchFamily="49" charset="0"/>
+        </p:txBody>
+      </p:sp>
+      <p:sp>
+        <p:nvSpPr>
+          <p:cNvPr id="4" name="TextBox 3"/>
+          <p:cNvSpPr txBox="1"/>
+          <p:nvPr/>
+        </p:nvSpPr>
+        <p:spPr>
+          <a:xfrm>
+            <a:off x="4350773" y="2624607"/>
+            <a:ext cx="4336027" cy="923330"/>
+          </a:xfrm>
+          <a:prstGeom prst="rect">
+            <a:avLst/>
+          </a:prstGeom>
+          <a:solidFill>
+            <a:schemeClr val="accent3">
+              <a:lumMod val="40000"/>
+              <a:lumOff val="60000"/>
+            </a:schemeClr>
+          </a:solidFill>
+        </p:spPr>
+        <p:style>
+          <a:lnRef idx="2">
+            <a:schemeClr val="accent1"/>
+          </a:lnRef>
+          <a:fillRef idx="1">
+            <a:schemeClr val="lt1"/>
+          </a:fillRef>
+          <a:effectRef idx="0">
+            <a:schemeClr val="accent1"/>
+          </a:effectRef>
+          <a:fontRef idx="minor">
+            <a:schemeClr val="dk1"/>
+          </a:fontRef>
+        </p:style>
+        <p:txBody>
+          <a:bodyPr wrap="square" rtlCol="0">
+            <a:spAutoFit/>
+          </a:bodyPr>
+          <a:lstStyle/>
+          <a:p>
+            <a:pPr>
+              <a:buNone/>
+            </a:pPr>
+            <a:r>
+              <a:rPr lang="en-US" dirty="0" smtClean="0">
+                <a:cs typeface="Consolas" pitchFamily="49" charset="0"/>
+              </a:rPr>
+              <a:t>If this helper function does what it's supposed to, then world-after-key-event will do what </a:t>
+            </a:r>
+            <a:r>
+              <a:rPr lang="en-US" i="1" dirty="0" smtClean="0">
+                <a:cs typeface="Consolas" pitchFamily="49" charset="0"/>
+              </a:rPr>
+              <a:t>it</a:t>
+            </a:r>
+            <a:r>
+              <a:rPr lang="en-US" dirty="0" smtClean="0">
+                <a:cs typeface="Consolas" pitchFamily="49" charset="0"/>
+              </a:rPr>
+              <a:t> is supposed to do.</a:t>
+            </a:r>
+            <a:endParaRPr lang="en-US" sz="1600" b="1" dirty="0">
+              <a:latin typeface="Courier New" pitchFamily="49" charset="0"/>
+              <a:cs typeface="Courier New" pitchFamily="49" charset="0"/>
             </a:endParaRPr>
+          </a:p>
+        </p:txBody>
+      </p:sp>
+      <p:sp>
+        <p:nvSpPr>
+          <p:cNvPr id="5" name="Slide Number Placeholder 4"/>
+          <p:cNvSpPr>
+            <a:spLocks noGrp="1"/>
+          </p:cNvSpPr>
+          <p:nvPr>
+            <p:ph type="sldNum" sz="quarter" idx="12"/>
+          </p:nvPr>
+        </p:nvSpPr>
+        <p:spPr/>
+        <p:txBody>
+          <a:bodyPr/>
+          <a:lstStyle/>
+          <a:p>
+            <a:fld id="{2AF3B5EA-18B6-4040-9F78-6052AF49C681}" type="slidenum">
+              <a:rPr lang="en-US" smtClean="0"/>
+              <a:t>26</a:t>
+            </a:fld>
+            <a:endParaRPr lang="en-US"/>
           </a:p>
         </p:txBody>
       </p:sp>
@@ -8513,7 +9476,7 @@
           <a:p>
             <a:r>
               <a:rPr lang="en-US" dirty="0" smtClean="0"/>
-              <a:t>Tests (2)</a:t>
+              <a:t>Tests (1)</a:t>
             </a:r>
             <a:endParaRPr lang="en-US" dirty="0"/>
           </a:p>
@@ -8531,122 +9494,228 @@
         </p:nvSpPr>
         <p:spPr>
           <a:xfrm>
-            <a:off x="228600" y="1600200"/>
+            <a:off x="457200" y="1600200"/>
             <a:ext cx="8686800" cy="4525963"/>
           </a:xfrm>
         </p:spPr>
         <p:txBody>
           <a:bodyPr>
-            <a:normAutofit fontScale="62500" lnSpcReduction="20000"/>
+            <a:normAutofit/>
           </a:bodyPr>
           <a:lstStyle/>
           <a:p>
             <a:pPr>
-              <a:buNone/>
-            </a:pPr>
-            <a:r>
-              <a:rPr lang="en-US" b="1" dirty="0" smtClean="0">
-                <a:latin typeface="Consolas" pitchFamily="49" charset="0"/>
-                <a:cs typeface="Consolas" pitchFamily="49" charset="0"/>
-              </a:rPr>
-              <a:t>(check-equal?</a:t>
-            </a:r>
-          </a:p>
-          <a:p>
-            <a:pPr>
-              <a:buNone/>
-            </a:pPr>
-            <a:r>
-              <a:rPr lang="en-US" b="1" dirty="0" smtClean="0">
-                <a:latin typeface="Consolas" pitchFamily="49" charset="0"/>
-                <a:cs typeface="Consolas" pitchFamily="49" charset="0"/>
-              </a:rPr>
-              <a:t>  (world-after-key-event </a:t>
-            </a:r>
-          </a:p>
-          <a:p>
-            <a:pPr>
-              <a:buNone/>
-            </a:pPr>
-            <a:r>
-              <a:rPr lang="en-US" b="1" dirty="0" smtClean="0">
-                <a:latin typeface="Consolas" pitchFamily="49" charset="0"/>
-                <a:cs typeface="Consolas" pitchFamily="49" charset="0"/>
-              </a:rPr>
-              <a:t>   paused-world-at-20 </a:t>
-            </a:r>
-          </a:p>
-          <a:p>
-            <a:pPr>
-              <a:buNone/>
-            </a:pPr>
-            <a:r>
-              <a:rPr lang="en-US" b="1" dirty="0" smtClean="0">
-                <a:latin typeface="Consolas" pitchFamily="49" charset="0"/>
-                <a:cs typeface="Consolas" pitchFamily="49" charset="0"/>
-              </a:rPr>
-              <a:t>   pause-key-event)</a:t>
-            </a:r>
-          </a:p>
-          <a:p>
-            <a:pPr>
-              <a:buNone/>
-            </a:pPr>
-            <a:r>
-              <a:rPr lang="en-US" b="1" dirty="0" smtClean="0">
-                <a:latin typeface="Consolas" pitchFamily="49" charset="0"/>
-                <a:cs typeface="Consolas" pitchFamily="49" charset="0"/>
-              </a:rPr>
-              <a:t>  unpaused-world-at-20</a:t>
-            </a:r>
-          </a:p>
-          <a:p>
-            <a:pPr>
-              <a:buNone/>
-            </a:pPr>
-            <a:r>
-              <a:rPr lang="en-US" b="1" dirty="0" smtClean="0">
-                <a:latin typeface="Consolas" pitchFamily="49" charset="0"/>
-                <a:cs typeface="Consolas" pitchFamily="49" charset="0"/>
-              </a:rPr>
-              <a:t>  </a:t>
-            </a:r>
-            <a:r>
-              <a:rPr lang="en-US" b="1" dirty="0" smtClean="0">
-                <a:solidFill>
-                  <a:srgbClr val="FF0000"/>
-                </a:solidFill>
-                <a:latin typeface="Consolas" pitchFamily="49" charset="0"/>
-                <a:cs typeface="Consolas" pitchFamily="49" charset="0"/>
-              </a:rPr>
-              <a:t>"after pause key, a paused world should become </a:t>
-            </a:r>
-            <a:r>
-              <a:rPr lang="en-US" b="1" dirty="0" err="1" smtClean="0">
-                <a:solidFill>
-                  <a:srgbClr val="FF0000"/>
-                </a:solidFill>
+              <a:spcBef>
+                <a:spcPts val="0"/>
+              </a:spcBef>
+              <a:buNone/>
+            </a:pPr>
+            <a:r>
+              <a:rPr lang="en-US" sz="2400" b="1" dirty="0" smtClean="0">
+                <a:latin typeface="Consolas" pitchFamily="49" charset="0"/>
+                <a:cs typeface="Consolas" pitchFamily="49" charset="0"/>
+              </a:rPr>
+              <a:t>;; for world-after-key-event, we have 4 </a:t>
+            </a:r>
+            <a:endParaRPr lang="en-US" sz="2400" b="1" dirty="0" smtClean="0">
+              <a:latin typeface="Consolas" pitchFamily="49" charset="0"/>
+              <a:cs typeface="Consolas" pitchFamily="49" charset="0"/>
+            </a:endParaRPr>
+          </a:p>
+          <a:p>
+            <a:pPr>
+              <a:spcBef>
+                <a:spcPts val="0"/>
+              </a:spcBef>
+              <a:buNone/>
+            </a:pPr>
+            <a:r>
+              <a:rPr lang="en-US" sz="2400" b="1" dirty="0" smtClean="0">
+                <a:latin typeface="Consolas" pitchFamily="49" charset="0"/>
+                <a:cs typeface="Consolas" pitchFamily="49" charset="0"/>
+              </a:rPr>
+              <a:t>;; </a:t>
+            </a:r>
+            <a:r>
+              <a:rPr lang="en-US" sz="2400" b="1" dirty="0" smtClean="0">
+                <a:latin typeface="Consolas" pitchFamily="49" charset="0"/>
+                <a:cs typeface="Consolas" pitchFamily="49" charset="0"/>
+              </a:rPr>
+              <a:t>equivalence </a:t>
+            </a:r>
+            <a:r>
+              <a:rPr lang="en-US" sz="2400" b="1" dirty="0" smtClean="0">
+                <a:latin typeface="Consolas" pitchFamily="49" charset="0"/>
+                <a:cs typeface="Consolas" pitchFamily="49" charset="0"/>
+              </a:rPr>
+              <a:t>classes: all combinations of: </a:t>
+            </a:r>
+          </a:p>
+          <a:p>
+            <a:pPr>
+              <a:spcBef>
+                <a:spcPts val="0"/>
+              </a:spcBef>
+              <a:buNone/>
+            </a:pPr>
+            <a:r>
+              <a:rPr lang="en-US" sz="2400" b="1" dirty="0" smtClean="0">
+                <a:latin typeface="Consolas" pitchFamily="49" charset="0"/>
+                <a:cs typeface="Consolas" pitchFamily="49" charset="0"/>
+              </a:rPr>
+              <a:t>;; a paused world and an </a:t>
+            </a:r>
+            <a:r>
+              <a:rPr lang="en-US" sz="2400" b="1" dirty="0" err="1" smtClean="0">
                 <a:latin typeface="Consolas" pitchFamily="49" charset="0"/>
                 <a:cs typeface="Consolas" pitchFamily="49" charset="0"/>
               </a:rPr>
               <a:t>unpaused</a:t>
             </a:r>
             <a:r>
-              <a:rPr lang="en-US" b="1" dirty="0" smtClean="0">
-                <a:solidFill>
-                  <a:srgbClr val="FF0000"/>
-                </a:solidFill>
-                <a:latin typeface="Consolas" pitchFamily="49" charset="0"/>
-                <a:cs typeface="Consolas" pitchFamily="49" charset="0"/>
-              </a:rPr>
-              <a:t>"</a:t>
-            </a:r>
-            <a:r>
-              <a:rPr lang="en-US" b="1" dirty="0" smtClean="0">
-                <a:latin typeface="Consolas" pitchFamily="49" charset="0"/>
-                <a:cs typeface="Consolas" pitchFamily="49" charset="0"/>
-              </a:rPr>
-              <a:t>)</a:t>
+              <a:rPr lang="en-US" sz="2400" b="1" dirty="0" smtClean="0">
+                <a:latin typeface="Consolas" pitchFamily="49" charset="0"/>
+                <a:cs typeface="Consolas" pitchFamily="49" charset="0"/>
+              </a:rPr>
+              <a:t> world, </a:t>
+            </a:r>
+          </a:p>
+          <a:p>
+            <a:pPr>
+              <a:spcBef>
+                <a:spcPts val="0"/>
+              </a:spcBef>
+              <a:buNone/>
+            </a:pPr>
+            <a:r>
+              <a:rPr lang="en-US" sz="2400" b="1" dirty="0" smtClean="0">
+                <a:latin typeface="Consolas" pitchFamily="49" charset="0"/>
+                <a:cs typeface="Consolas" pitchFamily="49" charset="0"/>
+              </a:rPr>
+              <a:t>;; and a "pause" key event and a "non-pause" </a:t>
+            </a:r>
+            <a:r>
+              <a:rPr lang="en-US" sz="2400" b="1" dirty="0" smtClean="0">
+                <a:latin typeface="Consolas" pitchFamily="49" charset="0"/>
+                <a:cs typeface="Consolas" pitchFamily="49" charset="0"/>
+              </a:rPr>
+              <a:t>key</a:t>
+            </a:r>
+          </a:p>
+          <a:p>
+            <a:pPr>
+              <a:spcBef>
+                <a:spcPts val="0"/>
+              </a:spcBef>
+              <a:buNone/>
+            </a:pPr>
+            <a:r>
+              <a:rPr lang="en-US" sz="2400" b="1" dirty="0" smtClean="0">
+                <a:latin typeface="Consolas" pitchFamily="49" charset="0"/>
+                <a:cs typeface="Consolas" pitchFamily="49" charset="0"/>
+              </a:rPr>
+              <a:t>;;</a:t>
+            </a:r>
+            <a:r>
+              <a:rPr lang="en-US" sz="2400" b="1" dirty="0" smtClean="0">
+                <a:latin typeface="Consolas" pitchFamily="49" charset="0"/>
+                <a:cs typeface="Consolas" pitchFamily="49" charset="0"/>
+              </a:rPr>
+              <a:t> </a:t>
+            </a:r>
+            <a:r>
+              <a:rPr lang="en-US" sz="2400" b="1" dirty="0" smtClean="0">
+                <a:latin typeface="Consolas" pitchFamily="49" charset="0"/>
+                <a:cs typeface="Consolas" pitchFamily="49" charset="0"/>
+              </a:rPr>
+              <a:t>event</a:t>
+            </a:r>
+          </a:p>
+          <a:p>
+            <a:pPr>
+              <a:spcBef>
+                <a:spcPts val="0"/>
+              </a:spcBef>
+              <a:buNone/>
+            </a:pPr>
+            <a:endParaRPr lang="en-US" sz="2400" b="1" dirty="0" smtClean="0">
+              <a:latin typeface="Consolas" pitchFamily="49" charset="0"/>
+              <a:cs typeface="Consolas" pitchFamily="49" charset="0"/>
+            </a:endParaRPr>
+          </a:p>
+          <a:p>
+            <a:pPr>
+              <a:spcBef>
+                <a:spcPts val="0"/>
+              </a:spcBef>
+              <a:buNone/>
+            </a:pPr>
+            <a:r>
+              <a:rPr lang="en-US" sz="2400" b="1" dirty="0" smtClean="0">
+                <a:latin typeface="Consolas" pitchFamily="49" charset="0"/>
+                <a:cs typeface="Consolas" pitchFamily="49" charset="0"/>
+              </a:rPr>
+              <a:t>;; Give symbolic names to "typical" values:</a:t>
+            </a:r>
+          </a:p>
+          <a:p>
+            <a:pPr>
+              <a:spcBef>
+                <a:spcPts val="0"/>
+              </a:spcBef>
+              <a:buNone/>
+            </a:pPr>
+            <a:r>
+              <a:rPr lang="en-US" sz="2400" b="1" dirty="0" smtClean="0">
+                <a:latin typeface="Consolas" pitchFamily="49" charset="0"/>
+                <a:cs typeface="Consolas" pitchFamily="49" charset="0"/>
+              </a:rPr>
+              <a:t>;; we have these for worlds, </a:t>
+            </a:r>
+          </a:p>
+          <a:p>
+            <a:pPr>
+              <a:spcBef>
+                <a:spcPts val="0"/>
+              </a:spcBef>
+              <a:buNone/>
+            </a:pPr>
+            <a:r>
+              <a:rPr lang="en-US" sz="2400" b="1" dirty="0" smtClean="0">
+                <a:latin typeface="Consolas" pitchFamily="49" charset="0"/>
+                <a:cs typeface="Consolas" pitchFamily="49" charset="0"/>
+              </a:rPr>
+              <a:t>;; now we'll add them for key events:</a:t>
+            </a:r>
+          </a:p>
+          <a:p>
+            <a:pPr>
+              <a:spcBef>
+                <a:spcPts val="0"/>
+              </a:spcBef>
+              <a:buNone/>
+            </a:pPr>
+            <a:r>
+              <a:rPr lang="en-US" sz="2400" b="1" dirty="0" smtClean="0">
+                <a:latin typeface="Consolas" pitchFamily="49" charset="0"/>
+                <a:cs typeface="Consolas" pitchFamily="49" charset="0"/>
+              </a:rPr>
+              <a:t>(define pause-key-event " ")</a:t>
+            </a:r>
+          </a:p>
+          <a:p>
+            <a:pPr>
+              <a:spcBef>
+                <a:spcPts val="0"/>
+              </a:spcBef>
+              <a:buNone/>
+            </a:pPr>
+            <a:r>
+              <a:rPr lang="en-US" sz="2400" b="1" dirty="0" smtClean="0">
+                <a:latin typeface="Consolas" pitchFamily="49" charset="0"/>
+                <a:cs typeface="Consolas" pitchFamily="49" charset="0"/>
+              </a:rPr>
+              <a:t>(define non-pause-key-event "q")</a:t>
             </a:r>
           </a:p>
           <a:p>
@@ -8662,114 +9731,42 @@
             <a:pPr>
               <a:buNone/>
             </a:pPr>
-            <a:r>
-              <a:rPr lang="en-US" b="1" dirty="0" smtClean="0">
-                <a:latin typeface="Consolas" pitchFamily="49" charset="0"/>
-                <a:cs typeface="Consolas" pitchFamily="49" charset="0"/>
-              </a:rPr>
-              <a:t>(check-equal?</a:t>
-            </a:r>
-          </a:p>
-          <a:p>
-            <a:pPr>
-              <a:buNone/>
-            </a:pPr>
-            <a:r>
-              <a:rPr lang="en-US" b="1" dirty="0" smtClean="0">
-                <a:latin typeface="Consolas" pitchFamily="49" charset="0"/>
-                <a:cs typeface="Consolas" pitchFamily="49" charset="0"/>
-              </a:rPr>
-              <a:t>  (world-after-key-event </a:t>
-            </a:r>
-          </a:p>
-          <a:p>
-            <a:pPr>
-              <a:buNone/>
-            </a:pPr>
-            <a:r>
-              <a:rPr lang="en-US" b="1" dirty="0" smtClean="0">
-                <a:latin typeface="Consolas" pitchFamily="49" charset="0"/>
-                <a:cs typeface="Consolas" pitchFamily="49" charset="0"/>
-              </a:rPr>
-              <a:t>    unpaused-world-at-20 </a:t>
-            </a:r>
-          </a:p>
-          <a:p>
-            <a:pPr>
-              <a:buNone/>
-            </a:pPr>
-            <a:r>
-              <a:rPr lang="en-US" b="1" dirty="0" smtClean="0">
-                <a:latin typeface="Consolas" pitchFamily="49" charset="0"/>
-                <a:cs typeface="Consolas" pitchFamily="49" charset="0"/>
-              </a:rPr>
-              <a:t>    pause-key-event)</a:t>
-            </a:r>
-          </a:p>
-          <a:p>
-            <a:pPr>
-              <a:buNone/>
-            </a:pPr>
-            <a:r>
-              <a:rPr lang="en-US" b="1" dirty="0" smtClean="0">
-                <a:latin typeface="Consolas" pitchFamily="49" charset="0"/>
-                <a:cs typeface="Consolas" pitchFamily="49" charset="0"/>
-              </a:rPr>
-              <a:t>    paused-world-at-20</a:t>
-            </a:r>
-          </a:p>
-          <a:p>
-            <a:pPr>
-              <a:buNone/>
-            </a:pPr>
-            <a:r>
-              <a:rPr lang="en-US" b="1" dirty="0" smtClean="0">
-                <a:latin typeface="Consolas" pitchFamily="49" charset="0"/>
-                <a:cs typeface="Consolas" pitchFamily="49" charset="0"/>
-              </a:rPr>
-              <a:t>  </a:t>
-            </a:r>
-            <a:r>
-              <a:rPr lang="en-US" b="1" dirty="0" smtClean="0">
-                <a:solidFill>
-                  <a:srgbClr val="FF0000"/>
-                </a:solidFill>
-                <a:latin typeface="Consolas" pitchFamily="49" charset="0"/>
-                <a:cs typeface="Consolas" pitchFamily="49" charset="0"/>
-              </a:rPr>
-              <a:t>"after pause key, an </a:t>
-            </a:r>
-            <a:r>
-              <a:rPr lang="en-US" b="1" dirty="0" err="1" smtClean="0">
-                <a:solidFill>
-                  <a:srgbClr val="FF0000"/>
-                </a:solidFill>
-                <a:latin typeface="Consolas" pitchFamily="49" charset="0"/>
-                <a:cs typeface="Consolas" pitchFamily="49" charset="0"/>
-              </a:rPr>
-              <a:t>unpaused</a:t>
-            </a:r>
-            <a:r>
-              <a:rPr lang="en-US" b="1" dirty="0" smtClean="0">
-                <a:solidFill>
-                  <a:srgbClr val="FF0000"/>
-                </a:solidFill>
-                <a:latin typeface="Consolas" pitchFamily="49" charset="0"/>
-                <a:cs typeface="Consolas" pitchFamily="49" charset="0"/>
-              </a:rPr>
-              <a:t> world should become paused"</a:t>
-            </a:r>
-            <a:r>
-              <a:rPr lang="en-US" b="1" dirty="0" smtClean="0">
-                <a:latin typeface="Consolas" pitchFamily="49" charset="0"/>
-                <a:cs typeface="Consolas" pitchFamily="49" charset="0"/>
-              </a:rPr>
-              <a:t>)</a:t>
-            </a:r>
-            <a:endParaRPr lang="en-US" dirty="0">
+            <a:endParaRPr lang="en-US" b="1" dirty="0" smtClean="0">
               <a:latin typeface="Consolas" pitchFamily="49" charset="0"/>
               <a:cs typeface="Consolas" pitchFamily="49" charset="0"/>
             </a:endParaRPr>
+          </a:p>
+          <a:p>
+            <a:pPr>
+              <a:buNone/>
+            </a:pPr>
+            <a:endParaRPr lang="en-US" b="1" dirty="0">
+              <a:latin typeface="Consolas" pitchFamily="49" charset="0"/>
+              <a:cs typeface="Consolas" pitchFamily="49" charset="0"/>
+            </a:endParaRPr>
+          </a:p>
+        </p:txBody>
+      </p:sp>
+      <p:sp>
+        <p:nvSpPr>
+          <p:cNvPr id="4" name="Slide Number Placeholder 3"/>
+          <p:cNvSpPr>
+            <a:spLocks noGrp="1"/>
+          </p:cNvSpPr>
+          <p:nvPr>
+            <p:ph type="sldNum" sz="quarter" idx="12"/>
+          </p:nvPr>
+        </p:nvSpPr>
+        <p:spPr/>
+        <p:txBody>
+          <a:bodyPr/>
+          <a:lstStyle/>
+          <a:p>
+            <a:fld id="{2AF3B5EA-18B6-4040-9F78-6052AF49C681}" type="slidenum">
+              <a:rPr lang="en-US" smtClean="0"/>
+              <a:t>27</a:t>
+            </a:fld>
+            <a:endParaRPr lang="en-US"/>
           </a:p>
         </p:txBody>
       </p:sp>
@@ -8822,7 +9819,7 @@
           <a:p>
             <a:r>
               <a:rPr lang="en-US" dirty="0" smtClean="0"/>
-              <a:t>Tests (3)</a:t>
+              <a:t>Tests (2)</a:t>
             </a:r>
             <a:endParaRPr lang="en-US" dirty="0"/>
           </a:p>
@@ -8840,7 +9837,7 @@
         </p:nvSpPr>
         <p:spPr>
           <a:xfrm>
-            <a:off x="457200" y="1600200"/>
+            <a:off x="228600" y="1600200"/>
             <a:ext cx="8686800" cy="4525963"/>
           </a:xfrm>
         </p:spPr>
@@ -8882,7 +9879,7 @@
                 <a:latin typeface="Consolas" pitchFamily="49" charset="0"/>
                 <a:cs typeface="Consolas" pitchFamily="49" charset="0"/>
               </a:rPr>
-              <a:t>    paused-world-at-20 </a:t>
+              <a:t>   paused-world-at-20 </a:t>
             </a:r>
           </a:p>
           <a:p>
@@ -8894,7 +9891,7 @@
                 <a:latin typeface="Consolas" pitchFamily="49" charset="0"/>
                 <a:cs typeface="Consolas" pitchFamily="49" charset="0"/>
               </a:rPr>
-              <a:t>    non-pause-key-event)</a:t>
+              <a:t>   pause-key-event)</a:t>
             </a:r>
           </a:p>
           <a:p>
@@ -8906,7 +9903,7 @@
                 <a:latin typeface="Consolas" pitchFamily="49" charset="0"/>
                 <a:cs typeface="Consolas" pitchFamily="49" charset="0"/>
               </a:rPr>
-              <a:t>  paused-world-at-20</a:t>
+              <a:t>  unpaused-world-at-20</a:t>
             </a:r>
           </a:p>
           <a:p>
@@ -8928,7 +9925,27 @@
                 <a:latin typeface="Consolas" pitchFamily="49" charset="0"/>
                 <a:cs typeface="Consolas" pitchFamily="49" charset="0"/>
               </a:rPr>
-              <a:t>"after a non-pause key, a paused world should be unchanged"</a:t>
+              <a:t>"after pause key, a paused world should become </a:t>
+            </a:r>
+            <a:r>
+              <a:rPr lang="en-US" b="1" dirty="0" err="1" smtClean="0">
+                <a:solidFill>
+                  <a:srgbClr val="FF0000"/>
+                </a:solidFill>
+                <a:latin typeface="Consolas" pitchFamily="49" charset="0"/>
+                <a:cs typeface="Consolas" pitchFamily="49" charset="0"/>
+              </a:rPr>
+              <a:t>unpaused</a:t>
+            </a:r>
+            <a:r>
+              <a:rPr lang="en-US" b="1" dirty="0" smtClean="0">
+                <a:solidFill>
+                  <a:srgbClr val="FF0000"/>
+                </a:solidFill>
+                <a:latin typeface="Consolas" pitchFamily="49" charset="0"/>
+                <a:cs typeface="Consolas" pitchFamily="49" charset="0"/>
+              </a:rPr>
+              <a:t>"</a:t>
             </a:r>
             <a:r>
               <a:rPr lang="en-US" b="1" dirty="0" smtClean="0">
@@ -8992,7 +10009,7 @@
                 <a:latin typeface="Consolas" pitchFamily="49" charset="0"/>
                 <a:cs typeface="Consolas" pitchFamily="49" charset="0"/>
               </a:rPr>
-              <a:t>    non-pause-key-event)</a:t>
+              <a:t>    pause-key-event)</a:t>
             </a:r>
           </a:p>
           <a:p>
@@ -9004,7 +10021,7 @@
                 <a:latin typeface="Consolas" pitchFamily="49" charset="0"/>
                 <a:cs typeface="Consolas" pitchFamily="49" charset="0"/>
               </a:rPr>
-              <a:t>  unpaused-world-at-20</a:t>
+              <a:t>    paused-world-at-20</a:t>
             </a:r>
           </a:p>
           <a:p>
@@ -9026,7 +10043,7 @@
                 <a:latin typeface="Consolas" pitchFamily="49" charset="0"/>
                 <a:cs typeface="Consolas" pitchFamily="49" charset="0"/>
               </a:rPr>
-              <a:t>"after a non-pause key, an </a:t>
+              <a:t>"after pause key, an </a:t>
             </a:r>
             <a:r>
               <a:rPr lang="en-US" b="1" dirty="0" err="1" smtClean="0">
@@ -9046,7 +10063,7 @@
                 <a:latin typeface="Consolas" pitchFamily="49" charset="0"/>
                 <a:cs typeface="Consolas" pitchFamily="49" charset="0"/>
               </a:rPr>
-              <a:t> world should be unchanged"</a:t>
+              <a:t> world should become paused"</a:t>
             </a:r>
             <a:r>
               <a:rPr lang="en-US" b="1" dirty="0" smtClean="0">
@@ -9055,6 +10072,33 @@
               </a:rPr>
               <a:t>)</a:t>
             </a:r>
+            <a:endParaRPr lang="en-US" dirty="0">
+              <a:latin typeface="Consolas" pitchFamily="49" charset="0"/>
+              <a:cs typeface="Consolas" pitchFamily="49" charset="0"/>
+            </a:endParaRPr>
+          </a:p>
+        </p:txBody>
+      </p:sp>
+      <p:sp>
+        <p:nvSpPr>
+          <p:cNvPr id="4" name="Slide Number Placeholder 3"/>
+          <p:cNvSpPr>
+            <a:spLocks noGrp="1"/>
+          </p:cNvSpPr>
+          <p:nvPr>
+            <p:ph type="sldNum" sz="quarter" idx="12"/>
+          </p:nvPr>
+        </p:nvSpPr>
+        <p:spPr/>
+        <p:txBody>
+          <a:bodyPr/>
+          <a:lstStyle/>
+          <a:p>
+            <a:fld id="{2AF3B5EA-18B6-4040-9F78-6052AF49C681}" type="slidenum">
+              <a:rPr lang="en-US" smtClean="0"/>
+              <a:t>28</a:t>
+            </a:fld>
+            <a:endParaRPr lang="en-US"/>
           </a:p>
         </p:txBody>
       </p:sp>
@@ -9092,7 +10136,7 @@
       </p:grpSpPr>
       <p:sp>
         <p:nvSpPr>
-          <p:cNvPr id="4" name="Title 3"/>
+          <p:cNvPr id="2" name="Title 1"/>
           <p:cNvSpPr>
             <a:spLocks noGrp="1"/>
           </p:cNvSpPr>
@@ -9107,7 +10151,7 @@
           <a:p>
             <a:r>
               <a:rPr lang="en-US" dirty="0" smtClean="0"/>
-              <a:t>Tests (4)</a:t>
+              <a:t>Tests (3)</a:t>
             </a:r>
             <a:endParaRPr lang="en-US" dirty="0"/>
           </a:p>
@@ -9115,334 +10159,258 @@
       </p:sp>
       <p:sp>
         <p:nvSpPr>
-          <p:cNvPr id="5" name="Content Placeholder 4"/>
+          <p:cNvPr id="3" name="Content Placeholder 2"/>
           <p:cNvSpPr>
             <a:spLocks noGrp="1"/>
           </p:cNvSpPr>
           <p:nvPr>
             <p:ph idx="1"/>
           </p:nvPr>
-        </p:nvSpPr>
-        <p:spPr/>
-        <p:txBody>
-          <a:bodyPr>
-            <a:normAutofit/>
-          </a:bodyPr>
-          <a:lstStyle/>
-          <a:p>
-            <a:pPr marL="0" indent="0">
-              <a:buNone/>
-            </a:pPr>
-            <a:r>
-              <a:rPr lang="en-US" sz="2000" dirty="0">
-                <a:solidFill>
-                  <a:schemeClr val="tx1">
-                    <a:lumMod val="50000"/>
-                    <a:lumOff val="50000"/>
-                  </a:schemeClr>
-                </a:solidFill>
-              </a:rPr>
-              <a:t>(define (world-after-key-event w </a:t>
-            </a:r>
-            <a:r>
-              <a:rPr lang="en-US" sz="2000" dirty="0" err="1">
-                <a:solidFill>
-                  <a:schemeClr val="tx1">
-                    <a:lumMod val="50000"/>
-                    <a:lumOff val="50000"/>
-                  </a:schemeClr>
-                </a:solidFill>
-              </a:rPr>
-              <a:t>kev</a:t>
-            </a:r>
-            <a:r>
-              <a:rPr lang="en-US" sz="2000" dirty="0" smtClean="0">
-                <a:solidFill>
-                  <a:schemeClr val="tx1">
-                    <a:lumMod val="50000"/>
-                    <a:lumOff val="50000"/>
-                  </a:schemeClr>
-                </a:solidFill>
-              </a:rPr>
-              <a:t>) ...)</a:t>
-            </a:r>
-            <a:endParaRPr lang="en-US" sz="2000" dirty="0">
-              <a:solidFill>
-                <a:schemeClr val="tx1">
-                  <a:lumMod val="50000"/>
-                  <a:lumOff val="50000"/>
-                </a:schemeClr>
-              </a:solidFill>
-            </a:endParaRPr>
-          </a:p>
-          <a:p>
-            <a:pPr marL="0" indent="0">
-              <a:buNone/>
-            </a:pPr>
-            <a:r>
-              <a:rPr lang="en-US" sz="2000" dirty="0"/>
-              <a:t>  </a:t>
-            </a:r>
-            <a:endParaRPr lang="en-US" sz="2000" dirty="0" smtClean="0"/>
-          </a:p>
-          <a:p>
-            <a:pPr marL="0" indent="0">
-              <a:buNone/>
-            </a:pPr>
-            <a:r>
-              <a:rPr lang="en-US" sz="2000" dirty="0" smtClean="0"/>
-              <a:t>(begin-for-test</a:t>
-            </a:r>
-            <a:endParaRPr lang="en-US" sz="2000" dirty="0"/>
-          </a:p>
-          <a:p>
-            <a:pPr marL="0" indent="0">
-              <a:buNone/>
-            </a:pPr>
-            <a:r>
-              <a:rPr lang="en-US" sz="2000" dirty="0"/>
-              <a:t>  (check-equal</a:t>
-            </a:r>
-            <a:r>
-              <a:rPr lang="en-US" sz="2000" dirty="0" smtClean="0"/>
-              <a:t>? ...)</a:t>
-            </a:r>
-            <a:endParaRPr lang="en-US" sz="2000" dirty="0"/>
-          </a:p>
-          <a:p>
-            <a:pPr marL="0" indent="0">
-              <a:buNone/>
-            </a:pPr>
-            <a:r>
-              <a:rPr lang="en-US" sz="2000" dirty="0" smtClean="0"/>
-              <a:t>  </a:t>
-            </a:r>
-            <a:r>
-              <a:rPr lang="en-US" sz="2000" dirty="0"/>
-              <a:t>(check-equal</a:t>
-            </a:r>
-            <a:r>
-              <a:rPr lang="en-US" sz="2000" dirty="0" smtClean="0"/>
-              <a:t>? ...)    </a:t>
-            </a:r>
-            <a:endParaRPr lang="en-US" sz="2000" dirty="0"/>
-          </a:p>
-          <a:p>
-            <a:pPr marL="0" indent="0">
-              <a:buNone/>
-            </a:pPr>
-            <a:r>
-              <a:rPr lang="en-US" sz="2000" dirty="0"/>
-              <a:t>  (check-equal</a:t>
-            </a:r>
-            <a:r>
-              <a:rPr lang="en-US" sz="2000" dirty="0" smtClean="0"/>
-              <a:t>? ...)</a:t>
-            </a:r>
-            <a:endParaRPr lang="en-US" sz="2000" dirty="0"/>
-          </a:p>
-          <a:p>
-            <a:pPr marL="0" indent="0">
-              <a:buNone/>
-            </a:pPr>
-            <a:r>
-              <a:rPr lang="en-US" sz="2000" dirty="0" smtClean="0"/>
-              <a:t>  </a:t>
-            </a:r>
-            <a:r>
-              <a:rPr lang="en-US" sz="2000" dirty="0"/>
-              <a:t>(check-equal</a:t>
-            </a:r>
-            <a:r>
-              <a:rPr lang="en-US" sz="2000" dirty="0" smtClean="0"/>
-              <a:t>? ...))</a:t>
-            </a:r>
-          </a:p>
-          <a:p>
-            <a:pPr marL="0" indent="0">
-              <a:buNone/>
-            </a:pPr>
-            <a:endParaRPr lang="en-US" sz="2000" dirty="0"/>
-          </a:p>
-          <a:p>
-            <a:pPr marL="0" indent="0">
-              <a:buNone/>
-            </a:pPr>
-            <a:r>
-              <a:rPr lang="en-US" sz="2000" dirty="0" smtClean="0">
-                <a:solidFill>
-                  <a:schemeClr val="tx1">
-                    <a:lumMod val="50000"/>
-                    <a:lumOff val="50000"/>
-                  </a:schemeClr>
-                </a:solidFill>
-              </a:rPr>
-              <a:t>(define (world-with-paused-toggled? w) ...)</a:t>
-            </a:r>
-          </a:p>
-          <a:p>
-            <a:pPr marL="0" indent="0">
-              <a:buNone/>
-            </a:pPr>
-            <a:endParaRPr lang="en-US" sz="2000" dirty="0" smtClean="0"/>
-          </a:p>
-        </p:txBody>
-      </p:sp>
-      <p:sp>
-        <p:nvSpPr>
-          <p:cNvPr id="6" name="TextBox 5"/>
-          <p:cNvSpPr txBox="1"/>
-          <p:nvPr/>
         </p:nvSpPr>
         <p:spPr>
           <a:xfrm>
-            <a:off x="6695769" y="1473540"/>
-            <a:ext cx="2448232" cy="646331"/>
+            <a:off x="457200" y="1600200"/>
+            <a:ext cx="8686800" cy="4525963"/>
           </a:xfrm>
-          <a:prstGeom prst="rect">
-            <a:avLst/>
-          </a:prstGeom>
-          <a:solidFill>
-            <a:schemeClr val="accent3">
-              <a:lumMod val="40000"/>
-              <a:lumOff val="60000"/>
-            </a:schemeClr>
-          </a:solidFill>
         </p:spPr>
-        <p:style>
-          <a:lnRef idx="2">
-            <a:schemeClr val="accent1"/>
-          </a:lnRef>
-          <a:fillRef idx="1">
-            <a:schemeClr val="lt1"/>
-          </a:fillRef>
-          <a:effectRef idx="0">
-            <a:schemeClr val="accent1"/>
-          </a:effectRef>
-          <a:fontRef idx="minor">
-            <a:schemeClr val="dk1"/>
-          </a:fontRef>
-        </p:style>
-        <p:txBody>
-          <a:bodyPr wrap="square" rtlCol="0">
-            <a:spAutoFit/>
+        <p:txBody>
+          <a:bodyPr>
+            <a:normAutofit fontScale="62500" lnSpcReduction="20000"/>
           </a:bodyPr>
           <a:lstStyle/>
           <a:p>
-            <a:r>
-              <a:rPr lang="en-US" dirty="0" smtClean="0"/>
-              <a:t>Here's how we lay out the tests in our file.</a:t>
-            </a:r>
-            <a:endParaRPr lang="en-US" dirty="0"/>
-          </a:p>
-        </p:txBody>
-      </p:sp>
-      <p:grpSp>
-        <p:nvGrpSpPr>
-          <p:cNvPr id="11" name="Group 10"/>
-          <p:cNvGrpSpPr/>
-          <p:nvPr/>
-        </p:nvGrpSpPr>
-        <p:grpSpPr>
-          <a:xfrm>
-            <a:off x="6563032" y="4173793"/>
-            <a:ext cx="2580969" cy="1200329"/>
-            <a:chOff x="6563032" y="4173793"/>
-            <a:chExt cx="2580969" cy="1200329"/>
-          </a:xfrm>
-        </p:grpSpPr>
-        <p:sp>
-          <p:nvSpPr>
-            <p:cNvPr id="7" name="TextBox 6"/>
-            <p:cNvSpPr txBox="1"/>
-            <p:nvPr/>
-          </p:nvSpPr>
-          <p:spPr>
-            <a:xfrm>
-              <a:off x="6843253" y="4173793"/>
-              <a:ext cx="2300748" cy="1200329"/>
-            </a:xfrm>
-            <a:prstGeom prst="rect">
-              <a:avLst/>
-            </a:prstGeom>
-            <a:solidFill>
-              <a:schemeClr val="accent3">
-                <a:lumMod val="40000"/>
-                <a:lumOff val="60000"/>
-              </a:schemeClr>
-            </a:solidFill>
-          </p:spPr>
-          <p:style>
-            <a:lnRef idx="2">
-              <a:schemeClr val="accent1"/>
-            </a:lnRef>
-            <a:fillRef idx="1">
-              <a:schemeClr val="lt1"/>
-            </a:fillRef>
-            <a:effectRef idx="0">
-              <a:schemeClr val="accent1"/>
-            </a:effectRef>
-            <a:fontRef idx="minor">
-              <a:schemeClr val="dk1"/>
-            </a:fontRef>
-          </p:style>
-          <p:txBody>
-            <a:bodyPr wrap="square" rtlCol="0">
-              <a:spAutoFit/>
-            </a:bodyPr>
-            <a:lstStyle/>
-            <a:p>
-              <a:r>
-                <a:rPr lang="en-US" dirty="0" smtClean="0"/>
-                <a:t>Contract, purpose function, etc., for world-with-paused-toggled?</a:t>
-              </a:r>
-              <a:endParaRPr lang="en-US" dirty="0"/>
-            </a:p>
-          </p:txBody>
-        </p:sp>
-        <p:cxnSp>
-          <p:nvCxnSpPr>
-            <p:cNvPr id="9" name="Straight Arrow Connector 8"/>
-            <p:cNvCxnSpPr/>
-            <p:nvPr/>
-          </p:nvCxnSpPr>
-          <p:spPr>
-            <a:xfrm flipH="1">
-              <a:off x="6563032" y="4773957"/>
-              <a:ext cx="280221" cy="0"/>
-            </a:xfrm>
-            <a:prstGeom prst="straightConnector1">
-              <a:avLst/>
-            </a:prstGeom>
-            <a:ln w="12700">
-              <a:solidFill>
-                <a:schemeClr val="tx1"/>
-              </a:solidFill>
-              <a:tailEnd type="arrow"/>
-            </a:ln>
-          </p:spPr>
-          <p:style>
-            <a:lnRef idx="1">
-              <a:schemeClr val="accent1"/>
-            </a:lnRef>
-            <a:fillRef idx="0">
-              <a:schemeClr val="accent1"/>
-            </a:fillRef>
-            <a:effectRef idx="0">
-              <a:schemeClr val="accent1"/>
-            </a:effectRef>
-            <a:fontRef idx="minor">
-              <a:schemeClr val="tx1"/>
-            </a:fontRef>
-          </p:style>
-        </p:cxnSp>
-      </p:grpSp>
+            <a:pPr>
+              <a:buNone/>
+            </a:pPr>
+            <a:r>
+              <a:rPr lang="en-US" b="1" dirty="0" smtClean="0">
+                <a:latin typeface="Consolas" pitchFamily="49" charset="0"/>
+                <a:cs typeface="Consolas" pitchFamily="49" charset="0"/>
+              </a:rPr>
+              <a:t>(check-equal?</a:t>
+            </a:r>
+          </a:p>
+          <a:p>
+            <a:pPr>
+              <a:buNone/>
+            </a:pPr>
+            <a:r>
+              <a:rPr lang="en-US" b="1" dirty="0" smtClean="0">
+                <a:latin typeface="Consolas" pitchFamily="49" charset="0"/>
+                <a:cs typeface="Consolas" pitchFamily="49" charset="0"/>
+              </a:rPr>
+              <a:t>  (world-after-key-event </a:t>
+            </a:r>
+          </a:p>
+          <a:p>
+            <a:pPr>
+              <a:buNone/>
+            </a:pPr>
+            <a:r>
+              <a:rPr lang="en-US" b="1" dirty="0" smtClean="0">
+                <a:latin typeface="Consolas" pitchFamily="49" charset="0"/>
+                <a:cs typeface="Consolas" pitchFamily="49" charset="0"/>
+              </a:rPr>
+              <a:t>    paused-world-at-20 </a:t>
+            </a:r>
+          </a:p>
+          <a:p>
+            <a:pPr>
+              <a:buNone/>
+            </a:pPr>
+            <a:r>
+              <a:rPr lang="en-US" b="1" dirty="0" smtClean="0">
+                <a:latin typeface="Consolas" pitchFamily="49" charset="0"/>
+                <a:cs typeface="Consolas" pitchFamily="49" charset="0"/>
+              </a:rPr>
+              <a:t>    non-pause-key-event)</a:t>
+            </a:r>
+          </a:p>
+          <a:p>
+            <a:pPr>
+              <a:buNone/>
+            </a:pPr>
+            <a:r>
+              <a:rPr lang="en-US" b="1" dirty="0" smtClean="0">
+                <a:latin typeface="Consolas" pitchFamily="49" charset="0"/>
+                <a:cs typeface="Consolas" pitchFamily="49" charset="0"/>
+              </a:rPr>
+              <a:t>  paused-world-at-20</a:t>
+            </a:r>
+          </a:p>
+          <a:p>
+            <a:pPr>
+              <a:buNone/>
+            </a:pPr>
+            <a:r>
+              <a:rPr lang="en-US" b="1" dirty="0" smtClean="0">
+                <a:latin typeface="Consolas" pitchFamily="49" charset="0"/>
+                <a:cs typeface="Consolas" pitchFamily="49" charset="0"/>
+              </a:rPr>
+              <a:t>  </a:t>
+            </a:r>
+            <a:r>
+              <a:rPr lang="en-US" b="1" dirty="0" smtClean="0">
+                <a:solidFill>
+                  <a:srgbClr val="FF0000"/>
+                </a:solidFill>
+                <a:latin typeface="Consolas" pitchFamily="49" charset="0"/>
+                <a:cs typeface="Consolas" pitchFamily="49" charset="0"/>
+              </a:rPr>
+              <a:t>"after a non-pause key, a paused world should be unchanged"</a:t>
+            </a:r>
+            <a:r>
+              <a:rPr lang="en-US" b="1" dirty="0" smtClean="0">
+                <a:latin typeface="Consolas" pitchFamily="49" charset="0"/>
+                <a:cs typeface="Consolas" pitchFamily="49" charset="0"/>
+              </a:rPr>
+              <a:t>)</a:t>
+            </a:r>
+          </a:p>
+          <a:p>
+            <a:pPr>
+              <a:buNone/>
+            </a:pPr>
+            <a:endParaRPr lang="en-US" b="1" dirty="0" smtClean="0">
+              <a:latin typeface="Consolas" pitchFamily="49" charset="0"/>
+              <a:cs typeface="Consolas" pitchFamily="49" charset="0"/>
+            </a:endParaRPr>
+          </a:p>
+          <a:p>
+            <a:pPr>
+              <a:buNone/>
+            </a:pPr>
+            <a:r>
+              <a:rPr lang="en-US" b="1" dirty="0" smtClean="0">
+                <a:latin typeface="Consolas" pitchFamily="49" charset="0"/>
+                <a:cs typeface="Consolas" pitchFamily="49" charset="0"/>
+              </a:rPr>
+              <a:t>(check-equal?</a:t>
+            </a:r>
+          </a:p>
+          <a:p>
+            <a:pPr>
+              <a:buNone/>
+            </a:pPr>
+            <a:r>
+              <a:rPr lang="en-US" b="1" dirty="0" smtClean="0">
+                <a:latin typeface="Consolas" pitchFamily="49" charset="0"/>
+                <a:cs typeface="Consolas" pitchFamily="49" charset="0"/>
+              </a:rPr>
+              <a:t>  (world-after-key-event </a:t>
+            </a:r>
+          </a:p>
+          <a:p>
+            <a:pPr>
+              <a:buNone/>
+            </a:pPr>
+            <a:r>
+              <a:rPr lang="en-US" b="1" dirty="0" smtClean="0">
+                <a:latin typeface="Consolas" pitchFamily="49" charset="0"/>
+                <a:cs typeface="Consolas" pitchFamily="49" charset="0"/>
+              </a:rPr>
+              <a:t>    unpaused-world-at-20 </a:t>
+            </a:r>
+          </a:p>
+          <a:p>
+            <a:pPr>
+              <a:buNone/>
+            </a:pPr>
+            <a:r>
+              <a:rPr lang="en-US" b="1" dirty="0" smtClean="0">
+                <a:latin typeface="Consolas" pitchFamily="49" charset="0"/>
+                <a:cs typeface="Consolas" pitchFamily="49" charset="0"/>
+              </a:rPr>
+              <a:t>    non-pause-key-event)</a:t>
+            </a:r>
+          </a:p>
+          <a:p>
+            <a:pPr>
+              <a:buNone/>
+            </a:pPr>
+            <a:r>
+              <a:rPr lang="en-US" b="1" dirty="0" smtClean="0">
+                <a:latin typeface="Consolas" pitchFamily="49" charset="0"/>
+                <a:cs typeface="Consolas" pitchFamily="49" charset="0"/>
+              </a:rPr>
+              <a:t>  unpaused-world-at-20</a:t>
+            </a:r>
+          </a:p>
+          <a:p>
+            <a:pPr>
+              <a:buNone/>
+            </a:pPr>
+            <a:r>
+              <a:rPr lang="en-US" b="1" dirty="0" smtClean="0">
+                <a:latin typeface="Consolas" pitchFamily="49" charset="0"/>
+                <a:cs typeface="Consolas" pitchFamily="49" charset="0"/>
+              </a:rPr>
+              <a:t>  </a:t>
+            </a:r>
+            <a:r>
+              <a:rPr lang="en-US" b="1" dirty="0" smtClean="0">
+                <a:solidFill>
+                  <a:srgbClr val="FF0000"/>
+                </a:solidFill>
+                <a:latin typeface="Consolas" pitchFamily="49" charset="0"/>
+                <a:cs typeface="Consolas" pitchFamily="49" charset="0"/>
+              </a:rPr>
+              <a:t>"after a non-pause key, an </a:t>
+            </a:r>
+            <a:r>
+              <a:rPr lang="en-US" b="1" dirty="0" err="1" smtClean="0">
+                <a:solidFill>
+                  <a:srgbClr val="FF0000"/>
+                </a:solidFill>
+                <a:latin typeface="Consolas" pitchFamily="49" charset="0"/>
+                <a:cs typeface="Consolas" pitchFamily="49" charset="0"/>
+              </a:rPr>
+              <a:t>unpaused</a:t>
+            </a:r>
+            <a:r>
+              <a:rPr lang="en-US" b="1" dirty="0" smtClean="0">
+                <a:solidFill>
+                  <a:srgbClr val="FF0000"/>
+                </a:solidFill>
+                <a:latin typeface="Consolas" pitchFamily="49" charset="0"/>
+                <a:cs typeface="Consolas" pitchFamily="49" charset="0"/>
+              </a:rPr>
+              <a:t> world should be unchanged"</a:t>
+            </a:r>
+            <a:r>
+              <a:rPr lang="en-US" b="1" dirty="0" smtClean="0">
+                <a:latin typeface="Consolas" pitchFamily="49" charset="0"/>
+                <a:cs typeface="Consolas" pitchFamily="49" charset="0"/>
+              </a:rPr>
+              <a:t>)</a:t>
+            </a:r>
+          </a:p>
+        </p:txBody>
+      </p:sp>
+      <p:sp>
+        <p:nvSpPr>
+          <p:cNvPr id="4" name="Slide Number Placeholder 3"/>
+          <p:cNvSpPr>
+            <a:spLocks noGrp="1"/>
+          </p:cNvSpPr>
+          <p:nvPr>
+            <p:ph type="sldNum" sz="quarter" idx="12"/>
+          </p:nvPr>
+        </p:nvSpPr>
+        <p:spPr/>
+        <p:txBody>
+          <a:bodyPr/>
+          <a:lstStyle/>
+          <a:p>
+            <a:fld id="{2AF3B5EA-18B6-4040-9F78-6052AF49C681}" type="slidenum">
+              <a:rPr lang="en-US" smtClean="0"/>
+              <a:t>29</a:t>
+            </a:fld>
+            <a:endParaRPr lang="en-US"/>
+          </a:p>
+        </p:txBody>
+      </p:sp>
     </p:spTree>
-    <p:extLst>
-      <p:ext uri="{BB962C8B-B14F-4D97-AF65-F5344CB8AC3E}">
-        <p14:creationId xmlns:p14="http://schemas.microsoft.com/office/powerpoint/2010/main" val="2788506171"/>
-      </p:ext>
-    </p:extLst>
   </p:cSld>
   <p:clrMapOvr>
     <a:masterClrMapping/>
@@ -11064,27 +12032,353 @@
         </p:nvSpPr>
         <p:spPr/>
         <p:txBody>
+          <a:bodyPr/>
+          <a:lstStyle/>
+          <a:p>
+            <a:r>
+              <a:rPr lang="en-US" dirty="0" smtClean="0"/>
+              <a:t>Tests (4)</a:t>
+            </a:r>
+            <a:endParaRPr lang="en-US" dirty="0"/>
+          </a:p>
+        </p:txBody>
+      </p:sp>
+      <p:sp>
+        <p:nvSpPr>
+          <p:cNvPr id="5" name="Content Placeholder 4"/>
+          <p:cNvSpPr>
+            <a:spLocks noGrp="1"/>
+          </p:cNvSpPr>
+          <p:nvPr>
+            <p:ph idx="1"/>
+          </p:nvPr>
+        </p:nvSpPr>
+        <p:spPr/>
+        <p:txBody>
           <a:bodyPr>
-            <a:normAutofit fontScale="90000"/>
+            <a:normAutofit/>
           </a:bodyPr>
           <a:lstStyle/>
           <a:p>
+            <a:pPr marL="0" indent="0">
+              <a:buNone/>
+            </a:pPr>
+            <a:r>
+              <a:rPr lang="en-US" sz="2000" dirty="0">
+                <a:solidFill>
+                  <a:schemeClr val="tx1">
+                    <a:lumMod val="50000"/>
+                    <a:lumOff val="50000"/>
+                  </a:schemeClr>
+                </a:solidFill>
+              </a:rPr>
+              <a:t>(define (world-after-key-event w </a:t>
+            </a:r>
+            <a:r>
+              <a:rPr lang="en-US" sz="2000" dirty="0" err="1">
+                <a:solidFill>
+                  <a:schemeClr val="tx1">
+                    <a:lumMod val="50000"/>
+                    <a:lumOff val="50000"/>
+                  </a:schemeClr>
+                </a:solidFill>
+              </a:rPr>
+              <a:t>kev</a:t>
+            </a:r>
+            <a:r>
+              <a:rPr lang="en-US" sz="2000" dirty="0" smtClean="0">
+                <a:solidFill>
+                  <a:schemeClr val="tx1">
+                    <a:lumMod val="50000"/>
+                    <a:lumOff val="50000"/>
+                  </a:schemeClr>
+                </a:solidFill>
+              </a:rPr>
+              <a:t>) ...)</a:t>
+            </a:r>
+            <a:endParaRPr lang="en-US" sz="2000" dirty="0">
+              <a:solidFill>
+                <a:schemeClr val="tx1">
+                  <a:lumMod val="50000"/>
+                  <a:lumOff val="50000"/>
+                </a:schemeClr>
+              </a:solidFill>
+            </a:endParaRPr>
+          </a:p>
+          <a:p>
+            <a:pPr marL="0" indent="0">
+              <a:buNone/>
+            </a:pPr>
+            <a:r>
+              <a:rPr lang="en-US" sz="2000" dirty="0"/>
+              <a:t>  </a:t>
+            </a:r>
+            <a:endParaRPr lang="en-US" sz="2000" dirty="0" smtClean="0"/>
+          </a:p>
+          <a:p>
+            <a:pPr marL="0" indent="0">
+              <a:buNone/>
+            </a:pPr>
+            <a:r>
+              <a:rPr lang="en-US" sz="2000" dirty="0" smtClean="0"/>
+              <a:t>(begin-for-test</a:t>
+            </a:r>
+            <a:endParaRPr lang="en-US" sz="2000" dirty="0"/>
+          </a:p>
+          <a:p>
+            <a:pPr marL="0" indent="0">
+              <a:buNone/>
+            </a:pPr>
+            <a:r>
+              <a:rPr lang="en-US" sz="2000" dirty="0"/>
+              <a:t>  (check-equal</a:t>
+            </a:r>
+            <a:r>
+              <a:rPr lang="en-US" sz="2000" dirty="0" smtClean="0"/>
+              <a:t>? ...)</a:t>
+            </a:r>
+            <a:endParaRPr lang="en-US" sz="2000" dirty="0"/>
+          </a:p>
+          <a:p>
+            <a:pPr marL="0" indent="0">
+              <a:buNone/>
+            </a:pPr>
+            <a:r>
+              <a:rPr lang="en-US" sz="2000" dirty="0" smtClean="0"/>
+              <a:t>  </a:t>
+            </a:r>
+            <a:r>
+              <a:rPr lang="en-US" sz="2000" dirty="0"/>
+              <a:t>(check-equal</a:t>
+            </a:r>
+            <a:r>
+              <a:rPr lang="en-US" sz="2000" dirty="0" smtClean="0"/>
+              <a:t>? ...)    </a:t>
+            </a:r>
+            <a:endParaRPr lang="en-US" sz="2000" dirty="0"/>
+          </a:p>
+          <a:p>
+            <a:pPr marL="0" indent="0">
+              <a:buNone/>
+            </a:pPr>
+            <a:r>
+              <a:rPr lang="en-US" sz="2000" dirty="0"/>
+              <a:t>  (check-equal</a:t>
+            </a:r>
+            <a:r>
+              <a:rPr lang="en-US" sz="2000" dirty="0" smtClean="0"/>
+              <a:t>? ...)</a:t>
+            </a:r>
+            <a:endParaRPr lang="en-US" sz="2000" dirty="0"/>
+          </a:p>
+          <a:p>
+            <a:pPr marL="0" indent="0">
+              <a:buNone/>
+            </a:pPr>
+            <a:r>
+              <a:rPr lang="en-US" sz="2000" dirty="0" smtClean="0"/>
+              <a:t>  </a:t>
+            </a:r>
+            <a:r>
+              <a:rPr lang="en-US" sz="2000" dirty="0"/>
+              <a:t>(check-equal</a:t>
+            </a:r>
+            <a:r>
+              <a:rPr lang="en-US" sz="2000" dirty="0" smtClean="0"/>
+              <a:t>? ...))</a:t>
+            </a:r>
+          </a:p>
+          <a:p>
+            <a:pPr marL="0" indent="0">
+              <a:buNone/>
+            </a:pPr>
+            <a:endParaRPr lang="en-US" sz="2000" dirty="0"/>
+          </a:p>
+          <a:p>
+            <a:pPr marL="0" indent="0">
+              <a:buNone/>
+            </a:pPr>
+            <a:r>
+              <a:rPr lang="en-US" sz="2000" dirty="0" smtClean="0">
+                <a:solidFill>
+                  <a:schemeClr val="tx1">
+                    <a:lumMod val="50000"/>
+                    <a:lumOff val="50000"/>
+                  </a:schemeClr>
+                </a:solidFill>
+              </a:rPr>
+              <a:t>(define (world-with-paused-toggled? w) ...)</a:t>
+            </a:r>
+          </a:p>
+          <a:p>
+            <a:pPr marL="0" indent="0">
+              <a:buNone/>
+            </a:pPr>
+            <a:endParaRPr lang="en-US" sz="2000" dirty="0" smtClean="0"/>
+          </a:p>
+        </p:txBody>
+      </p:sp>
+      <p:sp>
+        <p:nvSpPr>
+          <p:cNvPr id="6" name="TextBox 5"/>
+          <p:cNvSpPr txBox="1"/>
+          <p:nvPr/>
+        </p:nvSpPr>
+        <p:spPr>
+          <a:xfrm>
+            <a:off x="6695769" y="1473540"/>
+            <a:ext cx="2448232" cy="646331"/>
+          </a:xfrm>
+          <a:prstGeom prst="rect">
+            <a:avLst/>
+          </a:prstGeom>
+          <a:solidFill>
+            <a:schemeClr val="accent3">
+              <a:lumMod val="40000"/>
+              <a:lumOff val="60000"/>
+            </a:schemeClr>
+          </a:solidFill>
+        </p:spPr>
+        <p:style>
+          <a:lnRef idx="2">
+            <a:schemeClr val="accent1"/>
+          </a:lnRef>
+          <a:fillRef idx="1">
+            <a:schemeClr val="lt1"/>
+          </a:fillRef>
+          <a:effectRef idx="0">
+            <a:schemeClr val="accent1"/>
+          </a:effectRef>
+          <a:fontRef idx="minor">
+            <a:schemeClr val="dk1"/>
+          </a:fontRef>
+        </p:style>
+        <p:txBody>
+          <a:bodyPr wrap="square" rtlCol="0">
+            <a:spAutoFit/>
+          </a:bodyPr>
+          <a:lstStyle/>
+          <a:p>
             <a:r>
               <a:rPr lang="en-US" dirty="0" smtClean="0"/>
-              <a:t>Now we're ready to design our help function</a:t>
+              <a:t>Here's how we lay out the tests in our file.</a:t>
             </a:r>
             <a:endParaRPr lang="en-US" dirty="0"/>
           </a:p>
         </p:txBody>
       </p:sp>
-      <p:sp>
-        <p:nvSpPr>
-          <p:cNvPr id="5" name="Content Placeholder 4"/>
-          <p:cNvSpPr>
-            <a:spLocks noGrp="1"/>
-          </p:cNvSpPr>
-          <p:nvPr>
-            <p:ph idx="1"/>
+      <p:grpSp>
+        <p:nvGrpSpPr>
+          <p:cNvPr id="11" name="Group 10"/>
+          <p:cNvGrpSpPr/>
+          <p:nvPr/>
+        </p:nvGrpSpPr>
+        <p:grpSpPr>
+          <a:xfrm>
+            <a:off x="6563032" y="4173793"/>
+            <a:ext cx="2580969" cy="1200329"/>
+            <a:chOff x="6563032" y="4173793"/>
+            <a:chExt cx="2580969" cy="1200329"/>
+          </a:xfrm>
+        </p:grpSpPr>
+        <p:sp>
+          <p:nvSpPr>
+            <p:cNvPr id="7" name="TextBox 6"/>
+            <p:cNvSpPr txBox="1"/>
+            <p:nvPr/>
+          </p:nvSpPr>
+          <p:spPr>
+            <a:xfrm>
+              <a:off x="6843253" y="4173793"/>
+              <a:ext cx="2300748" cy="1200329"/>
+            </a:xfrm>
+            <a:prstGeom prst="rect">
+              <a:avLst/>
+            </a:prstGeom>
+            <a:solidFill>
+              <a:schemeClr val="accent3">
+                <a:lumMod val="40000"/>
+                <a:lumOff val="60000"/>
+              </a:schemeClr>
+            </a:solidFill>
+          </p:spPr>
+          <p:style>
+            <a:lnRef idx="2">
+              <a:schemeClr val="accent1"/>
+            </a:lnRef>
+            <a:fillRef idx="1">
+              <a:schemeClr val="lt1"/>
+            </a:fillRef>
+            <a:effectRef idx="0">
+              <a:schemeClr val="accent1"/>
+            </a:effectRef>
+            <a:fontRef idx="minor">
+              <a:schemeClr val="dk1"/>
+            </a:fontRef>
+          </p:style>
+          <p:txBody>
+            <a:bodyPr wrap="square" rtlCol="0">
+              <a:spAutoFit/>
+            </a:bodyPr>
+            <a:lstStyle/>
+            <a:p>
+              <a:r>
+                <a:rPr lang="en-US" dirty="0" smtClean="0"/>
+                <a:t>Contract, purpose function, etc., for </a:t>
+              </a:r>
+              <a:r>
+                <a:rPr lang="en-US" b="1" dirty="0" smtClean="0"/>
+                <a:t>world-with-paused-toggled?</a:t>
+              </a:r>
+              <a:endParaRPr lang="en-US" b="1" dirty="0"/>
+            </a:p>
+          </p:txBody>
+        </p:sp>
+        <p:cxnSp>
+          <p:nvCxnSpPr>
+            <p:cNvPr id="9" name="Straight Arrow Connector 8"/>
+            <p:cNvCxnSpPr/>
+            <p:nvPr/>
+          </p:nvCxnSpPr>
+          <p:spPr>
+            <a:xfrm flipH="1">
+              <a:off x="6563032" y="4773957"/>
+              <a:ext cx="280221" cy="0"/>
+            </a:xfrm>
+            <a:prstGeom prst="straightConnector1">
+              <a:avLst/>
+            </a:prstGeom>
+            <a:ln w="12700">
+              <a:solidFill>
+                <a:schemeClr val="tx1"/>
+              </a:solidFill>
+              <a:tailEnd type="arrow"/>
+            </a:ln>
+          </p:spPr>
+          <p:style>
+            <a:lnRef idx="1">
+              <a:schemeClr val="accent1"/>
+            </a:lnRef>
+            <a:fillRef idx="0">
+              <a:schemeClr val="accent1"/>
+            </a:fillRef>
+            <a:effectRef idx="0">
+              <a:schemeClr val="accent1"/>
+            </a:effectRef>
+            <a:fontRef idx="minor">
+              <a:schemeClr val="tx1"/>
+            </a:fontRef>
+          </p:style>
+        </p:cxnSp>
+      </p:grpSp>
+      <p:sp>
+        <p:nvSpPr>
+          <p:cNvPr id="2" name="Slide Number Placeholder 1"/>
+          <p:cNvSpPr>
+            <a:spLocks noGrp="1"/>
+          </p:cNvSpPr>
+          <p:nvPr>
+            <p:ph type="sldNum" sz="quarter" idx="12"/>
           </p:nvPr>
         </p:nvSpPr>
         <p:spPr/>
@@ -11092,14 +12386,18 @@
           <a:bodyPr/>
           <a:lstStyle/>
           <a:p>
-            <a:endParaRPr lang="en-US" dirty="0"/>
+            <a:fld id="{2AF3B5EA-18B6-4040-9F78-6052AF49C681}" type="slidenum">
+              <a:rPr lang="en-US" smtClean="0"/>
+              <a:t>30</a:t>
+            </a:fld>
+            <a:endParaRPr lang="en-US"/>
           </a:p>
         </p:txBody>
       </p:sp>
     </p:spTree>
     <p:extLst>
       <p:ext uri="{BB962C8B-B14F-4D97-AF65-F5344CB8AC3E}">
-        <p14:creationId xmlns:p14="http://schemas.microsoft.com/office/powerpoint/2010/main" val="2369579209"/>
+        <p14:creationId xmlns:p14="http://schemas.microsoft.com/office/powerpoint/2010/main" val="2788506171"/>
       </p:ext>
     </p:extLst>
   </p:cSld>
@@ -11135,7 +12433,7 @@
       </p:grpSpPr>
       <p:sp>
         <p:nvSpPr>
-          <p:cNvPr id="2" name="Title 1"/>
+          <p:cNvPr id="4" name="Title 3"/>
           <p:cNvSpPr>
             <a:spLocks noGrp="1"/>
           </p:cNvSpPr>
@@ -11145,252 +12443,65 @@
         </p:nvSpPr>
         <p:spPr/>
         <p:txBody>
+          <a:bodyPr>
+            <a:normAutofit fontScale="90000"/>
+          </a:bodyPr>
+          <a:lstStyle/>
+          <a:p>
+            <a:r>
+              <a:rPr lang="en-US" dirty="0" smtClean="0"/>
+              <a:t>Now we're ready to design our help function</a:t>
+            </a:r>
+            <a:endParaRPr lang="en-US" dirty="0"/>
+          </a:p>
+        </p:txBody>
+      </p:sp>
+      <p:sp>
+        <p:nvSpPr>
+          <p:cNvPr id="5" name="Content Placeholder 4"/>
+          <p:cNvSpPr>
+            <a:spLocks noGrp="1"/>
+          </p:cNvSpPr>
+          <p:nvPr>
+            <p:ph idx="1"/>
+          </p:nvPr>
+        </p:nvSpPr>
+        <p:spPr/>
+        <p:txBody>
           <a:bodyPr/>
           <a:lstStyle/>
           <a:p>
-            <a:r>
-              <a:rPr lang="en-US" dirty="0" smtClean="0"/>
-              <a:t>Definition for Helper Function</a:t>
-            </a:r>
             <a:endParaRPr lang="en-US" dirty="0"/>
           </a:p>
         </p:txBody>
       </p:sp>
       <p:sp>
         <p:nvSpPr>
-          <p:cNvPr id="3" name="Content Placeholder 2"/>
-          <p:cNvSpPr>
-            <a:spLocks noGrp="1"/>
-          </p:cNvSpPr>
-          <p:nvPr>
-            <p:ph idx="1"/>
+          <p:cNvPr id="2" name="Slide Number Placeholder 1"/>
+          <p:cNvSpPr>
+            <a:spLocks noGrp="1"/>
+          </p:cNvSpPr>
+          <p:nvPr>
+            <p:ph type="sldNum" sz="quarter" idx="12"/>
           </p:nvPr>
         </p:nvSpPr>
         <p:spPr/>
         <p:txBody>
-          <a:bodyPr>
-            <a:normAutofit/>
-          </a:bodyPr>
-          <a:lstStyle/>
-          <a:p>
-            <a:pPr>
-              <a:buNone/>
-            </a:pPr>
-            <a:r>
-              <a:rPr lang="en-US" sz="2000" b="1" dirty="0">
-                <a:latin typeface="Consolas" pitchFamily="49" charset="0"/>
-                <a:cs typeface="Consolas" pitchFamily="49" charset="0"/>
-              </a:rPr>
-              <a:t>;; world-with-paused-toggled : World -&gt; World</a:t>
-            </a:r>
-          </a:p>
-          <a:p>
-            <a:pPr>
-              <a:buNone/>
-            </a:pPr>
-            <a:r>
-              <a:rPr lang="en-US" sz="2000" b="1" dirty="0">
-                <a:latin typeface="Consolas" pitchFamily="49" charset="0"/>
-                <a:cs typeface="Consolas" pitchFamily="49" charset="0"/>
-              </a:rPr>
-              <a:t>;; RETURNS: a world just like the given one, but with </a:t>
-            </a:r>
-            <a:endParaRPr lang="en-US" sz="2000" b="1" dirty="0" smtClean="0">
-              <a:latin typeface="Consolas" pitchFamily="49" charset="0"/>
-              <a:cs typeface="Consolas" pitchFamily="49" charset="0"/>
-            </a:endParaRPr>
-          </a:p>
-          <a:p>
-            <a:pPr>
-              <a:buNone/>
-            </a:pPr>
-            <a:r>
-              <a:rPr lang="en-US" sz="2000" b="1" dirty="0" smtClean="0">
-                <a:latin typeface="Consolas" pitchFamily="49" charset="0"/>
-                <a:cs typeface="Consolas" pitchFamily="49" charset="0"/>
-              </a:rPr>
-              <a:t>;;  paused</a:t>
-            </a:r>
-            <a:r>
-              <a:rPr lang="en-US" sz="2000" b="1" dirty="0">
-                <a:latin typeface="Consolas" pitchFamily="49" charset="0"/>
-                <a:cs typeface="Consolas" pitchFamily="49" charset="0"/>
-              </a:rPr>
-              <a:t>? toggled</a:t>
-            </a:r>
-          </a:p>
-          <a:p>
-            <a:pPr>
-              <a:buNone/>
-            </a:pPr>
-            <a:r>
-              <a:rPr lang="en-US" sz="2000" b="1" dirty="0">
-                <a:latin typeface="Consolas" pitchFamily="49" charset="0"/>
-                <a:cs typeface="Consolas" pitchFamily="49" charset="0"/>
-              </a:rPr>
-              <a:t>;; STRATEGY: </a:t>
-            </a:r>
-            <a:r>
-              <a:rPr lang="en-US" sz="2000" b="1" dirty="0" smtClean="0">
-                <a:latin typeface="Consolas" pitchFamily="49" charset="0"/>
-                <a:cs typeface="Consolas" pitchFamily="49" charset="0"/>
-              </a:rPr>
-              <a:t>Use template for World on w</a:t>
-            </a:r>
-            <a:endParaRPr lang="en-US" sz="2000" b="1" dirty="0">
-              <a:latin typeface="Consolas" pitchFamily="49" charset="0"/>
-              <a:cs typeface="Consolas" pitchFamily="49" charset="0"/>
-            </a:endParaRPr>
-          </a:p>
-          <a:p>
-            <a:pPr>
-              <a:buNone/>
-            </a:pPr>
-            <a:r>
-              <a:rPr lang="en-US" sz="2000" b="1" dirty="0">
-                <a:latin typeface="Consolas" pitchFamily="49" charset="0"/>
-                <a:cs typeface="Consolas" pitchFamily="49" charset="0"/>
-              </a:rPr>
-              <a:t>(define (world-with-paused-toggled w)</a:t>
-            </a:r>
-          </a:p>
-          <a:p>
-            <a:pPr>
-              <a:buNone/>
-            </a:pPr>
-            <a:r>
-              <a:rPr lang="en-US" sz="2000" b="1" dirty="0">
-                <a:latin typeface="Consolas" pitchFamily="49" charset="0"/>
-                <a:cs typeface="Consolas" pitchFamily="49" charset="0"/>
-              </a:rPr>
-              <a:t>  (make-world</a:t>
-            </a:r>
-          </a:p>
-          <a:p>
-            <a:pPr>
-              <a:buNone/>
-            </a:pPr>
-            <a:r>
-              <a:rPr lang="en-US" sz="2000" b="1" dirty="0">
-                <a:latin typeface="Consolas" pitchFamily="49" charset="0"/>
-                <a:cs typeface="Consolas" pitchFamily="49" charset="0"/>
-              </a:rPr>
-              <a:t>   (world-</a:t>
-            </a:r>
-            <a:r>
-              <a:rPr lang="en-US" sz="2000" b="1" dirty="0" err="1">
-                <a:latin typeface="Consolas" pitchFamily="49" charset="0"/>
-                <a:cs typeface="Consolas" pitchFamily="49" charset="0"/>
-              </a:rPr>
-              <a:t>pos</a:t>
-            </a:r>
-            <a:r>
-              <a:rPr lang="en-US" sz="2000" b="1" dirty="0">
-                <a:latin typeface="Consolas" pitchFamily="49" charset="0"/>
-                <a:cs typeface="Consolas" pitchFamily="49" charset="0"/>
-              </a:rPr>
-              <a:t> w)</a:t>
-            </a:r>
-          </a:p>
-          <a:p>
-            <a:pPr>
-              <a:buNone/>
-            </a:pPr>
-            <a:r>
-              <a:rPr lang="en-US" sz="2000" b="1" dirty="0">
-                <a:latin typeface="Consolas" pitchFamily="49" charset="0"/>
-                <a:cs typeface="Consolas" pitchFamily="49" charset="0"/>
-              </a:rPr>
-              <a:t>   (not (world-paused? w))))</a:t>
-            </a:r>
-          </a:p>
-          <a:p>
-            <a:pPr>
-              <a:buNone/>
-            </a:pPr>
-            <a:endParaRPr lang="en-US" sz="2000" b="1" dirty="0" smtClean="0">
-              <a:latin typeface="Consolas" pitchFamily="49" charset="0"/>
-              <a:cs typeface="Consolas" pitchFamily="49" charset="0"/>
-            </a:endParaRPr>
-          </a:p>
-          <a:p>
-            <a:pPr>
-              <a:buNone/>
-            </a:pPr>
-            <a:endParaRPr lang="en-US" sz="1800" b="1" dirty="0">
-              <a:latin typeface="Courier New" pitchFamily="49" charset="0"/>
-              <a:cs typeface="Courier New" pitchFamily="49" charset="0"/>
-            </a:endParaRPr>
-          </a:p>
-        </p:txBody>
-      </p:sp>
-      <p:sp>
-        <p:nvSpPr>
-          <p:cNvPr id="4" name="TextBox 3"/>
-          <p:cNvSpPr txBox="1"/>
-          <p:nvPr/>
-        </p:nvSpPr>
-        <p:spPr>
-          <a:xfrm>
-            <a:off x="5117690" y="4369784"/>
-            <a:ext cx="2684206" cy="1200329"/>
-          </a:xfrm>
-          <a:prstGeom prst="rect">
-            <a:avLst/>
-          </a:prstGeom>
-          <a:solidFill>
-            <a:schemeClr val="accent3">
-              <a:lumMod val="40000"/>
-              <a:lumOff val="60000"/>
-            </a:schemeClr>
-          </a:solidFill>
-        </p:spPr>
-        <p:style>
-          <a:lnRef idx="2">
-            <a:schemeClr val="accent1"/>
-          </a:lnRef>
-          <a:fillRef idx="1">
-            <a:schemeClr val="lt1"/>
-          </a:fillRef>
-          <a:effectRef idx="0">
-            <a:schemeClr val="accent1"/>
-          </a:effectRef>
-          <a:fontRef idx="minor">
-            <a:schemeClr val="dk1"/>
-          </a:fontRef>
-        </p:style>
-        <p:txBody>
-          <a:bodyPr wrap="square" rtlCol="0">
-            <a:spAutoFit/>
-          </a:bodyPr>
-          <a:lstStyle/>
-          <a:p>
-            <a:pPr>
-              <a:buNone/>
-            </a:pPr>
-            <a:r>
-              <a:rPr lang="en-US" dirty="0">
-                <a:cs typeface="Consolas" pitchFamily="49" charset="0"/>
-              </a:rPr>
-              <a:t>Don't need to test this separately, since tests for  world-after-key-event already </a:t>
-            </a:r>
-            <a:r>
-              <a:rPr lang="en-US" dirty="0" smtClean="0">
-                <a:cs typeface="Consolas" pitchFamily="49" charset="0"/>
-              </a:rPr>
-              <a:t>test it.</a:t>
-            </a:r>
-            <a:endParaRPr lang="en-US" sz="1600" b="1" dirty="0">
-              <a:latin typeface="Courier New" pitchFamily="49" charset="0"/>
-              <a:cs typeface="Courier New" pitchFamily="49" charset="0"/>
-            </a:endParaRPr>
+          <a:bodyPr/>
+          <a:lstStyle/>
+          <a:p>
+            <a:fld id="{2AF3B5EA-18B6-4040-9F78-6052AF49C681}" type="slidenum">
+              <a:rPr lang="en-US" smtClean="0"/>
+              <a:t>31</a:t>
+            </a:fld>
+            <a:endParaRPr lang="en-US"/>
           </a:p>
         </p:txBody>
       </p:sp>
     </p:spTree>
     <p:extLst>
       <p:ext uri="{BB962C8B-B14F-4D97-AF65-F5344CB8AC3E}">
-        <p14:creationId xmlns:p14="http://schemas.microsoft.com/office/powerpoint/2010/main" val="1648848251"/>
+        <p14:creationId xmlns:p14="http://schemas.microsoft.com/office/powerpoint/2010/main" val="2369579209"/>
       </p:ext>
     </p:extLst>
   </p:cSld>
@@ -11436,108 +12547,55 @@
         </p:nvSpPr>
         <p:spPr/>
         <p:txBody>
+          <a:bodyPr/>
+          <a:lstStyle/>
+          <a:p>
+            <a:r>
+              <a:rPr lang="en-US" dirty="0" smtClean="0"/>
+              <a:t>Definition for Helper Function</a:t>
+            </a:r>
+            <a:endParaRPr lang="en-US" dirty="0"/>
+          </a:p>
+        </p:txBody>
+      </p:sp>
+      <p:sp>
+        <p:nvSpPr>
+          <p:cNvPr id="3" name="Content Placeholder 2"/>
+          <p:cNvSpPr>
+            <a:spLocks noGrp="1"/>
+          </p:cNvSpPr>
+          <p:nvPr>
+            <p:ph idx="1"/>
+          </p:nvPr>
+        </p:nvSpPr>
+        <p:spPr/>
+        <p:txBody>
           <a:bodyPr>
             <a:normAutofit/>
           </a:bodyPr>
           <a:lstStyle/>
           <a:p>
-            <a:r>
-              <a:rPr lang="en-US" dirty="0" smtClean="0"/>
-              <a:t>What else is on our wishlist</a:t>
-            </a:r>
-            <a:r>
-              <a:rPr lang="en-US" dirty="0" smtClean="0">
-                <a:cs typeface="Courier New" pitchFamily="49" charset="0"/>
-              </a:rPr>
-              <a:t>?</a:t>
-            </a:r>
-            <a:endParaRPr lang="en-US" dirty="0">
-              <a:cs typeface="Courier New" pitchFamily="49" charset="0"/>
-            </a:endParaRPr>
-          </a:p>
-        </p:txBody>
-      </p:sp>
-      <p:sp>
-        <p:nvSpPr>
-          <p:cNvPr id="3" name="Content Placeholder 2"/>
-          <p:cNvSpPr>
-            <a:spLocks noGrp="1"/>
-          </p:cNvSpPr>
-          <p:nvPr>
-            <p:ph idx="1"/>
-          </p:nvPr>
-        </p:nvSpPr>
-        <p:spPr>
-          <a:xfrm>
-            <a:off x="457200" y="1600200"/>
-            <a:ext cx="8229600" cy="3768213"/>
-          </a:xfrm>
-        </p:spPr>
-        <p:txBody>
-          <a:bodyPr/>
-          <a:lstStyle/>
-          <a:p>
-            <a:endParaRPr lang="en-US" sz="1600" b="1" dirty="0" smtClean="0">
-              <a:latin typeface="Courier New" pitchFamily="49" charset="0"/>
-              <a:cs typeface="Courier New" pitchFamily="49" charset="0"/>
-            </a:endParaRPr>
-          </a:p>
-          <a:p>
-            <a:endParaRPr lang="en-US" dirty="0" smtClean="0"/>
-          </a:p>
-          <a:p>
-            <a:pPr>
-              <a:buNone/>
-            </a:pPr>
-            <a:endParaRPr lang="en-US" dirty="0"/>
-          </a:p>
-        </p:txBody>
-      </p:sp>
-      <p:sp>
-        <p:nvSpPr>
-          <p:cNvPr id="4" name="Rectangle 3"/>
-          <p:cNvSpPr/>
-          <p:nvPr/>
-        </p:nvSpPr>
-        <p:spPr>
-          <a:xfrm>
-            <a:off x="339213" y="1859340"/>
-            <a:ext cx="8686799" cy="3170099"/>
-          </a:xfrm>
-          <a:prstGeom prst="rect">
-            <a:avLst/>
-          </a:prstGeom>
-        </p:spPr>
-        <p:txBody>
-          <a:bodyPr wrap="square">
-            <a:spAutoFit/>
-          </a:bodyPr>
-          <a:lstStyle/>
-          <a:p>
+            <a:pPr>
+              <a:buNone/>
+            </a:pPr>
             <a:r>
               <a:rPr lang="en-US" sz="2000" b="1" dirty="0">
                 <a:latin typeface="Consolas" pitchFamily="49" charset="0"/>
                 <a:cs typeface="Consolas" pitchFamily="49" charset="0"/>
               </a:rPr>
-              <a:t>;; world-to-scene : World -&gt; Scene</a:t>
-            </a:r>
-          </a:p>
-          <a:p>
+              <a:t>;; world-with-paused-toggled : World -&gt; World</a:t>
+            </a:r>
+          </a:p>
+          <a:p>
+            <a:pPr>
+              <a:buNone/>
+            </a:pPr>
             <a:r>
               <a:rPr lang="en-US" sz="2000" b="1" dirty="0">
                 <a:latin typeface="Consolas" pitchFamily="49" charset="0"/>
                 <a:cs typeface="Consolas" pitchFamily="49" charset="0"/>
               </a:rPr>
-              <a:t>;; RETURNS: a Scene that portrays the given world.</a:t>
-            </a:r>
-          </a:p>
-          <a:p>
-            <a:r>
-              <a:rPr lang="en-US" sz="2000" b="1" dirty="0">
-                <a:latin typeface="Consolas" pitchFamily="49" charset="0"/>
-                <a:cs typeface="Consolas" pitchFamily="49" charset="0"/>
-              </a:rPr>
-              <a:t>;; EXAMPLE: </a:t>
+              <a:t>;; RETURNS: a world just like the given one, but with </a:t>
             </a:r>
             <a:endParaRPr lang="en-US" sz="2000" b="1" dirty="0" smtClean="0">
               <a:latin typeface="Consolas" pitchFamily="49" charset="0"/>
@@ -11545,58 +12603,41 @@
             </a:endParaRPr>
           </a:p>
           <a:p>
+            <a:pPr>
+              <a:buNone/>
+            </a:pPr>
             <a:r>
               <a:rPr lang="en-US" sz="2000" b="1" dirty="0" smtClean="0">
                 <a:latin typeface="Consolas" pitchFamily="49" charset="0"/>
                 <a:cs typeface="Consolas" pitchFamily="49" charset="0"/>
               </a:rPr>
-              <a:t>;; (</a:t>
+              <a:t>;;  paused</a:t>
             </a:r>
             <a:r>
               <a:rPr lang="en-US" sz="2000" b="1" dirty="0">
                 <a:latin typeface="Consolas" pitchFamily="49" charset="0"/>
                 <a:cs typeface="Consolas" pitchFamily="49" charset="0"/>
               </a:rPr>
-              <a:t>world-to-scene (make-world 20 ??))</a:t>
-            </a:r>
-          </a:p>
-          <a:p>
+              <a:t>? toggled</a:t>
+            </a:r>
+          </a:p>
+          <a:p>
+            <a:pPr>
+              <a:buNone/>
+            </a:pPr>
             <a:r>
               <a:rPr lang="en-US" sz="2000" b="1" dirty="0">
                 <a:latin typeface="Consolas" pitchFamily="49" charset="0"/>
                 <a:cs typeface="Consolas" pitchFamily="49" charset="0"/>
               </a:rPr>
-              <a:t>;;  </a:t>
+              <a:t>;; STRATEGY: </a:t>
             </a:r>
             <a:r>
               <a:rPr lang="en-US" sz="2000" b="1" dirty="0" smtClean="0">
                 <a:latin typeface="Consolas" pitchFamily="49" charset="0"/>
                 <a:cs typeface="Consolas" pitchFamily="49" charset="0"/>
               </a:rPr>
-              <a:t>= </a:t>
-            </a:r>
-            <a:r>
-              <a:rPr lang="en-US" sz="2000" b="1" dirty="0">
-                <a:latin typeface="Consolas" pitchFamily="49" charset="0"/>
-                <a:cs typeface="Consolas" pitchFamily="49" charset="0"/>
-              </a:rPr>
-              <a:t>(place-image CAT-IMAGE CAT-X-COORD 20 EMPTY-CANVAS)</a:t>
-            </a:r>
-          </a:p>
-          <a:p>
-            <a:r>
-              <a:rPr lang="en-US" sz="2000" b="1" dirty="0">
-                <a:latin typeface="Consolas" pitchFamily="49" charset="0"/>
-                <a:cs typeface="Consolas" pitchFamily="49" charset="0"/>
-              </a:rPr>
-              <a:t>;; STRATEGY: </a:t>
-            </a:r>
-            <a:r>
-              <a:rPr lang="en-US" sz="2000" b="1" dirty="0" smtClean="0">
-                <a:latin typeface="Consolas" pitchFamily="49" charset="0"/>
-                <a:cs typeface="Consolas" pitchFamily="49" charset="0"/>
-              </a:rPr>
-              <a:t>use template for World on w</a:t>
+              <a:t>Use template for World on w</a:t>
             </a:r>
             <a:endParaRPr lang="en-US" sz="2000" b="1" dirty="0">
               <a:latin typeface="Consolas" pitchFamily="49" charset="0"/>
@@ -11604,83 +12645,97 @@
             </a:endParaRPr>
           </a:p>
           <a:p>
+            <a:pPr>
+              <a:buNone/>
+            </a:pPr>
             <a:r>
               <a:rPr lang="en-US" sz="2000" b="1" dirty="0">
                 <a:latin typeface="Consolas" pitchFamily="49" charset="0"/>
                 <a:cs typeface="Consolas" pitchFamily="49" charset="0"/>
               </a:rPr>
-              <a:t>(define (world-to-scene w)</a:t>
-            </a:r>
-          </a:p>
-          <a:p>
+              <a:t>(define (world-with-paused-toggled w)</a:t>
+            </a:r>
+          </a:p>
+          <a:p>
+            <a:pPr>
+              <a:buNone/>
+            </a:pPr>
             <a:r>
               <a:rPr lang="en-US" sz="2000" b="1" dirty="0">
                 <a:latin typeface="Consolas" pitchFamily="49" charset="0"/>
                 <a:cs typeface="Consolas" pitchFamily="49" charset="0"/>
               </a:rPr>
-              <a:t>  (place-image CAT-IMAGE CAT-X-COORD</a:t>
-            </a:r>
-          </a:p>
-          <a:p>
+              <a:t>  (make-world</a:t>
+            </a:r>
+          </a:p>
+          <a:p>
+            <a:pPr>
+              <a:buNone/>
+            </a:pPr>
             <a:r>
               <a:rPr lang="en-US" sz="2000" b="1" dirty="0">
                 <a:latin typeface="Consolas" pitchFamily="49" charset="0"/>
                 <a:cs typeface="Consolas" pitchFamily="49" charset="0"/>
               </a:rPr>
-              <a:t>               </a:t>
+              <a:t>   (world-</a:t>
+            </a:r>
+            <a:r>
+              <a:rPr lang="en-US" sz="2000" b="1" dirty="0" err="1">
+                <a:latin typeface="Consolas" pitchFamily="49" charset="0"/>
+                <a:cs typeface="Consolas" pitchFamily="49" charset="0"/>
+              </a:rPr>
+              <a:t>pos</a:t>
             </a:r>
             <a:r>
               <a:rPr lang="en-US" sz="2000" b="1" dirty="0">
-                <a:solidFill>
-                  <a:srgbClr val="FF0000"/>
-                </a:solidFill>
-                <a:latin typeface="Consolas" pitchFamily="49" charset="0"/>
-                <a:cs typeface="Consolas" pitchFamily="49" charset="0"/>
-              </a:rPr>
-              <a:t>(world-</a:t>
-            </a:r>
-            <a:r>
-              <a:rPr lang="en-US" sz="2000" b="1" dirty="0" err="1">
-                <a:solidFill>
-                  <a:srgbClr val="FF0000"/>
-                </a:solidFill>
-                <a:latin typeface="Consolas" pitchFamily="49" charset="0"/>
-                <a:cs typeface="Consolas" pitchFamily="49" charset="0"/>
-              </a:rPr>
-              <a:t>pos</a:t>
-            </a:r>
+                <a:latin typeface="Consolas" pitchFamily="49" charset="0"/>
+                <a:cs typeface="Consolas" pitchFamily="49" charset="0"/>
+              </a:rPr>
+              <a:t> w)</a:t>
+            </a:r>
+          </a:p>
+          <a:p>
+            <a:pPr>
+              <a:buNone/>
+            </a:pPr>
             <a:r>
               <a:rPr lang="en-US" sz="2000" b="1" dirty="0">
-                <a:solidFill>
-                  <a:srgbClr val="FF0000"/>
-                </a:solidFill>
-                <a:latin typeface="Consolas" pitchFamily="49" charset="0"/>
-                <a:cs typeface="Consolas" pitchFamily="49" charset="0"/>
-              </a:rPr>
-              <a:t> w)</a:t>
-            </a:r>
-          </a:p>
-          <a:p>
-            <a:r>
-              <a:rPr lang="en-US" sz="2000" b="1" dirty="0">
-                <a:latin typeface="Consolas" pitchFamily="49" charset="0"/>
-                <a:cs typeface="Consolas" pitchFamily="49" charset="0"/>
-              </a:rPr>
-              <a:t>               EMPTY-CANVAS))</a:t>
-            </a:r>
-          </a:p>
-        </p:txBody>
-      </p:sp>
-      <p:sp>
-        <p:nvSpPr>
-          <p:cNvPr id="5" name="TextBox 4"/>
+                <a:latin typeface="Consolas" pitchFamily="49" charset="0"/>
+                <a:cs typeface="Consolas" pitchFamily="49" charset="0"/>
+              </a:rPr>
+              <a:t>   (not (world-paused? w))))</a:t>
+            </a:r>
+          </a:p>
+          <a:p>
+            <a:pPr>
+              <a:buNone/>
+            </a:pPr>
+            <a:endParaRPr lang="en-US" sz="2000" b="1" dirty="0" smtClean="0">
+              <a:latin typeface="Consolas" pitchFamily="49" charset="0"/>
+              <a:cs typeface="Consolas" pitchFamily="49" charset="0"/>
+            </a:endParaRPr>
+          </a:p>
+          <a:p>
+            <a:pPr>
+              <a:buNone/>
+            </a:pPr>
+            <a:endParaRPr lang="en-US" sz="1800" b="1" dirty="0">
+              <a:latin typeface="Courier New" pitchFamily="49" charset="0"/>
+              <a:cs typeface="Courier New" pitchFamily="49" charset="0"/>
+            </a:endParaRPr>
+          </a:p>
+        </p:txBody>
+      </p:sp>
+      <p:sp>
+        <p:nvSpPr>
+          <p:cNvPr id="4" name="TextBox 3"/>
           <p:cNvSpPr txBox="1"/>
           <p:nvPr/>
         </p:nvSpPr>
         <p:spPr>
           <a:xfrm>
-            <a:off x="5176683" y="4429513"/>
-            <a:ext cx="3849329" cy="1200329"/>
+            <a:off x="5117690" y="4369784"/>
+            <a:ext cx="2684206" cy="1200329"/>
           </a:xfrm>
           <a:prstGeom prst="rect">
             <a:avLst/>
@@ -11712,73 +12767,69 @@
           </a:bodyPr>
           <a:lstStyle/>
           <a:p>
-            <a:r>
-              <a:rPr lang="en-US" dirty="0" smtClean="0"/>
-              <a:t>Here's where we decompose </a:t>
-            </a:r>
-            <a:r>
-              <a:rPr lang="en-US" b="1" dirty="0" smtClean="0">
-                <a:latin typeface="Consolas" pitchFamily="49" charset="0"/>
-                <a:cs typeface="Consolas" pitchFamily="49" charset="0"/>
-              </a:rPr>
-              <a:t>w</a:t>
-            </a:r>
-            <a:r>
-              <a:rPr lang="en-US" dirty="0" smtClean="0"/>
-              <a:t>.  Note that we don't need </a:t>
-            </a:r>
-            <a:r>
-              <a:rPr lang="en-US" b="1" dirty="0" smtClean="0">
-                <a:latin typeface="Consolas" pitchFamily="49" charset="0"/>
-                <a:cs typeface="Consolas" pitchFamily="49" charset="0"/>
-              </a:rPr>
-              <a:t>(world-paused? w)</a:t>
-            </a:r>
-            <a:r>
-              <a:rPr lang="en-US" dirty="0" smtClean="0"/>
-              <a:t>.  That's ok– this still follows the template.</a:t>
-            </a:r>
-            <a:endParaRPr lang="en-US" dirty="0"/>
-          </a:p>
-        </p:txBody>
-      </p:sp>
-      <p:cxnSp>
-        <p:nvCxnSpPr>
-          <p:cNvPr id="7" name="Straight Arrow Connector 6"/>
-          <p:cNvCxnSpPr/>
-          <p:nvPr/>
-        </p:nvCxnSpPr>
-        <p:spPr>
-          <a:xfrm flipH="1" flipV="1">
-            <a:off x="4365523" y="4483510"/>
-            <a:ext cx="811160" cy="545929"/>
-          </a:xfrm>
-          <a:prstGeom prst="straightConnector1">
-            <a:avLst/>
-          </a:prstGeom>
-          <a:ln w="12700">
-            <a:solidFill>
-              <a:schemeClr val="tx1"/>
-            </a:solidFill>
-            <a:tailEnd type="arrow"/>
-          </a:ln>
-        </p:spPr>
-        <p:style>
-          <a:lnRef idx="1">
-            <a:schemeClr val="accent1"/>
-          </a:lnRef>
-          <a:fillRef idx="0">
-            <a:schemeClr val="accent1"/>
-          </a:fillRef>
-          <a:effectRef idx="0">
-            <a:schemeClr val="accent1"/>
-          </a:effectRef>
-          <a:fontRef idx="minor">
-            <a:schemeClr val="tx1"/>
-          </a:fontRef>
-        </p:style>
-      </p:cxnSp>
+            <a:pPr>
+              <a:buNone/>
+            </a:pPr>
+            <a:r>
+              <a:rPr lang="en-US" dirty="0">
+                <a:cs typeface="Consolas" pitchFamily="49" charset="0"/>
+              </a:rPr>
+              <a:t>Don't need to test this separately, since tests for  </a:t>
+            </a:r>
+            <a:r>
+              <a:rPr lang="en-US" b="1" dirty="0">
+                <a:cs typeface="Consolas" pitchFamily="49" charset="0"/>
+              </a:rPr>
+              <a:t>world-after-key-event</a:t>
+            </a:r>
+            <a:r>
+              <a:rPr lang="en-US" dirty="0">
+                <a:cs typeface="Consolas" pitchFamily="49" charset="0"/>
+              </a:rPr>
+              <a:t> already </a:t>
+            </a:r>
+            <a:r>
+              <a:rPr lang="en-US" dirty="0" smtClean="0">
+                <a:cs typeface="Consolas" pitchFamily="49" charset="0"/>
+              </a:rPr>
+              <a:t>test it.</a:t>
+            </a:r>
+            <a:endParaRPr lang="en-US" sz="1600" b="1" dirty="0">
+              <a:latin typeface="Courier New" pitchFamily="49" charset="0"/>
+              <a:cs typeface="Courier New" pitchFamily="49" charset="0"/>
+            </a:endParaRPr>
+          </a:p>
+        </p:txBody>
+      </p:sp>
+      <p:sp>
+        <p:nvSpPr>
+          <p:cNvPr id="5" name="Slide Number Placeholder 4"/>
+          <p:cNvSpPr>
+            <a:spLocks noGrp="1"/>
+          </p:cNvSpPr>
+          <p:nvPr>
+            <p:ph type="sldNum" sz="quarter" idx="12"/>
+          </p:nvPr>
+        </p:nvSpPr>
+        <p:spPr/>
+        <p:txBody>
+          <a:bodyPr/>
+          <a:lstStyle/>
+          <a:p>
+            <a:fld id="{2AF3B5EA-18B6-4040-9F78-6052AF49C681}" type="slidenum">
+              <a:rPr lang="en-US" smtClean="0"/>
+              <a:t>32</a:t>
+            </a:fld>
+            <a:endParaRPr lang="en-US"/>
+          </a:p>
+        </p:txBody>
+      </p:sp>
     </p:spTree>
+    <p:extLst>
+      <p:ext uri="{BB962C8B-B14F-4D97-AF65-F5344CB8AC3E}">
+        <p14:creationId xmlns:p14="http://schemas.microsoft.com/office/powerpoint/2010/main" val="1648848251"/>
+      </p:ext>
+    </p:extLst>
   </p:cSld>
   <p:clrMapOvr>
     <a:masterClrMapping/>
@@ -11822,269 +12873,397 @@
         </p:nvSpPr>
         <p:spPr/>
         <p:txBody>
+          <a:bodyPr>
+            <a:normAutofit/>
+          </a:bodyPr>
+          <a:lstStyle/>
+          <a:p>
+            <a:r>
+              <a:rPr lang="en-US" dirty="0" smtClean="0"/>
+              <a:t>What else is on our wishlist</a:t>
+            </a:r>
+            <a:r>
+              <a:rPr lang="en-US" dirty="0" smtClean="0">
+                <a:cs typeface="Courier New" pitchFamily="49" charset="0"/>
+              </a:rPr>
+              <a:t>?</a:t>
+            </a:r>
+            <a:endParaRPr lang="en-US" dirty="0">
+              <a:cs typeface="Courier New" pitchFamily="49" charset="0"/>
+            </a:endParaRPr>
+          </a:p>
+        </p:txBody>
+      </p:sp>
+      <p:sp>
+        <p:nvSpPr>
+          <p:cNvPr id="3" name="Content Placeholder 2"/>
+          <p:cNvSpPr>
+            <a:spLocks noGrp="1"/>
+          </p:cNvSpPr>
+          <p:nvPr>
+            <p:ph idx="1"/>
+          </p:nvPr>
+        </p:nvSpPr>
+        <p:spPr>
+          <a:xfrm>
+            <a:off x="457200" y="1600200"/>
+            <a:ext cx="8229600" cy="3768213"/>
+          </a:xfrm>
+        </p:spPr>
+        <p:txBody>
           <a:bodyPr/>
           <a:lstStyle/>
           <a:p>
-            <a:r>
-              <a:rPr lang="en-US" dirty="0" smtClean="0"/>
-              <a:t>Testing world-to-scene</a:t>
-            </a:r>
+            <a:endParaRPr lang="en-US" sz="1600" b="1" dirty="0" smtClean="0">
+              <a:latin typeface="Courier New" pitchFamily="49" charset="0"/>
+              <a:cs typeface="Courier New" pitchFamily="49" charset="0"/>
+            </a:endParaRPr>
+          </a:p>
+          <a:p>
+            <a:endParaRPr lang="en-US" dirty="0" smtClean="0"/>
+          </a:p>
+          <a:p>
+            <a:pPr>
+              <a:buNone/>
+            </a:pPr>
             <a:endParaRPr lang="en-US" dirty="0"/>
           </a:p>
         </p:txBody>
       </p:sp>
       <p:sp>
         <p:nvSpPr>
-          <p:cNvPr id="3" name="Content Placeholder 2"/>
-          <p:cNvSpPr>
-            <a:spLocks noGrp="1"/>
-          </p:cNvSpPr>
-          <p:nvPr>
-            <p:ph idx="1"/>
-          </p:nvPr>
-        </p:nvSpPr>
-        <p:spPr/>
-        <p:txBody>
-          <a:bodyPr>
-            <a:normAutofit fontScale="47500" lnSpcReduction="20000"/>
+          <p:cNvPr id="4" name="Rectangle 3"/>
+          <p:cNvSpPr/>
+          <p:nvPr/>
+        </p:nvSpPr>
+        <p:spPr>
+          <a:xfrm>
+            <a:off x="339213" y="1859340"/>
+            <a:ext cx="8686799" cy="3477875"/>
+          </a:xfrm>
+          <a:prstGeom prst="rect">
+            <a:avLst/>
+          </a:prstGeom>
+        </p:spPr>
+        <p:txBody>
+          <a:bodyPr wrap="square">
+            <a:spAutoFit/>
           </a:bodyPr>
           <a:lstStyle/>
           <a:p>
-            <a:pPr>
-              <a:buNone/>
-            </a:pPr>
-            <a:r>
-              <a:rPr lang="en-US" b="1" dirty="0" smtClean="0">
-                <a:latin typeface="Consolas" pitchFamily="49" charset="0"/>
-                <a:cs typeface="Consolas" pitchFamily="49" charset="0"/>
-              </a:rPr>
-              <a:t>;; an image showing the cat at Y = 20</a:t>
-            </a:r>
-          </a:p>
-          <a:p>
-            <a:pPr>
-              <a:buNone/>
-            </a:pPr>
-            <a:r>
-              <a:rPr lang="en-US" b="1" dirty="0" smtClean="0">
-                <a:latin typeface="Consolas" pitchFamily="49" charset="0"/>
-                <a:cs typeface="Consolas" pitchFamily="49" charset="0"/>
-              </a:rPr>
-              <a:t>;; check this visually to make sure it's what you want</a:t>
-            </a:r>
-          </a:p>
-          <a:p>
-            <a:pPr>
-              <a:buNone/>
-            </a:pPr>
-            <a:r>
-              <a:rPr lang="en-US" b="1" dirty="0" smtClean="0">
-                <a:latin typeface="Consolas" pitchFamily="49" charset="0"/>
-                <a:cs typeface="Consolas" pitchFamily="49" charset="0"/>
-              </a:rPr>
-              <a:t>(define image-at-20 (place-image CAT-IMAGE CAT-X-COORD 20 EMPTY-CANVAS))</a:t>
-            </a:r>
-          </a:p>
-          <a:p>
-            <a:pPr>
-              <a:buNone/>
-            </a:pPr>
-            <a:endParaRPr lang="en-US" b="1" dirty="0" smtClean="0">
+            <a:r>
+              <a:rPr lang="en-US" sz="2000" b="1" dirty="0">
+                <a:latin typeface="Consolas" pitchFamily="49" charset="0"/>
+                <a:cs typeface="Consolas" pitchFamily="49" charset="0"/>
+              </a:rPr>
+              <a:t>;; world-to-scene : World -&gt; Scene</a:t>
+            </a:r>
+          </a:p>
+          <a:p>
+            <a:r>
+              <a:rPr lang="en-US" sz="2000" b="1" dirty="0">
+                <a:latin typeface="Consolas" pitchFamily="49" charset="0"/>
+                <a:cs typeface="Consolas" pitchFamily="49" charset="0"/>
+              </a:rPr>
+              <a:t>;; RETURNS: a Scene that portrays the given world.</a:t>
+            </a:r>
+          </a:p>
+          <a:p>
+            <a:r>
+              <a:rPr lang="en-US" sz="2000" b="1" dirty="0">
+                <a:latin typeface="Consolas" pitchFamily="49" charset="0"/>
+                <a:cs typeface="Consolas" pitchFamily="49" charset="0"/>
+              </a:rPr>
+              <a:t>;; EXAMPLE: </a:t>
+            </a:r>
+            <a:endParaRPr lang="en-US" sz="2000" b="1" dirty="0" smtClean="0">
               <a:latin typeface="Consolas" pitchFamily="49" charset="0"/>
               <a:cs typeface="Consolas" pitchFamily="49" charset="0"/>
             </a:endParaRPr>
           </a:p>
           <a:p>
-            <a:pPr>
-              <a:buNone/>
-            </a:pPr>
-            <a:r>
-              <a:rPr lang="en-US" b="1" dirty="0" smtClean="0">
-                <a:latin typeface="Consolas" pitchFamily="49" charset="0"/>
-                <a:cs typeface="Consolas" pitchFamily="49" charset="0"/>
-              </a:rPr>
-              <a:t>;; these tests are only helpful if image-at-20 is the right image.</a:t>
-            </a:r>
-          </a:p>
-          <a:p>
-            <a:pPr>
-              <a:buNone/>
-            </a:pPr>
-            <a:r>
-              <a:rPr lang="en-US" b="1" dirty="0" smtClean="0">
-                <a:latin typeface="Consolas" pitchFamily="49" charset="0"/>
-                <a:cs typeface="Consolas" pitchFamily="49" charset="0"/>
-              </a:rPr>
-              <a:t>;; Here I've made the strings into error messages.  This is often</a:t>
-            </a:r>
-          </a:p>
-          <a:p>
-            <a:pPr>
-              <a:buNone/>
-            </a:pPr>
-            <a:r>
-              <a:rPr lang="en-US" b="1" dirty="0" smtClean="0">
-                <a:latin typeface="Consolas" pitchFamily="49" charset="0"/>
-                <a:cs typeface="Consolas" pitchFamily="49" charset="0"/>
-              </a:rPr>
-              <a:t>;; works well.</a:t>
-            </a:r>
-          </a:p>
-          <a:p>
-            <a:pPr>
-              <a:buNone/>
-            </a:pPr>
-            <a:endParaRPr lang="en-US" b="1" dirty="0" smtClean="0">
+            <a:r>
+              <a:rPr lang="en-US" sz="2000" b="1" dirty="0" smtClean="0">
+                <a:latin typeface="Consolas" pitchFamily="49" charset="0"/>
+                <a:cs typeface="Consolas" pitchFamily="49" charset="0"/>
+              </a:rPr>
+              <a:t>;; (</a:t>
+            </a:r>
+            <a:r>
+              <a:rPr lang="en-US" sz="2000" b="1" dirty="0">
+                <a:latin typeface="Consolas" pitchFamily="49" charset="0"/>
+                <a:cs typeface="Consolas" pitchFamily="49" charset="0"/>
+              </a:rPr>
+              <a:t>world-to-scene (make-world 20 ??))</a:t>
+            </a:r>
+          </a:p>
+          <a:p>
+            <a:r>
+              <a:rPr lang="en-US" sz="2000" b="1" dirty="0">
+                <a:latin typeface="Consolas" pitchFamily="49" charset="0"/>
+                <a:cs typeface="Consolas" pitchFamily="49" charset="0"/>
+              </a:rPr>
+              <a:t>;;  </a:t>
+            </a:r>
+            <a:r>
+              <a:rPr lang="en-US" sz="2000" b="1" dirty="0" smtClean="0">
+                <a:latin typeface="Consolas" pitchFamily="49" charset="0"/>
+                <a:cs typeface="Consolas" pitchFamily="49" charset="0"/>
+              </a:rPr>
+              <a:t>= </a:t>
+            </a:r>
+            <a:r>
+              <a:rPr lang="en-US" sz="2000" b="1" dirty="0">
+                <a:latin typeface="Consolas" pitchFamily="49" charset="0"/>
+                <a:cs typeface="Consolas" pitchFamily="49" charset="0"/>
+              </a:rPr>
+              <a:t>(place-image CAT-IMAGE CAT-X-COORD 20 EMPTY-CANVAS)</a:t>
+            </a:r>
+          </a:p>
+          <a:p>
+            <a:r>
+              <a:rPr lang="en-US" sz="2000" b="1" dirty="0">
+                <a:latin typeface="Consolas" pitchFamily="49" charset="0"/>
+                <a:cs typeface="Consolas" pitchFamily="49" charset="0"/>
+              </a:rPr>
+              <a:t>;; STRATEGY: </a:t>
+            </a:r>
+            <a:r>
+              <a:rPr lang="en-US" sz="2000" b="1" dirty="0" smtClean="0">
+                <a:latin typeface="Consolas" pitchFamily="49" charset="0"/>
+                <a:cs typeface="Consolas" pitchFamily="49" charset="0"/>
+              </a:rPr>
+              <a:t>use template for World on </a:t>
+            </a:r>
+            <a:r>
+              <a:rPr lang="en-US" sz="2000" b="1" dirty="0" smtClean="0">
+                <a:latin typeface="Consolas" pitchFamily="49" charset="0"/>
+                <a:cs typeface="Consolas" pitchFamily="49" charset="0"/>
+              </a:rPr>
+              <a:t>w</a:t>
+            </a:r>
+          </a:p>
+          <a:p>
+            <a:endParaRPr lang="en-US" sz="2000" b="1" dirty="0">
               <a:latin typeface="Consolas" pitchFamily="49" charset="0"/>
               <a:cs typeface="Consolas" pitchFamily="49" charset="0"/>
             </a:endParaRPr>
           </a:p>
           <a:p>
-            <a:pPr>
-              <a:buNone/>
-            </a:pPr>
+            <a:r>
+              <a:rPr lang="en-US" sz="2000" b="1" dirty="0">
+                <a:latin typeface="Consolas" pitchFamily="49" charset="0"/>
+                <a:cs typeface="Consolas" pitchFamily="49" charset="0"/>
+              </a:rPr>
+              <a:t>(define (world-to-scene w)</a:t>
+            </a:r>
+          </a:p>
+          <a:p>
+            <a:r>
+              <a:rPr lang="en-US" sz="2000" b="1" dirty="0">
+                <a:latin typeface="Consolas" pitchFamily="49" charset="0"/>
+                <a:cs typeface="Consolas" pitchFamily="49" charset="0"/>
+              </a:rPr>
+              <a:t>  (place-image CAT-IMAGE CAT-X-COORD</a:t>
+            </a:r>
+          </a:p>
+          <a:p>
+            <a:r>
+              <a:rPr lang="en-US" sz="2000" b="1" dirty="0">
+                <a:latin typeface="Consolas" pitchFamily="49" charset="0"/>
+                <a:cs typeface="Consolas" pitchFamily="49" charset="0"/>
+              </a:rPr>
+              <a:t>               </a:t>
+            </a:r>
+            <a:r>
+              <a:rPr lang="en-US" sz="2000" b="1" dirty="0">
+                <a:solidFill>
+                  <a:srgbClr val="FF0000"/>
+                </a:solidFill>
+                <a:latin typeface="Consolas" pitchFamily="49" charset="0"/>
+                <a:cs typeface="Consolas" pitchFamily="49" charset="0"/>
+              </a:rPr>
+              <a:t>(world-</a:t>
+            </a:r>
+            <a:r>
+              <a:rPr lang="en-US" sz="2000" b="1" dirty="0" err="1">
+                <a:solidFill>
+                  <a:srgbClr val="FF0000"/>
+                </a:solidFill>
+                <a:latin typeface="Consolas" pitchFamily="49" charset="0"/>
+                <a:cs typeface="Consolas" pitchFamily="49" charset="0"/>
+              </a:rPr>
+              <a:t>pos</a:t>
+            </a:r>
+            <a:r>
+              <a:rPr lang="en-US" sz="2000" b="1" dirty="0">
+                <a:solidFill>
+                  <a:srgbClr val="FF0000"/>
+                </a:solidFill>
+                <a:latin typeface="Consolas" pitchFamily="49" charset="0"/>
+                <a:cs typeface="Consolas" pitchFamily="49" charset="0"/>
+              </a:rPr>
+              <a:t> w)</a:t>
+            </a:r>
+          </a:p>
+          <a:p>
+            <a:r>
+              <a:rPr lang="en-US" sz="2000" b="1" dirty="0">
+                <a:latin typeface="Consolas" pitchFamily="49" charset="0"/>
+                <a:cs typeface="Consolas" pitchFamily="49" charset="0"/>
+              </a:rPr>
+              <a:t>               EMPTY-CANVAS))</a:t>
+            </a:r>
+          </a:p>
+        </p:txBody>
+      </p:sp>
+      <p:sp>
+        <p:nvSpPr>
+          <p:cNvPr id="5" name="TextBox 4"/>
+          <p:cNvSpPr txBox="1"/>
+          <p:nvPr/>
+        </p:nvSpPr>
+        <p:spPr>
+          <a:xfrm>
+            <a:off x="5176683" y="4784226"/>
+            <a:ext cx="3837067" cy="1477328"/>
+          </a:xfrm>
+          <a:prstGeom prst="rect">
+            <a:avLst/>
+          </a:prstGeom>
+          <a:solidFill>
+            <a:schemeClr val="accent3">
+              <a:lumMod val="40000"/>
+              <a:lumOff val="60000"/>
+            </a:schemeClr>
+          </a:solidFill>
+        </p:spPr>
+        <p:style>
+          <a:lnRef idx="2">
+            <a:schemeClr val="accent1"/>
+          </a:lnRef>
+          <a:fillRef idx="1">
+            <a:schemeClr val="lt1"/>
+          </a:fillRef>
+          <a:effectRef idx="0">
+            <a:schemeClr val="accent1"/>
+          </a:effectRef>
+          <a:fontRef idx="minor">
+            <a:schemeClr val="dk1"/>
+          </a:fontRef>
+        </p:style>
+        <p:txBody>
+          <a:bodyPr wrap="square" rtlCol="0">
+            <a:spAutoFit/>
+          </a:bodyPr>
+          <a:lstStyle/>
+          <a:p>
+            <a:r>
+              <a:rPr lang="en-US" dirty="0" smtClean="0"/>
+              <a:t>Here's where we decompose </a:t>
+            </a:r>
             <a:r>
               <a:rPr lang="en-US" b="1" dirty="0" smtClean="0">
                 <a:latin typeface="Consolas" pitchFamily="49" charset="0"/>
                 <a:cs typeface="Consolas" pitchFamily="49" charset="0"/>
               </a:rPr>
-              <a:t>(begin-for-tests</a:t>
-            </a:r>
-          </a:p>
-          <a:p>
-            <a:pPr>
-              <a:buNone/>
-            </a:pPr>
+              <a:t>w</a:t>
+            </a:r>
+            <a:r>
+              <a:rPr lang="en-US" dirty="0" smtClean="0"/>
+              <a:t>.  Note that we don't need </a:t>
+            </a:r>
             <a:r>
               <a:rPr lang="en-US" b="1" dirty="0" smtClean="0">
                 <a:latin typeface="Consolas" pitchFamily="49" charset="0"/>
                 <a:cs typeface="Consolas" pitchFamily="49" charset="0"/>
               </a:rPr>
-              <a:t>  (check-equal? </a:t>
-            </a:r>
-          </a:p>
-          <a:p>
-            <a:pPr>
-              <a:buNone/>
-            </a:pPr>
-            <a:r>
-              <a:rPr lang="en-US" b="1" dirty="0" smtClean="0">
-                <a:latin typeface="Consolas" pitchFamily="49" charset="0"/>
-                <a:cs typeface="Consolas" pitchFamily="49" charset="0"/>
-              </a:rPr>
-              <a:t>    (world-&gt;scene unpaused-world-at-20)</a:t>
-            </a:r>
-          </a:p>
-          <a:p>
-            <a:pPr>
-              <a:buNone/>
-            </a:pPr>
-            <a:r>
-              <a:rPr lang="en-US" b="1" dirty="0" smtClean="0">
-                <a:latin typeface="Consolas" pitchFamily="49" charset="0"/>
-                <a:cs typeface="Consolas" pitchFamily="49" charset="0"/>
-              </a:rPr>
-              <a:t>    image-at-20</a:t>
-            </a:r>
-          </a:p>
-          <a:p>
-            <a:pPr>
-              <a:buNone/>
-            </a:pPr>
-            <a:r>
-              <a:rPr lang="en-US" b="1" dirty="0" smtClean="0">
-                <a:latin typeface="Consolas" pitchFamily="49" charset="0"/>
-                <a:cs typeface="Consolas" pitchFamily="49" charset="0"/>
-              </a:rPr>
-              <a:t>    "</a:t>
-            </a:r>
-            <a:r>
-              <a:rPr lang="en-US" b="1" dirty="0" err="1" smtClean="0">
-                <a:latin typeface="Consolas" pitchFamily="49" charset="0"/>
-                <a:cs typeface="Consolas" pitchFamily="49" charset="0"/>
-              </a:rPr>
-              <a:t>unpaused</a:t>
-            </a:r>
-            <a:r>
-              <a:rPr lang="en-US" b="1" dirty="0" smtClean="0">
-                <a:latin typeface="Consolas" pitchFamily="49" charset="0"/>
-                <a:cs typeface="Consolas" pitchFamily="49" charset="0"/>
-              </a:rPr>
-              <a:t> world yields incorrect image")</a:t>
-            </a:r>
-          </a:p>
-          <a:p>
-            <a:pPr>
-              <a:buNone/>
-            </a:pPr>
-            <a:endParaRPr lang="en-US" b="1" dirty="0" smtClean="0">
-              <a:latin typeface="Consolas" pitchFamily="49" charset="0"/>
-              <a:cs typeface="Consolas" pitchFamily="49" charset="0"/>
-            </a:endParaRPr>
-          </a:p>
-          <a:p>
-            <a:pPr>
-              <a:buNone/>
-            </a:pPr>
-            <a:r>
-              <a:rPr lang="en-US" b="1" dirty="0" smtClean="0">
-                <a:latin typeface="Consolas" pitchFamily="49" charset="0"/>
-                <a:cs typeface="Consolas" pitchFamily="49" charset="0"/>
-              </a:rPr>
-              <a:t>  (check-equal?</a:t>
-            </a:r>
-          </a:p>
-          <a:p>
-            <a:pPr>
-              <a:buNone/>
-            </a:pPr>
-            <a:r>
-              <a:rPr lang="en-US" b="1" dirty="0" smtClean="0">
-                <a:latin typeface="Consolas" pitchFamily="49" charset="0"/>
-                <a:cs typeface="Consolas" pitchFamily="49" charset="0"/>
-              </a:rPr>
-              <a:t>    (world-&gt;scene paused-world-at-20)</a:t>
-            </a:r>
-          </a:p>
-          <a:p>
-            <a:pPr>
-              <a:buNone/>
-            </a:pPr>
-            <a:r>
-              <a:rPr lang="en-US" b="1" dirty="0" smtClean="0">
-                <a:latin typeface="Consolas" pitchFamily="49" charset="0"/>
-                <a:cs typeface="Consolas" pitchFamily="49" charset="0"/>
-              </a:rPr>
-              <a:t>    image-at-20</a:t>
-            </a:r>
-          </a:p>
-          <a:p>
-            <a:pPr>
-              <a:buNone/>
-            </a:pPr>
-            <a:r>
-              <a:rPr lang="en-US" b="1" dirty="0" smtClean="0">
-                <a:latin typeface="Consolas" pitchFamily="49" charset="0"/>
-                <a:cs typeface="Consolas" pitchFamily="49" charset="0"/>
-              </a:rPr>
-              <a:t>    "paused world yields incorrect image"))</a:t>
-            </a:r>
-          </a:p>
-          <a:p>
-            <a:pPr>
-              <a:buNone/>
-            </a:pPr>
-            <a:r>
-              <a:rPr lang="en-US" b="1" dirty="0" smtClean="0">
-                <a:latin typeface="Consolas" pitchFamily="49" charset="0"/>
-                <a:cs typeface="Consolas" pitchFamily="49" charset="0"/>
-              </a:rPr>
-              <a:t>  </a:t>
-            </a:r>
-            <a:endParaRPr lang="en-US" b="1" dirty="0">
-              <a:latin typeface="Consolas" pitchFamily="49" charset="0"/>
-              <a:cs typeface="Consolas" pitchFamily="49" charset="0"/>
-            </a:endParaRPr>
+              <a:t>(world-paused? w)</a:t>
+            </a:r>
+            <a:r>
+              <a:rPr lang="en-US" dirty="0" smtClean="0"/>
+              <a:t>.  That's ok– </a:t>
+            </a:r>
+            <a:r>
+              <a:rPr lang="en-US" dirty="0" smtClean="0"/>
+              <a:t>the template tells us what we </a:t>
+            </a:r>
+            <a:r>
+              <a:rPr lang="en-US" i="1" dirty="0" smtClean="0"/>
+              <a:t>can</a:t>
+            </a:r>
+            <a:r>
+              <a:rPr lang="en-US" dirty="0" smtClean="0"/>
+              <a:t> use, not what we </a:t>
+            </a:r>
+            <a:r>
+              <a:rPr lang="en-US" i="1" dirty="0" smtClean="0"/>
+              <a:t>must</a:t>
+            </a:r>
+            <a:r>
+              <a:rPr lang="en-US" dirty="0" smtClean="0"/>
+              <a:t> use. </a:t>
+            </a:r>
+            <a:endParaRPr lang="en-US" dirty="0"/>
+          </a:p>
+        </p:txBody>
+      </p:sp>
+      <p:cxnSp>
+        <p:nvCxnSpPr>
+          <p:cNvPr id="7" name="Straight Arrow Connector 6"/>
+          <p:cNvCxnSpPr/>
+          <p:nvPr/>
+        </p:nvCxnSpPr>
+        <p:spPr>
+          <a:xfrm flipH="1" flipV="1">
+            <a:off x="4353261" y="4805528"/>
+            <a:ext cx="811160" cy="545929"/>
+          </a:xfrm>
+          <a:prstGeom prst="straightConnector1">
+            <a:avLst/>
+          </a:prstGeom>
+          <a:ln w="12700">
+            <a:solidFill>
+              <a:schemeClr val="tx1"/>
+            </a:solidFill>
+            <a:tailEnd type="arrow"/>
+          </a:ln>
+        </p:spPr>
+        <p:style>
+          <a:lnRef idx="1">
+            <a:schemeClr val="accent1"/>
+          </a:lnRef>
+          <a:fillRef idx="0">
+            <a:schemeClr val="accent1"/>
+          </a:fillRef>
+          <a:effectRef idx="0">
+            <a:schemeClr val="accent1"/>
+          </a:effectRef>
+          <a:fontRef idx="minor">
+            <a:schemeClr val="tx1"/>
+          </a:fontRef>
+        </p:style>
+      </p:cxnSp>
+      <p:sp>
+        <p:nvSpPr>
+          <p:cNvPr id="6" name="Slide Number Placeholder 5"/>
+          <p:cNvSpPr>
+            <a:spLocks noGrp="1"/>
+          </p:cNvSpPr>
+          <p:nvPr>
+            <p:ph type="sldNum" sz="quarter" idx="12"/>
+          </p:nvPr>
+        </p:nvSpPr>
+        <p:spPr/>
+        <p:txBody>
+          <a:bodyPr/>
+          <a:lstStyle/>
+          <a:p>
+            <a:fld id="{2AF3B5EA-18B6-4040-9F78-6052AF49C681}" type="slidenum">
+              <a:rPr lang="en-US" smtClean="0"/>
+              <a:t>33</a:t>
+            </a:fld>
+            <a:endParaRPr lang="en-US"/>
           </a:p>
         </p:txBody>
       </p:sp>
@@ -12122,6 +13301,339 @@
       </p:grpSpPr>
       <p:sp>
         <p:nvSpPr>
+          <p:cNvPr id="2" name="Title 1"/>
+          <p:cNvSpPr>
+            <a:spLocks noGrp="1"/>
+          </p:cNvSpPr>
+          <p:nvPr>
+            <p:ph type="title"/>
+          </p:nvPr>
+        </p:nvSpPr>
+        <p:spPr/>
+        <p:txBody>
+          <a:bodyPr/>
+          <a:lstStyle/>
+          <a:p>
+            <a:r>
+              <a:rPr lang="en-US" dirty="0" smtClean="0"/>
+              <a:t>Testing world-to-scene</a:t>
+            </a:r>
+            <a:endParaRPr lang="en-US" dirty="0"/>
+          </a:p>
+        </p:txBody>
+      </p:sp>
+      <p:sp>
+        <p:nvSpPr>
+          <p:cNvPr id="3" name="Content Placeholder 2"/>
+          <p:cNvSpPr>
+            <a:spLocks noGrp="1"/>
+          </p:cNvSpPr>
+          <p:nvPr>
+            <p:ph idx="1"/>
+          </p:nvPr>
+        </p:nvSpPr>
+        <p:spPr/>
+        <p:txBody>
+          <a:bodyPr>
+            <a:normAutofit fontScale="47500" lnSpcReduction="20000"/>
+          </a:bodyPr>
+          <a:lstStyle/>
+          <a:p>
+            <a:pPr>
+              <a:buNone/>
+            </a:pPr>
+            <a:r>
+              <a:rPr lang="en-US" b="1" dirty="0" smtClean="0">
+                <a:latin typeface="Consolas" pitchFamily="49" charset="0"/>
+                <a:cs typeface="Consolas" pitchFamily="49" charset="0"/>
+              </a:rPr>
+              <a:t>;; an image showing the cat at Y = 20</a:t>
+            </a:r>
+          </a:p>
+          <a:p>
+            <a:pPr>
+              <a:buNone/>
+            </a:pPr>
+            <a:r>
+              <a:rPr lang="en-US" b="1" dirty="0" smtClean="0">
+                <a:latin typeface="Consolas" pitchFamily="49" charset="0"/>
+                <a:cs typeface="Consolas" pitchFamily="49" charset="0"/>
+              </a:rPr>
+              <a:t>;; check this visually to make sure it's what you want</a:t>
+            </a:r>
+          </a:p>
+          <a:p>
+            <a:pPr>
+              <a:buNone/>
+            </a:pPr>
+            <a:r>
+              <a:rPr lang="en-US" b="1" dirty="0" smtClean="0">
+                <a:latin typeface="Consolas" pitchFamily="49" charset="0"/>
+                <a:cs typeface="Consolas" pitchFamily="49" charset="0"/>
+              </a:rPr>
+              <a:t>(define image-at-20 (place-image CAT-IMAGE CAT-X-COORD 20 EMPTY-CANVAS))</a:t>
+            </a:r>
+          </a:p>
+          <a:p>
+            <a:pPr>
+              <a:buNone/>
+            </a:pPr>
+            <a:endParaRPr lang="en-US" b="1" dirty="0" smtClean="0">
+              <a:latin typeface="Consolas" pitchFamily="49" charset="0"/>
+              <a:cs typeface="Consolas" pitchFamily="49" charset="0"/>
+            </a:endParaRPr>
+          </a:p>
+          <a:p>
+            <a:pPr>
+              <a:buNone/>
+            </a:pPr>
+            <a:r>
+              <a:rPr lang="en-US" b="1" dirty="0" smtClean="0">
+                <a:latin typeface="Consolas" pitchFamily="49" charset="0"/>
+                <a:cs typeface="Consolas" pitchFamily="49" charset="0"/>
+              </a:rPr>
+              <a:t>;; these tests are only helpful if image-at-20 is the right image.</a:t>
+            </a:r>
+          </a:p>
+          <a:p>
+            <a:pPr>
+              <a:buNone/>
+            </a:pPr>
+            <a:r>
+              <a:rPr lang="en-US" b="1" dirty="0" smtClean="0">
+                <a:latin typeface="Consolas" pitchFamily="49" charset="0"/>
+                <a:cs typeface="Consolas" pitchFamily="49" charset="0"/>
+              </a:rPr>
+              <a:t>;; Here I've made the strings into error messages.  This is often</a:t>
+            </a:r>
+          </a:p>
+          <a:p>
+            <a:pPr>
+              <a:buNone/>
+            </a:pPr>
+            <a:r>
+              <a:rPr lang="en-US" b="1" dirty="0" smtClean="0">
+                <a:latin typeface="Consolas" pitchFamily="49" charset="0"/>
+                <a:cs typeface="Consolas" pitchFamily="49" charset="0"/>
+              </a:rPr>
+              <a:t>;; works well.</a:t>
+            </a:r>
+          </a:p>
+          <a:p>
+            <a:pPr>
+              <a:buNone/>
+            </a:pPr>
+            <a:endParaRPr lang="en-US" b="1" dirty="0" smtClean="0">
+              <a:latin typeface="Consolas" pitchFamily="49" charset="0"/>
+              <a:cs typeface="Consolas" pitchFamily="49" charset="0"/>
+            </a:endParaRPr>
+          </a:p>
+          <a:p>
+            <a:pPr>
+              <a:buNone/>
+            </a:pPr>
+            <a:r>
+              <a:rPr lang="en-US" b="1" dirty="0" smtClean="0">
+                <a:latin typeface="Consolas" pitchFamily="49" charset="0"/>
+                <a:cs typeface="Consolas" pitchFamily="49" charset="0"/>
+              </a:rPr>
+              <a:t>(begin-for-tests</a:t>
+            </a:r>
+          </a:p>
+          <a:p>
+            <a:pPr>
+              <a:buNone/>
+            </a:pPr>
+            <a:r>
+              <a:rPr lang="en-US" b="1" dirty="0" smtClean="0">
+                <a:latin typeface="Consolas" pitchFamily="49" charset="0"/>
+                <a:cs typeface="Consolas" pitchFamily="49" charset="0"/>
+              </a:rPr>
+              <a:t>  (check-equal? </a:t>
+            </a:r>
+          </a:p>
+          <a:p>
+            <a:pPr>
+              <a:buNone/>
+            </a:pPr>
+            <a:r>
+              <a:rPr lang="en-US" b="1" dirty="0" smtClean="0">
+                <a:latin typeface="Consolas" pitchFamily="49" charset="0"/>
+                <a:cs typeface="Consolas" pitchFamily="49" charset="0"/>
+              </a:rPr>
+              <a:t>    (world-&gt;scene unpaused-world-at-20)</a:t>
+            </a:r>
+          </a:p>
+          <a:p>
+            <a:pPr>
+              <a:buNone/>
+            </a:pPr>
+            <a:r>
+              <a:rPr lang="en-US" b="1" dirty="0" smtClean="0">
+                <a:latin typeface="Consolas" pitchFamily="49" charset="0"/>
+                <a:cs typeface="Consolas" pitchFamily="49" charset="0"/>
+              </a:rPr>
+              <a:t>    image-at-20</a:t>
+            </a:r>
+          </a:p>
+          <a:p>
+            <a:pPr>
+              <a:buNone/>
+            </a:pPr>
+            <a:r>
+              <a:rPr lang="en-US" b="1" dirty="0" smtClean="0">
+                <a:latin typeface="Consolas" pitchFamily="49" charset="0"/>
+                <a:cs typeface="Consolas" pitchFamily="49" charset="0"/>
+              </a:rPr>
+              <a:t>    "</a:t>
+            </a:r>
+            <a:r>
+              <a:rPr lang="en-US" b="1" dirty="0" err="1" smtClean="0">
+                <a:latin typeface="Consolas" pitchFamily="49" charset="0"/>
+                <a:cs typeface="Consolas" pitchFamily="49" charset="0"/>
+              </a:rPr>
+              <a:t>unpaused</a:t>
+            </a:r>
+            <a:r>
+              <a:rPr lang="en-US" b="1" dirty="0" smtClean="0">
+                <a:latin typeface="Consolas" pitchFamily="49" charset="0"/>
+                <a:cs typeface="Consolas" pitchFamily="49" charset="0"/>
+              </a:rPr>
+              <a:t> world yields incorrect image")</a:t>
+            </a:r>
+          </a:p>
+          <a:p>
+            <a:pPr>
+              <a:buNone/>
+            </a:pPr>
+            <a:endParaRPr lang="en-US" b="1" dirty="0" smtClean="0">
+              <a:latin typeface="Consolas" pitchFamily="49" charset="0"/>
+              <a:cs typeface="Consolas" pitchFamily="49" charset="0"/>
+            </a:endParaRPr>
+          </a:p>
+          <a:p>
+            <a:pPr>
+              <a:buNone/>
+            </a:pPr>
+            <a:r>
+              <a:rPr lang="en-US" b="1" dirty="0" smtClean="0">
+                <a:latin typeface="Consolas" pitchFamily="49" charset="0"/>
+                <a:cs typeface="Consolas" pitchFamily="49" charset="0"/>
+              </a:rPr>
+              <a:t>  (check-equal?</a:t>
+            </a:r>
+          </a:p>
+          <a:p>
+            <a:pPr>
+              <a:buNone/>
+            </a:pPr>
+            <a:r>
+              <a:rPr lang="en-US" b="1" dirty="0" smtClean="0">
+                <a:latin typeface="Consolas" pitchFamily="49" charset="0"/>
+                <a:cs typeface="Consolas" pitchFamily="49" charset="0"/>
+              </a:rPr>
+              <a:t>    (world-&gt;scene paused-world-at-20)</a:t>
+            </a:r>
+          </a:p>
+          <a:p>
+            <a:pPr>
+              <a:buNone/>
+            </a:pPr>
+            <a:r>
+              <a:rPr lang="en-US" b="1" dirty="0" smtClean="0">
+                <a:latin typeface="Consolas" pitchFamily="49" charset="0"/>
+                <a:cs typeface="Consolas" pitchFamily="49" charset="0"/>
+              </a:rPr>
+              <a:t>    image-at-20</a:t>
+            </a:r>
+          </a:p>
+          <a:p>
+            <a:pPr>
+              <a:buNone/>
+            </a:pPr>
+            <a:r>
+              <a:rPr lang="en-US" b="1" dirty="0" smtClean="0">
+                <a:latin typeface="Consolas" pitchFamily="49" charset="0"/>
+                <a:cs typeface="Consolas" pitchFamily="49" charset="0"/>
+              </a:rPr>
+              <a:t>    "paused world yields incorrect image"))</a:t>
+            </a:r>
+          </a:p>
+          <a:p>
+            <a:pPr>
+              <a:buNone/>
+            </a:pPr>
+            <a:r>
+              <a:rPr lang="en-US" b="1" dirty="0" smtClean="0">
+                <a:latin typeface="Consolas" pitchFamily="49" charset="0"/>
+                <a:cs typeface="Consolas" pitchFamily="49" charset="0"/>
+              </a:rPr>
+              <a:t>  </a:t>
+            </a:r>
+            <a:endParaRPr lang="en-US" b="1" dirty="0">
+              <a:latin typeface="Consolas" pitchFamily="49" charset="0"/>
+              <a:cs typeface="Consolas" pitchFamily="49" charset="0"/>
+            </a:endParaRPr>
+          </a:p>
+        </p:txBody>
+      </p:sp>
+      <p:sp>
+        <p:nvSpPr>
+          <p:cNvPr id="4" name="Slide Number Placeholder 3"/>
+          <p:cNvSpPr>
+            <a:spLocks noGrp="1"/>
+          </p:cNvSpPr>
+          <p:nvPr>
+            <p:ph type="sldNum" sz="quarter" idx="12"/>
+          </p:nvPr>
+        </p:nvSpPr>
+        <p:spPr/>
+        <p:txBody>
+          <a:bodyPr/>
+          <a:lstStyle/>
+          <a:p>
+            <a:fld id="{2AF3B5EA-18B6-4040-9F78-6052AF49C681}" type="slidenum">
+              <a:rPr lang="en-US" smtClean="0"/>
+              <a:t>34</a:t>
+            </a:fld>
+            <a:endParaRPr lang="en-US"/>
+          </a:p>
+        </p:txBody>
+      </p:sp>
+    </p:spTree>
+  </p:cSld>
+  <p:clrMapOvr>
+    <a:masterClrMapping/>
+  </p:clrMapOvr>
+  <p:timing>
+    <p:tnLst>
+      <p:par>
+        <p:cTn id="1" dur="indefinite" restart="never" nodeType="tmRoot"/>
+      </p:par>
+    </p:tnLst>
+  </p:timing>
+</p:sld>
+</file>
+
+<file path=ppt/slides/slide35.xml><?xml version="1.0" encoding="utf-8"?>
+<p:sld xmlns:a="http://schemas.openxmlformats.org/drawingml/2006/main" xmlns:r="http://schemas.openxmlformats.org/officeDocument/2006/relationships" xmlns:p="http://schemas.openxmlformats.org/presentationml/2006/main">
+  <p:cSld>
+    <p:spTree>
+      <p:nvGrpSpPr>
+        <p:cNvPr id="1" name=""/>
+        <p:cNvGrpSpPr/>
+        <p:nvPr/>
+      </p:nvGrpSpPr>
+      <p:grpSpPr>
+        <a:xfrm>
+          <a:off x="0" y="0"/>
+          <a:ext cx="0" cy="0"/>
+          <a:chOff x="0" y="0"/>
+          <a:chExt cx="0" cy="0"/>
+        </a:xfrm>
+      </p:grpSpPr>
+      <p:sp>
+        <p:nvSpPr>
           <p:cNvPr id="4" name="Title 3"/>
           <p:cNvSpPr>
             <a:spLocks noGrp="1"/>
@@ -12241,7 +13753,7 @@
         </p:nvSpPr>
         <p:spPr>
           <a:xfrm>
-            <a:off x="3712057" y="3736555"/>
+            <a:off x="3954428" y="3749409"/>
             <a:ext cx="4144297" cy="2031325"/>
           </a:xfrm>
           <a:prstGeom prst="rect">
@@ -12292,7 +13804,15 @@
             </a:r>
             <a:r>
               <a:rPr lang="en-US" dirty="0" smtClean="0"/>
-              <a:t> is not to return a useful value; instead, its purpose is have some visible effect in the real world– in this case, to display some things on the real screen and take input from the real user.  We document this in the purpose statement by writing an EFFECT clause.</a:t>
+              <a:t> is not to return a useful value; instead, its purpose is have some visible effect in the real world– in this case, to display some things on the real screen and take input from the real user.  We document this in the purpose statement by writing an </a:t>
+            </a:r>
+            <a:r>
+              <a:rPr lang="en-US" b="1" dirty="0" smtClean="0"/>
+              <a:t>EFFECT</a:t>
+            </a:r>
+            <a:r>
+              <a:rPr lang="en-US" dirty="0" smtClean="0"/>
+              <a:t> clause.</a:t>
             </a:r>
             <a:endParaRPr lang="en-US" dirty="0"/>
           </a:p>
@@ -12308,7 +13828,7 @@
         </p:nvCxnSpPr>
         <p:spPr>
           <a:xfrm flipH="1" flipV="1">
-            <a:off x="1953087" y="2672179"/>
+            <a:off x="2195458" y="2685033"/>
             <a:ext cx="1758970" cy="2080039"/>
           </a:xfrm>
           <a:prstGeom prst="straightConnector1">
@@ -12336,6 +13856,29 @@
           </a:fontRef>
         </p:style>
       </p:cxnSp>
+      <p:sp>
+        <p:nvSpPr>
+          <p:cNvPr id="2" name="Slide Number Placeholder 1"/>
+          <p:cNvSpPr>
+            <a:spLocks noGrp="1"/>
+          </p:cNvSpPr>
+          <p:nvPr>
+            <p:ph type="sldNum" sz="quarter" idx="12"/>
+          </p:nvPr>
+        </p:nvSpPr>
+        <p:spPr/>
+        <p:txBody>
+          <a:bodyPr/>
+          <a:lstStyle/>
+          <a:p>
+            <a:fld id="{2AF3B5EA-18B6-4040-9F78-6052AF49C681}" type="slidenum">
+              <a:rPr lang="en-US" smtClean="0"/>
+              <a:t>35</a:t>
+            </a:fld>
+            <a:endParaRPr lang="en-US"/>
+          </a:p>
+        </p:txBody>
+      </p:sp>
     </p:spTree>
     <p:extLst>
       <p:ext uri="{BB962C8B-B14F-4D97-AF65-F5344CB8AC3E}">
@@ -12356,7 +13899,7 @@
 </p:sld>
 </file>
 
-<file path=ppt/slides/slide35.xml><?xml version="1.0" encoding="utf-8"?>
+<file path=ppt/slides/slide36.xml><?xml version="1.0" encoding="utf-8"?>
 <p:sld xmlns:a="http://schemas.openxmlformats.org/drawingml/2006/main" xmlns:r="http://schemas.openxmlformats.org/officeDocument/2006/relationships" xmlns:p="http://schemas.openxmlformats.org/presentationml/2006/main">
   <p:cSld>
     <p:spTree>
@@ -12932,6 +14475,29 @@
           </a:p>
         </p:txBody>
       </p:sp>
+      <p:sp>
+        <p:nvSpPr>
+          <p:cNvPr id="3" name="Slide Number Placeholder 2"/>
+          <p:cNvSpPr>
+            <a:spLocks noGrp="1"/>
+          </p:cNvSpPr>
+          <p:nvPr>
+            <p:ph type="sldNum" sz="quarter" idx="12"/>
+          </p:nvPr>
+        </p:nvSpPr>
+        <p:spPr/>
+        <p:txBody>
+          <a:bodyPr/>
+          <a:lstStyle/>
+          <a:p>
+            <a:fld id="{2AF3B5EA-18B6-4040-9F78-6052AF49C681}" type="slidenum">
+              <a:rPr lang="en-US" smtClean="0"/>
+              <a:t>36</a:t>
+            </a:fld>
+            <a:endParaRPr lang="en-US"/>
+          </a:p>
+        </p:txBody>
+      </p:sp>
     </p:spTree>
     <p:extLst>
       <p:ext uri="{BB962C8B-B14F-4D97-AF65-F5344CB8AC3E}">
@@ -13065,7 +14631,7 @@
 </p:sld>
 </file>
 
-<file path=ppt/slides/slide36.xml><?xml version="1.0" encoding="utf-8"?>
+<file path=ppt/slides/slide37.xml><?xml version="1.0" encoding="utf-8"?>
 <p:sld xmlns:a="http://schemas.openxmlformats.org/drawingml/2006/main" xmlns:r="http://schemas.openxmlformats.org/officeDocument/2006/relationships" xmlns:p="http://schemas.openxmlformats.org/presentationml/2006/main">
   <p:cSld>
     <p:spTree>
@@ -13216,14 +14782,7 @@
                 <a:latin typeface="Consolas" pitchFamily="49" charset="0"/>
                 <a:cs typeface="Consolas" pitchFamily="49" charset="0"/>
               </a:rPr>
-              <a:t>;; STRATEGY: </a:t>
-            </a:r>
-            <a:r>
-              <a:rPr lang="en-US" sz="2000" b="1" dirty="0" smtClean="0">
-                <a:latin typeface="Consolas" pitchFamily="49" charset="0"/>
-                <a:cs typeface="Consolas" pitchFamily="49" charset="0"/>
-              </a:rPr>
-              <a:t>Combine simpler functions</a:t>
+              <a:t>;; STRATEGY: Combine simpler functions</a:t>
             </a:r>
             <a:endParaRPr lang="en-US" sz="2000" b="1" dirty="0">
               <a:latin typeface="Consolas" pitchFamily="49" charset="0"/>
@@ -13433,135 +14992,33 @@
           </a:fontRef>
         </p:style>
       </p:cxnSp>
+      <p:sp>
+        <p:nvSpPr>
+          <p:cNvPr id="4" name="Slide Number Placeholder 3"/>
+          <p:cNvSpPr>
+            <a:spLocks noGrp="1"/>
+          </p:cNvSpPr>
+          <p:nvPr>
+            <p:ph type="sldNum" sz="quarter" idx="12"/>
+          </p:nvPr>
+        </p:nvSpPr>
+        <p:spPr/>
+        <p:txBody>
+          <a:bodyPr/>
+          <a:lstStyle/>
+          <a:p>
+            <a:fld id="{2AF3B5EA-18B6-4040-9F78-6052AF49C681}" type="slidenum">
+              <a:rPr lang="en-US" smtClean="0"/>
+              <a:t>37</a:t>
+            </a:fld>
+            <a:endParaRPr lang="en-US"/>
+          </a:p>
+        </p:txBody>
+      </p:sp>
     </p:spTree>
     <p:extLst>
       <p:ext uri="{BB962C8B-B14F-4D97-AF65-F5344CB8AC3E}">
         <p14:creationId xmlns:p14="http://schemas.microsoft.com/office/powerpoint/2010/main" val="1174957191"/>
-      </p:ext>
-    </p:extLst>
-  </p:cSld>
-  <p:clrMapOvr>
-    <a:masterClrMapping/>
-  </p:clrMapOvr>
-  <p:timing>
-    <p:tnLst>
-      <p:par>
-        <p:cTn id="1" dur="indefinite" restart="never" nodeType="tmRoot"/>
-      </p:par>
-    </p:tnLst>
-  </p:timing>
-</p:sld>
-</file>
-
-<file path=ppt/slides/slide37.xml><?xml version="1.0" encoding="utf-8"?>
-<p:sld xmlns:a="http://schemas.openxmlformats.org/drawingml/2006/main" xmlns:r="http://schemas.openxmlformats.org/officeDocument/2006/relationships" xmlns:p="http://schemas.openxmlformats.org/presentationml/2006/main">
-  <p:cSld>
-    <p:spTree>
-      <p:nvGrpSpPr>
-        <p:cNvPr id="1" name=""/>
-        <p:cNvGrpSpPr/>
-        <p:nvPr/>
-      </p:nvGrpSpPr>
-      <p:grpSpPr>
-        <a:xfrm>
-          <a:off x="0" y="0"/>
-          <a:ext cx="0" cy="0"/>
-          <a:chOff x="0" y="0"/>
-          <a:chExt cx="0" cy="0"/>
-        </a:xfrm>
-      </p:grpSpPr>
-      <p:sp>
-        <p:nvSpPr>
-          <p:cNvPr id="2" name="Title 1"/>
-          <p:cNvSpPr>
-            <a:spLocks noGrp="1"/>
-          </p:cNvSpPr>
-          <p:nvPr>
-            <p:ph type="title"/>
-          </p:nvPr>
-        </p:nvSpPr>
-        <p:spPr/>
-        <p:txBody>
-          <a:bodyPr/>
-          <a:lstStyle/>
-          <a:p>
-            <a:r>
-              <a:rPr lang="en-US" dirty="0" smtClean="0"/>
-              <a:t>Let's walk through falling-</a:t>
-            </a:r>
-            <a:r>
-              <a:rPr lang="en-US" dirty="0" err="1" smtClean="0"/>
-              <a:t>cat.rkt</a:t>
-            </a:r>
-            <a:endParaRPr lang="en-US" dirty="0"/>
-          </a:p>
-        </p:txBody>
-      </p:sp>
-      <p:sp>
-        <p:nvSpPr>
-          <p:cNvPr id="3" name="Content Placeholder 2"/>
-          <p:cNvSpPr>
-            <a:spLocks noGrp="1"/>
-          </p:cNvSpPr>
-          <p:nvPr>
-            <p:ph idx="1"/>
-          </p:nvPr>
-        </p:nvSpPr>
-        <p:spPr/>
-        <p:txBody>
-          <a:bodyPr/>
-          <a:lstStyle/>
-          <a:p>
-            <a:r>
-              <a:rPr lang="en-US" dirty="0" smtClean="0"/>
-              <a:t>Note: this video differs from our current technology in a couple of ways:</a:t>
-            </a:r>
-          </a:p>
-          <a:p>
-            <a:pPr lvl="1"/>
-            <a:r>
-              <a:rPr lang="en-US" dirty="0" smtClean="0"/>
-              <a:t>it talks about test suites; these are replaced by </a:t>
-            </a:r>
-            <a:r>
-              <a:rPr lang="en-US" b="1" dirty="0" smtClean="0"/>
-              <a:t>begin-for-test</a:t>
-            </a:r>
-            <a:r>
-              <a:rPr lang="en-US" dirty="0" smtClean="0"/>
-              <a:t>.</a:t>
-            </a:r>
-          </a:p>
-          <a:p>
-            <a:pPr lvl="1"/>
-            <a:r>
-              <a:rPr lang="en-US" dirty="0" smtClean="0"/>
-              <a:t>it talks about "partition data" and gives a template for </a:t>
-            </a:r>
-            <a:r>
-              <a:rPr lang="en-US" dirty="0" err="1" smtClean="0"/>
-              <a:t>FallingCatKeyEvents</a:t>
-            </a:r>
-            <a:r>
-              <a:rPr lang="en-US" dirty="0" smtClean="0"/>
-              <a:t>.  We've simplified the presentation--  now we just have </a:t>
-            </a:r>
-            <a:r>
-              <a:rPr lang="en-US" dirty="0" err="1" smtClean="0"/>
-              <a:t>KeyEvents</a:t>
-            </a:r>
-            <a:r>
-              <a:rPr lang="en-US" dirty="0" smtClean="0"/>
-              <a:t>, which are scalars (no template needed), and we take them apart using the "Cases" strategy.</a:t>
-            </a:r>
-            <a:endParaRPr lang="en-US" dirty="0"/>
-          </a:p>
-        </p:txBody>
-      </p:sp>
-    </p:spTree>
-    <p:extLst>
-      <p:ext uri="{BB962C8B-B14F-4D97-AF65-F5344CB8AC3E}">
-        <p14:creationId xmlns:p14="http://schemas.microsoft.com/office/powerpoint/2010/main" val="4059972943"/>
       </p:ext>
     </p:extLst>
   </p:cSld>
@@ -13605,6 +15062,171 @@
             <p:ph type="title"/>
           </p:nvPr>
         </p:nvSpPr>
+        <p:spPr/>
+        <p:txBody>
+          <a:bodyPr/>
+          <a:lstStyle/>
+          <a:p>
+            <a:r>
+              <a:rPr lang="en-US" dirty="0" smtClean="0"/>
+              <a:t>Let's walk through falling-</a:t>
+            </a:r>
+            <a:r>
+              <a:rPr lang="en-US" dirty="0" err="1" smtClean="0"/>
+              <a:t>cat.rkt</a:t>
+            </a:r>
+            <a:endParaRPr lang="en-US" dirty="0"/>
+          </a:p>
+        </p:txBody>
+      </p:sp>
+      <p:sp>
+        <p:nvSpPr>
+          <p:cNvPr id="3" name="Content Placeholder 2"/>
+          <p:cNvSpPr>
+            <a:spLocks noGrp="1"/>
+          </p:cNvSpPr>
+          <p:nvPr>
+            <p:ph idx="1"/>
+          </p:nvPr>
+        </p:nvSpPr>
+        <p:spPr/>
+        <p:txBody>
+          <a:bodyPr>
+            <a:normAutofit fontScale="92500" lnSpcReduction="10000"/>
+          </a:bodyPr>
+          <a:lstStyle/>
+          <a:p>
+            <a:r>
+              <a:rPr lang="en-US" dirty="0" smtClean="0"/>
+              <a:t>Note: this video differs from our current technology in a couple of ways:</a:t>
+            </a:r>
+          </a:p>
+          <a:p>
+            <a:pPr lvl="1"/>
+            <a:r>
+              <a:rPr lang="en-US" dirty="0" smtClean="0"/>
+              <a:t>it talks about test suites; these are replaced by </a:t>
+            </a:r>
+            <a:r>
+              <a:rPr lang="en-US" b="1" dirty="0" smtClean="0"/>
+              <a:t>begin-for-test</a:t>
+            </a:r>
+            <a:r>
+              <a:rPr lang="en-US" dirty="0" smtClean="0"/>
+              <a:t>.</a:t>
+            </a:r>
+          </a:p>
+          <a:p>
+            <a:pPr lvl="1"/>
+            <a:r>
+              <a:rPr lang="en-US" dirty="0" smtClean="0"/>
+              <a:t>it talks about "partition data" and gives a template for </a:t>
+            </a:r>
+            <a:r>
+              <a:rPr lang="en-US" dirty="0" err="1" smtClean="0"/>
+              <a:t>FallingCatKeyEvents</a:t>
+            </a:r>
+            <a:r>
+              <a:rPr lang="en-US" dirty="0" smtClean="0"/>
+              <a:t>.  We've simplified the presentation--  now we just have </a:t>
+            </a:r>
+            <a:r>
+              <a:rPr lang="en-US" dirty="0" err="1" smtClean="0"/>
+              <a:t>KeyEvents</a:t>
+            </a:r>
+            <a:r>
+              <a:rPr lang="en-US" dirty="0" smtClean="0"/>
+              <a:t>, which are scalars (no template needed), and we take them apart using the "Cases" strategy</a:t>
+            </a:r>
+            <a:r>
+              <a:rPr lang="en-US" dirty="0" smtClean="0"/>
+              <a:t>.</a:t>
+            </a:r>
+          </a:p>
+          <a:p>
+            <a:pPr lvl="1"/>
+            <a:r>
+              <a:rPr lang="en-US" dirty="0" smtClean="0"/>
+              <a:t>And remember, the “Structural Decomposition” strategy is now called “</a:t>
+            </a:r>
+            <a:r>
+              <a:rPr lang="en-US" smtClean="0"/>
+              <a:t>Use template”.</a:t>
+            </a:r>
+            <a:endParaRPr lang="en-US" dirty="0"/>
+          </a:p>
+        </p:txBody>
+      </p:sp>
+      <p:sp>
+        <p:nvSpPr>
+          <p:cNvPr id="4" name="Slide Number Placeholder 3"/>
+          <p:cNvSpPr>
+            <a:spLocks noGrp="1"/>
+          </p:cNvSpPr>
+          <p:nvPr>
+            <p:ph type="sldNum" sz="quarter" idx="12"/>
+          </p:nvPr>
+        </p:nvSpPr>
+        <p:spPr/>
+        <p:txBody>
+          <a:bodyPr/>
+          <a:lstStyle/>
+          <a:p>
+            <a:fld id="{2AF3B5EA-18B6-4040-9F78-6052AF49C681}" type="slidenum">
+              <a:rPr lang="en-US" smtClean="0"/>
+              <a:t>38</a:t>
+            </a:fld>
+            <a:endParaRPr lang="en-US"/>
+          </a:p>
+        </p:txBody>
+      </p:sp>
+    </p:spTree>
+    <p:extLst>
+      <p:ext uri="{BB962C8B-B14F-4D97-AF65-F5344CB8AC3E}">
+        <p14:creationId xmlns:p14="http://schemas.microsoft.com/office/powerpoint/2010/main" val="4059972943"/>
+      </p:ext>
+    </p:extLst>
+  </p:cSld>
+  <p:clrMapOvr>
+    <a:masterClrMapping/>
+  </p:clrMapOvr>
+  <p:timing>
+    <p:tnLst>
+      <p:par>
+        <p:cTn id="1" dur="indefinite" restart="never" nodeType="tmRoot"/>
+      </p:par>
+    </p:tnLst>
+  </p:timing>
+</p:sld>
+</file>
+
+<file path=ppt/slides/slide39.xml><?xml version="1.0" encoding="utf-8"?>
+<p:sld xmlns:a="http://schemas.openxmlformats.org/drawingml/2006/main" xmlns:r="http://schemas.openxmlformats.org/officeDocument/2006/relationships" xmlns:p="http://schemas.openxmlformats.org/presentationml/2006/main">
+  <p:cSld>
+    <p:spTree>
+      <p:nvGrpSpPr>
+        <p:cNvPr id="1" name=""/>
+        <p:cNvGrpSpPr/>
+        <p:nvPr/>
+      </p:nvGrpSpPr>
+      <p:grpSpPr>
+        <a:xfrm>
+          <a:off x="0" y="0"/>
+          <a:ext cx="0" cy="0"/>
+          <a:chOff x="0" y="0"/>
+          <a:chExt cx="0" cy="0"/>
+        </a:xfrm>
+      </p:grpSpPr>
+      <p:sp>
+        <p:nvSpPr>
+          <p:cNvPr id="2" name="Title 1"/>
+          <p:cNvSpPr>
+            <a:spLocks noGrp="1"/>
+          </p:cNvSpPr>
+          <p:nvPr>
+            <p:ph type="title"/>
+          </p:nvPr>
+        </p:nvSpPr>
         <p:spPr>
           <a:noFill/>
         </p:spPr>
@@ -13651,8 +15273,8 @@
         </p:blipFill>
         <p:spPr>
           <a:xfrm>
-            <a:off x="893602" y="1793289"/>
-            <a:ext cx="7465134" cy="4199138"/>
+            <a:off x="733234" y="1861851"/>
+            <a:ext cx="7677532" cy="4318612"/>
           </a:xfrm>
           <a:prstGeom prst="rect">
             <a:avLst/>
@@ -13688,6 +15310,29 @@
               <a:t>YouTube link</a:t>
             </a:r>
             <a:endParaRPr lang="en-US" dirty="0"/>
+          </a:p>
+        </p:txBody>
+      </p:sp>
+      <p:sp>
+        <p:nvSpPr>
+          <p:cNvPr id="3" name="Slide Number Placeholder 2"/>
+          <p:cNvSpPr>
+            <a:spLocks noGrp="1"/>
+          </p:cNvSpPr>
+          <p:nvPr>
+            <p:ph type="sldNum" sz="quarter" idx="12"/>
+          </p:nvPr>
+        </p:nvSpPr>
+        <p:spPr/>
+        <p:txBody>
+          <a:bodyPr/>
+          <a:lstStyle/>
+          <a:p>
+            <a:fld id="{2AF3B5EA-18B6-4040-9F78-6052AF49C681}" type="slidenum">
+              <a:rPr lang="en-US" smtClean="0"/>
+              <a:t>39</a:t>
+            </a:fld>
+            <a:endParaRPr lang="en-US"/>
           </a:p>
         </p:txBody>
       </p:sp>
@@ -13779,113 +15424,6 @@
 </p:sld>
 </file>
 
-<file path=ppt/slides/slide39.xml><?xml version="1.0" encoding="utf-8"?>
-<p:sld xmlns:a="http://schemas.openxmlformats.org/drawingml/2006/main" xmlns:r="http://schemas.openxmlformats.org/officeDocument/2006/relationships" xmlns:p="http://schemas.openxmlformats.org/presentationml/2006/main">
-  <p:cSld>
-    <p:spTree>
-      <p:nvGrpSpPr>
-        <p:cNvPr id="1" name=""/>
-        <p:cNvGrpSpPr/>
-        <p:nvPr/>
-      </p:nvGrpSpPr>
-      <p:grpSpPr>
-        <a:xfrm>
-          <a:off x="0" y="0"/>
-          <a:ext cx="0" cy="0"/>
-          <a:chOff x="0" y="0"/>
-          <a:chExt cx="0" cy="0"/>
-        </a:xfrm>
-      </p:grpSpPr>
-      <p:sp>
-        <p:nvSpPr>
-          <p:cNvPr id="2" name="Title 1"/>
-          <p:cNvSpPr>
-            <a:spLocks noGrp="1"/>
-          </p:cNvSpPr>
-          <p:nvPr>
-            <p:ph type="title"/>
-          </p:nvPr>
-        </p:nvSpPr>
-        <p:spPr/>
-        <p:txBody>
-          <a:bodyPr/>
-          <a:lstStyle/>
-          <a:p>
-            <a:r>
-              <a:rPr lang="en-US" dirty="0" smtClean="0"/>
-              <a:t>The System Design Recipe</a:t>
-            </a:r>
-            <a:endParaRPr lang="en-US" dirty="0"/>
-          </a:p>
-        </p:txBody>
-      </p:sp>
-      <p:sp>
-        <p:nvSpPr>
-          <p:cNvPr id="3" name="Content Placeholder 2"/>
-          <p:cNvSpPr>
-            <a:spLocks noGrp="1"/>
-          </p:cNvSpPr>
-          <p:nvPr>
-            <p:ph idx="1"/>
-          </p:nvPr>
-        </p:nvSpPr>
-        <p:spPr/>
-        <p:txBody>
-          <a:bodyPr/>
-          <a:lstStyle/>
-          <a:p>
-            <a:r>
-              <a:rPr lang="en-US" dirty="0" smtClean="0"/>
-              <a:t>In building this system, we were actually following a recipe.</a:t>
-            </a:r>
-          </a:p>
-          <a:p>
-            <a:r>
-              <a:rPr lang="en-US" dirty="0" smtClean="0"/>
-              <a:t>This recipe is so widely usable that we give it a name: the </a:t>
-            </a:r>
-            <a:r>
-              <a:rPr lang="en-US" b="1" i="1" dirty="0" smtClean="0">
-                <a:solidFill>
-                  <a:srgbClr val="FF0000"/>
-                </a:solidFill>
-              </a:rPr>
-              <a:t>System Design Recipe</a:t>
-            </a:r>
-            <a:r>
-              <a:rPr lang="en-US" dirty="0" smtClean="0"/>
-              <a:t>.</a:t>
-            </a:r>
-          </a:p>
-          <a:p>
-            <a:r>
-              <a:rPr lang="en-US" dirty="0" smtClean="0"/>
-              <a:t>Here it is– you can see that it matches what we did.</a:t>
-            </a:r>
-            <a:endParaRPr lang="en-US" dirty="0"/>
-          </a:p>
-        </p:txBody>
-      </p:sp>
-    </p:spTree>
-    <p:extLst>
-      <p:ext uri="{BB962C8B-B14F-4D97-AF65-F5344CB8AC3E}">
-        <p14:creationId xmlns:p14="http://schemas.microsoft.com/office/powerpoint/2010/main" val="2493857470"/>
-      </p:ext>
-    </p:extLst>
-  </p:cSld>
-  <p:clrMapOvr>
-    <a:masterClrMapping/>
-  </p:clrMapOvr>
-  <p:timing>
-    <p:tnLst>
-      <p:par>
-        <p:cTn id="1" dur="indefinite" restart="never" nodeType="tmRoot"/>
-      </p:par>
-    </p:tnLst>
-  </p:timing>
-</p:sld>
-</file>
-
 <file path=ppt/slides/slide4.xml><?xml version="1.0" encoding="utf-8"?>
 <p:sld xmlns:a="http://schemas.openxmlformats.org/drawingml/2006/main" xmlns:r="http://schemas.openxmlformats.org/officeDocument/2006/relationships" xmlns:p="http://schemas.openxmlformats.org/presentationml/2006/main">
   <p:cSld>
@@ -13928,6 +15466,197 @@
               <a:t>Let's see where we are</a:t>
             </a:r>
             <a:endParaRPr lang="en-US" dirty="0"/>
+          </a:p>
+        </p:txBody>
+      </p:sp>
+      <p:graphicFrame>
+        <p:nvGraphicFramePr>
+          <p:cNvPr id="15" name="Content Placeholder 3"/>
+          <p:cNvGraphicFramePr>
+            <a:graphicFrameLocks noGrp="1"/>
+          </p:cNvGraphicFramePr>
+          <p:nvPr>
+            <p:ph idx="1"/>
+            <p:extLst>
+              <p:ext uri="{D42A27DB-BD31-4B8C-83A1-F6EECF244321}">
+                <p14:modId xmlns:p14="http://schemas.microsoft.com/office/powerpoint/2010/main" val="3927530689"/>
+              </p:ext>
+            </p:extLst>
+          </p:nvPr>
+        </p:nvGraphicFramePr>
+        <p:xfrm>
+          <a:off x="4673149" y="3522659"/>
+          <a:ext cx="3603963" cy="2103120"/>
+        </p:xfrm>
+        <a:graphic>
+          <a:graphicData uri="http://schemas.openxmlformats.org/drawingml/2006/table">
+            <a:tbl>
+              <a:tblPr firstRow="1" bandRow="1">
+                <a:tableStyleId>{5C22544A-7EE6-4342-B048-85BDC9FD1C3A}</a:tableStyleId>
+              </a:tblPr>
+              <a:tblGrid>
+                <a:gridCol w="3603963"/>
+              </a:tblGrid>
+              <a:tr h="236844">
+                <a:tc>
+                  <a:txBody>
+                    <a:bodyPr/>
+                    <a:lstStyle/>
+                    <a:p>
+                      <a:r>
+                        <a:rPr lang="en-US" sz="1200" dirty="0" smtClean="0"/>
+                        <a:t>Adding a New Feature to an Existing Program</a:t>
+                      </a:r>
+                      <a:endParaRPr lang="en-US" sz="1200" dirty="0"/>
+                    </a:p>
+                  </a:txBody>
+                  <a:tcPr/>
+                </a:tc>
+              </a:tr>
+              <a:tr h="236844">
+                <a:tc>
+                  <a:txBody>
+                    <a:bodyPr/>
+                    <a:lstStyle/>
+                    <a:p>
+                      <a:pPr marL="0" indent="0">
+                        <a:buNone/>
+                      </a:pPr>
+                      <a:r>
+                        <a:rPr lang="en-US" sz="1200" dirty="0" smtClean="0"/>
+                        <a:t>1. Perform</a:t>
+                      </a:r>
+                      <a:r>
+                        <a:rPr lang="en-US" sz="1200" baseline="0" dirty="0" smtClean="0"/>
+                        <a:t> information analysis for new feature</a:t>
+                      </a:r>
+                    </a:p>
+                  </a:txBody>
+                  <a:tcPr/>
+                </a:tc>
+              </a:tr>
+              <a:tr h="236844">
+                <a:tc>
+                  <a:txBody>
+                    <a:bodyPr/>
+                    <a:lstStyle/>
+                    <a:p>
+                      <a:r>
+                        <a:rPr lang="en-US" sz="1200" dirty="0" smtClean="0"/>
+                        <a:t>2. Modify data definitions</a:t>
+                      </a:r>
+                      <a:r>
+                        <a:rPr lang="en-US" sz="1200" baseline="0" dirty="0" smtClean="0"/>
+                        <a:t> as needed</a:t>
+                      </a:r>
+                      <a:endParaRPr lang="en-US" sz="1200" dirty="0"/>
+                    </a:p>
+                  </a:txBody>
+                  <a:tcPr/>
+                </a:tc>
+              </a:tr>
+              <a:tr h="236844">
+                <a:tc>
+                  <a:txBody>
+                    <a:bodyPr/>
+                    <a:lstStyle/>
+                    <a:p>
+                      <a:r>
+                        <a:rPr lang="en-US" sz="1200" dirty="0" smtClean="0"/>
+                        <a:t>3. Update existing functions to work with</a:t>
+                      </a:r>
+                      <a:r>
+                        <a:rPr lang="en-US" sz="1200" baseline="0" dirty="0" smtClean="0"/>
+                        <a:t> new data definitions</a:t>
+                      </a:r>
+                    </a:p>
+                  </a:txBody>
+                  <a:tcPr/>
+                </a:tc>
+              </a:tr>
+              <a:tr h="236844">
+                <a:tc>
+                  <a:txBody>
+                    <a:bodyPr/>
+                    <a:lstStyle/>
+                    <a:p>
+                      <a:r>
+                        <a:rPr lang="en-US" sz="1200" dirty="0" smtClean="0"/>
+                        <a:t>4. Write </a:t>
+                      </a:r>
+                      <a:r>
+                        <a:rPr lang="en-US" sz="1200" dirty="0" err="1" smtClean="0"/>
+                        <a:t>wishlist</a:t>
+                      </a:r>
+                      <a:r>
+                        <a:rPr lang="en-US" sz="1200" dirty="0" smtClean="0"/>
+                        <a:t> of functions for new feature</a:t>
+                      </a:r>
+                      <a:endParaRPr lang="en-US" sz="1200" dirty="0"/>
+                    </a:p>
+                  </a:txBody>
+                  <a:tcPr/>
+                </a:tc>
+              </a:tr>
+              <a:tr h="236844">
+                <a:tc>
+                  <a:txBody>
+                    <a:bodyPr/>
+                    <a:lstStyle/>
+                    <a:p>
+                      <a:r>
+                        <a:rPr lang="en-US" sz="1200" dirty="0" smtClean="0"/>
+                        <a:t>5. Design new functions following the Design</a:t>
+                      </a:r>
+                      <a:r>
+                        <a:rPr lang="en-US" sz="1200" baseline="0" dirty="0" smtClean="0"/>
+                        <a:t> Recipe</a:t>
+                      </a:r>
+                    </a:p>
+                  </a:txBody>
+                  <a:tcPr/>
+                </a:tc>
+              </a:tr>
+              <a:tr h="236844">
+                <a:tc>
+                  <a:txBody>
+                    <a:bodyPr/>
+                    <a:lstStyle/>
+                    <a:p>
+                      <a:r>
+                        <a:rPr lang="en-US" sz="1200" baseline="0" dirty="0" smtClean="0"/>
+                        <a:t>6. Repeat for the next new feature</a:t>
+                      </a:r>
+                    </a:p>
+                  </a:txBody>
+                  <a:tcPr/>
+                </a:tc>
+              </a:tr>
+            </a:tbl>
+          </a:graphicData>
+        </a:graphic>
+      </p:graphicFrame>
+      <p:sp>
+        <p:nvSpPr>
+          <p:cNvPr id="3" name="Slide Number Placeholder 2"/>
+          <p:cNvSpPr>
+            <a:spLocks noGrp="1"/>
+          </p:cNvSpPr>
+          <p:nvPr>
+            <p:ph type="sldNum" sz="quarter" idx="12"/>
+          </p:nvPr>
+        </p:nvSpPr>
+        <p:spPr/>
+        <p:txBody>
+          <a:bodyPr/>
+          <a:lstStyle/>
+          <a:p>
+            <a:fld id="{8D704B19-8EED-495A-99FA-12E5518CCC54}" type="slidenum">
+              <a:rPr lang="en-US" smtClean="0"/>
+              <a:pPr/>
+              <a:t>4</a:t>
+            </a:fld>
+            <a:endParaRPr lang="en-US"/>
           </a:p>
         </p:txBody>
       </p:sp>
@@ -13971,30 +15700,6 @@
           </a:p>
         </p:txBody>
       </p:sp>
-      <p:sp>
-        <p:nvSpPr>
-          <p:cNvPr id="3" name="Slide Number Placeholder 2"/>
-          <p:cNvSpPr>
-            <a:spLocks noGrp="1"/>
-          </p:cNvSpPr>
-          <p:nvPr>
-            <p:ph type="sldNum" sz="quarter" idx="12"/>
-          </p:nvPr>
-        </p:nvSpPr>
-        <p:spPr/>
-        <p:txBody>
-          <a:bodyPr/>
-          <a:lstStyle/>
-          <a:p>
-            <a:fld id="{8D704B19-8EED-495A-99FA-12E5518CCC54}" type="slidenum">
-              <a:rPr lang="en-US" smtClean="0"/>
-              <a:pPr/>
-              <a:t>4</a:t>
-            </a:fld>
-            <a:endParaRPr lang="en-US"/>
-          </a:p>
-        </p:txBody>
-      </p:sp>
       <p:graphicFrame>
         <p:nvGraphicFramePr>
           <p:cNvPr id="9" name="Content Placeholder 3"/>
@@ -14004,7 +15709,7 @@
           <p:nvPr>
             <p:extLst>
               <p:ext uri="{D42A27DB-BD31-4B8C-83A1-F6EECF244321}">
-                <p14:modId xmlns:p14="http://schemas.microsoft.com/office/powerpoint/2010/main" val="2027185089"/>
+                <p14:modId xmlns:p14="http://schemas.microsoft.com/office/powerpoint/2010/main" val="4210194279"/>
               </p:ext>
             </p:extLst>
           </p:nvPr>
@@ -14031,7 +15736,15 @@
                       <a:pPr algn="ctr"/>
                       <a:r>
                         <a:rPr lang="en-US" sz="1200" dirty="0" smtClean="0"/>
-                        <a:t>The Six Principles of this course</a:t>
+                        <a:t>The Six Principles </a:t>
+                      </a:r>
+                      <a:r>
+                        <a:rPr lang="en-US" sz="1200" dirty="0" smtClean="0"/>
+                        <a:t>for</a:t>
+                      </a:r>
+                      <a:r>
+                        <a:rPr lang="en-US" sz="1200" baseline="0" dirty="0" smtClean="0"/>
+                        <a:t> Writing Beautiful Programs</a:t>
                       </a:r>
                       <a:endParaRPr lang="en-US" sz="1200" dirty="0"/>
                     </a:p>
@@ -14360,173 +16073,70 @@
           </a:graphicData>
         </a:graphic>
       </p:graphicFrame>
-      <p:graphicFrame>
-        <p:nvGraphicFramePr>
-          <p:cNvPr id="15" name="Content Placeholder 3"/>
-          <p:cNvGraphicFramePr>
-            <a:graphicFrameLocks noGrp="1"/>
-          </p:cNvGraphicFramePr>
-          <p:nvPr>
-            <p:ph idx="1"/>
-            <p:extLst>
-              <p:ext uri="{D42A27DB-BD31-4B8C-83A1-F6EECF244321}">
-                <p14:modId xmlns:p14="http://schemas.microsoft.com/office/powerpoint/2010/main" val="3927530689"/>
-              </p:ext>
-            </p:extLst>
-          </p:nvPr>
-        </p:nvGraphicFramePr>
-        <p:xfrm>
-          <a:off x="4673149" y="3522659"/>
-          <a:ext cx="3603963" cy="2103120"/>
-        </p:xfrm>
-        <a:graphic>
-          <a:graphicData uri="http://schemas.openxmlformats.org/drawingml/2006/table">
-            <a:tbl>
-              <a:tblPr firstRow="1" bandRow="1">
-                <a:tableStyleId>{5C22544A-7EE6-4342-B048-85BDC9FD1C3A}</a:tableStyleId>
-              </a:tblPr>
-              <a:tblGrid>
-                <a:gridCol w="3603963"/>
-              </a:tblGrid>
-              <a:tr h="236844">
-                <a:tc>
-                  <a:txBody>
-                    <a:bodyPr/>
-                    <a:lstStyle/>
-                    <a:p>
-                      <a:r>
-                        <a:rPr lang="en-US" sz="1200" dirty="0" smtClean="0"/>
-                        <a:t>Adding a New Feature to an Existing Program</a:t>
-                      </a:r>
-                      <a:endParaRPr lang="en-US" sz="1200" dirty="0"/>
-                    </a:p>
-                  </a:txBody>
-                  <a:tcPr/>
-                </a:tc>
-              </a:tr>
-              <a:tr h="236844">
-                <a:tc>
-                  <a:txBody>
-                    <a:bodyPr/>
-                    <a:lstStyle/>
-                    <a:p>
-                      <a:pPr marL="0" indent="0">
-                        <a:buNone/>
-                      </a:pPr>
-                      <a:r>
-                        <a:rPr lang="en-US" sz="1200" dirty="0" smtClean="0"/>
-                        <a:t>1. Perform</a:t>
-                      </a:r>
-                      <a:r>
-                        <a:rPr lang="en-US" sz="1200" baseline="0" dirty="0" smtClean="0"/>
-                        <a:t> information analysis for new feature</a:t>
-                      </a:r>
-                    </a:p>
-                  </a:txBody>
-                  <a:tcPr/>
-                </a:tc>
-              </a:tr>
-              <a:tr h="236844">
-                <a:tc>
-                  <a:txBody>
-                    <a:bodyPr/>
-                    <a:lstStyle/>
-                    <a:p>
-                      <a:r>
-                        <a:rPr lang="en-US" sz="1200" dirty="0" smtClean="0"/>
-                        <a:t>2. Modify data definitions</a:t>
-                      </a:r>
-                      <a:r>
-                        <a:rPr lang="en-US" sz="1200" baseline="0" dirty="0" smtClean="0"/>
-                        <a:t> as needed</a:t>
-                      </a:r>
-                      <a:endParaRPr lang="en-US" sz="1200" dirty="0"/>
-                    </a:p>
-                  </a:txBody>
-                  <a:tcPr/>
-                </a:tc>
-              </a:tr>
-              <a:tr h="236844">
-                <a:tc>
-                  <a:txBody>
-                    <a:bodyPr/>
-                    <a:lstStyle/>
-                    <a:p>
-                      <a:r>
-                        <a:rPr lang="en-US" sz="1200" dirty="0" smtClean="0"/>
-                        <a:t>3. Update existing functions to work with</a:t>
-                      </a:r>
-                      <a:r>
-                        <a:rPr lang="en-US" sz="1200" baseline="0" dirty="0" smtClean="0"/>
-                        <a:t> new data definitions</a:t>
-                      </a:r>
-                    </a:p>
-                  </a:txBody>
-                  <a:tcPr/>
-                </a:tc>
-              </a:tr>
-              <a:tr h="236844">
-                <a:tc>
-                  <a:txBody>
-                    <a:bodyPr/>
-                    <a:lstStyle/>
-                    <a:p>
-                      <a:r>
-                        <a:rPr lang="en-US" sz="1200" dirty="0" smtClean="0"/>
-                        <a:t>4. Write </a:t>
-                      </a:r>
-                      <a:r>
-                        <a:rPr lang="en-US" sz="1200" dirty="0" err="1" smtClean="0"/>
-                        <a:t>wishlist</a:t>
-                      </a:r>
-                      <a:r>
-                        <a:rPr lang="en-US" sz="1200" dirty="0" smtClean="0"/>
-                        <a:t> of functions for new feature</a:t>
-                      </a:r>
-                      <a:endParaRPr lang="en-US" sz="1200" dirty="0"/>
-                    </a:p>
-                  </a:txBody>
-                  <a:tcPr/>
-                </a:tc>
-              </a:tr>
-              <a:tr h="236844">
-                <a:tc>
-                  <a:txBody>
-                    <a:bodyPr/>
-                    <a:lstStyle/>
-                    <a:p>
-                      <a:r>
-                        <a:rPr lang="en-US" sz="1200" dirty="0" smtClean="0"/>
-                        <a:t>5. Design new functions following the Design</a:t>
-                      </a:r>
-                      <a:r>
-                        <a:rPr lang="en-US" sz="1200" baseline="0" dirty="0" smtClean="0"/>
-                        <a:t> Recipe</a:t>
-                      </a:r>
-                    </a:p>
-                  </a:txBody>
-                  <a:tcPr/>
-                </a:tc>
-              </a:tr>
-              <a:tr h="236844">
-                <a:tc>
-                  <a:txBody>
-                    <a:bodyPr/>
-                    <a:lstStyle/>
-                    <a:p>
-                      <a:r>
-                        <a:rPr lang="en-US" sz="1200" baseline="0" dirty="0" smtClean="0"/>
-                        <a:t>6. Repeat for the next new feature</a:t>
-                      </a:r>
-                    </a:p>
-                  </a:txBody>
-                  <a:tcPr/>
-                </a:tc>
-              </a:tr>
-            </a:tbl>
-          </a:graphicData>
-        </a:graphic>
-      </p:graphicFrame>
+      <p:sp>
+        <p:nvSpPr>
+          <p:cNvPr id="11" name="Rectangle 10"/>
+          <p:cNvSpPr/>
+          <p:nvPr/>
+        </p:nvSpPr>
+        <p:spPr>
+          <a:xfrm>
+            <a:off x="684325" y="4836833"/>
+            <a:ext cx="3162461" cy="916880"/>
+          </a:xfrm>
+          <a:prstGeom prst="rect">
+            <a:avLst/>
+          </a:prstGeom>
+          <a:solidFill>
+            <a:schemeClr val="accent3">
+              <a:lumMod val="40000"/>
+              <a:lumOff val="60000"/>
+            </a:schemeClr>
+          </a:solidFill>
+          <a:ln/>
+        </p:spPr>
+        <p:style>
+          <a:lnRef idx="2">
+            <a:schemeClr val="accent1"/>
+          </a:lnRef>
+          <a:fillRef idx="1">
+            <a:schemeClr val="lt1"/>
+          </a:fillRef>
+          <a:effectRef idx="0">
+            <a:schemeClr val="accent1"/>
+          </a:effectRef>
+          <a:fontRef idx="minor">
+            <a:schemeClr val="dk1"/>
+          </a:fontRef>
+        </p:style>
+        <p:txBody>
+          <a:bodyPr rot="0" spcFirstLastPara="0" vertOverflow="overflow" horzOverflow="overflow" vert="horz" wrap="square" lIns="91440" tIns="45720" rIns="91440" bIns="45720" numCol="1" spcCol="0" rtlCol="0" fromWordArt="0" anchor="t" anchorCtr="0" forceAA="0" compatLnSpc="1">
+            <a:prstTxWarp prst="textNoShape">
+              <a:avLst/>
+            </a:prstTxWarp>
+            <a:noAutofit/>
+          </a:bodyPr>
+          <a:lstStyle/>
+          <a:p>
+            <a:pPr>
+              <a:defRPr/>
+            </a:pPr>
+            <a:r>
+              <a:rPr lang="en-US" dirty="0" smtClean="0">
+                <a:solidFill>
+                  <a:schemeClr val="tx1"/>
+                </a:solidFill>
+              </a:rPr>
+              <a:t>This module is mostly about principle #5: “Design Systems Iteratively”</a:t>
+            </a:r>
+            <a:endParaRPr lang="en-US" dirty="0">
+              <a:solidFill>
+                <a:schemeClr val="tx1"/>
+              </a:solidFill>
+            </a:endParaRPr>
+          </a:p>
+        </p:txBody>
+      </p:sp>
     </p:spTree>
     <p:extLst>
       <p:ext uri="{BB962C8B-B14F-4D97-AF65-F5344CB8AC3E}">
@@ -14587,16 +16197,129 @@
           </a:p>
         </p:txBody>
       </p:sp>
+      <p:sp>
+        <p:nvSpPr>
+          <p:cNvPr id="3" name="Content Placeholder 2"/>
+          <p:cNvSpPr>
+            <a:spLocks noGrp="1"/>
+          </p:cNvSpPr>
+          <p:nvPr>
+            <p:ph idx="1"/>
+          </p:nvPr>
+        </p:nvSpPr>
+        <p:spPr/>
+        <p:txBody>
+          <a:bodyPr/>
+          <a:lstStyle/>
+          <a:p>
+            <a:r>
+              <a:rPr lang="en-US" dirty="0" smtClean="0"/>
+              <a:t>In building this system, we were actually following a recipe.</a:t>
+            </a:r>
+          </a:p>
+          <a:p>
+            <a:r>
+              <a:rPr lang="en-US" dirty="0" smtClean="0"/>
+              <a:t>This recipe is so widely usable that we give it a name: the </a:t>
+            </a:r>
+            <a:r>
+              <a:rPr lang="en-US" b="1" i="1" dirty="0" smtClean="0">
+                <a:solidFill>
+                  <a:srgbClr val="FF0000"/>
+                </a:solidFill>
+              </a:rPr>
+              <a:t>System Design Recipe</a:t>
+            </a:r>
+            <a:r>
+              <a:rPr lang="en-US" dirty="0" smtClean="0"/>
+              <a:t>.</a:t>
+            </a:r>
+          </a:p>
+          <a:p>
+            <a:r>
+              <a:rPr lang="en-US" dirty="0" smtClean="0"/>
+              <a:t>Here it is– you can see that it matches what we did.</a:t>
+            </a:r>
+            <a:endParaRPr lang="en-US" dirty="0"/>
+          </a:p>
+        </p:txBody>
+      </p:sp>
+      <p:sp>
+        <p:nvSpPr>
+          <p:cNvPr id="4" name="Slide Number Placeholder 3"/>
+          <p:cNvSpPr>
+            <a:spLocks noGrp="1"/>
+          </p:cNvSpPr>
+          <p:nvPr>
+            <p:ph type="sldNum" sz="quarter" idx="12"/>
+          </p:nvPr>
+        </p:nvSpPr>
+        <p:spPr/>
+        <p:txBody>
+          <a:bodyPr/>
+          <a:lstStyle/>
+          <a:p>
+            <a:fld id="{2AF3B5EA-18B6-4040-9F78-6052AF49C681}" type="slidenum">
+              <a:rPr lang="en-US" smtClean="0"/>
+              <a:t>40</a:t>
+            </a:fld>
+            <a:endParaRPr lang="en-US"/>
+          </a:p>
+        </p:txBody>
+      </p:sp>
+    </p:spTree>
+    <p:extLst>
+      <p:ext uri="{BB962C8B-B14F-4D97-AF65-F5344CB8AC3E}">
+        <p14:creationId xmlns:p14="http://schemas.microsoft.com/office/powerpoint/2010/main" val="2493857470"/>
+      </p:ext>
+    </p:extLst>
+  </p:cSld>
+  <p:clrMapOvr>
+    <a:masterClrMapping/>
+  </p:clrMapOvr>
+  <p:timing>
+    <p:tnLst>
+      <p:par>
+        <p:cTn id="1" dur="indefinite" restart="never" nodeType="tmRoot"/>
+      </p:par>
+    </p:tnLst>
+  </p:timing>
+</p:sld>
+</file>
+
+<file path=ppt/slides/slide41.xml><?xml version="1.0" encoding="utf-8"?>
+<p:sld xmlns:a="http://schemas.openxmlformats.org/drawingml/2006/main" xmlns:r="http://schemas.openxmlformats.org/officeDocument/2006/relationships" xmlns:p="http://schemas.openxmlformats.org/presentationml/2006/main">
+  <p:cSld>
+    <p:spTree>
+      <p:nvGrpSpPr>
+        <p:cNvPr id="1" name=""/>
+        <p:cNvGrpSpPr/>
+        <p:nvPr/>
+      </p:nvGrpSpPr>
+      <p:grpSpPr>
+        <a:xfrm>
+          <a:off x="0" y="0"/>
+          <a:ext cx="0" cy="0"/>
+          <a:chOff x="0" y="0"/>
+          <a:chExt cx="0" cy="0"/>
+        </a:xfrm>
+      </p:grpSpPr>
       <p:graphicFrame>
         <p:nvGraphicFramePr>
           <p:cNvPr id="6" name="Table 5"/>
           <p:cNvGraphicFramePr>
             <a:graphicFrameLocks noGrp="1"/>
           </p:cNvGraphicFramePr>
-          <p:nvPr/>
+          <p:nvPr>
+            <p:extLst>
+              <p:ext uri="{D42A27DB-BD31-4B8C-83A1-F6EECF244321}">
+                <p14:modId xmlns:p14="http://schemas.microsoft.com/office/powerpoint/2010/main" val="4005613870"/>
+              </p:ext>
+            </p:extLst>
+          </p:nvPr>
         </p:nvGraphicFramePr>
         <p:xfrm>
-          <a:off x="266700" y="1397000"/>
+          <a:off x="266700" y="1493520"/>
           <a:ext cx="8610600" cy="3870960"/>
         </p:xfrm>
         <a:graphic>
@@ -14777,195 +16500,35 @@
           </a:graphicData>
         </a:graphic>
       </p:graphicFrame>
+      <p:sp>
+        <p:nvSpPr>
+          <p:cNvPr id="3" name="Slide Number Placeholder 2"/>
+          <p:cNvSpPr>
+            <a:spLocks noGrp="1"/>
+          </p:cNvSpPr>
+          <p:nvPr>
+            <p:ph type="sldNum" sz="quarter" idx="12"/>
+          </p:nvPr>
+        </p:nvSpPr>
+        <p:spPr/>
+        <p:txBody>
+          <a:bodyPr/>
+          <a:lstStyle/>
+          <a:p>
+            <a:fld id="{2AF3B5EA-18B6-4040-9F78-6052AF49C681}" type="slidenum">
+              <a:rPr lang="en-US" smtClean="0"/>
+              <a:t>41</a:t>
+            </a:fld>
+            <a:endParaRPr lang="en-US"/>
+          </a:p>
+        </p:txBody>
+      </p:sp>
     </p:spTree>
     <p:extLst>
       <p:ext uri="{BB962C8B-B14F-4D97-AF65-F5344CB8AC3E}">
         <p14:creationId xmlns:p14="http://schemas.microsoft.com/office/powerpoint/2010/main" val="353716523"/>
       </p:ext>
     </p:extLst>
-  </p:cSld>
-  <p:clrMapOvr>
-    <a:masterClrMapping/>
-  </p:clrMapOvr>
-  <p:timing>
-    <p:tnLst>
-      <p:par>
-        <p:cTn id="1" dur="indefinite" restart="never" nodeType="tmRoot"/>
-      </p:par>
-    </p:tnLst>
-  </p:timing>
-</p:sld>
-</file>
-
-<file path=ppt/slides/slide41.xml><?xml version="1.0" encoding="utf-8"?>
-<p:sld xmlns:a="http://schemas.openxmlformats.org/drawingml/2006/main" xmlns:r="http://schemas.openxmlformats.org/officeDocument/2006/relationships" xmlns:p="http://schemas.openxmlformats.org/presentationml/2006/main">
-  <p:cSld>
-    <p:spTree>
-      <p:nvGrpSpPr>
-        <p:cNvPr id="1" name=""/>
-        <p:cNvGrpSpPr/>
-        <p:nvPr/>
-      </p:nvGrpSpPr>
-      <p:grpSpPr>
-        <a:xfrm>
-          <a:off x="0" y="0"/>
-          <a:ext cx="0" cy="0"/>
-          <a:chOff x="0" y="0"/>
-          <a:chExt cx="0" cy="0"/>
-        </a:xfrm>
-      </p:grpSpPr>
-      <p:sp>
-        <p:nvSpPr>
-          <p:cNvPr id="2" name="Title 1"/>
-          <p:cNvSpPr>
-            <a:spLocks noGrp="1"/>
-          </p:cNvSpPr>
-          <p:nvPr>
-            <p:ph type="title"/>
-          </p:nvPr>
-        </p:nvSpPr>
-        <p:spPr/>
-        <p:txBody>
-          <a:bodyPr/>
-          <a:lstStyle/>
-          <a:p>
-            <a:r>
-              <a:rPr lang="en-US" dirty="0" smtClean="0"/>
-              <a:t>Summary</a:t>
-            </a:r>
-            <a:endParaRPr lang="en-US" dirty="0"/>
-          </a:p>
-        </p:txBody>
-      </p:sp>
-      <p:sp>
-        <p:nvSpPr>
-          <p:cNvPr id="3" name="Content Placeholder 2"/>
-          <p:cNvSpPr>
-            <a:spLocks noGrp="1"/>
-          </p:cNvSpPr>
-          <p:nvPr>
-            <p:ph idx="1"/>
-          </p:nvPr>
-        </p:nvSpPr>
-        <p:spPr/>
-        <p:txBody>
-          <a:bodyPr>
-            <a:normAutofit fontScale="92500"/>
-          </a:bodyPr>
-          <a:lstStyle/>
-          <a:p>
-            <a:r>
-              <a:rPr lang="en-US" dirty="0" smtClean="0"/>
-              <a:t>The universe module provides a way of creating and running an interactive machine.</a:t>
-            </a:r>
-          </a:p>
-          <a:p>
-            <a:r>
-              <a:rPr lang="en-US" dirty="0" smtClean="0"/>
-              <a:t>Machine will have some </a:t>
-            </a:r>
-            <a:r>
-              <a:rPr lang="en-US" i="1" dirty="0" smtClean="0">
-                <a:solidFill>
-                  <a:srgbClr val="FF0000"/>
-                </a:solidFill>
-              </a:rPr>
-              <a:t>state.</a:t>
-            </a:r>
-          </a:p>
-          <a:p>
-            <a:r>
-              <a:rPr lang="en-US" dirty="0" smtClean="0"/>
-              <a:t>Machine can respond to </a:t>
-            </a:r>
-            <a:r>
-              <a:rPr lang="en-US" i="1" dirty="0" smtClean="0">
-                <a:solidFill>
-                  <a:srgbClr val="FF0000"/>
-                </a:solidFill>
-              </a:rPr>
-              <a:t>inputs</a:t>
-            </a:r>
-            <a:r>
-              <a:rPr lang="en-US" dirty="0" smtClean="0">
-                <a:solidFill>
-                  <a:srgbClr val="FF0000"/>
-                </a:solidFill>
-              </a:rPr>
-              <a:t>.</a:t>
-            </a:r>
-          </a:p>
-          <a:p>
-            <a:r>
-              <a:rPr lang="en-US" dirty="0" smtClean="0"/>
-              <a:t>Response to input is described as a </a:t>
-            </a:r>
-            <a:r>
-              <a:rPr lang="en-US" i="1" dirty="0" smtClean="0">
-                <a:solidFill>
-                  <a:srgbClr val="FF0000"/>
-                </a:solidFill>
-              </a:rPr>
-              <a:t>function</a:t>
-            </a:r>
-            <a:r>
-              <a:rPr lang="en-US" dirty="0" smtClean="0"/>
-              <a:t>.</a:t>
-            </a:r>
-            <a:endParaRPr lang="en-US" dirty="0" smtClean="0">
-              <a:solidFill>
-                <a:srgbClr val="FF0000"/>
-              </a:solidFill>
-            </a:endParaRPr>
-          </a:p>
-          <a:p>
-            <a:r>
-              <a:rPr lang="en-US" dirty="0" smtClean="0"/>
-              <a:t>Machine can show its state as a </a:t>
-            </a:r>
-            <a:r>
-              <a:rPr lang="en-US" i="1" dirty="0" smtClean="0">
-                <a:solidFill>
-                  <a:srgbClr val="FF0000"/>
-                </a:solidFill>
-              </a:rPr>
-              <a:t>scene.</a:t>
-            </a:r>
-          </a:p>
-          <a:p>
-            <a:r>
-              <a:rPr lang="en-US" dirty="0" smtClean="0"/>
-              <a:t>We use this to create interactive animations.</a:t>
-            </a:r>
-          </a:p>
-          <a:p>
-            <a:r>
-              <a:rPr lang="en-US" dirty="0" smtClean="0"/>
-              <a:t>We built a system, using the </a:t>
-            </a:r>
-            <a:r>
-              <a:rPr lang="en-US" i="1" dirty="0" smtClean="0">
-                <a:solidFill>
-                  <a:srgbClr val="FF0000"/>
-                </a:solidFill>
-              </a:rPr>
-              <a:t>system design recipe</a:t>
-            </a:r>
-            <a:r>
-              <a:rPr lang="en-US" dirty="0" smtClean="0"/>
-              <a:t>. </a:t>
-            </a:r>
-          </a:p>
-          <a:p>
-            <a:endParaRPr lang="en-US" dirty="0" smtClean="0"/>
-          </a:p>
-          <a:p>
-            <a:pPr lvl="1"/>
-            <a:endParaRPr lang="en-US" dirty="0"/>
-          </a:p>
-        </p:txBody>
-      </p:sp>
-    </p:spTree>
   </p:cSld>
   <p:clrMapOvr>
     <a:masterClrMapping/>
@@ -15014,6 +16577,212 @@
           <a:p>
             <a:r>
               <a:rPr lang="en-US" dirty="0" smtClean="0"/>
+              <a:t>Summary</a:t>
+            </a:r>
+            <a:endParaRPr lang="en-US" dirty="0"/>
+          </a:p>
+        </p:txBody>
+      </p:sp>
+      <p:sp>
+        <p:nvSpPr>
+          <p:cNvPr id="3" name="Content Placeholder 2"/>
+          <p:cNvSpPr>
+            <a:spLocks noGrp="1"/>
+          </p:cNvSpPr>
+          <p:nvPr>
+            <p:ph idx="1"/>
+          </p:nvPr>
+        </p:nvSpPr>
+        <p:spPr/>
+        <p:txBody>
+          <a:bodyPr>
+            <a:normAutofit fontScale="92500"/>
+          </a:bodyPr>
+          <a:lstStyle/>
+          <a:p>
+            <a:r>
+              <a:rPr lang="en-US" dirty="0" smtClean="0"/>
+              <a:t>The universe module provides a way of creating and running an interactive machine.</a:t>
+            </a:r>
+          </a:p>
+          <a:p>
+            <a:r>
+              <a:rPr lang="en-US" dirty="0" smtClean="0"/>
+              <a:t>Machine will have some </a:t>
+            </a:r>
+            <a:r>
+              <a:rPr lang="en-US" i="1" dirty="0" smtClean="0">
+                <a:solidFill>
+                  <a:srgbClr val="FF0000"/>
+                </a:solidFill>
+              </a:rPr>
+              <a:t>state.</a:t>
+            </a:r>
+          </a:p>
+          <a:p>
+            <a:r>
+              <a:rPr lang="en-US" dirty="0" smtClean="0"/>
+              <a:t>Machine can respond to </a:t>
+            </a:r>
+            <a:r>
+              <a:rPr lang="en-US" i="1" dirty="0" smtClean="0">
+                <a:solidFill>
+                  <a:srgbClr val="FF0000"/>
+                </a:solidFill>
+              </a:rPr>
+              <a:t>inputs</a:t>
+            </a:r>
+            <a:r>
+              <a:rPr lang="en-US" dirty="0" smtClean="0">
+                <a:solidFill>
+                  <a:srgbClr val="FF0000"/>
+                </a:solidFill>
+              </a:rPr>
+              <a:t>.</a:t>
+            </a:r>
+          </a:p>
+          <a:p>
+            <a:r>
+              <a:rPr lang="en-US" dirty="0" smtClean="0"/>
+              <a:t>Response to input is described as a </a:t>
+            </a:r>
+            <a:r>
+              <a:rPr lang="en-US" i="1" dirty="0" smtClean="0">
+                <a:solidFill>
+                  <a:srgbClr val="FF0000"/>
+                </a:solidFill>
+              </a:rPr>
+              <a:t>function</a:t>
+            </a:r>
+            <a:r>
+              <a:rPr lang="en-US" dirty="0" smtClean="0"/>
+              <a:t>.</a:t>
+            </a:r>
+            <a:endParaRPr lang="en-US" dirty="0" smtClean="0">
+              <a:solidFill>
+                <a:srgbClr val="FF0000"/>
+              </a:solidFill>
+            </a:endParaRPr>
+          </a:p>
+          <a:p>
+            <a:r>
+              <a:rPr lang="en-US" dirty="0" smtClean="0"/>
+              <a:t>Machine can show its state as a </a:t>
+            </a:r>
+            <a:r>
+              <a:rPr lang="en-US" i="1" dirty="0" smtClean="0">
+                <a:solidFill>
+                  <a:srgbClr val="FF0000"/>
+                </a:solidFill>
+              </a:rPr>
+              <a:t>scene.</a:t>
+            </a:r>
+          </a:p>
+          <a:p>
+            <a:r>
+              <a:rPr lang="en-US" dirty="0" smtClean="0"/>
+              <a:t>We use this to create interactive animations.</a:t>
+            </a:r>
+          </a:p>
+          <a:p>
+            <a:r>
+              <a:rPr lang="en-US" dirty="0" smtClean="0"/>
+              <a:t>We built a system, using the </a:t>
+            </a:r>
+            <a:r>
+              <a:rPr lang="en-US" i="1" dirty="0" smtClean="0">
+                <a:solidFill>
+                  <a:srgbClr val="FF0000"/>
+                </a:solidFill>
+              </a:rPr>
+              <a:t>system design recipe</a:t>
+            </a:r>
+            <a:r>
+              <a:rPr lang="en-US" dirty="0" smtClean="0"/>
+              <a:t>. </a:t>
+            </a:r>
+          </a:p>
+          <a:p>
+            <a:endParaRPr lang="en-US" dirty="0" smtClean="0"/>
+          </a:p>
+          <a:p>
+            <a:pPr lvl="1"/>
+            <a:endParaRPr lang="en-US" dirty="0"/>
+          </a:p>
+        </p:txBody>
+      </p:sp>
+      <p:sp>
+        <p:nvSpPr>
+          <p:cNvPr id="4" name="Slide Number Placeholder 3"/>
+          <p:cNvSpPr>
+            <a:spLocks noGrp="1"/>
+          </p:cNvSpPr>
+          <p:nvPr>
+            <p:ph type="sldNum" sz="quarter" idx="12"/>
+          </p:nvPr>
+        </p:nvSpPr>
+        <p:spPr/>
+        <p:txBody>
+          <a:bodyPr/>
+          <a:lstStyle/>
+          <a:p>
+            <a:fld id="{2AF3B5EA-18B6-4040-9F78-6052AF49C681}" type="slidenum">
+              <a:rPr lang="en-US" smtClean="0"/>
+              <a:t>42</a:t>
+            </a:fld>
+            <a:endParaRPr lang="en-US"/>
+          </a:p>
+        </p:txBody>
+      </p:sp>
+    </p:spTree>
+  </p:cSld>
+  <p:clrMapOvr>
+    <a:masterClrMapping/>
+  </p:clrMapOvr>
+  <p:timing>
+    <p:tnLst>
+      <p:par>
+        <p:cTn id="1" dur="indefinite" restart="never" nodeType="tmRoot"/>
+      </p:par>
+    </p:tnLst>
+  </p:timing>
+</p:sld>
+</file>
+
+<file path=ppt/slides/slide43.xml><?xml version="1.0" encoding="utf-8"?>
+<p:sld xmlns:a="http://schemas.openxmlformats.org/drawingml/2006/main" xmlns:r="http://schemas.openxmlformats.org/officeDocument/2006/relationships" xmlns:p="http://schemas.openxmlformats.org/presentationml/2006/main">
+  <p:cSld>
+    <p:spTree>
+      <p:nvGrpSpPr>
+        <p:cNvPr id="1" name=""/>
+        <p:cNvGrpSpPr/>
+        <p:nvPr/>
+      </p:nvGrpSpPr>
+      <p:grpSpPr>
+        <a:xfrm>
+          <a:off x="0" y="0"/>
+          <a:ext cx="0" cy="0"/>
+          <a:chOff x="0" y="0"/>
+          <a:chExt cx="0" cy="0"/>
+        </a:xfrm>
+      </p:grpSpPr>
+      <p:sp>
+        <p:nvSpPr>
+          <p:cNvPr id="2" name="Title 1"/>
+          <p:cNvSpPr>
+            <a:spLocks noGrp="1"/>
+          </p:cNvSpPr>
+          <p:nvPr>
+            <p:ph type="title"/>
+          </p:nvPr>
+        </p:nvSpPr>
+        <p:spPr/>
+        <p:txBody>
+          <a:bodyPr/>
+          <a:lstStyle/>
+          <a:p>
+            <a:r>
+              <a:rPr lang="en-US" dirty="0" smtClean="0"/>
               <a:t>Next Steps</a:t>
             </a:r>
             <a:endParaRPr lang="en-US" dirty="0"/>
@@ -15058,6 +16827,29 @@
               <a:t>Go on to the next lesson</a:t>
             </a:r>
             <a:endParaRPr lang="en-US" dirty="0"/>
+          </a:p>
+        </p:txBody>
+      </p:sp>
+      <p:sp>
+        <p:nvSpPr>
+          <p:cNvPr id="4" name="Slide Number Placeholder 3"/>
+          <p:cNvSpPr>
+            <a:spLocks noGrp="1"/>
+          </p:cNvSpPr>
+          <p:nvPr>
+            <p:ph type="sldNum" sz="quarter" idx="12"/>
+          </p:nvPr>
+        </p:nvSpPr>
+        <p:spPr/>
+        <p:txBody>
+          <a:bodyPr/>
+          <a:lstStyle/>
+          <a:p>
+            <a:fld id="{2AF3B5EA-18B6-4040-9F78-6052AF49C681}" type="slidenum">
+              <a:rPr lang="en-US" smtClean="0"/>
+              <a:t>43</a:t>
+            </a:fld>
+            <a:endParaRPr lang="en-US"/>
           </a:p>
         </p:txBody>
       </p:sp>
@@ -15216,6 +17008,29 @@
           </a:p>
         </p:txBody>
       </p:sp>
+      <p:sp>
+        <p:nvSpPr>
+          <p:cNvPr id="4" name="Slide Number Placeholder 3"/>
+          <p:cNvSpPr>
+            <a:spLocks noGrp="1"/>
+          </p:cNvSpPr>
+          <p:nvPr>
+            <p:ph type="sldNum" sz="quarter" idx="12"/>
+          </p:nvPr>
+        </p:nvSpPr>
+        <p:spPr/>
+        <p:txBody>
+          <a:bodyPr/>
+          <a:lstStyle/>
+          <a:p>
+            <a:fld id="{2AF3B5EA-18B6-4040-9F78-6052AF49C681}" type="slidenum">
+              <a:rPr lang="en-US" smtClean="0"/>
+              <a:t>5</a:t>
+            </a:fld>
+            <a:endParaRPr lang="en-US"/>
+          </a:p>
+        </p:txBody>
+      </p:sp>
     </p:spTree>
     <p:extLst>
       <p:ext uri="{BB962C8B-B14F-4D97-AF65-F5344CB8AC3E}">
@@ -15385,6 +17200,29 @@
           </a:p>
         </p:txBody>
       </p:sp>
+      <p:sp>
+        <p:nvSpPr>
+          <p:cNvPr id="4" name="Slide Number Placeholder 3"/>
+          <p:cNvSpPr>
+            <a:spLocks noGrp="1"/>
+          </p:cNvSpPr>
+          <p:nvPr>
+            <p:ph type="sldNum" sz="quarter" idx="12"/>
+          </p:nvPr>
+        </p:nvSpPr>
+        <p:spPr/>
+        <p:txBody>
+          <a:bodyPr/>
+          <a:lstStyle/>
+          <a:p>
+            <a:fld id="{2AF3B5EA-18B6-4040-9F78-6052AF49C681}" type="slidenum">
+              <a:rPr lang="en-US" smtClean="0"/>
+              <a:t>6</a:t>
+            </a:fld>
+            <a:endParaRPr lang="en-US"/>
+          </a:p>
+        </p:txBody>
+      </p:sp>
     </p:spTree>
   </p:cSld>
   <p:clrMapOvr>
@@ -15495,6 +17333,29 @@
           </a:p>
           <a:p>
             <a:endParaRPr lang="en-US" dirty="0"/>
+          </a:p>
+        </p:txBody>
+      </p:sp>
+      <p:sp>
+        <p:nvSpPr>
+          <p:cNvPr id="4" name="Slide Number Placeholder 3"/>
+          <p:cNvSpPr>
+            <a:spLocks noGrp="1"/>
+          </p:cNvSpPr>
+          <p:nvPr>
+            <p:ph type="sldNum" sz="quarter" idx="12"/>
+          </p:nvPr>
+        </p:nvSpPr>
+        <p:spPr/>
+        <p:txBody>
+          <a:bodyPr/>
+          <a:lstStyle/>
+          <a:p>
+            <a:fld id="{2AF3B5EA-18B6-4040-9F78-6052AF49C681}" type="slidenum">
+              <a:rPr lang="en-US" smtClean="0"/>
+              <a:t>7</a:t>
+            </a:fld>
+            <a:endParaRPr lang="en-US"/>
           </a:p>
         </p:txBody>
       </p:sp>
@@ -15658,6 +17519,29 @@
           <a:noFill/>
         </p:spPr>
       </p:pic>
+      <p:sp>
+        <p:nvSpPr>
+          <p:cNvPr id="4" name="Slide Number Placeholder 3"/>
+          <p:cNvSpPr>
+            <a:spLocks noGrp="1"/>
+          </p:cNvSpPr>
+          <p:nvPr>
+            <p:ph type="sldNum" sz="quarter" idx="12"/>
+          </p:nvPr>
+        </p:nvSpPr>
+        <p:spPr/>
+        <p:txBody>
+          <a:bodyPr/>
+          <a:lstStyle/>
+          <a:p>
+            <a:fld id="{2AF3B5EA-18B6-4040-9F78-6052AF49C681}" type="slidenum">
+              <a:rPr lang="en-US" smtClean="0"/>
+              <a:t>8</a:t>
+            </a:fld>
+            <a:endParaRPr lang="en-US"/>
+          </a:p>
+        </p:txBody>
+      </p:sp>
     </p:spTree>
     <p:extLst>
       <p:ext uri="{BB962C8B-B14F-4D97-AF65-F5344CB8AC3E}">
@@ -15809,6 +17693,29 @@
           </a:p>
         </p:txBody>
       </p:sp>
+      <p:sp>
+        <p:nvSpPr>
+          <p:cNvPr id="4" name="Slide Number Placeholder 3"/>
+          <p:cNvSpPr>
+            <a:spLocks noGrp="1"/>
+          </p:cNvSpPr>
+          <p:nvPr>
+            <p:ph type="sldNum" sz="quarter" idx="12"/>
+          </p:nvPr>
+        </p:nvSpPr>
+        <p:spPr/>
+        <p:txBody>
+          <a:bodyPr/>
+          <a:lstStyle/>
+          <a:p>
+            <a:fld id="{2AF3B5EA-18B6-4040-9F78-6052AF49C681}" type="slidenum">
+              <a:rPr lang="en-US" smtClean="0"/>
+              <a:t>9</a:t>
+            </a:fld>
+            <a:endParaRPr lang="en-US"/>
+          </a:p>
+        </p:txBody>
+      </p:sp>
     </p:spTree>
   </p:cSld>
   <p:clrMapOvr>
@@ -15838,7 +17745,7 @@
 </file>
 
 <file path=ppt/theme/theme1.xml><?xml version="1.0" encoding="utf-8"?>
-<a:theme xmlns:a="http://schemas.openxmlformats.org/drawingml/2006/main" name="Office Theme">
+<a:theme xmlns:a="http://schemas.openxmlformats.org/drawingml/2006/main" name="1_Office Theme">
   <a:themeElements>
     <a:clrScheme name="Office">
       <a:dk1>
@@ -15912,6 +17819,7 @@
         <a:font script="Mong" typeface="Mongolian Baiti"/>
         <a:font script="Viet" typeface="Times New Roman"/>
         <a:font script="Uigh" typeface="Microsoft Uighur"/>
+        <a:font script="Geor" typeface="Sylfaen"/>
       </a:majorFont>
       <a:minorFont>
         <a:latin typeface="Calibri"/>
@@ -15946,6 +17854,7 @@
         <a:font script="Mong" typeface="Mongolian Baiti"/>
         <a:font script="Viet" typeface="Arial"/>
         <a:font script="Uigh" typeface="Microsoft Uighur"/>
+        <a:font script="Geor" typeface="Sylfaen"/>
       </a:minorFont>
     </a:fontScheme>
     <a:fmtScheme name="Office">
@@ -16118,40 +18027,23 @@
   <a:objectDefaults>
     <a:spDef>
       <a:spPr>
-        <a:gradFill flip="none" rotWithShape="1">
-          <a:gsLst>
-            <a:gs pos="0">
-              <a:schemeClr val="tx2">
-                <a:tint val="66000"/>
-                <a:satMod val="160000"/>
-              </a:schemeClr>
-            </a:gs>
-            <a:gs pos="50000">
-              <a:schemeClr val="tx2">
-                <a:tint val="44500"/>
-                <a:satMod val="160000"/>
-              </a:schemeClr>
-            </a:gs>
-            <a:gs pos="100000">
-              <a:schemeClr val="tx2">
-                <a:tint val="23500"/>
-                <a:satMod val="160000"/>
-              </a:schemeClr>
-            </a:gs>
-          </a:gsLst>
-          <a:lin ang="5400000" scaled="1"/>
-          <a:tileRect/>
-        </a:gradFill>
-        <a:ln w="12700">
-          <a:solidFill>
-            <a:schemeClr val="tx1"/>
-          </a:solidFill>
-        </a:ln>
+        <a:solidFill>
+          <a:schemeClr val="accent3">
+            <a:lumMod val="40000"/>
+            <a:lumOff val="60000"/>
+          </a:schemeClr>
+        </a:solidFill>
+        <a:ln/>
       </a:spPr>
-      <a:bodyPr rtlCol="0" anchor="ctr"/>
+      <a:bodyPr rot="0" spcFirstLastPara="0" vertOverflow="overflow" horzOverflow="overflow" vert="horz" wrap="square" lIns="91440" tIns="45720" rIns="91440" bIns="45720" numCol="1" spcCol="0" rtlCol="0" fromWordArt="0" anchor="ctr" anchorCtr="0" forceAA="0" compatLnSpc="1">
+        <a:prstTxWarp prst="textNoShape">
+          <a:avLst/>
+        </a:prstTxWarp>
+        <a:noAutofit/>
+      </a:bodyPr>
       <a:lstStyle>
         <a:defPPr>
-          <a:defRPr dirty="0" smtClean="0">
+          <a:defRPr dirty="0">
             <a:solidFill>
               <a:schemeClr val="tx1"/>
             </a:solidFill>
@@ -16160,47 +18052,19 @@
       </a:lstStyle>
       <a:style>
         <a:lnRef idx="2">
-          <a:schemeClr val="accent1">
-            <a:shade val="50000"/>
-          </a:schemeClr>
+          <a:schemeClr val="accent1"/>
         </a:lnRef>
         <a:fillRef idx="1">
-          <a:schemeClr val="accent1"/>
+          <a:schemeClr val="lt1"/>
         </a:fillRef>
         <a:effectRef idx="0">
           <a:schemeClr val="accent1"/>
         </a:effectRef>
         <a:fontRef idx="minor">
-          <a:schemeClr val="lt1"/>
+          <a:schemeClr val="dk1"/>
         </a:fontRef>
       </a:style>
     </a:spDef>
-    <a:lnDef>
-      <a:spPr>
-        <a:ln w="12700">
-          <a:solidFill>
-            <a:schemeClr val="tx1"/>
-          </a:solidFill>
-          <a:tailEnd type="stealth" w="lg" len="lg"/>
-        </a:ln>
-      </a:spPr>
-      <a:bodyPr/>
-      <a:lstStyle/>
-      <a:style>
-        <a:lnRef idx="1">
-          <a:schemeClr val="accent1"/>
-        </a:lnRef>
-        <a:fillRef idx="0">
-          <a:schemeClr val="accent1"/>
-        </a:fillRef>
-        <a:effectRef idx="0">
-          <a:schemeClr val="accent1"/>
-        </a:effectRef>
-        <a:fontRef idx="minor">
-          <a:schemeClr val="tx1"/>
-        </a:fontRef>
-      </a:style>
-    </a:lnDef>
   </a:objectDefaults>
   <a:extraClrSchemeLst/>
 </a:theme>

--- a/Slides/Lesson 3.1 Introduction to Universe Programs.pptx
+++ b/Slides/Lesson 3.1 Introduction to Universe Programs.pptx
@@ -260,7 +260,7 @@
             <a:fld id="{CF8F25F6-E1EF-4065-8525-42EDEBD9BD22}" type="datetimeFigureOut">
               <a:rPr lang="en-US" smtClean="0"/>
               <a:pPr/>
-              <a:t>8/19/2015</a:t>
+              <a:t>8/20/2015</a:t>
             </a:fld>
             <a:endParaRPr lang="en-US"/>
           </a:p>
@@ -1263,7 +1263,7 @@
           <a:p>
             <a:fld id="{A63C2178-8CCA-4041-9770-46941EE52DB5}" type="datetime1">
               <a:rPr lang="en-US" smtClean="0"/>
-              <a:t>8/19/2015</a:t>
+              <a:t>8/20/2015</a:t>
             </a:fld>
             <a:endParaRPr lang="en-US"/>
           </a:p>
@@ -1365,7 +1365,7 @@
           <a:p>
             <a:fld id="{0C161806-E715-468D-BE16-87701E4DEEBC}" type="datetime1">
               <a:rPr lang="en-US" smtClean="0"/>
-              <a:t>8/19/2015</a:t>
+              <a:t>8/20/2015</a:t>
             </a:fld>
             <a:endParaRPr lang="en-US"/>
           </a:p>
@@ -1642,7 +1642,7 @@
           <a:p>
             <a:fld id="{A9D8D303-42C4-427F-ABF7-AEFFFE32ED17}" type="datetime1">
               <a:rPr lang="en-US" smtClean="0"/>
-              <a:t>8/19/2015</a:t>
+              <a:t>8/20/2015</a:t>
             </a:fld>
             <a:endParaRPr lang="en-US"/>
           </a:p>
@@ -1895,7 +1895,7 @@
           <a:p>
             <a:fld id="{8881F7A1-287F-44F2-B7D9-DD795EA52044}" type="datetime1">
               <a:rPr lang="en-US" smtClean="0"/>
-              <a:t>8/19/2015</a:t>
+              <a:t>8/20/2015</a:t>
             </a:fld>
             <a:endParaRPr lang="en-US"/>
           </a:p>
@@ -2065,7 +2065,7 @@
           <a:p>
             <a:fld id="{83474B67-F4E7-4DFB-B423-D87208E8E4B0}" type="datetime1">
               <a:rPr lang="en-US" smtClean="0"/>
-              <a:t>8/19/2015</a:t>
+              <a:t>8/20/2015</a:t>
             </a:fld>
             <a:endParaRPr lang="en-US"/>
           </a:p>
@@ -2245,7 +2245,7 @@
           <a:p>
             <a:fld id="{F60F46CE-91A9-441B-A2C8-FCB5990C0EDE}" type="datetime1">
               <a:rPr lang="en-US" smtClean="0"/>
-              <a:t>8/19/2015</a:t>
+              <a:t>8/20/2015</a:t>
             </a:fld>
             <a:endParaRPr lang="en-US"/>
           </a:p>
@@ -2421,7 +2421,7 @@
           <a:p>
             <a:fld id="{B3DFFEBE-01B4-41A8-9B95-B3B902B856D2}" type="datetime1">
               <a:rPr lang="en-US" smtClean="0"/>
-              <a:t>8/19/2015</a:t>
+              <a:t>8/20/2015</a:t>
             </a:fld>
             <a:endParaRPr lang="en-US"/>
           </a:p>
@@ -2603,7 +2603,7 @@
           <a:p>
             <a:fld id="{2A6D6241-06C8-44C3-8021-44489836A6EB}" type="datetime1">
               <a:rPr lang="en-US" smtClean="0"/>
-              <a:t>8/19/2015</a:t>
+              <a:t>8/20/2015</a:t>
             </a:fld>
             <a:endParaRPr lang="en-US"/>
           </a:p>
@@ -2875,7 +2875,7 @@
           <a:p>
             <a:fld id="{CD473BB5-DF40-4CF2-8CE7-6D226E43FF1C}" type="datetime1">
               <a:rPr lang="en-US" smtClean="0"/>
-              <a:t>8/19/2015</a:t>
+              <a:t>8/20/2015</a:t>
             </a:fld>
             <a:endParaRPr lang="en-US"/>
           </a:p>
@@ -3060,7 +3060,7 @@
           <a:p>
             <a:fld id="{F70727AD-60D7-4449-BD5C-671E0F9D77F5}" type="datetime1">
               <a:rPr lang="en-US" smtClean="0"/>
-              <a:t>8/19/2015</a:t>
+              <a:t>8/20/2015</a:t>
             </a:fld>
             <a:endParaRPr lang="en-US"/>
           </a:p>
@@ -3362,7 +3362,7 @@
           <a:p>
             <a:fld id="{D3E92E5D-74F7-4353-A80A-F4D05623AC96}" type="datetime1">
               <a:rPr lang="en-US" smtClean="0"/>
-              <a:t>8/19/2015</a:t>
+              <a:t>8/20/2015</a:t>
             </a:fld>
             <a:endParaRPr lang="en-US"/>
           </a:p>
@@ -3650,7 +3650,7 @@
           <a:p>
             <a:fld id="{6543AFF9-3E5C-4F69-80D4-8BC6FD57BFEF}" type="datetime1">
               <a:rPr lang="en-US" smtClean="0"/>
-              <a:t>8/19/2015</a:t>
+              <a:t>8/20/2015</a:t>
             </a:fld>
             <a:endParaRPr lang="en-US"/>
           </a:p>
@@ -4072,7 +4072,7 @@
           <a:p>
             <a:fld id="{806389F3-E267-4166-96D5-E1B928433BFE}" type="datetime1">
               <a:rPr lang="en-US" smtClean="0"/>
-              <a:t>8/19/2015</a:t>
+              <a:t>8/20/2015</a:t>
             </a:fld>
             <a:endParaRPr lang="en-US"/>
           </a:p>
@@ -4190,7 +4190,7 @@
           <a:p>
             <a:fld id="{1FD6636A-1E59-4641-9B3B-6A1B810E8AEE}" type="datetime1">
               <a:rPr lang="en-US" smtClean="0"/>
-              <a:t>8/19/2015</a:t>
+              <a:t>8/20/2015</a:t>
             </a:fld>
             <a:endParaRPr lang="en-US"/>
           </a:p>
@@ -4422,7 +4422,7 @@
           <a:p>
             <a:fld id="{925A3613-5E0B-4B6E-BE51-1FA4AA29D085}" type="datetime1">
               <a:rPr lang="en-US" smtClean="0"/>
-              <a:t>8/19/2015</a:t>
+              <a:t>8/20/2015</a:t>
             </a:fld>
             <a:endParaRPr lang="en-US"/>
           </a:p>
@@ -7978,21 +7978,8 @@
                   <a:schemeClr val="tx1"/>
                 </a:solidFill>
               </a:rPr>
-              <a:t>Here we’ve just written out the function because it was so </a:t>
-            </a:r>
-            <a:r>
-              <a:rPr lang="en-US" dirty="0" smtClean="0">
-                <a:solidFill>
-                  <a:schemeClr val="tx1"/>
-                </a:solidFill>
-              </a:rPr>
-              <a:t>simple.  If it were any more complicated, we might break it up into pieces, as on the next slide.</a:t>
-            </a:r>
-            <a:endParaRPr lang="en-US" dirty="0" smtClean="0">
-              <a:solidFill>
-                <a:schemeClr val="tx1"/>
-              </a:solidFill>
-            </a:endParaRPr>
+              <a:t>Here we’ve just written out the function because it was so simple.  If it were any more complicated, we might break it up into pieces, as on the next slide.</a:t>
+            </a:r>
           </a:p>
         </p:txBody>
       </p:sp>
@@ -8083,11 +8070,6 @@
               </a:rPr>
               <a:t>You don’t have to be so detailed.  </a:t>
             </a:r>
-            <a:endParaRPr lang="en-US" dirty="0" smtClean="0">
-              <a:solidFill>
-                <a:schemeClr val="tx1"/>
-              </a:solidFill>
-            </a:endParaRPr>
           </a:p>
         </p:txBody>
       </p:sp>
@@ -8340,11 +8322,6 @@
               </a:rPr>
               <a:t>Here we’ve broken the definition into pieces.  If either of the pieces is complicated, this would be better code than what we saw on the preceding slide.</a:t>
             </a:r>
-            <a:endParaRPr lang="en-US" dirty="0" smtClean="0">
-              <a:solidFill>
-                <a:schemeClr val="tx1"/>
-              </a:solidFill>
-            </a:endParaRPr>
           </a:p>
         </p:txBody>
       </p:sp>
@@ -9517,10 +9494,6 @@
               </a:rPr>
               <a:t>;; for world-after-key-event, we have 4 </a:t>
             </a:r>
-            <a:endParaRPr lang="en-US" sz="2400" b="1" dirty="0" smtClean="0">
-              <a:latin typeface="Consolas" pitchFamily="49" charset="0"/>
-              <a:cs typeface="Consolas" pitchFamily="49" charset="0"/>
-            </a:endParaRPr>
           </a:p>
           <a:p>
             <a:pPr>
@@ -9534,21 +9507,7 @@
                 <a:latin typeface="Consolas" pitchFamily="49" charset="0"/>
                 <a:cs typeface="Consolas" pitchFamily="49" charset="0"/>
               </a:rPr>
-              <a:t>;; </a:t>
-            </a:r>
-            <a:r>
-              <a:rPr lang="en-US" sz="2400" b="1" dirty="0" smtClean="0">
-                <a:latin typeface="Consolas" pitchFamily="49" charset="0"/>
-                <a:cs typeface="Consolas" pitchFamily="49" charset="0"/>
-              </a:rPr>
-              <a:t>equivalence </a:t>
-            </a:r>
-            <a:r>
-              <a:rPr lang="en-US" sz="2400" b="1" dirty="0" smtClean="0">
-                <a:latin typeface="Consolas" pitchFamily="49" charset="0"/>
-                <a:cs typeface="Consolas" pitchFamily="49" charset="0"/>
-              </a:rPr>
-              <a:t>classes: all combinations of: </a:t>
+              <a:t>;; equivalence classes: all combinations of: </a:t>
             </a:r>
           </a:p>
           <a:p>
@@ -9592,14 +9551,7 @@
                 <a:latin typeface="Consolas" pitchFamily="49" charset="0"/>
                 <a:cs typeface="Consolas" pitchFamily="49" charset="0"/>
               </a:rPr>
-              <a:t>;; and a "pause" key event and a "non-pause" </a:t>
-            </a:r>
-            <a:r>
-              <a:rPr lang="en-US" sz="2400" b="1" dirty="0" smtClean="0">
-                <a:latin typeface="Consolas" pitchFamily="49" charset="0"/>
-                <a:cs typeface="Consolas" pitchFamily="49" charset="0"/>
-              </a:rPr>
-              <a:t>key</a:t>
+              <a:t>;; and a "pause" key event and a "non-pause" key</a:t>
             </a:r>
           </a:p>
           <a:p>
@@ -9614,21 +9566,7 @@
                 <a:latin typeface="Consolas" pitchFamily="49" charset="0"/>
                 <a:cs typeface="Consolas" pitchFamily="49" charset="0"/>
               </a:rPr>
-              <a:t>;;</a:t>
-            </a:r>
-            <a:r>
-              <a:rPr lang="en-US" sz="2400" b="1" dirty="0" smtClean="0">
-                <a:latin typeface="Consolas" pitchFamily="49" charset="0"/>
-                <a:cs typeface="Consolas" pitchFamily="49" charset="0"/>
-              </a:rPr>
-              <a:t> </a:t>
-            </a:r>
-            <a:r>
-              <a:rPr lang="en-US" sz="2400" b="1" dirty="0" smtClean="0">
-                <a:latin typeface="Consolas" pitchFamily="49" charset="0"/>
-                <a:cs typeface="Consolas" pitchFamily="49" charset="0"/>
-              </a:rPr>
-              <a:t>event</a:t>
+              <a:t>;; event</a:t>
             </a:r>
           </a:p>
           <a:p>
@@ -13033,14 +12971,7 @@
                 <a:latin typeface="Consolas" pitchFamily="49" charset="0"/>
                 <a:cs typeface="Consolas" pitchFamily="49" charset="0"/>
               </a:rPr>
-              <a:t>use template for World on </a:t>
-            </a:r>
-            <a:r>
-              <a:rPr lang="en-US" sz="2000" b="1" dirty="0" smtClean="0">
-                <a:latin typeface="Consolas" pitchFamily="49" charset="0"/>
-                <a:cs typeface="Consolas" pitchFamily="49" charset="0"/>
-              </a:rPr>
-              <a:t>w</a:t>
+              <a:t>use template for World on w</a:t>
             </a:r>
           </a:p>
           <a:p>
@@ -13182,11 +13113,7 @@
             </a:r>
             <a:r>
               <a:rPr lang="en-US" dirty="0" smtClean="0"/>
-              <a:t>.  That's ok– </a:t>
-            </a:r>
-            <a:r>
-              <a:rPr lang="en-US" dirty="0" smtClean="0"/>
-              <a:t>the template tells us what we </a:t>
+              <a:t>.  That's ok– the template tells us what we </a:t>
             </a:r>
             <a:r>
               <a:rPr lang="en-US" i="1" dirty="0" smtClean="0"/>
@@ -15136,11 +15063,7 @@
             </a:r>
             <a:r>
               <a:rPr lang="en-US" dirty="0" smtClean="0"/>
-              <a:t>, which are scalars (no template needed), and we take them apart using the "Cases" strategy</a:t>
-            </a:r>
-            <a:r>
-              <a:rPr lang="en-US" dirty="0" smtClean="0"/>
-              <a:t>.</a:t>
+              <a:t>, which are scalars (no template needed), and we take them apart using the "Cases" strategy.</a:t>
             </a:r>
           </a:p>
           <a:p>
@@ -15736,11 +15659,7 @@
                       <a:pPr algn="ctr"/>
                       <a:r>
                         <a:rPr lang="en-US" sz="1200" dirty="0" smtClean="0"/>
-                        <a:t>The Six Principles </a:t>
-                      </a:r>
-                      <a:r>
-                        <a:rPr lang="en-US" sz="1200" dirty="0" smtClean="0"/>
-                        <a:t>for</a:t>
+                        <a:t>The Six Principles for</a:t>
                       </a:r>
                       <a:r>
                         <a:rPr lang="en-US" sz="1200" baseline="0" dirty="0" smtClean="0"/>

--- a/Slides/Lesson 3.1 Introduction to Universe Programs.pptx
+++ b/Slides/Lesson 3.1 Introduction to Universe Programs.pptx
@@ -260,7 +260,7 @@
             <a:fld id="{CF8F25F6-E1EF-4065-8525-42EDEBD9BD22}" type="datetimeFigureOut">
               <a:rPr lang="en-US" smtClean="0"/>
               <a:pPr/>
-              <a:t>8/20/2015</a:t>
+              <a:t>9/19/2015</a:t>
             </a:fld>
             <a:endParaRPr lang="en-US"/>
           </a:p>
@@ -1263,7 +1263,7 @@
           <a:p>
             <a:fld id="{A63C2178-8CCA-4041-9770-46941EE52DB5}" type="datetime1">
               <a:rPr lang="en-US" smtClean="0"/>
-              <a:t>8/20/2015</a:t>
+              <a:t>9/19/2015</a:t>
             </a:fld>
             <a:endParaRPr lang="en-US"/>
           </a:p>
@@ -1365,7 +1365,7 @@
           <a:p>
             <a:fld id="{0C161806-E715-468D-BE16-87701E4DEEBC}" type="datetime1">
               <a:rPr lang="en-US" smtClean="0"/>
-              <a:t>8/20/2015</a:t>
+              <a:t>9/19/2015</a:t>
             </a:fld>
             <a:endParaRPr lang="en-US"/>
           </a:p>
@@ -1642,7 +1642,7 @@
           <a:p>
             <a:fld id="{A9D8D303-42C4-427F-ABF7-AEFFFE32ED17}" type="datetime1">
               <a:rPr lang="en-US" smtClean="0"/>
-              <a:t>8/20/2015</a:t>
+              <a:t>9/19/2015</a:t>
             </a:fld>
             <a:endParaRPr lang="en-US"/>
           </a:p>
@@ -1895,7 +1895,7 @@
           <a:p>
             <a:fld id="{8881F7A1-287F-44F2-B7D9-DD795EA52044}" type="datetime1">
               <a:rPr lang="en-US" smtClean="0"/>
-              <a:t>8/20/2015</a:t>
+              <a:t>9/19/2015</a:t>
             </a:fld>
             <a:endParaRPr lang="en-US"/>
           </a:p>
@@ -2065,7 +2065,7 @@
           <a:p>
             <a:fld id="{83474B67-F4E7-4DFB-B423-D87208E8E4B0}" type="datetime1">
               <a:rPr lang="en-US" smtClean="0"/>
-              <a:t>8/20/2015</a:t>
+              <a:t>9/19/2015</a:t>
             </a:fld>
             <a:endParaRPr lang="en-US"/>
           </a:p>
@@ -2245,7 +2245,7 @@
           <a:p>
             <a:fld id="{F60F46CE-91A9-441B-A2C8-FCB5990C0EDE}" type="datetime1">
               <a:rPr lang="en-US" smtClean="0"/>
-              <a:t>8/20/2015</a:t>
+              <a:t>9/19/2015</a:t>
             </a:fld>
             <a:endParaRPr lang="en-US"/>
           </a:p>
@@ -2421,7 +2421,7 @@
           <a:p>
             <a:fld id="{B3DFFEBE-01B4-41A8-9B95-B3B902B856D2}" type="datetime1">
               <a:rPr lang="en-US" smtClean="0"/>
-              <a:t>8/20/2015</a:t>
+              <a:t>9/19/2015</a:t>
             </a:fld>
             <a:endParaRPr lang="en-US"/>
           </a:p>
@@ -2603,7 +2603,7 @@
           <a:p>
             <a:fld id="{2A6D6241-06C8-44C3-8021-44489836A6EB}" type="datetime1">
               <a:rPr lang="en-US" smtClean="0"/>
-              <a:t>8/20/2015</a:t>
+              <a:t>9/19/2015</a:t>
             </a:fld>
             <a:endParaRPr lang="en-US"/>
           </a:p>
@@ -2875,7 +2875,7 @@
           <a:p>
             <a:fld id="{CD473BB5-DF40-4CF2-8CE7-6D226E43FF1C}" type="datetime1">
               <a:rPr lang="en-US" smtClean="0"/>
-              <a:t>8/20/2015</a:t>
+              <a:t>9/19/2015</a:t>
             </a:fld>
             <a:endParaRPr lang="en-US"/>
           </a:p>
@@ -3060,7 +3060,7 @@
           <a:p>
             <a:fld id="{F70727AD-60D7-4449-BD5C-671E0F9D77F5}" type="datetime1">
               <a:rPr lang="en-US" smtClean="0"/>
-              <a:t>8/20/2015</a:t>
+              <a:t>9/19/2015</a:t>
             </a:fld>
             <a:endParaRPr lang="en-US"/>
           </a:p>
@@ -3362,7 +3362,7 @@
           <a:p>
             <a:fld id="{D3E92E5D-74F7-4353-A80A-F4D05623AC96}" type="datetime1">
               <a:rPr lang="en-US" smtClean="0"/>
-              <a:t>8/20/2015</a:t>
+              <a:t>9/19/2015</a:t>
             </a:fld>
             <a:endParaRPr lang="en-US"/>
           </a:p>
@@ -3650,7 +3650,7 @@
           <a:p>
             <a:fld id="{6543AFF9-3E5C-4F69-80D4-8BC6FD57BFEF}" type="datetime1">
               <a:rPr lang="en-US" smtClean="0"/>
-              <a:t>8/20/2015</a:t>
+              <a:t>9/19/2015</a:t>
             </a:fld>
             <a:endParaRPr lang="en-US"/>
           </a:p>
@@ -4072,7 +4072,7 @@
           <a:p>
             <a:fld id="{806389F3-E267-4166-96D5-E1B928433BFE}" type="datetime1">
               <a:rPr lang="en-US" smtClean="0"/>
-              <a:t>8/20/2015</a:t>
+              <a:t>9/19/2015</a:t>
             </a:fld>
             <a:endParaRPr lang="en-US"/>
           </a:p>
@@ -4190,7 +4190,7 @@
           <a:p>
             <a:fld id="{1FD6636A-1E59-4641-9B3B-6A1B810E8AEE}" type="datetime1">
               <a:rPr lang="en-US" smtClean="0"/>
-              <a:t>8/20/2015</a:t>
+              <a:t>9/19/2015</a:t>
             </a:fld>
             <a:endParaRPr lang="en-US"/>
           </a:p>
@@ -4422,7 +4422,7 @@
           <a:p>
             <a:fld id="{925A3613-5E0B-4B6E-BE51-1FA4AA29D085}" type="datetime1">
               <a:rPr lang="en-US" smtClean="0"/>
-              <a:t>8/20/2015</a:t>
+              <a:t>9/19/2015</a:t>
             </a:fld>
             <a:endParaRPr lang="en-US"/>
           </a:p>

--- a/Slides/Lesson 3.1 Introduction to Universe Programs.pptx
+++ b/Slides/Lesson 3.1 Introduction to Universe Programs.pptx
@@ -260,7 +260,7 @@
             <a:fld id="{CF8F25F6-E1EF-4065-8525-42EDEBD9BD22}" type="datetimeFigureOut">
               <a:rPr lang="en-US" smtClean="0"/>
               <a:pPr/>
-              <a:t>9/19/2015</a:t>
+              <a:t>8/1/2016</a:t>
             </a:fld>
             <a:endParaRPr lang="en-US"/>
           </a:p>
@@ -326,38 +326,37 @@
           <a:p>
             <a:pPr lvl="0"/>
             <a:r>
-              <a:rPr lang="en-US" smtClean="0"/>
+              <a:rPr lang="en-US"/>
               <a:t>Click to edit Master text styles</a:t>
             </a:r>
           </a:p>
           <a:p>
             <a:pPr lvl="1"/>
             <a:r>
-              <a:rPr lang="en-US" smtClean="0"/>
+              <a:rPr lang="en-US"/>
               <a:t>Second level</a:t>
             </a:r>
           </a:p>
           <a:p>
             <a:pPr lvl="2"/>
             <a:r>
-              <a:rPr lang="en-US" smtClean="0"/>
+              <a:rPr lang="en-US"/>
               <a:t>Third level</a:t>
             </a:r>
           </a:p>
           <a:p>
             <a:pPr lvl="3"/>
             <a:r>
-              <a:rPr lang="en-US" smtClean="0"/>
+              <a:rPr lang="en-US"/>
               <a:t>Fourth level</a:t>
             </a:r>
           </a:p>
           <a:p>
             <a:pPr lvl="4"/>
             <a:r>
-              <a:rPr lang="en-US" smtClean="0"/>
+              <a:rPr lang="en-US"/>
               <a:t>Fifth level</a:t>
             </a:r>
-            <a:endParaRPr lang="en-US"/>
           </a:p>
         </p:txBody>
       </p:sp>
@@ -835,11 +834,11 @@
           <a:lstStyle/>
           <a:p>
             <a:r>
-              <a:rPr lang="en-US" dirty="0" smtClean="0"/>
+              <a:rPr lang="en-US" dirty="0"/>
               <a:t>Observe that we have explanations of what each test is</a:t>
             </a:r>
             <a:r>
-              <a:rPr lang="en-US" baseline="0" dirty="0" smtClean="0"/>
+              <a:rPr lang="en-US" baseline="0" dirty="0"/>
               <a:t> supposed to test.</a:t>
             </a:r>
             <a:endParaRPr lang="en-US" dirty="0"/>
@@ -930,30 +929,30 @@
           <a:lstStyle/>
           <a:p>
             <a:r>
-              <a:rPr lang="en-US" dirty="0" smtClean="0"/>
+              <a:rPr lang="en-US" dirty="0"/>
               <a:t>Let’s look at the file:</a:t>
             </a:r>
           </a:p>
           <a:p>
-            <a:endParaRPr lang="en-US" dirty="0" smtClean="0"/>
-          </a:p>
-          <a:p>
-            <a:r>
-              <a:rPr lang="en-US" baseline="0" dirty="0" smtClean="0"/>
+            <a:endParaRPr lang="en-US" dirty="0"/>
+          </a:p>
+          <a:p>
+            <a:r>
+              <a:rPr lang="en-US" baseline="0" dirty="0"/>
               <a:t>-- Most of it is the same.   Look for uses of make-world</a:t>
             </a:r>
           </a:p>
           <a:p>
-            <a:endParaRPr lang="en-US" baseline="0" dirty="0" smtClean="0"/>
-          </a:p>
-          <a:p>
-            <a:r>
-              <a:rPr lang="en-US" baseline="0" dirty="0" smtClean="0"/>
+            <a:endParaRPr lang="en-US" baseline="0" dirty="0"/>
+          </a:p>
+          <a:p>
+            <a:r>
+              <a:rPr lang="en-US" baseline="0" dirty="0"/>
               <a:t>-- THEN run the file.</a:t>
             </a:r>
           </a:p>
           <a:p>
-            <a:endParaRPr lang="en-US" baseline="0" dirty="0" smtClean="0"/>
+            <a:endParaRPr lang="en-US" baseline="0" dirty="0"/>
           </a:p>
           <a:p>
             <a:endParaRPr lang="en-US" dirty="0"/>
@@ -1120,10 +1119,9 @@
           <a:lstStyle/>
           <a:p>
             <a:r>
-              <a:rPr lang="en-US" smtClean="0"/>
+              <a:rPr lang="en-US"/>
               <a:t>Click to edit Master title style</a:t>
             </a:r>
-            <a:endParaRPr lang="en-US"/>
           </a:p>
         </p:txBody>
       </p:sp>
@@ -1239,10 +1237,9 @@
           </a:lstStyle>
           <a:p>
             <a:r>
-              <a:rPr lang="en-US" smtClean="0"/>
+              <a:rPr lang="en-US"/>
               <a:t>Click to edit Master subtitle style</a:t>
             </a:r>
-            <a:endParaRPr lang="en-US"/>
           </a:p>
         </p:txBody>
       </p:sp>
@@ -1263,7 +1260,7 @@
           <a:p>
             <a:fld id="{A63C2178-8CCA-4041-9770-46941EE52DB5}" type="datetime1">
               <a:rPr lang="en-US" smtClean="0"/>
-              <a:t>9/19/2015</a:t>
+              <a:t>8/1/2016</a:t>
             </a:fld>
             <a:endParaRPr lang="en-US"/>
           </a:p>
@@ -1321,13 +1318,6 @@
   <p:clrMapOvr>
     <a:masterClrMapping/>
   </p:clrMapOvr>
-  <p:timing>
-    <p:tnLst>
-      <p:par>
-        <p:cTn id="1" dur="indefinite" restart="never" nodeType="tmRoot"/>
-      </p:par>
-    </p:tnLst>
-  </p:timing>
 </p:sldLayout>
 </file>
 
@@ -1365,7 +1355,7 @@
           <a:p>
             <a:fld id="{0C161806-E715-468D-BE16-87701E4DEEBC}" type="datetime1">
               <a:rPr lang="en-US" smtClean="0"/>
-              <a:t>9/19/2015</a:t>
+              <a:t>8/1/2016</a:t>
             </a:fld>
             <a:endParaRPr lang="en-US"/>
           </a:p>
@@ -1468,10 +1458,9 @@
           </a:lstStyle>
           <a:p>
             <a:r>
-              <a:rPr lang="en-US" smtClean="0"/>
+              <a:rPr lang="en-US"/>
               <a:t>Click to edit Master title style</a:t>
             </a:r>
-            <a:endParaRPr lang="en-US"/>
           </a:p>
         </p:txBody>
       </p:sp>
@@ -1525,38 +1514,37 @@
           <a:p>
             <a:pPr lvl="0"/>
             <a:r>
-              <a:rPr lang="en-US" smtClean="0"/>
+              <a:rPr lang="en-US"/>
               <a:t>Click to edit Master text styles</a:t>
             </a:r>
           </a:p>
           <a:p>
             <a:pPr lvl="1"/>
             <a:r>
-              <a:rPr lang="en-US" smtClean="0"/>
+              <a:rPr lang="en-US"/>
               <a:t>Second level</a:t>
             </a:r>
           </a:p>
           <a:p>
             <a:pPr lvl="2"/>
             <a:r>
-              <a:rPr lang="en-US" smtClean="0"/>
+              <a:rPr lang="en-US"/>
               <a:t>Third level</a:t>
             </a:r>
           </a:p>
           <a:p>
             <a:pPr lvl="3"/>
             <a:r>
-              <a:rPr lang="en-US" smtClean="0"/>
+              <a:rPr lang="en-US"/>
               <a:t>Fourth level</a:t>
             </a:r>
           </a:p>
           <a:p>
             <a:pPr lvl="4"/>
             <a:r>
-              <a:rPr lang="en-US" smtClean="0"/>
+              <a:rPr lang="en-US"/>
               <a:t>Fifth level</a:t>
             </a:r>
-            <a:endParaRPr lang="en-US"/>
           </a:p>
         </p:txBody>
       </p:sp>
@@ -1619,7 +1607,7 @@
           <a:p>
             <a:pPr lvl="0"/>
             <a:r>
-              <a:rPr lang="en-US" smtClean="0"/>
+              <a:rPr lang="en-US"/>
               <a:t>Click to edit Master text styles</a:t>
             </a:r>
           </a:p>
@@ -1642,7 +1630,7 @@
           <a:p>
             <a:fld id="{A9D8D303-42C4-427F-ABF7-AEFFFE32ED17}" type="datetime1">
               <a:rPr lang="en-US" smtClean="0"/>
-              <a:t>9/19/2015</a:t>
+              <a:t>8/1/2016</a:t>
             </a:fld>
             <a:endParaRPr lang="en-US"/>
           </a:p>
@@ -1745,10 +1733,9 @@
           </a:lstStyle>
           <a:p>
             <a:r>
-              <a:rPr lang="en-US" smtClean="0"/>
+              <a:rPr lang="en-US"/>
               <a:t>Click to edit Master title style</a:t>
             </a:r>
-            <a:endParaRPr lang="en-US"/>
           </a:p>
         </p:txBody>
       </p:sp>
@@ -1872,7 +1859,7 @@
           <a:p>
             <a:pPr lvl="0"/>
             <a:r>
-              <a:rPr lang="en-US" smtClean="0"/>
+              <a:rPr lang="en-US"/>
               <a:t>Click to edit Master text styles</a:t>
             </a:r>
           </a:p>
@@ -1895,7 +1882,7 @@
           <a:p>
             <a:fld id="{8881F7A1-287F-44F2-B7D9-DD795EA52044}" type="datetime1">
               <a:rPr lang="en-US" smtClean="0"/>
-              <a:t>9/19/2015</a:t>
+              <a:t>8/1/2016</a:t>
             </a:fld>
             <a:endParaRPr lang="en-US"/>
           </a:p>
@@ -1989,10 +1976,9 @@
           <a:lstStyle/>
           <a:p>
             <a:r>
-              <a:rPr lang="en-US" smtClean="0"/>
+              <a:rPr lang="en-US"/>
               <a:t>Click to edit Master title style</a:t>
             </a:r>
-            <a:endParaRPr lang="en-US"/>
           </a:p>
         </p:txBody>
       </p:sp>
@@ -2013,38 +1999,37 @@
           <a:p>
             <a:pPr lvl="0"/>
             <a:r>
-              <a:rPr lang="en-US" smtClean="0"/>
+              <a:rPr lang="en-US"/>
               <a:t>Click to edit Master text styles</a:t>
             </a:r>
           </a:p>
           <a:p>
             <a:pPr lvl="1"/>
             <a:r>
-              <a:rPr lang="en-US" smtClean="0"/>
+              <a:rPr lang="en-US"/>
               <a:t>Second level</a:t>
             </a:r>
           </a:p>
           <a:p>
             <a:pPr lvl="2"/>
             <a:r>
-              <a:rPr lang="en-US" smtClean="0"/>
+              <a:rPr lang="en-US"/>
               <a:t>Third level</a:t>
             </a:r>
           </a:p>
           <a:p>
             <a:pPr lvl="3"/>
             <a:r>
-              <a:rPr lang="en-US" smtClean="0"/>
+              <a:rPr lang="en-US"/>
               <a:t>Fourth level</a:t>
             </a:r>
           </a:p>
           <a:p>
             <a:pPr lvl="4"/>
             <a:r>
-              <a:rPr lang="en-US" smtClean="0"/>
+              <a:rPr lang="en-US"/>
               <a:t>Fifth level</a:t>
             </a:r>
-            <a:endParaRPr lang="en-US"/>
           </a:p>
         </p:txBody>
       </p:sp>
@@ -2065,7 +2050,7 @@
           <a:p>
             <a:fld id="{83474B67-F4E7-4DFB-B423-D87208E8E4B0}" type="datetime1">
               <a:rPr lang="en-US" smtClean="0"/>
-              <a:t>9/19/2015</a:t>
+              <a:t>8/1/2016</a:t>
             </a:fld>
             <a:endParaRPr lang="en-US"/>
           </a:p>
@@ -2164,10 +2149,9 @@
           <a:lstStyle/>
           <a:p>
             <a:r>
-              <a:rPr lang="en-US" smtClean="0"/>
+              <a:rPr lang="en-US"/>
               <a:t>Click to edit Master title style</a:t>
             </a:r>
-            <a:endParaRPr lang="en-US"/>
           </a:p>
         </p:txBody>
       </p:sp>
@@ -2193,38 +2177,37 @@
           <a:p>
             <a:pPr lvl="0"/>
             <a:r>
-              <a:rPr lang="en-US" smtClean="0"/>
+              <a:rPr lang="en-US"/>
               <a:t>Click to edit Master text styles</a:t>
             </a:r>
           </a:p>
           <a:p>
             <a:pPr lvl="1"/>
             <a:r>
-              <a:rPr lang="en-US" smtClean="0"/>
+              <a:rPr lang="en-US"/>
               <a:t>Second level</a:t>
             </a:r>
           </a:p>
           <a:p>
             <a:pPr lvl="2"/>
             <a:r>
-              <a:rPr lang="en-US" smtClean="0"/>
+              <a:rPr lang="en-US"/>
               <a:t>Third level</a:t>
             </a:r>
           </a:p>
           <a:p>
             <a:pPr lvl="3"/>
             <a:r>
-              <a:rPr lang="en-US" smtClean="0"/>
+              <a:rPr lang="en-US"/>
               <a:t>Fourth level</a:t>
             </a:r>
           </a:p>
           <a:p>
             <a:pPr lvl="4"/>
             <a:r>
-              <a:rPr lang="en-US" smtClean="0"/>
+              <a:rPr lang="en-US"/>
               <a:t>Fifth level</a:t>
             </a:r>
-            <a:endParaRPr lang="en-US"/>
           </a:p>
         </p:txBody>
       </p:sp>
@@ -2245,7 +2228,7 @@
           <a:p>
             <a:fld id="{F60F46CE-91A9-441B-A2C8-FCB5990C0EDE}" type="datetime1">
               <a:rPr lang="en-US" smtClean="0"/>
-              <a:t>9/19/2015</a:t>
+              <a:t>8/1/2016</a:t>
             </a:fld>
             <a:endParaRPr lang="en-US"/>
           </a:p>
@@ -2345,10 +2328,9 @@
           <a:lstStyle/>
           <a:p>
             <a:r>
-              <a:rPr lang="en-US" dirty="0" smtClean="0"/>
+              <a:rPr lang="en-US" dirty="0"/>
               <a:t>Click to edit Master title style</a:t>
             </a:r>
-            <a:endParaRPr lang="en-US" dirty="0"/>
           </a:p>
         </p:txBody>
       </p:sp>
@@ -2369,38 +2351,37 @@
           <a:p>
             <a:pPr lvl="0"/>
             <a:r>
-              <a:rPr lang="en-US" smtClean="0"/>
+              <a:rPr lang="en-US"/>
               <a:t>Click to edit Master text styles</a:t>
             </a:r>
           </a:p>
           <a:p>
             <a:pPr lvl="1"/>
             <a:r>
-              <a:rPr lang="en-US" smtClean="0"/>
+              <a:rPr lang="en-US"/>
               <a:t>Second level</a:t>
             </a:r>
           </a:p>
           <a:p>
             <a:pPr lvl="2"/>
             <a:r>
-              <a:rPr lang="en-US" smtClean="0"/>
+              <a:rPr lang="en-US"/>
               <a:t>Third level</a:t>
             </a:r>
           </a:p>
           <a:p>
             <a:pPr lvl="3"/>
             <a:r>
-              <a:rPr lang="en-US" smtClean="0"/>
+              <a:rPr lang="en-US"/>
               <a:t>Fourth level</a:t>
             </a:r>
           </a:p>
           <a:p>
             <a:pPr lvl="4"/>
             <a:r>
-              <a:rPr lang="en-US" smtClean="0"/>
+              <a:rPr lang="en-US"/>
               <a:t>Fifth level</a:t>
             </a:r>
-            <a:endParaRPr lang="en-US"/>
           </a:p>
         </p:txBody>
       </p:sp>
@@ -2421,7 +2402,7 @@
           <a:p>
             <a:fld id="{B3DFFEBE-01B4-41A8-9B95-B3B902B856D2}" type="datetime1">
               <a:rPr lang="en-US" smtClean="0"/>
-              <a:t>9/19/2015</a:t>
+              <a:t>8/1/2016</a:t>
             </a:fld>
             <a:endParaRPr lang="en-US"/>
           </a:p>
@@ -2479,13 +2460,6 @@
   <p:clrMapOvr>
     <a:masterClrMapping/>
   </p:clrMapOvr>
-  <p:timing>
-    <p:tnLst>
-      <p:par>
-        <p:cTn id="1" dur="indefinite" restart="never" nodeType="tmRoot"/>
-      </p:par>
-    </p:tnLst>
-  </p:timing>
 </p:sldLayout>
 </file>
 
@@ -2522,10 +2496,9 @@
           <a:lstStyle/>
           <a:p>
             <a:r>
-              <a:rPr lang="en-US" smtClean="0"/>
+              <a:rPr lang="en-US"/>
               <a:t>Click to edit Master title style</a:t>
             </a:r>
-            <a:endParaRPr lang="en-US"/>
           </a:p>
         </p:txBody>
       </p:sp>
@@ -2551,38 +2524,37 @@
           <a:p>
             <a:pPr lvl="0"/>
             <a:r>
-              <a:rPr lang="en-US" dirty="0" smtClean="0"/>
+              <a:rPr lang="en-US" dirty="0"/>
               <a:t>Click to edit Master text styles</a:t>
             </a:r>
           </a:p>
           <a:p>
             <a:pPr lvl="1"/>
             <a:r>
-              <a:rPr lang="en-US" dirty="0" smtClean="0"/>
+              <a:rPr lang="en-US" dirty="0"/>
               <a:t>Second level</a:t>
             </a:r>
           </a:p>
           <a:p>
             <a:pPr lvl="2"/>
             <a:r>
-              <a:rPr lang="en-US" dirty="0" smtClean="0"/>
+              <a:rPr lang="en-US" dirty="0"/>
               <a:t>Third level</a:t>
             </a:r>
           </a:p>
           <a:p>
             <a:pPr lvl="3"/>
             <a:r>
-              <a:rPr lang="en-US" dirty="0" smtClean="0"/>
+              <a:rPr lang="en-US" dirty="0"/>
               <a:t>Fourth level</a:t>
             </a:r>
           </a:p>
           <a:p>
             <a:pPr lvl="4"/>
             <a:r>
-              <a:rPr lang="en-US" dirty="0" smtClean="0"/>
+              <a:rPr lang="en-US" dirty="0"/>
               <a:t>Fifth level</a:t>
             </a:r>
-            <a:endParaRPr lang="en-US" dirty="0"/>
           </a:p>
         </p:txBody>
       </p:sp>
@@ -2603,7 +2575,7 @@
           <a:p>
             <a:fld id="{2A6D6241-06C8-44C3-8021-44489836A6EB}" type="datetime1">
               <a:rPr lang="en-US" smtClean="0"/>
-              <a:t>9/19/2015</a:t>
+              <a:t>8/1/2016</a:t>
             </a:fld>
             <a:endParaRPr lang="en-US"/>
           </a:p>
@@ -2693,7 +2665,7 @@
           <a:lstStyle/>
           <a:p>
             <a:pPr algn="ctr"/>
-            <a:endParaRPr lang="en-US" dirty="0" smtClean="0">
+            <a:endParaRPr lang="en-US" dirty="0">
               <a:solidFill>
                 <a:schemeClr val="tx1"/>
               </a:solidFill>
@@ -2724,11 +2696,11 @@
           <a:lstStyle/>
           <a:p>
             <a:r>
-              <a:rPr lang="en-US" dirty="0" smtClean="0"/>
+              <a:rPr lang="en-US" dirty="0"/>
               <a:t>Resize video to this</a:t>
             </a:r>
             <a:r>
-              <a:rPr lang="en-US" baseline="0" dirty="0" smtClean="0"/>
+              <a:rPr lang="en-US" baseline="0" dirty="0"/>
               <a:t> box.</a:t>
             </a:r>
             <a:endParaRPr lang="en-US" dirty="0"/>
@@ -2745,13 +2717,6 @@
   <p:clrMapOvr>
     <a:masterClrMapping/>
   </p:clrMapOvr>
-  <p:timing>
-    <p:tnLst>
-      <p:par>
-        <p:cTn id="1" dur="indefinite" restart="never" nodeType="tmRoot"/>
-      </p:par>
-    </p:tnLst>
-  </p:timing>
 </p:sldLayout>
 </file>
 
@@ -2788,10 +2753,9 @@
           <a:lstStyle/>
           <a:p>
             <a:r>
-              <a:rPr lang="en-US" smtClean="0"/>
+              <a:rPr lang="en-US"/>
               <a:t>Click to edit Master title style</a:t>
             </a:r>
-            <a:endParaRPr lang="en-US"/>
           </a:p>
         </p:txBody>
       </p:sp>
@@ -2823,38 +2787,37 @@
           <a:p>
             <a:pPr lvl="0"/>
             <a:r>
-              <a:rPr lang="en-US" dirty="0" smtClean="0"/>
+              <a:rPr lang="en-US" dirty="0"/>
               <a:t>Click to edit Master text styles</a:t>
             </a:r>
           </a:p>
           <a:p>
             <a:pPr lvl="1"/>
             <a:r>
-              <a:rPr lang="en-US" dirty="0" smtClean="0"/>
+              <a:rPr lang="en-US" dirty="0"/>
               <a:t>Second level</a:t>
             </a:r>
           </a:p>
           <a:p>
             <a:pPr lvl="2"/>
             <a:r>
-              <a:rPr lang="en-US" dirty="0" smtClean="0"/>
+              <a:rPr lang="en-US" dirty="0"/>
               <a:t>Third level</a:t>
             </a:r>
           </a:p>
           <a:p>
             <a:pPr lvl="3"/>
             <a:r>
-              <a:rPr lang="en-US" dirty="0" smtClean="0"/>
+              <a:rPr lang="en-US" dirty="0"/>
               <a:t>Fourth level</a:t>
             </a:r>
           </a:p>
           <a:p>
             <a:pPr lvl="4"/>
             <a:r>
-              <a:rPr lang="en-US" dirty="0" smtClean="0"/>
+              <a:rPr lang="en-US" dirty="0"/>
               <a:t>Fifth level</a:t>
             </a:r>
-            <a:endParaRPr lang="en-US" dirty="0"/>
           </a:p>
         </p:txBody>
       </p:sp>
@@ -2875,7 +2838,7 @@
           <a:p>
             <a:fld id="{CD473BB5-DF40-4CF2-8CE7-6D226E43FF1C}" type="datetime1">
               <a:rPr lang="en-US" smtClean="0"/>
-              <a:t>9/19/2015</a:t>
+              <a:t>8/1/2016</a:t>
             </a:fld>
             <a:endParaRPr lang="en-US"/>
           </a:p>
@@ -2933,13 +2896,6 @@
   <p:clrMapOvr>
     <a:masterClrMapping/>
   </p:clrMapOvr>
-  <p:timing>
-    <p:tnLst>
-      <p:par>
-        <p:cTn id="1" dur="indefinite" restart="never" nodeType="tmRoot"/>
-      </p:par>
-    </p:tnLst>
-  </p:timing>
 </p:sldLayout>
 </file>
 
@@ -2976,10 +2932,9 @@
           <a:lstStyle/>
           <a:p>
             <a:r>
-              <a:rPr lang="en-US" smtClean="0"/>
+              <a:rPr lang="en-US"/>
               <a:t>Click to edit Master title style</a:t>
             </a:r>
-            <a:endParaRPr lang="en-US"/>
           </a:p>
         </p:txBody>
       </p:sp>
@@ -3008,38 +2963,37 @@
           <a:p>
             <a:pPr lvl="0"/>
             <a:r>
-              <a:rPr lang="en-US" dirty="0" smtClean="0"/>
+              <a:rPr lang="en-US" dirty="0"/>
               <a:t>Click to edit Master text styles</a:t>
             </a:r>
           </a:p>
           <a:p>
             <a:pPr lvl="1"/>
             <a:r>
-              <a:rPr lang="en-US" dirty="0" smtClean="0"/>
+              <a:rPr lang="en-US" dirty="0"/>
               <a:t>Second level</a:t>
             </a:r>
           </a:p>
           <a:p>
             <a:pPr lvl="2"/>
             <a:r>
-              <a:rPr lang="en-US" dirty="0" smtClean="0"/>
+              <a:rPr lang="en-US" dirty="0"/>
               <a:t>Third level</a:t>
             </a:r>
           </a:p>
           <a:p>
             <a:pPr lvl="3"/>
             <a:r>
-              <a:rPr lang="en-US" dirty="0" smtClean="0"/>
+              <a:rPr lang="en-US" dirty="0"/>
               <a:t>Fourth level</a:t>
             </a:r>
           </a:p>
           <a:p>
             <a:pPr lvl="4"/>
             <a:r>
-              <a:rPr lang="en-US" dirty="0" smtClean="0"/>
+              <a:rPr lang="en-US" dirty="0"/>
               <a:t>Fifth level</a:t>
             </a:r>
-            <a:endParaRPr lang="en-US" dirty="0"/>
           </a:p>
         </p:txBody>
       </p:sp>
@@ -3060,7 +3014,7 @@
           <a:p>
             <a:fld id="{F70727AD-60D7-4449-BD5C-671E0F9D77F5}" type="datetime1">
               <a:rPr lang="en-US" smtClean="0"/>
-              <a:t>9/19/2015</a:t>
+              <a:t>8/1/2016</a:t>
             </a:fld>
             <a:endParaRPr lang="en-US"/>
           </a:p>
@@ -3167,13 +3121,6 @@
   <p:clrMapOvr>
     <a:masterClrMapping/>
   </p:clrMapOvr>
-  <p:timing>
-    <p:tnLst>
-      <p:par>
-        <p:cTn id="1" dur="indefinite" restart="never" nodeType="tmRoot"/>
-      </p:par>
-    </p:tnLst>
-  </p:timing>
 </p:sldLayout>
 </file>
 
@@ -3219,10 +3166,9 @@
           </a:lstStyle>
           <a:p>
             <a:r>
-              <a:rPr lang="en-US" smtClean="0"/>
+              <a:rPr lang="en-US"/>
               <a:t>Click to edit Master title style</a:t>
             </a:r>
-            <a:endParaRPr lang="en-US"/>
           </a:p>
         </p:txBody>
       </p:sp>
@@ -3339,7 +3285,7 @@
           <a:p>
             <a:pPr lvl="0"/>
             <a:r>
-              <a:rPr lang="en-US" smtClean="0"/>
+              <a:rPr lang="en-US"/>
               <a:t>Click to edit Master text styles</a:t>
             </a:r>
           </a:p>
@@ -3362,7 +3308,7 @@
           <a:p>
             <a:fld id="{D3E92E5D-74F7-4353-A80A-F4D05623AC96}" type="datetime1">
               <a:rPr lang="en-US" smtClean="0"/>
-              <a:t>9/19/2015</a:t>
+              <a:t>8/1/2016</a:t>
             </a:fld>
             <a:endParaRPr lang="en-US"/>
           </a:p>
@@ -3456,10 +3402,9 @@
           <a:lstStyle/>
           <a:p>
             <a:r>
-              <a:rPr lang="en-US" smtClean="0"/>
+              <a:rPr lang="en-US"/>
               <a:t>Click to edit Master title style</a:t>
             </a:r>
-            <a:endParaRPr lang="en-US"/>
           </a:p>
         </p:txBody>
       </p:sp>
@@ -3513,38 +3458,37 @@
           <a:p>
             <a:pPr lvl="0"/>
             <a:r>
-              <a:rPr lang="en-US" smtClean="0"/>
+              <a:rPr lang="en-US"/>
               <a:t>Click to edit Master text styles</a:t>
             </a:r>
           </a:p>
           <a:p>
             <a:pPr lvl="1"/>
             <a:r>
-              <a:rPr lang="en-US" smtClean="0"/>
+              <a:rPr lang="en-US"/>
               <a:t>Second level</a:t>
             </a:r>
           </a:p>
           <a:p>
             <a:pPr lvl="2"/>
             <a:r>
-              <a:rPr lang="en-US" smtClean="0"/>
+              <a:rPr lang="en-US"/>
               <a:t>Third level</a:t>
             </a:r>
           </a:p>
           <a:p>
             <a:pPr lvl="3"/>
             <a:r>
-              <a:rPr lang="en-US" smtClean="0"/>
+              <a:rPr lang="en-US"/>
               <a:t>Fourth level</a:t>
             </a:r>
           </a:p>
           <a:p>
             <a:pPr lvl="4"/>
             <a:r>
-              <a:rPr lang="en-US" smtClean="0"/>
+              <a:rPr lang="en-US"/>
               <a:t>Fifth level</a:t>
             </a:r>
-            <a:endParaRPr lang="en-US"/>
           </a:p>
         </p:txBody>
       </p:sp>
@@ -3598,38 +3542,37 @@
           <a:p>
             <a:pPr lvl="0"/>
             <a:r>
-              <a:rPr lang="en-US" smtClean="0"/>
+              <a:rPr lang="en-US"/>
               <a:t>Click to edit Master text styles</a:t>
             </a:r>
           </a:p>
           <a:p>
             <a:pPr lvl="1"/>
             <a:r>
-              <a:rPr lang="en-US" smtClean="0"/>
+              <a:rPr lang="en-US"/>
               <a:t>Second level</a:t>
             </a:r>
           </a:p>
           <a:p>
             <a:pPr lvl="2"/>
             <a:r>
-              <a:rPr lang="en-US" smtClean="0"/>
+              <a:rPr lang="en-US"/>
               <a:t>Third level</a:t>
             </a:r>
           </a:p>
           <a:p>
             <a:pPr lvl="3"/>
             <a:r>
-              <a:rPr lang="en-US" smtClean="0"/>
+              <a:rPr lang="en-US"/>
               <a:t>Fourth level</a:t>
             </a:r>
           </a:p>
           <a:p>
             <a:pPr lvl="4"/>
             <a:r>
-              <a:rPr lang="en-US" smtClean="0"/>
+              <a:rPr lang="en-US"/>
               <a:t>Fifth level</a:t>
             </a:r>
-            <a:endParaRPr lang="en-US"/>
           </a:p>
         </p:txBody>
       </p:sp>
@@ -3650,7 +3593,7 @@
           <a:p>
             <a:fld id="{6543AFF9-3E5C-4F69-80D4-8BC6FD57BFEF}" type="datetime1">
               <a:rPr lang="en-US" smtClean="0"/>
-              <a:t>9/19/2015</a:t>
+              <a:t>8/1/2016</a:t>
             </a:fld>
             <a:endParaRPr lang="en-US"/>
           </a:p>
@@ -3748,10 +3691,9 @@
           </a:lstStyle>
           <a:p>
             <a:r>
-              <a:rPr lang="en-US" smtClean="0"/>
+              <a:rPr lang="en-US"/>
               <a:t>Click to edit Master title style</a:t>
             </a:r>
-            <a:endParaRPr lang="en-US"/>
           </a:p>
         </p:txBody>
       </p:sp>
@@ -3814,7 +3756,7 @@
           <a:p>
             <a:pPr lvl="0"/>
             <a:r>
-              <a:rPr lang="en-US" smtClean="0"/>
+              <a:rPr lang="en-US"/>
               <a:t>Click to edit Master text styles</a:t>
             </a:r>
           </a:p>
@@ -3870,38 +3812,37 @@
           <a:p>
             <a:pPr lvl="0"/>
             <a:r>
-              <a:rPr lang="en-US" smtClean="0"/>
+              <a:rPr lang="en-US"/>
               <a:t>Click to edit Master text styles</a:t>
             </a:r>
           </a:p>
           <a:p>
             <a:pPr lvl="1"/>
             <a:r>
-              <a:rPr lang="en-US" smtClean="0"/>
+              <a:rPr lang="en-US"/>
               <a:t>Second level</a:t>
             </a:r>
           </a:p>
           <a:p>
             <a:pPr lvl="2"/>
             <a:r>
-              <a:rPr lang="en-US" smtClean="0"/>
+              <a:rPr lang="en-US"/>
               <a:t>Third level</a:t>
             </a:r>
           </a:p>
           <a:p>
             <a:pPr lvl="3"/>
             <a:r>
-              <a:rPr lang="en-US" smtClean="0"/>
+              <a:rPr lang="en-US"/>
               <a:t>Fourth level</a:t>
             </a:r>
           </a:p>
           <a:p>
             <a:pPr lvl="4"/>
             <a:r>
-              <a:rPr lang="en-US" smtClean="0"/>
+              <a:rPr lang="en-US"/>
               <a:t>Fifth level</a:t>
             </a:r>
-            <a:endParaRPr lang="en-US"/>
           </a:p>
         </p:txBody>
       </p:sp>
@@ -3964,7 +3905,7 @@
           <a:p>
             <a:pPr lvl="0"/>
             <a:r>
-              <a:rPr lang="en-US" smtClean="0"/>
+              <a:rPr lang="en-US"/>
               <a:t>Click to edit Master text styles</a:t>
             </a:r>
           </a:p>
@@ -4020,38 +3961,37 @@
           <a:p>
             <a:pPr lvl="0"/>
             <a:r>
-              <a:rPr lang="en-US" smtClean="0"/>
+              <a:rPr lang="en-US"/>
               <a:t>Click to edit Master text styles</a:t>
             </a:r>
           </a:p>
           <a:p>
             <a:pPr lvl="1"/>
             <a:r>
-              <a:rPr lang="en-US" smtClean="0"/>
+              <a:rPr lang="en-US"/>
               <a:t>Second level</a:t>
             </a:r>
           </a:p>
           <a:p>
             <a:pPr lvl="2"/>
             <a:r>
-              <a:rPr lang="en-US" smtClean="0"/>
+              <a:rPr lang="en-US"/>
               <a:t>Third level</a:t>
             </a:r>
           </a:p>
           <a:p>
             <a:pPr lvl="3"/>
             <a:r>
-              <a:rPr lang="en-US" smtClean="0"/>
+              <a:rPr lang="en-US"/>
               <a:t>Fourth level</a:t>
             </a:r>
           </a:p>
           <a:p>
             <a:pPr lvl="4"/>
             <a:r>
-              <a:rPr lang="en-US" smtClean="0"/>
+              <a:rPr lang="en-US"/>
               <a:t>Fifth level</a:t>
             </a:r>
-            <a:endParaRPr lang="en-US"/>
           </a:p>
         </p:txBody>
       </p:sp>
@@ -4072,7 +4012,7 @@
           <a:p>
             <a:fld id="{806389F3-E267-4166-96D5-E1B928433BFE}" type="datetime1">
               <a:rPr lang="en-US" smtClean="0"/>
-              <a:t>9/19/2015</a:t>
+              <a:t>8/1/2016</a:t>
             </a:fld>
             <a:endParaRPr lang="en-US"/>
           </a:p>
@@ -4166,10 +4106,9 @@
           <a:lstStyle/>
           <a:p>
             <a:r>
-              <a:rPr lang="en-US" smtClean="0"/>
+              <a:rPr lang="en-US"/>
               <a:t>Click to edit Master title style</a:t>
             </a:r>
-            <a:endParaRPr lang="en-US"/>
           </a:p>
         </p:txBody>
       </p:sp>
@@ -4190,7 +4129,7 @@
           <a:p>
             <a:fld id="{1FD6636A-1E59-4641-9B3B-6A1B810E8AEE}" type="datetime1">
               <a:rPr lang="en-US" smtClean="0"/>
-              <a:t>9/19/2015</a:t>
+              <a:t>8/1/2016</a:t>
             </a:fld>
             <a:endParaRPr lang="en-US"/>
           </a:p>
@@ -4248,13 +4187,6 @@
   <p:clrMapOvr>
     <a:masterClrMapping/>
   </p:clrMapOvr>
-  <p:timing>
-    <p:tnLst>
-      <p:par>
-        <p:cTn id="1" dur="indefinite" restart="never" nodeType="tmRoot"/>
-      </p:par>
-    </p:tnLst>
-  </p:timing>
 </p:sldLayout>
 </file>
 
@@ -4318,10 +4250,9 @@
           <a:lstStyle/>
           <a:p>
             <a:r>
-              <a:rPr lang="en-US" smtClean="0"/>
+              <a:rPr lang="en-US"/>
               <a:t>Click to edit Master title style</a:t>
             </a:r>
-            <a:endParaRPr lang="en-US"/>
           </a:p>
         </p:txBody>
       </p:sp>
@@ -4352,38 +4283,37 @@
           <a:p>
             <a:pPr lvl="0"/>
             <a:r>
-              <a:rPr lang="en-US" smtClean="0"/>
+              <a:rPr lang="en-US"/>
               <a:t>Click to edit Master text styles</a:t>
             </a:r>
           </a:p>
           <a:p>
             <a:pPr lvl="1"/>
             <a:r>
-              <a:rPr lang="en-US" smtClean="0"/>
+              <a:rPr lang="en-US"/>
               <a:t>Second level</a:t>
             </a:r>
           </a:p>
           <a:p>
             <a:pPr lvl="2"/>
             <a:r>
-              <a:rPr lang="en-US" smtClean="0"/>
+              <a:rPr lang="en-US"/>
               <a:t>Third level</a:t>
             </a:r>
           </a:p>
           <a:p>
             <a:pPr lvl="3"/>
             <a:r>
-              <a:rPr lang="en-US" smtClean="0"/>
+              <a:rPr lang="en-US"/>
               <a:t>Fourth level</a:t>
             </a:r>
           </a:p>
           <a:p>
             <a:pPr lvl="4"/>
             <a:r>
-              <a:rPr lang="en-US" smtClean="0"/>
+              <a:rPr lang="en-US"/>
               <a:t>Fifth level</a:t>
             </a:r>
-            <a:endParaRPr lang="en-US"/>
           </a:p>
         </p:txBody>
       </p:sp>
@@ -4422,7 +4352,7 @@
           <a:p>
             <a:fld id="{925A3613-5E0B-4B6E-BE51-1FA4AA29D085}" type="datetime1">
               <a:rPr lang="en-US" smtClean="0"/>
-              <a:t>9/19/2015</a:t>
+              <a:t>8/1/2016</a:t>
             </a:fld>
             <a:endParaRPr lang="en-US"/>
           </a:p>
@@ -4530,13 +4460,6 @@
     <p:sldLayoutId id="2147483676" r:id="rId13"/>
     <p:sldLayoutId id="2147483677" r:id="rId14"/>
   </p:sldLayoutIdLst>
-  <p:timing>
-    <p:tnLst>
-      <p:par>
-        <p:cTn id="1" dur="indefinite" restart="never" nodeType="tmRoot"/>
-      </p:par>
-    </p:tnLst>
-  </p:timing>
   <p:hf hdr="0" ftr="0" dt="0"/>
   <p:txStyles>
     <p:titleStyle>
@@ -4824,49 +4747,48 @@
           <a:lstStyle/>
           <a:p>
             <a:r>
-              <a:rPr lang="en-US" dirty="0" smtClean="0"/>
+              <a:rPr lang="en-US" dirty="0"/>
               <a:t>Introduction to Universe Programs</a:t>
             </a:r>
+          </a:p>
+        </p:txBody>
+      </p:sp>
+      <p:sp>
+        <p:nvSpPr>
+          <p:cNvPr id="3" name="Subtitle 2"/>
+          <p:cNvSpPr>
+            <a:spLocks noGrp="1"/>
+          </p:cNvSpPr>
+          <p:nvPr>
+            <p:ph type="subTitle" idx="1"/>
+          </p:nvPr>
+        </p:nvSpPr>
+        <p:spPr/>
+        <p:txBody>
+          <a:bodyPr/>
+          <a:lstStyle/>
+          <a:p>
+            <a:r>
+              <a:rPr lang="en-US" dirty="0"/>
+              <a:t>CS 5010 Program Design Paradigms “</a:t>
+            </a:r>
+            <a:r>
+              <a:rPr lang="en-US" dirty="0" err="1"/>
+              <a:t>Bootcamp</a:t>
+            </a:r>
+            <a:r>
+              <a:rPr lang="en-US" dirty="0"/>
+              <a:t>”</a:t>
+            </a:r>
+          </a:p>
+          <a:p>
+            <a:r>
+              <a:rPr lang="en-US" dirty="0"/>
+              <a:t>Lesson 3.1</a:t>
+            </a:r>
+          </a:p>
+          <a:p>
             <a:endParaRPr lang="en-US" dirty="0"/>
-          </a:p>
-        </p:txBody>
-      </p:sp>
-      <p:sp>
-        <p:nvSpPr>
-          <p:cNvPr id="3" name="Subtitle 2"/>
-          <p:cNvSpPr>
-            <a:spLocks noGrp="1"/>
-          </p:cNvSpPr>
-          <p:nvPr>
-            <p:ph type="subTitle" idx="1"/>
-          </p:nvPr>
-        </p:nvSpPr>
-        <p:spPr/>
-        <p:txBody>
-          <a:bodyPr/>
-          <a:lstStyle/>
-          <a:p>
-            <a:r>
-              <a:rPr lang="en-US" dirty="0" smtClean="0"/>
-              <a:t>CS 5010 Program Design Paradigms “</a:t>
-            </a:r>
-            <a:r>
-              <a:rPr lang="en-US" dirty="0" err="1" smtClean="0"/>
-              <a:t>Bootcamp</a:t>
-            </a:r>
-            <a:r>
-              <a:rPr lang="en-US" dirty="0" smtClean="0"/>
-              <a:t>”</a:t>
-            </a:r>
-          </a:p>
-          <a:p>
-            <a:r>
-              <a:rPr lang="en-US" dirty="0" smtClean="0"/>
-              <a:t>Lesson 3.1</a:t>
-            </a:r>
-          </a:p>
-          <a:p>
-            <a:endParaRPr lang="en-US" dirty="0" smtClean="0"/>
           </a:p>
           <a:p>
             <a:endParaRPr lang="en-US" dirty="0"/>
@@ -4924,29 +4846,29 @@
           <a:lstStyle/>
           <a:p>
             <a:r>
-              <a:rPr lang="en-US" smtClean="0"/>
+              <a:rPr lang="en-US"/>
               <a:t>TexPoint fonts used in EMF. </a:t>
             </a:r>
           </a:p>
           <a:p>
             <a:r>
-              <a:rPr lang="en-US" smtClean="0"/>
+              <a:rPr lang="en-US"/>
               <a:t>Read the TexPoint manual before you delete this box.: </a:t>
             </a:r>
             <a:r>
-              <a:rPr lang="en-US" smtClean="0">
+              <a:rPr lang="en-US">
                 <a:latin typeface="CMMI10"/>
               </a:rPr>
               <a:t>A</a:t>
             </a:r>
             <a:r>
-              <a:rPr lang="en-US" smtClean="0">
+              <a:rPr lang="en-US">
                 <a:latin typeface="CMR10"/>
               </a:rPr>
               <a:t>A</a:t>
             </a:r>
             <a:r>
-              <a:rPr lang="en-US" smtClean="0">
+              <a:rPr lang="en-US">
                 <a:latin typeface="CMSY10ORIG"/>
               </a:rPr>
               <a:t>A</a:t>
@@ -5023,27 +4945,13 @@
             <a:p>
               <a:r>
                 <a:rPr lang="en-US" sz="1000" dirty="0"/>
-                <a:t>© Mitchell Wand, </a:t>
-              </a:r>
-              <a:r>
-                <a:rPr lang="en-US" sz="1000" dirty="0" smtClean="0"/>
-                <a:t>2012-2015</a:t>
+                <a:t>© Mitchell Wand, 2012-2015</a:t>
               </a:r>
             </a:p>
             <a:p>
               <a:r>
-                <a:rPr lang="en-US" sz="1000" dirty="0" smtClean="0"/>
+                <a:rPr lang="en-US" sz="1000" dirty="0"/>
                 <a:t>This work is licensed under a </a:t>
-              </a:r>
-              <a:r>
-                <a:rPr lang="en-US" altLang="en-US" sz="1000" dirty="0" smtClean="0">
-                  <a:solidFill>
-                    <a:srgbClr val="4374B7"/>
-                  </a:solidFill>
-                  <a:latin typeface="Helvetica Neue"/>
-                  <a:hlinkClick r:id="rId5"/>
-                </a:rPr>
-                <a:t>Creative </a:t>
               </a:r>
               <a:r>
                 <a:rPr lang="en-US" altLang="en-US" sz="1000" dirty="0">
@@ -5053,7 +4961,7 @@
                   <a:latin typeface="Helvetica Neue"/>
                   <a:hlinkClick r:id="rId5"/>
                 </a:rPr>
-                <a:t>Commons Attribution-</a:t>
+                <a:t>Creative Commons Attribution-</a:t>
               </a:r>
               <a:r>
                 <a:rPr lang="en-US" altLang="en-US" sz="1000" dirty="0" err="1">
@@ -5076,10 +4984,9 @@
                 <a:t> 4.0 International License</a:t>
               </a:r>
               <a:r>
-                <a:rPr lang="en-US" sz="1000" dirty="0" smtClean="0"/>
+                <a:rPr lang="en-US" sz="1000" dirty="0"/>
                 <a:t>.</a:t>
               </a:r>
-              <a:endParaRPr lang="en-US" sz="1000" dirty="0"/>
             </a:p>
           </p:txBody>
         </p:sp>
@@ -5089,13 +4996,6 @@
   <p:clrMapOvr>
     <a:masterClrMapping/>
   </p:clrMapOvr>
-  <p:timing>
-    <p:tnLst>
-      <p:par>
-        <p:cTn id="1" dur="indefinite" restart="never" nodeType="tmRoot"/>
-      </p:par>
-    </p:tnLst>
-  </p:timing>
 </p:sld>
 </file>
 
@@ -5134,18 +5034,17 @@
           <a:lstStyle/>
           <a:p>
             <a:r>
-              <a:rPr lang="en-US" dirty="0" smtClean="0"/>
+              <a:rPr lang="en-US" dirty="0"/>
               <a:t>falling-</a:t>
             </a:r>
             <a:r>
-              <a:rPr lang="en-US" dirty="0" err="1" smtClean="0"/>
+              <a:rPr lang="en-US" dirty="0" err="1"/>
               <a:t>cat.rkt</a:t>
             </a:r>
             <a:r>
-              <a:rPr lang="en-US" dirty="0" smtClean="0"/>
+              <a:rPr lang="en-US" dirty="0"/>
               <a:t> demo</a:t>
             </a:r>
-            <a:endParaRPr lang="en-US" dirty="0"/>
           </a:p>
         </p:txBody>
       </p:sp>
@@ -5218,7 +5117,7 @@
           <a:lstStyle/>
           <a:p>
             <a:pPr algn="ctr"/>
-            <a:endParaRPr lang="en-US" dirty="0" smtClean="0">
+            <a:endParaRPr lang="en-US" dirty="0">
               <a:solidFill>
                 <a:schemeClr val="tx1"/>
               </a:solidFill>
@@ -5249,7 +5148,7 @@
           <a:lstStyle/>
           <a:p>
             <a:r>
-              <a:rPr lang="en-US" dirty="0" smtClean="0">
+              <a:rPr lang="en-US" dirty="0">
                 <a:hlinkClick r:id="rId5"/>
               </a:rPr>
               <a:t>YouTube link</a:t>
@@ -5409,17 +5308,16 @@
           <a:lstStyle/>
           <a:p>
             <a:r>
-              <a:rPr lang="en-US" dirty="0" smtClean="0"/>
+              <a:rPr lang="en-US" dirty="0"/>
               <a:t>The Falling Cat:</a:t>
             </a:r>
             <a:br>
-              <a:rPr lang="en-US" dirty="0" smtClean="0"/>
+              <a:rPr lang="en-US" dirty="0"/>
             </a:br>
             <a:r>
-              <a:rPr lang="en-US" dirty="0" smtClean="0"/>
+              <a:rPr lang="en-US" dirty="0"/>
               <a:t>Information Analysis</a:t>
             </a:r>
-            <a:endParaRPr lang="en-US" dirty="0"/>
           </a:p>
         </p:txBody>
       </p:sp>
@@ -5441,36 +5339,27 @@
           <a:lstStyle/>
           <a:p>
             <a:r>
-              <a:rPr lang="en-US" dirty="0" smtClean="0"/>
-              <a:t>There </a:t>
-            </a:r>
-            <a:r>
               <a:rPr lang="en-US" dirty="0"/>
-              <a:t>are the only two things that change as the animation </a:t>
-            </a:r>
-            <a:r>
-              <a:rPr lang="en-US" dirty="0" smtClean="0"/>
-              <a:t>progresses: the position of the cat, and whether or not the cat is paused.  So that’s what we put in the state:</a:t>
-            </a:r>
-            <a:endParaRPr lang="en-US" dirty="0"/>
-          </a:p>
-          <a:p>
-            <a:r>
-              <a:rPr lang="en-US" dirty="0" smtClean="0"/>
+              <a:t>There are the only two things that change as the animation progresses: the position of the cat, and whether or not the cat is paused.  So that’s what we put in the state:</a:t>
+            </a:r>
+          </a:p>
+          <a:p>
+            <a:r>
+              <a:rPr lang="en-US" dirty="0"/>
               <a:t>The state of the machine will consist of:</a:t>
             </a:r>
           </a:p>
           <a:p>
             <a:pPr lvl="1"/>
             <a:r>
-              <a:rPr lang="en-US" dirty="0" smtClean="0"/>
+              <a:rPr lang="en-US" dirty="0"/>
               <a:t>an integer describing the y-position of the cat.</a:t>
             </a:r>
           </a:p>
           <a:p>
             <a:pPr lvl="1"/>
             <a:r>
-              <a:rPr lang="en-US" dirty="0" smtClean="0"/>
+              <a:rPr lang="en-US" dirty="0"/>
               <a:t>a Boolean describing whether or not the cat is paused</a:t>
             </a:r>
           </a:p>
@@ -5504,13 +5393,6 @@
   <p:clrMapOvr>
     <a:masterClrMapping/>
   </p:clrMapOvr>
-  <p:timing>
-    <p:tnLst>
-      <p:par>
-        <p:cTn id="1" dur="indefinite" restart="never" nodeType="tmRoot"/>
-      </p:par>
-    </p:tnLst>
-  </p:timing>
 </p:sld>
 </file>
 
@@ -5549,17 +5431,16 @@
           <a:lstStyle/>
           <a:p>
             <a:r>
-              <a:rPr lang="en-US" dirty="0" smtClean="0"/>
+              <a:rPr lang="en-US" dirty="0"/>
               <a:t>Falling Cat:</a:t>
             </a:r>
             <a:br>
-              <a:rPr lang="en-US" dirty="0" smtClean="0"/>
+              <a:rPr lang="en-US" dirty="0"/>
             </a:br>
             <a:r>
-              <a:rPr lang="en-US" dirty="0" smtClean="0"/>
+              <a:rPr lang="en-US" dirty="0"/>
               <a:t>Data Design</a:t>
             </a:r>
-            <a:endParaRPr lang="en-US" dirty="0"/>
           </a:p>
         </p:txBody>
       </p:sp>
@@ -5584,21 +5465,21 @@
               <a:buNone/>
             </a:pPr>
             <a:r>
-              <a:rPr lang="en-US" sz="2000" b="1" dirty="0" smtClean="0">
+              <a:rPr lang="en-US" sz="2000" b="1" dirty="0">
                 <a:latin typeface="Consolas" pitchFamily="49" charset="0"/>
                 <a:cs typeface="Consolas" pitchFamily="49" charset="0"/>
               </a:rPr>
               <a:t>(define-</a:t>
             </a:r>
             <a:r>
-              <a:rPr lang="en-US" sz="2000" b="1" dirty="0" err="1" smtClean="0">
+              <a:rPr lang="en-US" sz="2000" b="1" dirty="0" err="1">
                 <a:latin typeface="Consolas" pitchFamily="49" charset="0"/>
                 <a:cs typeface="Consolas" pitchFamily="49" charset="0"/>
               </a:rPr>
               <a:t>struct</a:t>
             </a:r>
             <a:r>
-              <a:rPr lang="en-US" sz="2000" b="1" dirty="0" smtClean="0">
+              <a:rPr lang="en-US" sz="2000" b="1" dirty="0">
                 <a:latin typeface="Consolas" pitchFamily="49" charset="0"/>
                 <a:cs typeface="Consolas" pitchFamily="49" charset="0"/>
               </a:rPr>
@@ -5610,7 +5491,7 @@
               <a:buNone/>
             </a:pPr>
             <a:r>
-              <a:rPr lang="en-US" sz="2000" b="1" dirty="0" smtClean="0">
+              <a:rPr lang="en-US" sz="2000" b="1" dirty="0">
                 <a:latin typeface="Consolas" pitchFamily="49" charset="0"/>
                 <a:cs typeface="Consolas" pitchFamily="49" charset="0"/>
               </a:rPr>
@@ -5622,7 +5503,7 @@
               <a:buNone/>
             </a:pPr>
             <a:r>
-              <a:rPr lang="en-US" sz="2000" b="1" dirty="0" smtClean="0">
+              <a:rPr lang="en-US" sz="2000" b="1" dirty="0">
                 <a:latin typeface="Consolas" pitchFamily="49" charset="0"/>
                 <a:cs typeface="Consolas" pitchFamily="49" charset="0"/>
               </a:rPr>
@@ -5634,7 +5515,7 @@
               <a:buNone/>
             </a:pPr>
             <a:r>
-              <a:rPr lang="en-US" sz="2000" b="1" dirty="0" smtClean="0">
+              <a:rPr lang="en-US" sz="2000" b="1" dirty="0">
                 <a:latin typeface="Consolas" pitchFamily="49" charset="0"/>
                 <a:cs typeface="Consolas" pitchFamily="49" charset="0"/>
               </a:rPr>
@@ -5646,7 +5527,7 @@
               <a:buNone/>
             </a:pPr>
             <a:r>
-              <a:rPr lang="en-US" sz="2000" b="1" dirty="0" smtClean="0">
+              <a:rPr lang="en-US" sz="2000" b="1" dirty="0">
                 <a:latin typeface="Consolas" pitchFamily="49" charset="0"/>
                 <a:cs typeface="Consolas" pitchFamily="49" charset="0"/>
               </a:rPr>
@@ -5657,7 +5538,7 @@
             <a:pPr>
               <a:buNone/>
             </a:pPr>
-            <a:endParaRPr lang="en-US" sz="2000" b="1" dirty="0" smtClean="0">
+            <a:endParaRPr lang="en-US" sz="2000" b="1" dirty="0">
               <a:latin typeface="Consolas" pitchFamily="49" charset="0"/>
               <a:cs typeface="Consolas" pitchFamily="49" charset="0"/>
             </a:endParaRPr>
@@ -5667,7 +5548,7 @@
               <a:buNone/>
             </a:pPr>
             <a:r>
-              <a:rPr lang="en-US" sz="2000" b="1" dirty="0" smtClean="0">
+              <a:rPr lang="en-US" sz="2000" b="1" dirty="0">
                 <a:latin typeface="Consolas" pitchFamily="49" charset="0"/>
                 <a:cs typeface="Consolas" pitchFamily="49" charset="0"/>
               </a:rPr>
@@ -5679,7 +5560,7 @@
               <a:buNone/>
             </a:pPr>
             <a:r>
-              <a:rPr lang="en-US" sz="2000" b="1" dirty="0" smtClean="0">
+              <a:rPr lang="en-US" sz="2000" b="1" dirty="0">
                 <a:latin typeface="Consolas" pitchFamily="49" charset="0"/>
                 <a:cs typeface="Consolas" pitchFamily="49" charset="0"/>
               </a:rPr>
@@ -5691,7 +5572,7 @@
               <a:buNone/>
             </a:pPr>
             <a:r>
-              <a:rPr lang="en-US" sz="2000" b="1" dirty="0" smtClean="0">
+              <a:rPr lang="en-US" sz="2000" b="1" dirty="0">
                 <a:latin typeface="Consolas" pitchFamily="49" charset="0"/>
                 <a:cs typeface="Consolas" pitchFamily="49" charset="0"/>
               </a:rPr>
@@ -5703,7 +5584,7 @@
               <a:buNone/>
             </a:pPr>
             <a:r>
-              <a:rPr lang="en-US" sz="2000" b="1" dirty="0" smtClean="0">
+              <a:rPr lang="en-US" sz="2000" b="1" dirty="0">
                 <a:latin typeface="Consolas" pitchFamily="49" charset="0"/>
                 <a:cs typeface="Consolas" pitchFamily="49" charset="0"/>
               </a:rPr>
@@ -5749,13 +5630,6 @@
   <p:clrMapOvr>
     <a:masterClrMapping/>
   </p:clrMapOvr>
-  <p:timing>
-    <p:tnLst>
-      <p:par>
-        <p:cTn id="1" dur="indefinite" restart="never" nodeType="tmRoot"/>
-      </p:par>
-    </p:tnLst>
-  </p:timing>
 </p:sld>
 </file>
 
@@ -5794,17 +5668,16 @@
           <a:lstStyle/>
           <a:p>
             <a:r>
-              <a:rPr lang="en-US" dirty="0" smtClean="0"/>
+              <a:rPr lang="en-US" dirty="0"/>
               <a:t>Falling Cat 1:</a:t>
             </a:r>
             <a:br>
-              <a:rPr lang="en-US" dirty="0" smtClean="0"/>
+              <a:rPr lang="en-US" dirty="0"/>
             </a:br>
             <a:r>
-              <a:rPr lang="en-US" dirty="0" smtClean="0"/>
+              <a:rPr lang="en-US" dirty="0"/>
               <a:t>Information Analysis, part 2</a:t>
             </a:r>
-            <a:endParaRPr lang="en-US" dirty="0"/>
           </a:p>
         </p:txBody>
       </p:sp>
@@ -5824,17 +5697,17 @@
           <a:lstStyle/>
           <a:p>
             <a:r>
-              <a:rPr lang="en-US" dirty="0" smtClean="0"/>
+              <a:rPr lang="en-US" dirty="0"/>
               <a:t>What inputs does the cat respond to?</a:t>
             </a:r>
           </a:p>
           <a:p>
             <a:r>
-              <a:rPr lang="en-US" dirty="0" smtClean="0"/>
+              <a:rPr lang="en-US" dirty="0"/>
               <a:t>Answer: it responds to </a:t>
             </a:r>
             <a:r>
-              <a:rPr lang="en-US" i="1" dirty="0" smtClean="0">
+              <a:rPr lang="en-US" i="1" dirty="0">
                 <a:solidFill>
                   <a:srgbClr val="FF0000"/>
                 </a:solidFill>
@@ -5842,11 +5715,11 @@
               <a:t>time passing </a:t>
             </a:r>
             <a:r>
-              <a:rPr lang="en-US" dirty="0" smtClean="0"/>
+              <a:rPr lang="en-US" dirty="0"/>
               <a:t>and to </a:t>
             </a:r>
             <a:r>
-              <a:rPr lang="en-US" i="1" dirty="0" smtClean="0">
+              <a:rPr lang="en-US" i="1" dirty="0">
                 <a:solidFill>
                   <a:srgbClr val="FF0000"/>
                 </a:solidFill>
@@ -5855,10 +5728,10 @@
             </a:r>
           </a:p>
           <a:p>
-            <a:endParaRPr lang="en-US" dirty="0" smtClean="0"/>
-          </a:p>
-          <a:p>
-            <a:endParaRPr lang="en-US" dirty="0" smtClean="0"/>
+            <a:endParaRPr lang="en-US" dirty="0"/>
+          </a:p>
+          <a:p>
+            <a:endParaRPr lang="en-US" dirty="0"/>
           </a:p>
           <a:p>
             <a:endParaRPr lang="en-US" dirty="0"/>
@@ -5893,13 +5766,6 @@
   <p:clrMapOvr>
     <a:masterClrMapping/>
   </p:clrMapOvr>
-  <p:timing>
-    <p:tnLst>
-      <p:par>
-        <p:cTn id="1" dur="indefinite" restart="never" nodeType="tmRoot"/>
-      </p:par>
-    </p:tnLst>
-  </p:timing>
 </p:sld>
 </file>
 
@@ -5938,10 +5804,9 @@
           <a:lstStyle/>
           <a:p>
             <a:r>
-              <a:rPr lang="en-US" dirty="0" smtClean="0"/>
+              <a:rPr lang="en-US" dirty="0"/>
               <a:t>What kind of Key Events does it respond to?</a:t>
             </a:r>
-            <a:endParaRPr lang="en-US" dirty="0"/>
           </a:p>
         </p:txBody>
       </p:sp>
@@ -5961,24 +5826,23 @@
           <a:lstStyle/>
           <a:p>
             <a:r>
-              <a:rPr lang="en-US" dirty="0" smtClean="0"/>
+              <a:rPr lang="en-US" dirty="0"/>
               <a:t>It responds to the space character, which is represented by the string </a:t>
             </a:r>
             <a:r>
-              <a:rPr lang="en-US" b="1" dirty="0" smtClean="0"/>
+              <a:rPr lang="en-US" b="1" dirty="0"/>
               <a:t>" " </a:t>
             </a:r>
             <a:r>
-              <a:rPr lang="en-US" dirty="0" smtClean="0"/>
+              <a:rPr lang="en-US" dirty="0"/>
               <a:t>that consists of a single space.</a:t>
             </a:r>
           </a:p>
           <a:p>
             <a:r>
-              <a:rPr lang="en-US" dirty="0" smtClean="0"/>
+              <a:rPr lang="en-US" dirty="0"/>
               <a:t>All other key events are ignored.</a:t>
             </a:r>
-            <a:endParaRPr lang="en-US" dirty="0"/>
           </a:p>
         </p:txBody>
       </p:sp>
@@ -6010,13 +5874,6 @@
   <p:clrMapOvr>
     <a:masterClrMapping/>
   </p:clrMapOvr>
-  <p:timing>
-    <p:tnLst>
-      <p:par>
-        <p:cTn id="1" dur="indefinite" restart="never" nodeType="tmRoot"/>
-      </p:par>
-    </p:tnLst>
-  </p:timing>
 </p:sld>
 </file>
 
@@ -6053,10 +5910,9 @@
           <a:lstStyle/>
           <a:p>
             <a:r>
-              <a:rPr lang="en-US" dirty="0" smtClean="0"/>
+              <a:rPr lang="en-US" dirty="0"/>
               <a:t>Next, make a wishlist</a:t>
             </a:r>
-            <a:endParaRPr lang="en-US" dirty="0"/>
           </a:p>
         </p:txBody>
       </p:sp>
@@ -6076,22 +5932,21 @@
           <a:lstStyle/>
           <a:p>
             <a:r>
-              <a:rPr lang="en-US" dirty="0" smtClean="0"/>
+              <a:rPr lang="en-US" dirty="0"/>
               <a:t>What functions will we need for our application?</a:t>
             </a:r>
           </a:p>
           <a:p>
             <a:r>
-              <a:rPr lang="en-US" dirty="0" smtClean="0"/>
+              <a:rPr lang="en-US" dirty="0"/>
               <a:t>Write contracts and purpose statements for these functions.</a:t>
             </a:r>
           </a:p>
           <a:p>
             <a:r>
-              <a:rPr lang="en-US" dirty="0" smtClean="0"/>
+              <a:rPr lang="en-US" dirty="0"/>
               <a:t>Then design each function in turn.</a:t>
             </a:r>
-            <a:endParaRPr lang="en-US" dirty="0"/>
           </a:p>
         </p:txBody>
       </p:sp>
@@ -6123,13 +5978,6 @@
   <p:clrMapOvr>
     <a:masterClrMapping/>
   </p:clrMapOvr>
-  <p:timing>
-    <p:tnLst>
-      <p:par>
-        <p:cTn id="1" dur="indefinite" restart="never" nodeType="tmRoot"/>
-      </p:par>
-    </p:tnLst>
-  </p:timing>
 </p:sld>
 </file>
 
@@ -6168,10 +6016,9 @@
           <a:lstStyle/>
           <a:p>
             <a:r>
-              <a:rPr lang="en-US" dirty="0" smtClean="0"/>
+              <a:rPr lang="en-US" dirty="0"/>
               <a:t>Wishlist (1): How does it respond to time passing?</a:t>
             </a:r>
-            <a:endParaRPr lang="en-US" dirty="0"/>
           </a:p>
         </p:txBody>
       </p:sp>
@@ -6194,7 +6041,7 @@
               <a:buNone/>
             </a:pPr>
             <a:r>
-              <a:rPr lang="en-US" dirty="0" smtClean="0"/>
+              <a:rPr lang="en-US" dirty="0"/>
               <a:t>We express the answer as a function:</a:t>
             </a:r>
           </a:p>
@@ -6202,7 +6049,7 @@
             <a:pPr>
               <a:buNone/>
             </a:pPr>
-            <a:endParaRPr lang="en-US" dirty="0" smtClean="0">
+            <a:endParaRPr lang="en-US" dirty="0">
               <a:latin typeface="Courier New" pitchFamily="49" charset="0"/>
               <a:cs typeface="Courier New" pitchFamily="49" charset="0"/>
             </a:endParaRPr>
@@ -6212,14 +6059,14 @@
               <a:buNone/>
             </a:pPr>
             <a:r>
-              <a:rPr lang="en-US" sz="2800" dirty="0" smtClean="0">
+              <a:rPr lang="en-US" sz="2800" dirty="0">
                 <a:latin typeface="Consolas" pitchFamily="49" charset="0"/>
                 <a:cs typeface="Consolas" pitchFamily="49" charset="0"/>
               </a:rPr>
               <a:t>;; </a:t>
             </a:r>
             <a:r>
-              <a:rPr lang="en-US" sz="2800" b="1" dirty="0" smtClean="0">
+              <a:rPr lang="en-US" sz="2800" b="1" dirty="0">
                 <a:latin typeface="Consolas" pitchFamily="49" charset="0"/>
                 <a:cs typeface="Consolas" pitchFamily="49" charset="0"/>
               </a:rPr>
@@ -6231,7 +6078,7 @@
               <a:buNone/>
             </a:pPr>
             <a:r>
-              <a:rPr lang="en-US" sz="2800" b="1" dirty="0" smtClean="0">
+              <a:rPr lang="en-US" sz="2800" b="1" dirty="0">
                 <a:latin typeface="Consolas" pitchFamily="49" charset="0"/>
                 <a:cs typeface="Consolas" pitchFamily="49" charset="0"/>
               </a:rPr>
@@ -6243,7 +6090,7 @@
               <a:buNone/>
             </a:pPr>
             <a:r>
-              <a:rPr lang="en-US" sz="2800" b="1" dirty="0" smtClean="0">
+              <a:rPr lang="en-US" sz="2800" b="1" dirty="0">
                 <a:latin typeface="Consolas" pitchFamily="49" charset="0"/>
                 <a:cs typeface="Consolas" pitchFamily="49" charset="0"/>
               </a:rPr>
@@ -6255,7 +6102,7 @@
               <a:buNone/>
             </a:pPr>
             <a:r>
-              <a:rPr lang="en-US" sz="2800" b="1" dirty="0" smtClean="0">
+              <a:rPr lang="en-US" sz="2800" b="1" dirty="0">
                 <a:latin typeface="Consolas" pitchFamily="49" charset="0"/>
                 <a:cs typeface="Consolas" pitchFamily="49" charset="0"/>
               </a:rPr>
@@ -6298,13 +6145,6 @@
   <p:clrMapOvr>
     <a:masterClrMapping/>
   </p:clrMapOvr>
-  <p:timing>
-    <p:tnLst>
-      <p:par>
-        <p:cTn id="1" dur="indefinite" restart="never" nodeType="tmRoot"/>
-      </p:par>
-    </p:tnLst>
-  </p:timing>
 </p:sld>
 </file>
 
@@ -6343,10 +6183,9 @@
           <a:lstStyle/>
           <a:p>
             <a:r>
-              <a:rPr lang="en-US" dirty="0" smtClean="0"/>
+              <a:rPr lang="en-US" dirty="0"/>
               <a:t>Wishlist (2): How does it respond to key events?</a:t>
             </a:r>
-            <a:endParaRPr lang="en-US" dirty="0"/>
           </a:p>
         </p:txBody>
       </p:sp>
@@ -6371,7 +6210,7 @@
               <a:buNone/>
             </a:pPr>
             <a:r>
-              <a:rPr lang="en-US" sz="2000" b="1" dirty="0" smtClean="0">
+              <a:rPr lang="en-US" sz="2000" b="1" dirty="0">
                 <a:latin typeface="Consolas" pitchFamily="49" charset="0"/>
                 <a:cs typeface="Consolas" pitchFamily="49" charset="0"/>
               </a:rPr>
@@ -6383,21 +6222,21 @@
               <a:buNone/>
             </a:pPr>
             <a:r>
-              <a:rPr lang="en-US" sz="2000" b="1" dirty="0" smtClean="0">
+              <a:rPr lang="en-US" sz="2000" b="1" dirty="0">
                 <a:latin typeface="Consolas" pitchFamily="49" charset="0"/>
                 <a:cs typeface="Consolas" pitchFamily="49" charset="0"/>
               </a:rPr>
               <a:t>;;   World </a:t>
             </a:r>
             <a:r>
-              <a:rPr lang="en-US" sz="2000" b="1" dirty="0" err="1" smtClean="0">
+              <a:rPr lang="en-US" sz="2000" b="1" dirty="0" err="1">
                 <a:latin typeface="Consolas" pitchFamily="49" charset="0"/>
                 <a:cs typeface="Consolas" pitchFamily="49" charset="0"/>
               </a:rPr>
               <a:t>KeyEvent</a:t>
             </a:r>
             <a:r>
-              <a:rPr lang="en-US" sz="2000" b="1" dirty="0" smtClean="0">
+              <a:rPr lang="en-US" sz="2000" b="1" dirty="0">
                 <a:latin typeface="Consolas" pitchFamily="49" charset="0"/>
                 <a:cs typeface="Consolas" pitchFamily="49" charset="0"/>
               </a:rPr>
@@ -6409,7 +6248,7 @@
               <a:buNone/>
             </a:pPr>
             <a:r>
-              <a:rPr lang="en-US" sz="2000" b="1" dirty="0" smtClean="0">
+              <a:rPr lang="en-US" sz="2000" b="1" dirty="0">
                 <a:latin typeface="Consolas" pitchFamily="49" charset="0"/>
                 <a:cs typeface="Consolas" pitchFamily="49" charset="0"/>
               </a:rPr>
@@ -6421,7 +6260,7 @@
               <a:buNone/>
             </a:pPr>
             <a:r>
-              <a:rPr lang="en-US" sz="2000" b="1" dirty="0" smtClean="0">
+              <a:rPr lang="en-US" sz="2000" b="1" dirty="0">
                 <a:latin typeface="Consolas" pitchFamily="49" charset="0"/>
                 <a:cs typeface="Consolas" pitchFamily="49" charset="0"/>
               </a:rPr>
@@ -6433,7 +6272,7 @@
               <a:buNone/>
             </a:pPr>
             <a:r>
-              <a:rPr lang="en-US" sz="2000" b="1" dirty="0" smtClean="0">
+              <a:rPr lang="en-US" sz="2000" b="1" dirty="0">
                 <a:latin typeface="Consolas" pitchFamily="49" charset="0"/>
                 <a:cs typeface="Consolas" pitchFamily="49" charset="0"/>
               </a:rPr>
@@ -6500,31 +6339,7 @@
                   <a:schemeClr val="tx1"/>
                 </a:solidFill>
               </a:rPr>
-              <a:t>Here we've written the purpose statement in two parts.  The first is the general specification ("produces the world that should follow the given world after the given key event"), and the second </a:t>
-            </a:r>
-            <a:r>
-              <a:rPr lang="en-US" dirty="0" smtClean="0">
-                <a:solidFill>
-                  <a:schemeClr val="tx1"/>
-                </a:solidFill>
-              </a:rPr>
-              <a:t>is a </a:t>
-            </a:r>
-            <a:r>
-              <a:rPr lang="en-US" dirty="0">
-                <a:solidFill>
-                  <a:schemeClr val="tx1"/>
-                </a:solidFill>
-              </a:rPr>
-              <a:t>more specific statement of what that world </a:t>
-            </a:r>
-            <a:r>
-              <a:rPr lang="en-US" dirty="0" smtClean="0">
-                <a:solidFill>
-                  <a:schemeClr val="tx1"/>
-                </a:solidFill>
-              </a:rPr>
-              <a:t>is.</a:t>
+              <a:t>Here we've written the purpose statement in two parts.  The first is the general specification ("produces the world that should follow the given world after the given key event"), and the second is a more specific statement of what that world is.</a:t>
             </a:r>
           </a:p>
         </p:txBody>
@@ -6557,13 +6372,6 @@
   <p:clrMapOvr>
     <a:masterClrMapping/>
   </p:clrMapOvr>
-  <p:timing>
-    <p:tnLst>
-      <p:par>
-        <p:cTn id="1" dur="indefinite" restart="never" nodeType="tmRoot"/>
-      </p:par>
-    </p:tnLst>
-  </p:timing>
 </p:sld>
 </file>
 
@@ -6602,10 +6410,9 @@
           <a:lstStyle/>
           <a:p>
             <a:r>
-              <a:rPr lang="en-US" dirty="0" smtClean="0"/>
+              <a:rPr lang="en-US" dirty="0"/>
               <a:t>Wishlist (3)</a:t>
             </a:r>
-            <a:endParaRPr lang="en-US" dirty="0"/>
           </a:p>
         </p:txBody>
       </p:sp>
@@ -6625,11 +6432,11 @@
           <a:lstStyle/>
           <a:p>
             <a:r>
-              <a:rPr lang="en-US" dirty="0" smtClean="0"/>
+              <a:rPr lang="en-US" dirty="0"/>
               <a:t>We also need to </a:t>
             </a:r>
             <a:r>
-              <a:rPr lang="en-US" i="1" dirty="0" smtClean="0">
+              <a:rPr lang="en-US" i="1" dirty="0">
                 <a:solidFill>
                   <a:srgbClr val="FF0000"/>
                 </a:solidFill>
@@ -6637,19 +6444,19 @@
               <a:t>render</a:t>
             </a:r>
             <a:r>
-              <a:rPr lang="en-US" dirty="0" smtClean="0"/>
+              <a:rPr lang="en-US" dirty="0"/>
               <a:t> the state as a scene:</a:t>
             </a:r>
           </a:p>
           <a:p>
-            <a:endParaRPr lang="en-US" dirty="0" smtClean="0"/>
-          </a:p>
-          <a:p>
-            <a:pPr>
-              <a:buNone/>
-            </a:pPr>
-            <a:r>
-              <a:rPr lang="en-US" sz="2400" b="1" dirty="0" smtClean="0">
+            <a:endParaRPr lang="en-US" dirty="0"/>
+          </a:p>
+          <a:p>
+            <a:pPr>
+              <a:buNone/>
+            </a:pPr>
+            <a:r>
+              <a:rPr lang="en-US" sz="2400" b="1" dirty="0">
                 <a:latin typeface="Consolas" pitchFamily="49" charset="0"/>
                 <a:cs typeface="Consolas" pitchFamily="49" charset="0"/>
               </a:rPr>
@@ -6661,7 +6468,7 @@
               <a:buNone/>
             </a:pPr>
             <a:r>
-              <a:rPr lang="en-US" sz="2400" b="1" dirty="0" smtClean="0">
+              <a:rPr lang="en-US" sz="2400" b="1" dirty="0">
                 <a:latin typeface="Consolas" pitchFamily="49" charset="0"/>
                 <a:cs typeface="Consolas" pitchFamily="49" charset="0"/>
               </a:rPr>
@@ -6673,16 +6480,12 @@
               <a:buNone/>
             </a:pPr>
             <a:r>
-              <a:rPr lang="en-US" sz="2400" b="1" dirty="0" smtClean="0">
+              <a:rPr lang="en-US" sz="2400" b="1" dirty="0">
                 <a:latin typeface="Consolas" pitchFamily="49" charset="0"/>
                 <a:cs typeface="Consolas" pitchFamily="49" charset="0"/>
               </a:rPr>
               <a:t>;; world. </a:t>
             </a:r>
-            <a:endParaRPr lang="en-US" sz="2400" b="1" dirty="0">
-              <a:latin typeface="Consolas" pitchFamily="49" charset="0"/>
-              <a:cs typeface="Consolas" pitchFamily="49" charset="0"/>
-            </a:endParaRPr>
           </a:p>
         </p:txBody>
       </p:sp>
@@ -6772,13 +6575,6 @@
   <p:clrMapOvr>
     <a:masterClrMapping/>
   </p:clrMapOvr>
-  <p:timing>
-    <p:tnLst>
-      <p:par>
-        <p:cTn id="1" dur="indefinite" restart="never" nodeType="tmRoot"/>
-      </p:par>
-    </p:tnLst>
-  </p:timing>
 </p:sld>
 </file>
 
@@ -6815,10 +6611,9 @@
           <a:lstStyle/>
           <a:p>
             <a:r>
-              <a:rPr lang="en-US" dirty="0" smtClean="0"/>
+              <a:rPr lang="en-US" dirty="0"/>
               <a:t>Wishlist (4): Running the world</a:t>
             </a:r>
-            <a:endParaRPr lang="en-US" dirty="0"/>
           </a:p>
         </p:txBody>
       </p:sp>
@@ -6852,21 +6647,19 @@
                 <a:latin typeface="Consolas" pitchFamily="49" charset="0"/>
                 <a:cs typeface="Consolas" pitchFamily="49" charset="0"/>
               </a:rPr>
-              <a:t>;; main : </a:t>
-            </a:r>
-            <a:r>
-              <a:rPr lang="en-US" sz="2000" b="1" dirty="0" smtClean="0">
-                <a:latin typeface="Consolas" pitchFamily="49" charset="0"/>
-                <a:cs typeface="Consolas" pitchFamily="49" charset="0"/>
-              </a:rPr>
-              <a:t>Integer </a:t>
-            </a:r>
+              <a:t>;; main : Integer -&gt; World</a:t>
+            </a:r>
+          </a:p>
+          <a:p>
+            <a:pPr>
+              <a:buNone/>
+            </a:pPr>
             <a:r>
               <a:rPr lang="en-US" sz="2000" b="1" dirty="0">
                 <a:latin typeface="Consolas" pitchFamily="49" charset="0"/>
                 <a:cs typeface="Consolas" pitchFamily="49" charset="0"/>
               </a:rPr>
-              <a:t>-&gt; World</a:t>
+              <a:t>;; GIVEN: the initial y-position in the cat</a:t>
             </a:r>
           </a:p>
           <a:p>
@@ -6878,7 +6671,7 @@
                 <a:latin typeface="Consolas" pitchFamily="49" charset="0"/>
                 <a:cs typeface="Consolas" pitchFamily="49" charset="0"/>
               </a:rPr>
-              <a:t>;; GIVEN: the initial y-position in the cat</a:t>
+              <a:t>;; EFFECT: runs the simulation, starting with the cat</a:t>
             </a:r>
           </a:p>
           <a:p>
@@ -6890,50 +6683,20 @@
                 <a:latin typeface="Consolas" pitchFamily="49" charset="0"/>
                 <a:cs typeface="Consolas" pitchFamily="49" charset="0"/>
               </a:rPr>
-              <a:t>;; EFFECT: runs the simulation, starting with the </a:t>
-            </a:r>
-            <a:r>
-              <a:rPr lang="en-US" sz="2000" b="1" dirty="0" smtClean="0">
-                <a:latin typeface="Consolas" pitchFamily="49" charset="0"/>
-                <a:cs typeface="Consolas" pitchFamily="49" charset="0"/>
-              </a:rPr>
-              <a:t>cat</a:t>
-            </a:r>
-          </a:p>
-          <a:p>
-            <a:pPr>
-              <a:buNone/>
-            </a:pPr>
-            <a:r>
-              <a:rPr lang="en-US" sz="2000" b="1" dirty="0" smtClean="0">
-                <a:latin typeface="Consolas" pitchFamily="49" charset="0"/>
-                <a:cs typeface="Consolas" pitchFamily="49" charset="0"/>
-              </a:rPr>
-              <a:t>;;  </a:t>
-            </a:r>
+              <a:t>;;  falling</a:t>
+            </a:r>
+          </a:p>
+          <a:p>
+            <a:pPr>
+              <a:buNone/>
+            </a:pPr>
             <a:r>
               <a:rPr lang="en-US" sz="2000" b="1" dirty="0">
                 <a:latin typeface="Consolas" pitchFamily="49" charset="0"/>
                 <a:cs typeface="Consolas" pitchFamily="49" charset="0"/>
               </a:rPr>
-              <a:t>falling</a:t>
-            </a:r>
-          </a:p>
-          <a:p>
-            <a:pPr>
-              <a:buNone/>
-            </a:pPr>
-            <a:r>
-              <a:rPr lang="en-US" sz="2000" b="1" dirty="0">
-                <a:latin typeface="Consolas" pitchFamily="49" charset="0"/>
-                <a:cs typeface="Consolas" pitchFamily="49" charset="0"/>
-              </a:rPr>
               <a:t>;; RETURNS: the final state of the world</a:t>
             </a:r>
-            <a:endParaRPr lang="en-US" sz="2000" b="1" dirty="0" smtClean="0">
-              <a:latin typeface="Consolas" pitchFamily="49" charset="0"/>
-              <a:cs typeface="Consolas" pitchFamily="49" charset="0"/>
-            </a:endParaRPr>
           </a:p>
         </p:txBody>
       </p:sp>
@@ -6979,10 +6742,9 @@
           <a:lstStyle/>
           <a:p>
             <a:r>
-              <a:rPr lang="en-US" dirty="0" smtClean="0"/>
+              <a:rPr lang="en-US" dirty="0"/>
               <a:t>Here the function has an effect in the real world (like reading or printing).  We  document this by writing an EFFECT clause in our purpose statement.</a:t>
             </a:r>
-            <a:endParaRPr lang="en-US" dirty="0"/>
           </a:p>
         </p:txBody>
       </p:sp>
@@ -7028,18 +6790,18 @@
           <a:lstStyle/>
           <a:p>
             <a:r>
-              <a:rPr lang="en-US" dirty="0" smtClean="0"/>
+              <a:rPr lang="en-US" dirty="0"/>
               <a:t>For now, functions like </a:t>
             </a:r>
             <a:r>
-              <a:rPr lang="en-US" b="1" dirty="0" smtClean="0">
+              <a:rPr lang="en-US" b="1" dirty="0">
                 <a:latin typeface="Consolas" pitchFamily="49" charset="0"/>
                 <a:cs typeface="Consolas" pitchFamily="49" charset="0"/>
               </a:rPr>
               <a:t>main</a:t>
             </a:r>
             <a:r>
-              <a:rPr lang="en-US" dirty="0" smtClean="0"/>
+              <a:rPr lang="en-US" dirty="0"/>
               <a:t> will be our only functions with real-world effects. All our other functions will be pure:  that is, they compute a value that is a mathematical function of their arguments.  They will not have side-effects.</a:t>
             </a:r>
           </a:p>
@@ -7048,10 +6810,9 @@
           </a:p>
           <a:p>
             <a:r>
-              <a:rPr lang="en-US" dirty="0" smtClean="0"/>
+              <a:rPr lang="en-US" dirty="0"/>
               <a:t>Side-effects make it much more difficult to understand what a function does.  We will cover these much later in the course.</a:t>
             </a:r>
-            <a:endParaRPr lang="en-US" dirty="0"/>
           </a:p>
         </p:txBody>
       </p:sp>
@@ -7083,13 +6844,6 @@
   <p:clrMapOvr>
     <a:masterClrMapping/>
   </p:clrMapOvr>
-  <p:timing>
-    <p:tnLst>
-      <p:par>
-        <p:cTn id="1" dur="indefinite" restart="never" nodeType="tmRoot"/>
-      </p:par>
-    </p:tnLst>
-  </p:timing>
 </p:sld>
 </file>
 
@@ -7126,10 +6880,9 @@
           <a:lstStyle/>
           <a:p>
             <a:r>
-              <a:rPr lang="en-US" dirty="0" smtClean="0"/>
+              <a:rPr lang="en-US" dirty="0"/>
               <a:t>Module Outline</a:t>
             </a:r>
-            <a:endParaRPr lang="en-US" dirty="0"/>
           </a:p>
         </p:txBody>
       </p:sp>
@@ -7151,28 +6904,27 @@
           <a:lstStyle/>
           <a:p>
             <a:r>
-              <a:rPr lang="en-US" dirty="0" smtClean="0"/>
+              <a:rPr lang="en-US" dirty="0"/>
               <a:t>We will learn about the Universe module, which we will use to create interactive animations.</a:t>
             </a:r>
           </a:p>
           <a:p>
             <a:r>
-              <a:rPr lang="en-US" dirty="0" smtClean="0"/>
+              <a:rPr lang="en-US" dirty="0"/>
               <a:t>We will learn how to do “iterative refinement”– that is, adding features to a program</a:t>
             </a:r>
           </a:p>
           <a:p>
             <a:r>
-              <a:rPr lang="en-US" dirty="0" smtClean="0"/>
+              <a:rPr lang="en-US" dirty="0"/>
               <a:t>We will learn more about how to design data.</a:t>
             </a:r>
           </a:p>
           <a:p>
             <a:r>
-              <a:rPr lang="en-US" dirty="0" smtClean="0"/>
+              <a:rPr lang="en-US" dirty="0"/>
               <a:t>We’ll do all this in the context of 3 versions of a simple system.</a:t>
             </a:r>
-            <a:endParaRPr lang="en-US" dirty="0"/>
           </a:p>
         </p:txBody>
       </p:sp>
@@ -7209,13 +6961,6 @@
   <p:clrMapOvr>
     <a:masterClrMapping/>
   </p:clrMapOvr>
-  <p:timing>
-    <p:tnLst>
-      <p:par>
-        <p:cTn id="1" dur="indefinite" restart="never" nodeType="tmRoot"/>
-      </p:par>
-    </p:tnLst>
-  </p:timing>
 </p:sld>
 </file>
 
@@ -7254,10 +6999,9 @@
           <a:lstStyle/>
           <a:p>
             <a:r>
-              <a:rPr lang="en-US" dirty="0" smtClean="0"/>
+              <a:rPr lang="en-US" dirty="0"/>
               <a:t>Next: develop each of the functions</a:t>
             </a:r>
-            <a:endParaRPr lang="en-US" dirty="0"/>
           </a:p>
         </p:txBody>
       </p:sp>
@@ -7287,7 +7031,7 @@
               <a:buNone/>
             </a:pPr>
             <a:r>
-              <a:rPr lang="en-US" sz="2400" b="1" dirty="0" smtClean="0">
+              <a:rPr lang="en-US" sz="2400" b="1" dirty="0">
                 <a:latin typeface="Consolas" pitchFamily="49" charset="0"/>
                 <a:cs typeface="Consolas" pitchFamily="49" charset="0"/>
               </a:rPr>
@@ -7299,33 +7043,19 @@
               <a:buNone/>
             </a:pPr>
             <a:r>
-              <a:rPr lang="en-US" sz="2400" b="1" dirty="0" smtClean="0">
-                <a:latin typeface="Consolas" pitchFamily="49" charset="0"/>
-                <a:cs typeface="Consolas" pitchFamily="49" charset="0"/>
-              </a:rPr>
-              <a:t>;; </a:t>
-            </a:r>
-            <a:r>
               <a:rPr lang="en-US" sz="2400" b="1" dirty="0">
                 <a:latin typeface="Consolas" pitchFamily="49" charset="0"/>
                 <a:cs typeface="Consolas" pitchFamily="49" charset="0"/>
               </a:rPr>
-              <a:t>RETURNS: </a:t>
-            </a:r>
-            <a:r>
-              <a:rPr lang="en-US" sz="2400" b="1" dirty="0" smtClean="0">
-                <a:latin typeface="Consolas" pitchFamily="49" charset="0"/>
-                <a:cs typeface="Consolas" pitchFamily="49" charset="0"/>
-              </a:rPr>
-              <a:t>the world that should follow the given</a:t>
-            </a:r>
-          </a:p>
-          <a:p>
-            <a:pPr>
-              <a:buNone/>
-            </a:pPr>
-            <a:r>
-              <a:rPr lang="en-US" sz="2400" b="1" dirty="0" smtClean="0">
+              <a:t>;; RETURNS: the world that should follow the given</a:t>
+            </a:r>
+          </a:p>
+          <a:p>
+            <a:pPr>
+              <a:buNone/>
+            </a:pPr>
+            <a:r>
+              <a:rPr lang="en-US" sz="2400" b="1" dirty="0">
                 <a:latin typeface="Consolas" pitchFamily="49" charset="0"/>
                 <a:cs typeface="Consolas" pitchFamily="49" charset="0"/>
               </a:rPr>
@@ -7336,7 +7066,7 @@
             <a:pPr>
               <a:buNone/>
             </a:pPr>
-            <a:endParaRPr lang="en-US" sz="2400" b="1" dirty="0" smtClean="0">
+            <a:endParaRPr lang="en-US" sz="2400" b="1" dirty="0">
               <a:latin typeface="Consolas" pitchFamily="49" charset="0"/>
               <a:cs typeface="Consolas" pitchFamily="49" charset="0"/>
             </a:endParaRPr>
@@ -7376,28 +7106,17 @@
               </a:rPr>
               <a:t>;; (world-after-tick unpaused-world-at-20) </a:t>
             </a:r>
-            <a:endParaRPr lang="en-US" sz="2400" b="1" dirty="0" smtClean="0">
-              <a:latin typeface="Consolas" pitchFamily="49" charset="0"/>
-              <a:cs typeface="Consolas" pitchFamily="49" charset="0"/>
-            </a:endParaRPr>
-          </a:p>
-          <a:p>
-            <a:pPr>
-              <a:buNone/>
-            </a:pPr>
-            <a:r>
-              <a:rPr lang="en-US" sz="2400" b="1" dirty="0" smtClean="0">
-                <a:latin typeface="Consolas" pitchFamily="49" charset="0"/>
-                <a:cs typeface="Consolas" pitchFamily="49" charset="0"/>
-              </a:rPr>
-              <a:t>;;  = </a:t>
-            </a:r>
+          </a:p>
+          <a:p>
+            <a:pPr>
+              <a:buNone/>
+            </a:pPr>
             <a:r>
               <a:rPr lang="en-US" sz="2400" b="1" dirty="0">
                 <a:latin typeface="Consolas" pitchFamily="49" charset="0"/>
                 <a:cs typeface="Consolas" pitchFamily="49" charset="0"/>
               </a:rPr>
-              <a:t>unpaused-world-at-28</a:t>
+              <a:t>;;  = unpaused-world-at-28</a:t>
             </a:r>
           </a:p>
           <a:p>
@@ -7423,28 +7142,17 @@
               </a:rPr>
               <a:t>;; (world-after-tick paused-world-at-20) </a:t>
             </a:r>
-            <a:endParaRPr lang="en-US" sz="2400" b="1" dirty="0" smtClean="0">
-              <a:latin typeface="Consolas" pitchFamily="49" charset="0"/>
-              <a:cs typeface="Consolas" pitchFamily="49" charset="0"/>
-            </a:endParaRPr>
-          </a:p>
-          <a:p>
-            <a:pPr>
-              <a:buNone/>
-            </a:pPr>
-            <a:r>
-              <a:rPr lang="en-US" sz="2400" b="1" dirty="0" smtClean="0">
-                <a:latin typeface="Consolas" pitchFamily="49" charset="0"/>
-                <a:cs typeface="Consolas" pitchFamily="49" charset="0"/>
-              </a:rPr>
-              <a:t>;;  = </a:t>
-            </a:r>
+          </a:p>
+          <a:p>
+            <a:pPr>
+              <a:buNone/>
+            </a:pPr>
             <a:r>
               <a:rPr lang="en-US" sz="2400" b="1" dirty="0">
                 <a:latin typeface="Consolas" pitchFamily="49" charset="0"/>
                 <a:cs typeface="Consolas" pitchFamily="49" charset="0"/>
               </a:rPr>
-              <a:t>paused-world-at-20</a:t>
+              <a:t>;;  = paused-world-at-20</a:t>
             </a:r>
             <a:endParaRPr lang="en-US" sz="1800" b="1" dirty="0">
               <a:latin typeface="Consolas" pitchFamily="49" charset="0"/>
@@ -7495,10 +7203,9 @@
           <a:lstStyle/>
           <a:p>
             <a:r>
-              <a:rPr lang="en-US" dirty="0" smtClean="0"/>
+              <a:rPr lang="en-US" dirty="0"/>
               <a:t>We add some examples.  We've included some commentary and used symbolic names so the reader can see what the examples illustrate.</a:t>
             </a:r>
-            <a:endParaRPr lang="en-US" dirty="0"/>
           </a:p>
         </p:txBody>
       </p:sp>
@@ -7530,13 +7237,6 @@
   <p:clrMapOvr>
     <a:masterClrMapping/>
   </p:clrMapOvr>
-  <p:timing>
-    <p:tnLst>
-      <p:par>
-        <p:cTn id="1" dur="indefinite" restart="never" nodeType="tmRoot"/>
-      </p:par>
-    </p:tnLst>
-  </p:timing>
 </p:sld>
 </file>
 
@@ -7575,10 +7275,9 @@
           <a:lstStyle/>
           <a:p>
             <a:r>
-              <a:rPr lang="en-US" dirty="0" smtClean="0"/>
+              <a:rPr lang="en-US" dirty="0"/>
               <a:t>Choose strategy to match the data</a:t>
             </a:r>
-            <a:endParaRPr lang="en-US" dirty="0"/>
           </a:p>
         </p:txBody>
       </p:sp>
@@ -7600,14 +7299,14 @@
           <a:lstStyle/>
           <a:p>
             <a:r>
-              <a:rPr lang="en-US" b="1" dirty="0" smtClean="0">
+              <a:rPr lang="en-US" b="1" dirty="0">
                 <a:latin typeface="Consolas" pitchFamily="49" charset="0"/>
                 <a:cs typeface="Consolas" pitchFamily="49" charset="0"/>
               </a:rPr>
               <a:t>World</a:t>
             </a:r>
             <a:r>
-              <a:rPr lang="en-US" dirty="0" smtClean="0"/>
+              <a:rPr lang="en-US" dirty="0"/>
               <a:t> is compound, so use the template for World</a:t>
             </a:r>
           </a:p>
@@ -7616,7 +7315,7 @@
               <a:buNone/>
             </a:pPr>
             <a:r>
-              <a:rPr lang="en-US" sz="2400" b="1" dirty="0" smtClean="0">
+              <a:rPr lang="en-US" sz="2400" b="1" dirty="0">
                 <a:latin typeface="Consolas" pitchFamily="49" charset="0"/>
                 <a:cs typeface="Consolas" pitchFamily="49" charset="0"/>
               </a:rPr>
@@ -7628,7 +7327,7 @@
               <a:buNone/>
             </a:pPr>
             <a:r>
-              <a:rPr lang="en-US" sz="2400" b="1" dirty="0" smtClean="0">
+              <a:rPr lang="en-US" sz="2400" b="1" dirty="0">
                 <a:latin typeface="Consolas" pitchFamily="49" charset="0"/>
                 <a:cs typeface="Consolas" pitchFamily="49" charset="0"/>
               </a:rPr>
@@ -7640,14 +7339,14 @@
               <a:buNone/>
             </a:pPr>
             <a:r>
-              <a:rPr lang="en-US" sz="2400" b="1" dirty="0" smtClean="0">
+              <a:rPr lang="en-US" sz="2400" b="1" dirty="0">
                 <a:latin typeface="Consolas" pitchFamily="49" charset="0"/>
                 <a:cs typeface="Consolas" pitchFamily="49" charset="0"/>
               </a:rPr>
               <a:t>  (</a:t>
             </a:r>
             <a:r>
-              <a:rPr lang="en-US" sz="2400" b="1" dirty="0" smtClean="0">
+              <a:rPr lang="en-US" sz="2400" b="1" dirty="0">
                 <a:solidFill>
                   <a:srgbClr val="FF0000"/>
                 </a:solidFill>
@@ -7657,7 +7356,7 @@
               <a:t>... </a:t>
             </a:r>
             <a:r>
-              <a:rPr lang="en-US" sz="2400" b="1" dirty="0" smtClean="0">
+              <a:rPr lang="en-US" sz="2400" b="1" dirty="0">
                 <a:latin typeface="Consolas" pitchFamily="49" charset="0"/>
                 <a:cs typeface="Consolas" pitchFamily="49" charset="0"/>
               </a:rPr>
@@ -7665,20 +7364,20 @@
             </a:r>
           </a:p>
           <a:p>
-            <a:endParaRPr lang="en-US" sz="1600" b="1" dirty="0" smtClean="0">
+            <a:endParaRPr lang="en-US" sz="1600" b="1" dirty="0">
               <a:latin typeface="Courier New" pitchFamily="49" charset="0"/>
               <a:cs typeface="Courier New" pitchFamily="49" charset="0"/>
             </a:endParaRPr>
           </a:p>
           <a:p>
             <a:r>
-              <a:rPr lang="en-US" dirty="0" smtClean="0">
+              <a:rPr lang="en-US" dirty="0">
                 <a:cs typeface="Courier New" pitchFamily="49" charset="0"/>
               </a:rPr>
               <a:t>What goes in </a:t>
             </a:r>
             <a:r>
-              <a:rPr lang="en-US" b="1" dirty="0" smtClean="0">
+              <a:rPr lang="en-US" b="1" dirty="0">
                 <a:solidFill>
                   <a:srgbClr val="FF0000"/>
                 </a:solidFill>
@@ -7688,7 +7387,7 @@
               <a:t>...</a:t>
             </a:r>
             <a:r>
-              <a:rPr lang="en-US" dirty="0" smtClean="0">
+              <a:rPr lang="en-US" dirty="0">
                 <a:cs typeface="Courier New" pitchFamily="49" charset="0"/>
               </a:rPr>
               <a:t> ?</a:t>
@@ -7696,38 +7395,35 @@
           </a:p>
           <a:p>
             <a:r>
-              <a:rPr lang="en-US" dirty="0" smtClean="0">
+              <a:rPr lang="en-US" dirty="0">
                 <a:cs typeface="Courier New" pitchFamily="49" charset="0"/>
               </a:rPr>
               <a:t>If the world is paused, we should return </a:t>
             </a:r>
             <a:r>
-              <a:rPr lang="en-US" b="1" dirty="0" smtClean="0">
+              <a:rPr lang="en-US" b="1" dirty="0">
                 <a:cs typeface="Courier New" pitchFamily="49" charset="0"/>
               </a:rPr>
               <a:t>w</a:t>
             </a:r>
             <a:r>
-              <a:rPr lang="en-US" dirty="0" smtClean="0">
+              <a:rPr lang="en-US" dirty="0">
                 <a:cs typeface="Courier New" pitchFamily="49" charset="0"/>
               </a:rPr>
               <a:t> unchanged.  Otherwise, we should return a world in which the cat has fallen </a:t>
             </a:r>
             <a:r>
-              <a:rPr lang="en-US" b="1" dirty="0" smtClean="0">
+              <a:rPr lang="en-US" b="1" dirty="0">
                 <a:cs typeface="Courier New" pitchFamily="49" charset="0"/>
               </a:rPr>
               <a:t>CATSPEED</a:t>
             </a:r>
             <a:r>
-              <a:rPr lang="en-US" dirty="0" smtClean="0">
+              <a:rPr lang="en-US" dirty="0">
                 <a:cs typeface="Courier New" pitchFamily="49" charset="0"/>
               </a:rPr>
               <a:t> pixels.</a:t>
             </a:r>
-            <a:endParaRPr lang="en-US" dirty="0">
-              <a:cs typeface="Courier New" pitchFamily="49" charset="0"/>
-            </a:endParaRPr>
           </a:p>
         </p:txBody>
       </p:sp>
@@ -7759,13 +7455,6 @@
   <p:clrMapOvr>
     <a:masterClrMapping/>
   </p:clrMapOvr>
-  <p:timing>
-    <p:tnLst>
-      <p:par>
-        <p:cTn id="1" dur="indefinite" restart="never" nodeType="tmRoot"/>
-      </p:par>
-    </p:tnLst>
-  </p:timing>
 </p:sld>
 </file>
 
@@ -7802,10 +7491,9 @@
           <a:lstStyle/>
           <a:p>
             <a:r>
-              <a:rPr lang="en-US" dirty="0" smtClean="0"/>
+              <a:rPr lang="en-US" dirty="0"/>
               <a:t>Function Definition</a:t>
             </a:r>
-            <a:endParaRPr lang="en-US" dirty="0"/>
           </a:p>
         </p:txBody>
       </p:sp>
@@ -7973,7 +7661,7 @@
           <a:lstStyle/>
           <a:p>
             <a:r>
-              <a:rPr lang="en-US" dirty="0" smtClean="0">
+              <a:rPr lang="en-US" dirty="0">
                 <a:solidFill>
                   <a:schemeClr val="tx1"/>
                 </a:solidFill>
@@ -8029,29 +7717,12 @@
           <a:lstStyle/>
           <a:p>
             <a:r>
-              <a:rPr lang="en-US" dirty="0" smtClean="0">
+              <a:rPr lang="en-US" dirty="0">
                 <a:solidFill>
                   <a:schemeClr val="tx1"/>
                 </a:solidFill>
               </a:rPr>
               <a:t>A more complete description of our strategy might be</a:t>
-            </a:r>
-          </a:p>
-          <a:p>
-            <a:endParaRPr lang="en-US" dirty="0" smtClean="0">
-              <a:solidFill>
-                <a:schemeClr val="tx1"/>
-              </a:solidFill>
-            </a:endParaRPr>
-          </a:p>
-          <a:p>
-            <a:r>
-              <a:rPr lang="en-US" b="1" dirty="0" smtClean="0">
-                <a:solidFill>
-                  <a:schemeClr val="tx1"/>
-                </a:solidFill>
-              </a:rPr>
-              <a:t>STRATEGY: Use template for World on w, then cases on whether w is paused.</a:t>
             </a:r>
           </a:p>
           <a:p>
@@ -8063,7 +7734,24 @@
           </a:p>
           <a:p>
             <a:r>
-              <a:rPr lang="en-US" dirty="0" smtClean="0">
+              <a:rPr lang="en-US" b="1" dirty="0">
+                <a:solidFill>
+                  <a:schemeClr val="tx1"/>
+                </a:solidFill>
+              </a:rPr>
+              <a:t>STRATEGY: Use template for World on w, then cases on whether w is paused.</a:t>
+            </a:r>
+          </a:p>
+          <a:p>
+            <a:endParaRPr lang="en-US" dirty="0">
+              <a:solidFill>
+                <a:schemeClr val="tx1"/>
+              </a:solidFill>
+            </a:endParaRPr>
+          </a:p>
+          <a:p>
+            <a:r>
+              <a:rPr lang="en-US" dirty="0">
                 <a:solidFill>
                   <a:schemeClr val="tx1"/>
                 </a:solidFill>
@@ -8101,13 +7789,6 @@
   <p:clrMapOvr>
     <a:masterClrMapping/>
   </p:clrMapOvr>
-  <p:timing>
-    <p:tnLst>
-      <p:par>
-        <p:cTn id="1" dur="indefinite" restart="never" nodeType="tmRoot"/>
-      </p:par>
-    </p:tnLst>
-  </p:timing>
 </p:sld>
 </file>
 
@@ -8144,10 +7825,9 @@
           <a:lstStyle/>
           <a:p>
             <a:r>
-              <a:rPr lang="en-US" dirty="0" smtClean="0"/>
+              <a:rPr lang="en-US" dirty="0"/>
               <a:t>Function Definition</a:t>
             </a:r>
-            <a:endParaRPr lang="en-US" dirty="0"/>
           </a:p>
         </p:txBody>
       </p:sp>
@@ -8221,14 +7901,7 @@
                 <a:latin typeface="Consolas" pitchFamily="49" charset="0"/>
                 <a:cs typeface="Consolas" pitchFamily="49" charset="0"/>
               </a:rPr>
-              <a:t>      </a:t>
-            </a:r>
-            <a:r>
-              <a:rPr lang="en-US" sz="2000" b="1" dirty="0" smtClean="0">
-                <a:latin typeface="Consolas" pitchFamily="49" charset="0"/>
-                <a:cs typeface="Consolas" pitchFamily="49" charset="0"/>
-              </a:rPr>
-              <a:t>(paused-world-after-tick w)</a:t>
+              <a:t>      (paused-world-after-tick w)</a:t>
             </a:r>
           </a:p>
           <a:p>
@@ -8240,24 +7913,17 @@
                 <a:latin typeface="Consolas" pitchFamily="49" charset="0"/>
                 <a:cs typeface="Consolas" pitchFamily="49" charset="0"/>
               </a:rPr>
-              <a:t> </a:t>
-            </a:r>
-            <a:r>
-              <a:rPr lang="en-US" sz="2000" b="1" dirty="0" smtClean="0">
-                <a:latin typeface="Consolas" pitchFamily="49" charset="0"/>
-                <a:cs typeface="Consolas" pitchFamily="49" charset="0"/>
-              </a:rPr>
-              <a:t>     (</a:t>
-            </a:r>
-            <a:r>
-              <a:rPr lang="en-US" sz="2000" b="1" dirty="0" err="1" smtClean="0">
+              <a:t>      (</a:t>
+            </a:r>
+            <a:r>
+              <a:rPr lang="en-US" sz="2000" b="1" dirty="0" err="1">
                 <a:latin typeface="Consolas" pitchFamily="49" charset="0"/>
                 <a:cs typeface="Consolas" pitchFamily="49" charset="0"/>
               </a:rPr>
               <a:t>unpaused</a:t>
             </a:r>
             <a:r>
-              <a:rPr lang="en-US" sz="2000" b="1" dirty="0" smtClean="0">
+              <a:rPr lang="en-US" sz="2000" b="1" dirty="0">
                 <a:latin typeface="Consolas" pitchFamily="49" charset="0"/>
                 <a:cs typeface="Consolas" pitchFamily="49" charset="0"/>
               </a:rPr>
@@ -8315,7 +7981,7 @@
           <a:lstStyle/>
           <a:p>
             <a:r>
-              <a:rPr lang="en-US" dirty="0" smtClean="0">
+              <a:rPr lang="en-US" dirty="0">
                 <a:solidFill>
                   <a:schemeClr val="tx1"/>
                 </a:solidFill>
@@ -8358,13 +8024,6 @@
   <p:clrMapOvr>
     <a:masterClrMapping/>
   </p:clrMapOvr>
-  <p:timing>
-    <p:tnLst>
-      <p:par>
-        <p:cTn id="1" dur="indefinite" restart="never" nodeType="tmRoot"/>
-      </p:par>
-    </p:tnLst>
-  </p:timing>
 </p:sld>
 </file>
 
@@ -8401,10 +8060,9 @@
           <a:lstStyle/>
           <a:p>
             <a:r>
-              <a:rPr lang="en-US" dirty="0" smtClean="0"/>
+              <a:rPr lang="en-US" dirty="0"/>
               <a:t>Tests</a:t>
             </a:r>
-            <a:endParaRPr lang="en-US" dirty="0"/>
           </a:p>
         </p:txBody>
       </p:sp>
@@ -8432,7 +8090,7 @@
               <a:buNone/>
             </a:pPr>
             <a:r>
-              <a:rPr lang="en-US" sz="1400" b="1" dirty="0" smtClean="0">
+              <a:rPr lang="en-US" sz="1400" b="1" dirty="0">
                 <a:latin typeface="Consolas" pitchFamily="49" charset="0"/>
                 <a:cs typeface="Consolas" pitchFamily="49" charset="0"/>
               </a:rPr>
@@ -8447,7 +8105,7 @@
               <a:buNone/>
             </a:pPr>
             <a:r>
-              <a:rPr lang="en-US" sz="1400" b="1" dirty="0" smtClean="0">
+              <a:rPr lang="en-US" sz="1400" b="1" dirty="0">
                 <a:latin typeface="Consolas" pitchFamily="49" charset="0"/>
                 <a:cs typeface="Consolas" pitchFamily="49" charset="0"/>
               </a:rPr>
@@ -8462,7 +8120,7 @@
               <a:buNone/>
             </a:pPr>
             <a:r>
-              <a:rPr lang="en-US" sz="1400" b="1" dirty="0" smtClean="0">
+              <a:rPr lang="en-US" sz="1400" b="1" dirty="0">
                 <a:latin typeface="Consolas" pitchFamily="49" charset="0"/>
                 <a:cs typeface="Consolas" pitchFamily="49" charset="0"/>
               </a:rPr>
@@ -8477,7 +8135,7 @@
               <a:buNone/>
             </a:pPr>
             <a:r>
-              <a:rPr lang="en-US" sz="1400" b="1" dirty="0" smtClean="0">
+              <a:rPr lang="en-US" sz="1400" b="1" dirty="0">
                 <a:latin typeface="Consolas" pitchFamily="49" charset="0"/>
                 <a:cs typeface="Consolas" pitchFamily="49" charset="0"/>
               </a:rPr>
@@ -8491,7 +8149,7 @@
               </a:spcBef>
               <a:buNone/>
             </a:pPr>
-            <a:endParaRPr lang="en-US" sz="1400" b="1" dirty="0" smtClean="0">
+            <a:endParaRPr lang="en-US" sz="1400" b="1" dirty="0">
               <a:latin typeface="Consolas" pitchFamily="49" charset="0"/>
               <a:cs typeface="Consolas" pitchFamily="49" charset="0"/>
             </a:endParaRPr>
@@ -8504,7 +8162,7 @@
               <a:buNone/>
             </a:pPr>
             <a:r>
-              <a:rPr lang="en-US" sz="1400" b="1" dirty="0" smtClean="0">
+              <a:rPr lang="en-US" sz="1400" b="1" dirty="0">
                 <a:latin typeface="Consolas" pitchFamily="49" charset="0"/>
                 <a:cs typeface="Consolas" pitchFamily="49" charset="0"/>
               </a:rPr>
@@ -8519,7 +8177,7 @@
               <a:buNone/>
             </a:pPr>
             <a:r>
-              <a:rPr lang="en-US" sz="1400" b="1" dirty="0" smtClean="0">
+              <a:rPr lang="en-US" sz="1400" b="1" dirty="0">
                 <a:latin typeface="Consolas" pitchFamily="49" charset="0"/>
                 <a:cs typeface="Consolas" pitchFamily="49" charset="0"/>
               </a:rPr>
@@ -8534,7 +8192,7 @@
               <a:buNone/>
             </a:pPr>
             <a:r>
-              <a:rPr lang="en-US" sz="1400" b="1" dirty="0" smtClean="0">
+              <a:rPr lang="en-US" sz="1400" b="1" dirty="0">
                 <a:latin typeface="Consolas" pitchFamily="49" charset="0"/>
                 <a:cs typeface="Consolas" pitchFamily="49" charset="0"/>
               </a:rPr>
@@ -8549,7 +8207,7 @@
               <a:buNone/>
             </a:pPr>
             <a:r>
-              <a:rPr lang="en-US" sz="1400" b="1" dirty="0" smtClean="0">
+              <a:rPr lang="en-US" sz="1400" b="1" dirty="0">
                 <a:latin typeface="Consolas" pitchFamily="49" charset="0"/>
                 <a:cs typeface="Consolas" pitchFamily="49" charset="0"/>
               </a:rPr>
@@ -8564,35 +8222,35 @@
               <a:buNone/>
             </a:pPr>
             <a:r>
-              <a:rPr lang="en-US" sz="1400" b="1" dirty="0" smtClean="0">
+              <a:rPr lang="en-US" sz="1400" b="1" dirty="0">
                 <a:latin typeface="Consolas" pitchFamily="49" charset="0"/>
                 <a:cs typeface="Consolas" pitchFamily="49" charset="0"/>
               </a:rPr>
               <a:t>    "in </a:t>
             </a:r>
             <a:r>
-              <a:rPr lang="en-US" sz="1400" b="1" dirty="0" err="1" smtClean="0">
+              <a:rPr lang="en-US" sz="1400" b="1" dirty="0" err="1">
                 <a:latin typeface="Consolas" pitchFamily="49" charset="0"/>
                 <a:cs typeface="Consolas" pitchFamily="49" charset="0"/>
               </a:rPr>
               <a:t>unpaused</a:t>
             </a:r>
             <a:r>
-              <a:rPr lang="en-US" sz="1400" b="1" dirty="0" smtClean="0">
+              <a:rPr lang="en-US" sz="1400" b="1" dirty="0">
                 <a:latin typeface="Consolas" pitchFamily="49" charset="0"/>
                 <a:cs typeface="Consolas" pitchFamily="49" charset="0"/>
               </a:rPr>
               <a:t> world, the cat should fall CATSPEED pixels and world should still be </a:t>
             </a:r>
             <a:r>
-              <a:rPr lang="en-US" sz="1400" b="1" dirty="0" err="1" smtClean="0">
+              <a:rPr lang="en-US" sz="1400" b="1" dirty="0" err="1">
                 <a:latin typeface="Consolas" pitchFamily="49" charset="0"/>
                 <a:cs typeface="Consolas" pitchFamily="49" charset="0"/>
               </a:rPr>
               <a:t>unpaused</a:t>
             </a:r>
             <a:r>
-              <a:rPr lang="en-US" sz="1400" b="1" dirty="0" smtClean="0">
+              <a:rPr lang="en-US" sz="1400" b="1" dirty="0">
                 <a:latin typeface="Consolas" pitchFamily="49" charset="0"/>
                 <a:cs typeface="Consolas" pitchFamily="49" charset="0"/>
               </a:rPr>
@@ -8606,7 +8264,7 @@
               </a:spcBef>
               <a:buNone/>
             </a:pPr>
-            <a:endParaRPr lang="en-US" sz="1400" b="1" dirty="0" smtClean="0">
+            <a:endParaRPr lang="en-US" sz="1400" b="1" dirty="0">
               <a:latin typeface="Consolas" pitchFamily="49" charset="0"/>
               <a:cs typeface="Consolas" pitchFamily="49" charset="0"/>
             </a:endParaRPr>
@@ -8619,7 +8277,7 @@
               <a:buNone/>
             </a:pPr>
             <a:r>
-              <a:rPr lang="en-US" sz="1400" b="1" dirty="0" smtClean="0">
+              <a:rPr lang="en-US" sz="1400" b="1" dirty="0">
                 <a:latin typeface="Consolas" pitchFamily="49" charset="0"/>
                 <a:cs typeface="Consolas" pitchFamily="49" charset="0"/>
               </a:rPr>
@@ -8634,7 +8292,7 @@
               <a:buNone/>
             </a:pPr>
             <a:r>
-              <a:rPr lang="en-US" sz="1400" b="1" dirty="0" smtClean="0">
+              <a:rPr lang="en-US" sz="1400" b="1" dirty="0">
                 <a:latin typeface="Consolas" pitchFamily="49" charset="0"/>
                 <a:cs typeface="Consolas" pitchFamily="49" charset="0"/>
               </a:rPr>
@@ -8649,7 +8307,7 @@
               <a:buNone/>
             </a:pPr>
             <a:r>
-              <a:rPr lang="en-US" sz="1400" b="1" dirty="0" smtClean="0">
+              <a:rPr lang="en-US" sz="1400" b="1" dirty="0">
                 <a:latin typeface="Consolas" pitchFamily="49" charset="0"/>
                 <a:cs typeface="Consolas" pitchFamily="49" charset="0"/>
               </a:rPr>
@@ -8664,7 +8322,7 @@
               <a:buNone/>
             </a:pPr>
             <a:r>
-              <a:rPr lang="en-US" sz="1400" b="1" dirty="0" smtClean="0">
+              <a:rPr lang="en-US" sz="1400" b="1" dirty="0">
                 <a:latin typeface="Consolas" pitchFamily="49" charset="0"/>
                 <a:cs typeface="Consolas" pitchFamily="49" charset="0"/>
               </a:rPr>
@@ -8678,7 +8336,7 @@
               </a:spcBef>
               <a:buNone/>
             </a:pPr>
-            <a:endParaRPr lang="en-US" sz="1400" b="1" dirty="0" smtClean="0">
+            <a:endParaRPr lang="en-US" sz="1400" b="1" dirty="0">
               <a:latin typeface="Consolas" pitchFamily="49" charset="0"/>
               <a:cs typeface="Consolas" pitchFamily="49" charset="0"/>
             </a:endParaRPr>
@@ -8713,13 +8371,6 @@
   <p:clrMapOvr>
     <a:masterClrMapping/>
   </p:clrMapOvr>
-  <p:timing>
-    <p:tnLst>
-      <p:par>
-        <p:cTn id="1" dur="indefinite" restart="never" nodeType="tmRoot"/>
-      </p:par>
-    </p:tnLst>
-  </p:timing>
 </p:sld>
 </file>
 
@@ -8758,10 +8409,9 @@
           <a:lstStyle/>
           <a:p>
             <a:r>
-              <a:rPr lang="en-US" dirty="0" smtClean="0"/>
+              <a:rPr lang="en-US" dirty="0"/>
               <a:t>How does it respond to key events?</a:t>
             </a:r>
-            <a:endParaRPr lang="en-US" dirty="0"/>
           </a:p>
         </p:txBody>
       </p:sp>
@@ -8800,10 +8450,6 @@
               </a:rPr>
               <a:t>;; world-after-key-event : </a:t>
             </a:r>
-            <a:endParaRPr lang="en-US" sz="2000" b="1" dirty="0" smtClean="0">
-              <a:latin typeface="Consolas" pitchFamily="49" charset="0"/>
-              <a:cs typeface="Consolas" pitchFamily="49" charset="0"/>
-            </a:endParaRPr>
           </a:p>
           <a:p>
             <a:pPr>
@@ -8813,32 +8459,25 @@
               <a:buNone/>
             </a:pPr>
             <a:r>
-              <a:rPr lang="en-US" sz="2000" b="1" dirty="0" smtClean="0">
+              <a:rPr lang="en-US" sz="2000" b="1" dirty="0">
                 <a:latin typeface="Consolas" pitchFamily="49" charset="0"/>
                 <a:cs typeface="Consolas" pitchFamily="49" charset="0"/>
               </a:rPr>
               <a:t>;;    World </a:t>
             </a:r>
             <a:r>
-              <a:rPr lang="en-US" sz="2000" b="1" dirty="0" err="1" smtClean="0">
+              <a:rPr lang="en-US" sz="2000" b="1" dirty="0" err="1">
                 <a:latin typeface="Consolas" pitchFamily="49" charset="0"/>
                 <a:cs typeface="Consolas" pitchFamily="49" charset="0"/>
               </a:rPr>
               <a:t>KeyEvent</a:t>
             </a:r>
             <a:r>
-              <a:rPr lang="en-US" sz="2000" b="1" dirty="0" smtClean="0">
-                <a:latin typeface="Consolas" pitchFamily="49" charset="0"/>
-                <a:cs typeface="Consolas" pitchFamily="49" charset="0"/>
-              </a:rPr>
-              <a:t> </a:t>
-            </a:r>
-            <a:r>
               <a:rPr lang="en-US" sz="2000" b="1" dirty="0">
                 <a:latin typeface="Consolas" pitchFamily="49" charset="0"/>
                 <a:cs typeface="Consolas" pitchFamily="49" charset="0"/>
               </a:rPr>
-              <a:t>-&gt; World</a:t>
+              <a:t> -&gt; World</a:t>
             </a:r>
           </a:p>
           <a:p>
@@ -8928,37 +8567,30 @@
                 <a:latin typeface="Consolas" pitchFamily="49" charset="0"/>
                 <a:cs typeface="Consolas" pitchFamily="49" charset="0"/>
               </a:rPr>
-              <a:t>;; STRATEGY: </a:t>
-            </a:r>
-            <a:r>
-              <a:rPr lang="en-US" sz="2000" b="1" dirty="0" smtClean="0">
-                <a:latin typeface="Consolas" pitchFamily="49" charset="0"/>
-                <a:cs typeface="Consolas" pitchFamily="49" charset="0"/>
-              </a:rPr>
-              <a:t>cases on </a:t>
-            </a:r>
-            <a:r>
-              <a:rPr lang="en-US" sz="2000" b="1" dirty="0" err="1" smtClean="0">
+              <a:t>;; STRATEGY: cases on </a:t>
+            </a:r>
+            <a:r>
+              <a:rPr lang="en-US" sz="2000" b="1" dirty="0" err="1">
                 <a:latin typeface="Consolas" pitchFamily="49" charset="0"/>
                 <a:cs typeface="Consolas" pitchFamily="49" charset="0"/>
               </a:rPr>
               <a:t>kev</a:t>
             </a:r>
             <a:r>
-              <a:rPr lang="en-US" sz="2000" b="1" dirty="0" smtClean="0">
+              <a:rPr lang="en-US" sz="2000" b="1" dirty="0">
                 <a:latin typeface="Consolas" pitchFamily="49" charset="0"/>
                 <a:cs typeface="Consolas" pitchFamily="49" charset="0"/>
               </a:rPr>
               <a:t> : </a:t>
             </a:r>
             <a:r>
-              <a:rPr lang="en-US" sz="2000" b="1" dirty="0" err="1" smtClean="0">
+              <a:rPr lang="en-US" sz="2000" b="1" dirty="0" err="1">
                 <a:latin typeface="Consolas" pitchFamily="49" charset="0"/>
                 <a:cs typeface="Consolas" pitchFamily="49" charset="0"/>
               </a:rPr>
               <a:t>KeyEvent</a:t>
             </a:r>
-            <a:endParaRPr lang="en-US" sz="2000" b="1" dirty="0" smtClean="0">
+            <a:endParaRPr lang="en-US" sz="2000" b="1" dirty="0">
               <a:latin typeface="Consolas" pitchFamily="49" charset="0"/>
               <a:cs typeface="Consolas" pitchFamily="49" charset="0"/>
             </a:endParaRPr>
@@ -9133,21 +8765,20 @@
           <a:lstStyle/>
           <a:p>
             <a:r>
-              <a:rPr lang="en-US" dirty="0" smtClean="0"/>
+              <a:rPr lang="en-US" dirty="0"/>
               <a:t>We make a decision based on </a:t>
             </a:r>
             <a:r>
-              <a:rPr lang="en-US" b="1" dirty="0" err="1" smtClean="0">
+              <a:rPr lang="en-US" b="1" dirty="0" err="1">
                 <a:latin typeface="Consolas" pitchFamily="49" charset="0"/>
                 <a:cs typeface="Consolas" pitchFamily="49" charset="0"/>
               </a:rPr>
               <a:t>kev</a:t>
             </a:r>
             <a:r>
-              <a:rPr lang="en-US" dirty="0" smtClean="0"/>
+              <a:rPr lang="en-US" dirty="0"/>
               <a:t>, and pass the data on to a help function to do the real work.</a:t>
             </a:r>
-            <a:endParaRPr lang="en-US" dirty="0"/>
           </a:p>
         </p:txBody>
       </p:sp>
@@ -9179,13 +8810,6 @@
   <p:clrMapOvr>
     <a:masterClrMapping/>
   </p:clrMapOvr>
-  <p:timing>
-    <p:tnLst>
-      <p:par>
-        <p:cTn id="1" dur="indefinite" restart="never" nodeType="tmRoot"/>
-      </p:par>
-    </p:tnLst>
-  </p:timing>
 </p:sld>
 </file>
 
@@ -9222,10 +8846,9 @@
           <a:lstStyle/>
           <a:p>
             <a:r>
-              <a:rPr lang="en-US" dirty="0" smtClean="0"/>
+              <a:rPr lang="en-US" dirty="0"/>
               <a:t>Requirements for Helper Function</a:t>
             </a:r>
-            <a:endParaRPr lang="en-US" dirty="0"/>
           </a:p>
         </p:txBody>
       </p:sp>
@@ -9268,35 +8891,24 @@
               </a:rPr>
               <a:t>;; RETURNS: a world just like the given one, but with </a:t>
             </a:r>
-            <a:endParaRPr lang="en-US" sz="2000" b="1" dirty="0" smtClean="0">
-              <a:latin typeface="Consolas" pitchFamily="49" charset="0"/>
-              <a:cs typeface="Consolas" pitchFamily="49" charset="0"/>
-            </a:endParaRPr>
-          </a:p>
-          <a:p>
-            <a:pPr>
-              <a:buNone/>
-            </a:pPr>
-            <a:r>
-              <a:rPr lang="en-US" sz="2000" b="1" dirty="0" smtClean="0">
-                <a:latin typeface="Consolas" pitchFamily="49" charset="0"/>
-                <a:cs typeface="Consolas" pitchFamily="49" charset="0"/>
-              </a:rPr>
-              <a:t>;;  paused</a:t>
-            </a:r>
+          </a:p>
+          <a:p>
+            <a:pPr>
+              <a:buNone/>
+            </a:pPr>
             <a:r>
               <a:rPr lang="en-US" sz="2000" b="1" dirty="0">
                 <a:latin typeface="Consolas" pitchFamily="49" charset="0"/>
                 <a:cs typeface="Consolas" pitchFamily="49" charset="0"/>
               </a:rPr>
-              <a:t>? toggled</a:t>
-            </a:r>
-          </a:p>
-          <a:p>
-            <a:pPr>
-              <a:buNone/>
-            </a:pPr>
-            <a:endParaRPr lang="en-US" sz="2000" b="1" dirty="0" smtClean="0">
+              <a:t>;;  paused? toggled</a:t>
+            </a:r>
+          </a:p>
+          <a:p>
+            <a:pPr>
+              <a:buNone/>
+            </a:pPr>
+            <a:endParaRPr lang="en-US" sz="2000" b="1" dirty="0">
               <a:latin typeface="Consolas" pitchFamily="49" charset="0"/>
               <a:cs typeface="Consolas" pitchFamily="49" charset="0"/>
             </a:endParaRPr>
@@ -9357,19 +8969,19 @@
               <a:buNone/>
             </a:pPr>
             <a:r>
-              <a:rPr lang="en-US" dirty="0" smtClean="0">
+              <a:rPr lang="en-US" dirty="0">
                 <a:cs typeface="Consolas" pitchFamily="49" charset="0"/>
               </a:rPr>
               <a:t>If this helper function does what it's supposed to, then world-after-key-event will do what </a:t>
             </a:r>
             <a:r>
-              <a:rPr lang="en-US" i="1" dirty="0" smtClean="0">
+              <a:rPr lang="en-US" i="1" dirty="0">
                 <a:cs typeface="Consolas" pitchFamily="49" charset="0"/>
               </a:rPr>
               <a:t>it</a:t>
             </a:r>
             <a:r>
-              <a:rPr lang="en-US" dirty="0" smtClean="0">
+              <a:rPr lang="en-US" dirty="0">
                 <a:cs typeface="Consolas" pitchFamily="49" charset="0"/>
               </a:rPr>
               <a:t> is supposed to do.</a:t>
@@ -9409,13 +9021,6 @@
   <p:clrMapOvr>
     <a:masterClrMapping/>
   </p:clrMapOvr>
-  <p:timing>
-    <p:tnLst>
-      <p:par>
-        <p:cTn id="1" dur="indefinite" restart="never" nodeType="tmRoot"/>
-      </p:par>
-    </p:tnLst>
-  </p:timing>
 </p:sld>
 </file>
 
@@ -9452,10 +9057,9 @@
           <a:lstStyle/>
           <a:p>
             <a:r>
-              <a:rPr lang="en-US" dirty="0" smtClean="0"/>
+              <a:rPr lang="en-US" dirty="0"/>
               <a:t>Tests (1)</a:t>
             </a:r>
-            <a:endParaRPr lang="en-US" dirty="0"/>
           </a:p>
         </p:txBody>
       </p:sp>
@@ -9488,7 +9092,7 @@
               <a:buNone/>
             </a:pPr>
             <a:r>
-              <a:rPr lang="en-US" sz="2400" b="1" dirty="0" smtClean="0">
+              <a:rPr lang="en-US" sz="2400" b="1" dirty="0">
                 <a:latin typeface="Consolas" pitchFamily="49" charset="0"/>
                 <a:cs typeface="Consolas" pitchFamily="49" charset="0"/>
               </a:rPr>
@@ -9503,7 +9107,7 @@
               <a:buNone/>
             </a:pPr>
             <a:r>
-              <a:rPr lang="en-US" sz="2400" b="1" dirty="0" smtClean="0">
+              <a:rPr lang="en-US" sz="2400" b="1" dirty="0">
                 <a:latin typeface="Consolas" pitchFamily="49" charset="0"/>
                 <a:cs typeface="Consolas" pitchFamily="49" charset="0"/>
               </a:rPr>
@@ -9518,21 +9122,21 @@
               <a:buNone/>
             </a:pPr>
             <a:r>
-              <a:rPr lang="en-US" sz="2400" b="1" dirty="0" smtClean="0">
+              <a:rPr lang="en-US" sz="2400" b="1" dirty="0">
                 <a:latin typeface="Consolas" pitchFamily="49" charset="0"/>
                 <a:cs typeface="Consolas" pitchFamily="49" charset="0"/>
               </a:rPr>
               <a:t>;; a paused world and an </a:t>
             </a:r>
             <a:r>
-              <a:rPr lang="en-US" sz="2400" b="1" dirty="0" err="1" smtClean="0">
+              <a:rPr lang="en-US" sz="2400" b="1" dirty="0" err="1">
                 <a:latin typeface="Consolas" pitchFamily="49" charset="0"/>
                 <a:cs typeface="Consolas" pitchFamily="49" charset="0"/>
               </a:rPr>
               <a:t>unpaused</a:t>
             </a:r>
             <a:r>
-              <a:rPr lang="en-US" sz="2400" b="1" dirty="0" smtClean="0">
+              <a:rPr lang="en-US" sz="2400" b="1" dirty="0">
                 <a:latin typeface="Consolas" pitchFamily="49" charset="0"/>
                 <a:cs typeface="Consolas" pitchFamily="49" charset="0"/>
               </a:rPr>
@@ -9547,7 +9151,7 @@
               <a:buNone/>
             </a:pPr>
             <a:r>
-              <a:rPr lang="en-US" sz="2400" b="1" dirty="0" smtClean="0">
+              <a:rPr lang="en-US" sz="2400" b="1" dirty="0">
                 <a:latin typeface="Consolas" pitchFamily="49" charset="0"/>
                 <a:cs typeface="Consolas" pitchFamily="49" charset="0"/>
               </a:rPr>
@@ -9562,7 +9166,7 @@
               <a:buNone/>
             </a:pPr>
             <a:r>
-              <a:rPr lang="en-US" sz="2400" b="1" dirty="0" smtClean="0">
+              <a:rPr lang="en-US" sz="2400" b="1" dirty="0">
                 <a:latin typeface="Consolas" pitchFamily="49" charset="0"/>
                 <a:cs typeface="Consolas" pitchFamily="49" charset="0"/>
               </a:rPr>
@@ -9576,7 +9180,7 @@
               </a:spcBef>
               <a:buNone/>
             </a:pPr>
-            <a:endParaRPr lang="en-US" sz="2400" b="1" dirty="0" smtClean="0">
+            <a:endParaRPr lang="en-US" sz="2400" b="1" dirty="0">
               <a:latin typeface="Consolas" pitchFamily="49" charset="0"/>
               <a:cs typeface="Consolas" pitchFamily="49" charset="0"/>
             </a:endParaRPr>
@@ -9589,7 +9193,7 @@
               <a:buNone/>
             </a:pPr>
             <a:r>
-              <a:rPr lang="en-US" sz="2400" b="1" dirty="0" smtClean="0">
+              <a:rPr lang="en-US" sz="2400" b="1" dirty="0">
                 <a:latin typeface="Consolas" pitchFamily="49" charset="0"/>
                 <a:cs typeface="Consolas" pitchFamily="49" charset="0"/>
               </a:rPr>
@@ -9604,7 +9208,7 @@
               <a:buNone/>
             </a:pPr>
             <a:r>
-              <a:rPr lang="en-US" sz="2400" b="1" dirty="0" smtClean="0">
+              <a:rPr lang="en-US" sz="2400" b="1" dirty="0">
                 <a:latin typeface="Consolas" pitchFamily="49" charset="0"/>
                 <a:cs typeface="Consolas" pitchFamily="49" charset="0"/>
               </a:rPr>
@@ -9619,7 +9223,7 @@
               <a:buNone/>
             </a:pPr>
             <a:r>
-              <a:rPr lang="en-US" sz="2400" b="1" dirty="0" smtClean="0">
+              <a:rPr lang="en-US" sz="2400" b="1" dirty="0">
                 <a:latin typeface="Consolas" pitchFamily="49" charset="0"/>
                 <a:cs typeface="Consolas" pitchFamily="49" charset="0"/>
               </a:rPr>
@@ -9634,7 +9238,7 @@
               <a:buNone/>
             </a:pPr>
             <a:r>
-              <a:rPr lang="en-US" sz="2400" b="1" dirty="0" smtClean="0">
+              <a:rPr lang="en-US" sz="2400" b="1" dirty="0">
                 <a:latin typeface="Consolas" pitchFamily="49" charset="0"/>
                 <a:cs typeface="Consolas" pitchFamily="49" charset="0"/>
               </a:rPr>
@@ -9649,7 +9253,7 @@
               <a:buNone/>
             </a:pPr>
             <a:r>
-              <a:rPr lang="en-US" sz="2400" b="1" dirty="0" smtClean="0">
+              <a:rPr lang="en-US" sz="2400" b="1" dirty="0">
                 <a:latin typeface="Consolas" pitchFamily="49" charset="0"/>
                 <a:cs typeface="Consolas" pitchFamily="49" charset="0"/>
               </a:rPr>
@@ -9660,7 +9264,7 @@
             <a:pPr>
               <a:buNone/>
             </a:pPr>
-            <a:endParaRPr lang="en-US" b="1" dirty="0" smtClean="0">
+            <a:endParaRPr lang="en-US" b="1" dirty="0">
               <a:latin typeface="Consolas" pitchFamily="49" charset="0"/>
               <a:cs typeface="Consolas" pitchFamily="49" charset="0"/>
             </a:endParaRPr>
@@ -9669,7 +9273,7 @@
             <a:pPr>
               <a:buNone/>
             </a:pPr>
-            <a:endParaRPr lang="en-US" b="1" dirty="0" smtClean="0">
+            <a:endParaRPr lang="en-US" b="1" dirty="0">
               <a:latin typeface="Consolas" pitchFamily="49" charset="0"/>
               <a:cs typeface="Consolas" pitchFamily="49" charset="0"/>
             </a:endParaRPr>
@@ -9713,13 +9317,6 @@
   <p:clrMapOvr>
     <a:masterClrMapping/>
   </p:clrMapOvr>
-  <p:timing>
-    <p:tnLst>
-      <p:par>
-        <p:cTn id="1" dur="indefinite" restart="never" nodeType="tmRoot"/>
-      </p:par>
-    </p:tnLst>
-  </p:timing>
 </p:sld>
 </file>
 
@@ -9756,10 +9353,9 @@
           <a:lstStyle/>
           <a:p>
             <a:r>
-              <a:rPr lang="en-US" dirty="0" smtClean="0"/>
+              <a:rPr lang="en-US" dirty="0"/>
               <a:t>Tests (2)</a:t>
             </a:r>
-            <a:endParaRPr lang="en-US" dirty="0"/>
           </a:p>
         </p:txBody>
       </p:sp>
@@ -9789,7 +9385,7 @@
               <a:buNone/>
             </a:pPr>
             <a:r>
-              <a:rPr lang="en-US" b="1" dirty="0" smtClean="0">
+              <a:rPr lang="en-US" b="1" dirty="0">
                 <a:latin typeface="Consolas" pitchFamily="49" charset="0"/>
                 <a:cs typeface="Consolas" pitchFamily="49" charset="0"/>
               </a:rPr>
@@ -9801,7 +9397,7 @@
               <a:buNone/>
             </a:pPr>
             <a:r>
-              <a:rPr lang="en-US" b="1" dirty="0" smtClean="0">
+              <a:rPr lang="en-US" b="1" dirty="0">
                 <a:latin typeface="Consolas" pitchFamily="49" charset="0"/>
                 <a:cs typeface="Consolas" pitchFamily="49" charset="0"/>
               </a:rPr>
@@ -9813,7 +9409,7 @@
               <a:buNone/>
             </a:pPr>
             <a:r>
-              <a:rPr lang="en-US" b="1" dirty="0" smtClean="0">
+              <a:rPr lang="en-US" b="1" dirty="0">
                 <a:latin typeface="Consolas" pitchFamily="49" charset="0"/>
                 <a:cs typeface="Consolas" pitchFamily="49" charset="0"/>
               </a:rPr>
@@ -9825,7 +9421,7 @@
               <a:buNone/>
             </a:pPr>
             <a:r>
-              <a:rPr lang="en-US" b="1" dirty="0" smtClean="0">
+              <a:rPr lang="en-US" b="1" dirty="0">
                 <a:latin typeface="Consolas" pitchFamily="49" charset="0"/>
                 <a:cs typeface="Consolas" pitchFamily="49" charset="0"/>
               </a:rPr>
@@ -9837,7 +9433,7 @@
               <a:buNone/>
             </a:pPr>
             <a:r>
-              <a:rPr lang="en-US" b="1" dirty="0" smtClean="0">
+              <a:rPr lang="en-US" b="1" dirty="0">
                 <a:latin typeface="Consolas" pitchFamily="49" charset="0"/>
                 <a:cs typeface="Consolas" pitchFamily="49" charset="0"/>
               </a:rPr>
@@ -9849,24 +9445,24 @@
               <a:buNone/>
             </a:pPr>
             <a:r>
-              <a:rPr lang="en-US" b="1" dirty="0" smtClean="0">
+              <a:rPr lang="en-US" b="1" dirty="0">
                 <a:latin typeface="Consolas" pitchFamily="49" charset="0"/>
                 <a:cs typeface="Consolas" pitchFamily="49" charset="0"/>
               </a:rPr>
               <a:t>  </a:t>
             </a:r>
             <a:r>
-              <a:rPr lang="en-US" b="1" dirty="0" smtClean="0">
+              <a:rPr lang="en-US" b="1" dirty="0">
                 <a:solidFill>
                   <a:srgbClr val="FF0000"/>
                 </a:solidFill>
                 <a:latin typeface="Consolas" pitchFamily="49" charset="0"/>
                 <a:cs typeface="Consolas" pitchFamily="49" charset="0"/>
               </a:rPr>
-              <a:t>"after pause key, a paused world should become </a:t>
-            </a:r>
-            <a:r>
-              <a:rPr lang="en-US" b="1" dirty="0" err="1" smtClean="0">
+              <a:t>"after pause key, paused world did not become </a:t>
+            </a:r>
+            <a:r>
+              <a:rPr lang="en-US" b="1" dirty="0" err="1">
                 <a:solidFill>
                   <a:srgbClr val="FF0000"/>
                 </a:solidFill>
@@ -9876,7 +9472,7 @@
               <a:t>unpaused</a:t>
             </a:r>
             <a:r>
-              <a:rPr lang="en-US" b="1" dirty="0" smtClean="0">
+              <a:rPr lang="en-US" b="1" dirty="0">
                 <a:solidFill>
                   <a:srgbClr val="FF0000"/>
                 </a:solidFill>
@@ -9886,7 +9482,7 @@
               <a:t>"</a:t>
             </a:r>
             <a:r>
-              <a:rPr lang="en-US" b="1" dirty="0" smtClean="0">
+              <a:rPr lang="en-US" b="1" dirty="0">
                 <a:latin typeface="Consolas" pitchFamily="49" charset="0"/>
                 <a:cs typeface="Consolas" pitchFamily="49" charset="0"/>
               </a:rPr>
@@ -9897,7 +9493,7 @@
             <a:pPr>
               <a:buNone/>
             </a:pPr>
-            <a:endParaRPr lang="en-US" b="1" dirty="0" smtClean="0">
+            <a:endParaRPr lang="en-US" b="1" dirty="0">
               <a:latin typeface="Consolas" pitchFamily="49" charset="0"/>
               <a:cs typeface="Consolas" pitchFamily="49" charset="0"/>
             </a:endParaRPr>
@@ -9907,7 +9503,7 @@
               <a:buNone/>
             </a:pPr>
             <a:r>
-              <a:rPr lang="en-US" b="1" dirty="0" smtClean="0">
+              <a:rPr lang="en-US" b="1" dirty="0">
                 <a:latin typeface="Consolas" pitchFamily="49" charset="0"/>
                 <a:cs typeface="Consolas" pitchFamily="49" charset="0"/>
               </a:rPr>
@@ -9919,7 +9515,7 @@
               <a:buNone/>
             </a:pPr>
             <a:r>
-              <a:rPr lang="en-US" b="1" dirty="0" smtClean="0">
+              <a:rPr lang="en-US" b="1" dirty="0">
                 <a:latin typeface="Consolas" pitchFamily="49" charset="0"/>
                 <a:cs typeface="Consolas" pitchFamily="49" charset="0"/>
               </a:rPr>
@@ -9931,7 +9527,7 @@
               <a:buNone/>
             </a:pPr>
             <a:r>
-              <a:rPr lang="en-US" b="1" dirty="0" smtClean="0">
+              <a:rPr lang="en-US" b="1" dirty="0">
                 <a:latin typeface="Consolas" pitchFamily="49" charset="0"/>
                 <a:cs typeface="Consolas" pitchFamily="49" charset="0"/>
               </a:rPr>
@@ -9943,7 +9539,7 @@
               <a:buNone/>
             </a:pPr>
             <a:r>
-              <a:rPr lang="en-US" b="1" dirty="0" smtClean="0">
+              <a:rPr lang="en-US" b="1" dirty="0">
                 <a:latin typeface="Consolas" pitchFamily="49" charset="0"/>
                 <a:cs typeface="Consolas" pitchFamily="49" charset="0"/>
               </a:rPr>
@@ -9955,7 +9551,7 @@
               <a:buNone/>
             </a:pPr>
             <a:r>
-              <a:rPr lang="en-US" b="1" dirty="0" smtClean="0">
+              <a:rPr lang="en-US" b="1" dirty="0">
                 <a:latin typeface="Consolas" pitchFamily="49" charset="0"/>
                 <a:cs typeface="Consolas" pitchFamily="49" charset="0"/>
               </a:rPr>
@@ -9967,14 +9563,14 @@
               <a:buNone/>
             </a:pPr>
             <a:r>
-              <a:rPr lang="en-US" b="1" dirty="0" smtClean="0">
+              <a:rPr lang="en-US" b="1" dirty="0">
                 <a:latin typeface="Consolas" pitchFamily="49" charset="0"/>
                 <a:cs typeface="Consolas" pitchFamily="49" charset="0"/>
               </a:rPr>
               <a:t>  </a:t>
             </a:r>
             <a:r>
-              <a:rPr lang="en-US" b="1" dirty="0" smtClean="0">
+              <a:rPr lang="en-US" b="1" dirty="0">
                 <a:solidFill>
                   <a:srgbClr val="FF0000"/>
                 </a:solidFill>
@@ -9984,7 +9580,7 @@
               <a:t>"after pause key, an </a:t>
             </a:r>
             <a:r>
-              <a:rPr lang="en-US" b="1" dirty="0" err="1" smtClean="0">
+              <a:rPr lang="en-US" b="1" dirty="0" err="1">
                 <a:solidFill>
                   <a:srgbClr val="FF0000"/>
                 </a:solidFill>
@@ -9994,17 +9590,17 @@
               <a:t>unpaused</a:t>
             </a:r>
             <a:r>
-              <a:rPr lang="en-US" b="1" dirty="0" smtClean="0">
+              <a:rPr lang="en-US" b="1" dirty="0">
                 <a:solidFill>
                   <a:srgbClr val="FF0000"/>
                 </a:solidFill>
                 <a:latin typeface="Consolas" pitchFamily="49" charset="0"/>
                 <a:cs typeface="Consolas" pitchFamily="49" charset="0"/>
               </a:rPr>
-              <a:t> world should become paused"</a:t>
-            </a:r>
-            <a:r>
-              <a:rPr lang="en-US" b="1" dirty="0" smtClean="0">
+              <a:t> world did not become paused"</a:t>
+            </a:r>
+            <a:r>
+              <a:rPr lang="en-US" b="1" dirty="0">
                 <a:latin typeface="Consolas" pitchFamily="49" charset="0"/>
                 <a:cs typeface="Consolas" pitchFamily="49" charset="0"/>
               </a:rPr>
@@ -10045,13 +9641,6 @@
   <p:clrMapOvr>
     <a:masterClrMapping/>
   </p:clrMapOvr>
-  <p:timing>
-    <p:tnLst>
-      <p:par>
-        <p:cTn id="1" dur="indefinite" restart="never" nodeType="tmRoot"/>
-      </p:par>
-    </p:tnLst>
-  </p:timing>
 </p:sld>
 </file>
 
@@ -10088,10 +9677,9 @@
           <a:lstStyle/>
           <a:p>
             <a:r>
-              <a:rPr lang="en-US" dirty="0" smtClean="0"/>
+              <a:rPr lang="en-US" dirty="0"/>
               <a:t>Tests (3)</a:t>
             </a:r>
-            <a:endParaRPr lang="en-US" dirty="0"/>
           </a:p>
         </p:txBody>
       </p:sp>
@@ -10121,7 +9709,7 @@
               <a:buNone/>
             </a:pPr>
             <a:r>
-              <a:rPr lang="en-US" b="1" dirty="0" smtClean="0">
+              <a:rPr lang="en-US" b="1" dirty="0">
                 <a:latin typeface="Consolas" pitchFamily="49" charset="0"/>
                 <a:cs typeface="Consolas" pitchFamily="49" charset="0"/>
               </a:rPr>
@@ -10133,7 +9721,7 @@
               <a:buNone/>
             </a:pPr>
             <a:r>
-              <a:rPr lang="en-US" b="1" dirty="0" smtClean="0">
+              <a:rPr lang="en-US" b="1" dirty="0">
                 <a:latin typeface="Consolas" pitchFamily="49" charset="0"/>
                 <a:cs typeface="Consolas" pitchFamily="49" charset="0"/>
               </a:rPr>
@@ -10145,7 +9733,7 @@
               <a:buNone/>
             </a:pPr>
             <a:r>
-              <a:rPr lang="en-US" b="1" dirty="0" smtClean="0">
+              <a:rPr lang="en-US" b="1" dirty="0">
                 <a:latin typeface="Consolas" pitchFamily="49" charset="0"/>
                 <a:cs typeface="Consolas" pitchFamily="49" charset="0"/>
               </a:rPr>
@@ -10157,7 +9745,7 @@
               <a:buNone/>
             </a:pPr>
             <a:r>
-              <a:rPr lang="en-US" b="1" dirty="0" smtClean="0">
+              <a:rPr lang="en-US" b="1" dirty="0">
                 <a:latin typeface="Consolas" pitchFamily="49" charset="0"/>
                 <a:cs typeface="Consolas" pitchFamily="49" charset="0"/>
               </a:rPr>
@@ -10169,7 +9757,7 @@
               <a:buNone/>
             </a:pPr>
             <a:r>
-              <a:rPr lang="en-US" b="1" dirty="0" smtClean="0">
+              <a:rPr lang="en-US" b="1" dirty="0">
                 <a:latin typeface="Consolas" pitchFamily="49" charset="0"/>
                 <a:cs typeface="Consolas" pitchFamily="49" charset="0"/>
               </a:rPr>
@@ -10181,24 +9769,24 @@
               <a:buNone/>
             </a:pPr>
             <a:r>
-              <a:rPr lang="en-US" b="1" dirty="0" smtClean="0">
+              <a:rPr lang="en-US" b="1" dirty="0">
                 <a:latin typeface="Consolas" pitchFamily="49" charset="0"/>
                 <a:cs typeface="Consolas" pitchFamily="49" charset="0"/>
               </a:rPr>
               <a:t>  </a:t>
             </a:r>
             <a:r>
-              <a:rPr lang="en-US" b="1" dirty="0" smtClean="0">
+              <a:rPr lang="en-US" b="1" dirty="0">
                 <a:solidFill>
                   <a:srgbClr val="FF0000"/>
                 </a:solidFill>
                 <a:latin typeface="Consolas" pitchFamily="49" charset="0"/>
                 <a:cs typeface="Consolas" pitchFamily="49" charset="0"/>
               </a:rPr>
-              <a:t>"after a non-pause key, a paused world should be unchanged"</a:t>
-            </a:r>
-            <a:r>
-              <a:rPr lang="en-US" b="1" dirty="0" smtClean="0">
+              <a:t>"after a non-pause key, a paused world was not unchanged"</a:t>
+            </a:r>
+            <a:r>
+              <a:rPr lang="en-US" b="1" dirty="0">
                 <a:latin typeface="Consolas" pitchFamily="49" charset="0"/>
                 <a:cs typeface="Consolas" pitchFamily="49" charset="0"/>
               </a:rPr>
@@ -10209,7 +9797,7 @@
             <a:pPr>
               <a:buNone/>
             </a:pPr>
-            <a:endParaRPr lang="en-US" b="1" dirty="0" smtClean="0">
+            <a:endParaRPr lang="en-US" b="1" dirty="0">
               <a:latin typeface="Consolas" pitchFamily="49" charset="0"/>
               <a:cs typeface="Consolas" pitchFamily="49" charset="0"/>
             </a:endParaRPr>
@@ -10219,7 +9807,7 @@
               <a:buNone/>
             </a:pPr>
             <a:r>
-              <a:rPr lang="en-US" b="1" dirty="0" smtClean="0">
+              <a:rPr lang="en-US" b="1" dirty="0">
                 <a:latin typeface="Consolas" pitchFamily="49" charset="0"/>
                 <a:cs typeface="Consolas" pitchFamily="49" charset="0"/>
               </a:rPr>
@@ -10231,7 +9819,7 @@
               <a:buNone/>
             </a:pPr>
             <a:r>
-              <a:rPr lang="en-US" b="1" dirty="0" smtClean="0">
+              <a:rPr lang="en-US" b="1" dirty="0">
                 <a:latin typeface="Consolas" pitchFamily="49" charset="0"/>
                 <a:cs typeface="Consolas" pitchFamily="49" charset="0"/>
               </a:rPr>
@@ -10243,7 +9831,7 @@
               <a:buNone/>
             </a:pPr>
             <a:r>
-              <a:rPr lang="en-US" b="1" dirty="0" smtClean="0">
+              <a:rPr lang="en-US" b="1" dirty="0">
                 <a:latin typeface="Consolas" pitchFamily="49" charset="0"/>
                 <a:cs typeface="Consolas" pitchFamily="49" charset="0"/>
               </a:rPr>
@@ -10255,7 +9843,7 @@
               <a:buNone/>
             </a:pPr>
             <a:r>
-              <a:rPr lang="en-US" b="1" dirty="0" smtClean="0">
+              <a:rPr lang="en-US" b="1" dirty="0">
                 <a:latin typeface="Consolas" pitchFamily="49" charset="0"/>
                 <a:cs typeface="Consolas" pitchFamily="49" charset="0"/>
               </a:rPr>
@@ -10267,7 +9855,7 @@
               <a:buNone/>
             </a:pPr>
             <a:r>
-              <a:rPr lang="en-US" b="1" dirty="0" smtClean="0">
+              <a:rPr lang="en-US" b="1" dirty="0">
                 <a:latin typeface="Consolas" pitchFamily="49" charset="0"/>
                 <a:cs typeface="Consolas" pitchFamily="49" charset="0"/>
               </a:rPr>
@@ -10279,14 +9867,14 @@
               <a:buNone/>
             </a:pPr>
             <a:r>
-              <a:rPr lang="en-US" b="1" dirty="0" smtClean="0">
+              <a:rPr lang="en-US" b="1" dirty="0">
                 <a:latin typeface="Consolas" pitchFamily="49" charset="0"/>
                 <a:cs typeface="Consolas" pitchFamily="49" charset="0"/>
               </a:rPr>
               <a:t>  </a:t>
             </a:r>
             <a:r>
-              <a:rPr lang="en-US" b="1" dirty="0" smtClean="0">
+              <a:rPr lang="en-US" b="1" dirty="0">
                 <a:solidFill>
                   <a:srgbClr val="FF0000"/>
                 </a:solidFill>
@@ -10296,7 +9884,7 @@
               <a:t>"after a non-pause key, an </a:t>
             </a:r>
             <a:r>
-              <a:rPr lang="en-US" b="1" dirty="0" err="1" smtClean="0">
+              <a:rPr lang="en-US" b="1" dirty="0" err="1">
                 <a:solidFill>
                   <a:srgbClr val="FF0000"/>
                 </a:solidFill>
@@ -10306,17 +9894,17 @@
               <a:t>unpaused</a:t>
             </a:r>
             <a:r>
-              <a:rPr lang="en-US" b="1" dirty="0" smtClean="0">
+              <a:rPr lang="en-US" b="1" dirty="0">
                 <a:solidFill>
                   <a:srgbClr val="FF0000"/>
                 </a:solidFill>
                 <a:latin typeface="Consolas" pitchFamily="49" charset="0"/>
                 <a:cs typeface="Consolas" pitchFamily="49" charset="0"/>
               </a:rPr>
-              <a:t> world should be unchanged"</a:t>
-            </a:r>
-            <a:r>
-              <a:rPr lang="en-US" b="1" dirty="0" smtClean="0">
+              <a:t> world was not unchanged"</a:t>
+            </a:r>
+            <a:r>
+              <a:rPr lang="en-US" b="1" dirty="0">
                 <a:latin typeface="Consolas" pitchFamily="49" charset="0"/>
                 <a:cs typeface="Consolas" pitchFamily="49" charset="0"/>
               </a:rPr>
@@ -10353,13 +9941,6 @@
   <p:clrMapOvr>
     <a:masterClrMapping/>
   </p:clrMapOvr>
-  <p:timing>
-    <p:tnLst>
-      <p:par>
-        <p:cTn id="1" dur="indefinite" restart="never" nodeType="tmRoot"/>
-      </p:par>
-    </p:tnLst>
-  </p:timing>
 </p:sld>
 </file>
 
@@ -10415,10 +9996,9 @@
           <a:p>
             <a:pPr algn="ctr"/>
             <a:r>
-              <a:rPr lang="en-US" dirty="0" smtClean="0"/>
+              <a:rPr lang="en-US" dirty="0"/>
               <a:t>Generalization</a:t>
             </a:r>
-            <a:endParaRPr lang="en-US" dirty="0"/>
           </a:p>
         </p:txBody>
       </p:sp>
@@ -10463,10 +10043,9 @@
           <a:p>
             <a:pPr algn="ctr"/>
             <a:r>
-              <a:rPr lang="en-US" dirty="0" smtClean="0"/>
+              <a:rPr lang="en-US" dirty="0"/>
               <a:t>Over Constants</a:t>
             </a:r>
-            <a:endParaRPr lang="en-US" dirty="0"/>
           </a:p>
         </p:txBody>
       </p:sp>
@@ -10511,7 +10090,7 @@
           <a:p>
             <a:pPr algn="ctr"/>
             <a:r>
-              <a:rPr lang="en-US" dirty="0" smtClean="0"/>
+              <a:rPr lang="en-US" dirty="0"/>
               <a:t>Over Expressions</a:t>
             </a:r>
           </a:p>
@@ -10558,10 +10137,9 @@
           <a:p>
             <a:pPr algn="ctr"/>
             <a:r>
-              <a:rPr lang="en-US" dirty="0" smtClean="0"/>
+              <a:rPr lang="en-US" dirty="0"/>
               <a:t>Over Contexts</a:t>
             </a:r>
-            <a:endParaRPr lang="en-US" dirty="0"/>
           </a:p>
         </p:txBody>
       </p:sp>
@@ -10606,10 +10184,9 @@
           <a:p>
             <a:pPr algn="ctr"/>
             <a:r>
-              <a:rPr lang="en-US" dirty="0" smtClean="0"/>
+              <a:rPr lang="en-US" dirty="0"/>
               <a:t>Over Data Representations</a:t>
             </a:r>
-            <a:endParaRPr lang="en-US" dirty="0"/>
           </a:p>
         </p:txBody>
       </p:sp>
@@ -10654,10 +10231,9 @@
           <a:p>
             <a:pPr algn="ctr"/>
             <a:r>
-              <a:rPr lang="en-US" dirty="0" smtClean="0"/>
+              <a:rPr lang="en-US" dirty="0"/>
               <a:t>Over Method Implementations</a:t>
             </a:r>
-            <a:endParaRPr lang="en-US" dirty="0"/>
           </a:p>
         </p:txBody>
       </p:sp>
@@ -10712,10 +10288,9 @@
             <a:p>
               <a:pPr algn="ctr"/>
               <a:r>
-                <a:rPr lang="en-US" dirty="0" smtClean="0"/>
+                <a:rPr lang="en-US" dirty="0"/>
                 <a:t>Mixed Data</a:t>
               </a:r>
-              <a:endParaRPr lang="en-US" dirty="0"/>
             </a:p>
           </p:txBody>
         </p:sp>
@@ -10754,10 +10329,9 @@
             <a:p>
               <a:pPr algn="ctr"/>
               <a:r>
-                <a:rPr lang="en-US" dirty="0" smtClean="0"/>
+                <a:rPr lang="en-US" dirty="0"/>
                 <a:t>Data Representations</a:t>
               </a:r>
-              <a:endParaRPr lang="en-US" dirty="0"/>
             </a:p>
           </p:txBody>
         </p:sp>
@@ -10802,10 +10376,9 @@
             <a:p>
               <a:pPr algn="ctr"/>
               <a:r>
-                <a:rPr lang="en-US" dirty="0" smtClean="0"/>
+                <a:rPr lang="en-US" dirty="0"/>
                 <a:t>Basics</a:t>
               </a:r>
-              <a:endParaRPr lang="en-US" dirty="0"/>
             </a:p>
           </p:txBody>
         </p:sp>
@@ -10850,10 +10423,9 @@
             <a:p>
               <a:pPr algn="ctr"/>
               <a:r>
-                <a:rPr lang="en-US" dirty="0" smtClean="0"/>
+                <a:rPr lang="en-US" dirty="0"/>
                 <a:t>Recursive Data</a:t>
               </a:r>
-              <a:endParaRPr lang="en-US" dirty="0"/>
             </a:p>
           </p:txBody>
         </p:sp>
@@ -10898,10 +10470,9 @@
             <a:p>
               <a:pPr algn="ctr"/>
               <a:r>
-                <a:rPr lang="en-US" dirty="0" smtClean="0"/>
+                <a:rPr lang="en-US" dirty="0"/>
                 <a:t>Functional Data</a:t>
               </a:r>
-              <a:endParaRPr lang="en-US" dirty="0"/>
             </a:p>
           </p:txBody>
         </p:sp>
@@ -10946,10 +10517,9 @@
             <a:p>
               <a:pPr algn="ctr"/>
               <a:r>
-                <a:rPr lang="en-US" dirty="0" smtClean="0"/>
+                <a:rPr lang="en-US" dirty="0"/>
                 <a:t>Objects &amp; Classes</a:t>
               </a:r>
-              <a:endParaRPr lang="en-US" dirty="0"/>
             </a:p>
           </p:txBody>
         </p:sp>
@@ -10994,14 +10564,13 @@
             <a:p>
               <a:pPr algn="ctr"/>
               <a:r>
-                <a:rPr lang="en-US" dirty="0" err="1" smtClean="0"/>
+                <a:rPr lang="en-US" dirty="0" err="1"/>
                 <a:t>Stateful</a:t>
               </a:r>
               <a:r>
-                <a:rPr lang="en-US" dirty="0" smtClean="0"/>
+                <a:rPr lang="en-US" dirty="0"/>
                 <a:t> Objects</a:t>
               </a:r>
-              <a:endParaRPr lang="en-US" dirty="0"/>
             </a:p>
           </p:txBody>
         </p:sp>
@@ -11127,10 +10696,9 @@
             <a:p>
               <a:pPr algn="ctr"/>
               <a:r>
-                <a:rPr lang="en-US" dirty="0" smtClean="0"/>
+                <a:rPr lang="en-US" dirty="0"/>
                 <a:t>Design Strategies</a:t>
               </a:r>
-              <a:endParaRPr lang="en-US" dirty="0"/>
             </a:p>
           </p:txBody>
         </p:sp>
@@ -11175,10 +10743,9 @@
             <a:p>
               <a:pPr algn="ctr"/>
               <a:r>
-                <a:rPr lang="en-US" dirty="0" smtClean="0"/>
+                <a:rPr lang="en-US" dirty="0"/>
                 <a:t>Combine simpler functions</a:t>
               </a:r>
-              <a:endParaRPr lang="en-US" dirty="0"/>
             </a:p>
           </p:txBody>
         </p:sp>
@@ -11219,10 +10786,9 @@
             <a:p>
               <a:pPr algn="ctr"/>
               <a:r>
-                <a:rPr lang="en-US" dirty="0" smtClean="0"/>
+                <a:rPr lang="en-US" dirty="0"/>
                 <a:t>Use a template</a:t>
               </a:r>
-              <a:endParaRPr lang="en-US" dirty="0"/>
             </a:p>
           </p:txBody>
         </p:sp>
@@ -11267,10 +10833,9 @@
             <a:p>
               <a:pPr algn="ctr"/>
               <a:r>
-                <a:rPr lang="en-US" dirty="0" smtClean="0"/>
+                <a:rPr lang="en-US" dirty="0"/>
                 <a:t>Divide into Cases</a:t>
               </a:r>
-              <a:endParaRPr lang="en-US" dirty="0"/>
             </a:p>
           </p:txBody>
         </p:sp>
@@ -11315,10 +10880,9 @@
             <a:p>
               <a:pPr algn="ctr"/>
               <a:r>
-                <a:rPr lang="en-US" dirty="0" smtClean="0"/>
+                <a:rPr lang="en-US" dirty="0"/>
                 <a:t>Call a more general function</a:t>
               </a:r>
-              <a:endParaRPr lang="en-US" dirty="0"/>
             </a:p>
           </p:txBody>
         </p:sp>
@@ -11363,10 +10927,9 @@
             <a:p>
               <a:pPr algn="ctr"/>
               <a:r>
-                <a:rPr lang="en-US" dirty="0" smtClean="0"/>
+                <a:rPr lang="en-US" dirty="0"/>
                 <a:t>Communicate via State</a:t>
               </a:r>
-              <a:endParaRPr lang="en-US" dirty="0"/>
             </a:p>
           </p:txBody>
         </p:sp>
@@ -11741,7 +11304,7 @@
           <a:p>
             <a:pPr algn="ctr"/>
             <a:r>
-              <a:rPr lang="en-US" sz="4400" dirty="0" smtClean="0"/>
+              <a:rPr lang="en-US" sz="4400" dirty="0"/>
               <a:t>Module 03</a:t>
             </a:r>
             <a:endParaRPr lang="en-US" sz="4400" dirty="0">
@@ -11931,13 +11494,6 @@
   <p:clrMapOvr>
     <a:masterClrMapping/>
   </p:clrMapOvr>
-  <p:timing>
-    <p:tnLst>
-      <p:par>
-        <p:cTn id="1" dur="indefinite" restart="never" nodeType="tmRoot"/>
-      </p:par>
-    </p:tnLst>
-  </p:timing>
 </p:sld>
 </file>
 
@@ -11974,10 +11530,9 @@
           <a:lstStyle/>
           <a:p>
             <a:r>
-              <a:rPr lang="en-US" dirty="0" smtClean="0"/>
+              <a:rPr lang="en-US" dirty="0"/>
               <a:t>Tests (4)</a:t>
             </a:r>
-            <a:endParaRPr lang="en-US" dirty="0"/>
           </a:p>
         </p:txBody>
       </p:sp>
@@ -12024,7 +11579,7 @@
               <a:t>kev</a:t>
             </a:r>
             <a:r>
-              <a:rPr lang="en-US" sz="2000" dirty="0" smtClean="0">
+              <a:rPr lang="en-US" sz="2000" dirty="0">
                 <a:solidFill>
                   <a:schemeClr val="tx1">
                     <a:lumMod val="50000"/>
@@ -12034,14 +11589,6 @@
               </a:rPr>
               <a:t>) ...)</a:t>
             </a:r>
-            <a:endParaRPr lang="en-US" sz="2000" dirty="0">
-              <a:solidFill>
-                <a:schemeClr val="tx1">
-                  <a:lumMod val="50000"/>
-                  <a:lumOff val="50000"/>
-                </a:schemeClr>
-              </a:solidFill>
-            </a:endParaRPr>
           </a:p>
           <a:p>
             <a:pPr marL="0" indent="0">
@@ -12051,16 +11598,56 @@
               <a:rPr lang="en-US" sz="2000" dirty="0"/>
               <a:t>  </a:t>
             </a:r>
-            <a:endParaRPr lang="en-US" sz="2000" dirty="0" smtClean="0"/>
           </a:p>
           <a:p>
             <a:pPr marL="0" indent="0">
               <a:buNone/>
             </a:pPr>
             <a:r>
-              <a:rPr lang="en-US" sz="2000" dirty="0" smtClean="0"/>
+              <a:rPr lang="en-US" sz="2000" dirty="0"/>
               <a:t>(begin-for-test</a:t>
             </a:r>
+          </a:p>
+          <a:p>
+            <a:pPr marL="0" indent="0">
+              <a:buNone/>
+            </a:pPr>
+            <a:r>
+              <a:rPr lang="en-US" sz="2000" dirty="0"/>
+              <a:t>  (check-equal? ...)</a:t>
+            </a:r>
+          </a:p>
+          <a:p>
+            <a:pPr marL="0" indent="0">
+              <a:buNone/>
+            </a:pPr>
+            <a:r>
+              <a:rPr lang="en-US" sz="2000" dirty="0"/>
+              <a:t>  (check-equal? ...)    </a:t>
+            </a:r>
+          </a:p>
+          <a:p>
+            <a:pPr marL="0" indent="0">
+              <a:buNone/>
+            </a:pPr>
+            <a:r>
+              <a:rPr lang="en-US" sz="2000" dirty="0"/>
+              <a:t>  (check-equal? ...)</a:t>
+            </a:r>
+          </a:p>
+          <a:p>
+            <a:pPr marL="0" indent="0">
+              <a:buNone/>
+            </a:pPr>
+            <a:r>
+              <a:rPr lang="en-US" sz="2000" dirty="0"/>
+              <a:t>  (check-equal? ...))</a:t>
+            </a:r>
+          </a:p>
+          <a:p>
+            <a:pPr marL="0" indent="0">
+              <a:buNone/>
+            </a:pPr>
             <a:endParaRPr lang="en-US" sz="2000" dirty="0"/>
           </a:p>
           <a:p>
@@ -12068,76 +11655,7 @@
               <a:buNone/>
             </a:pPr>
             <a:r>
-              <a:rPr lang="en-US" sz="2000" dirty="0"/>
-              <a:t>  (check-equal</a:t>
-            </a:r>
-            <a:r>
-              <a:rPr lang="en-US" sz="2000" dirty="0" smtClean="0"/>
-              <a:t>? ...)</a:t>
-            </a:r>
-            <a:endParaRPr lang="en-US" sz="2000" dirty="0"/>
-          </a:p>
-          <a:p>
-            <a:pPr marL="0" indent="0">
-              <a:buNone/>
-            </a:pPr>
-            <a:r>
-              <a:rPr lang="en-US" sz="2000" dirty="0" smtClean="0"/>
-              <a:t>  </a:t>
-            </a:r>
-            <a:r>
-              <a:rPr lang="en-US" sz="2000" dirty="0"/>
-              <a:t>(check-equal</a:t>
-            </a:r>
-            <a:r>
-              <a:rPr lang="en-US" sz="2000" dirty="0" smtClean="0"/>
-              <a:t>? ...)    </a:t>
-            </a:r>
-            <a:endParaRPr lang="en-US" sz="2000" dirty="0"/>
-          </a:p>
-          <a:p>
-            <a:pPr marL="0" indent="0">
-              <a:buNone/>
-            </a:pPr>
-            <a:r>
-              <a:rPr lang="en-US" sz="2000" dirty="0"/>
-              <a:t>  (check-equal</a:t>
-            </a:r>
-            <a:r>
-              <a:rPr lang="en-US" sz="2000" dirty="0" smtClean="0"/>
-              <a:t>? ...)</a:t>
-            </a:r>
-            <a:endParaRPr lang="en-US" sz="2000" dirty="0"/>
-          </a:p>
-          <a:p>
-            <a:pPr marL="0" indent="0">
-              <a:buNone/>
-            </a:pPr>
-            <a:r>
-              <a:rPr lang="en-US" sz="2000" dirty="0" smtClean="0"/>
-              <a:t>  </a:t>
-            </a:r>
-            <a:r>
-              <a:rPr lang="en-US" sz="2000" dirty="0"/>
-              <a:t>(check-equal</a:t>
-            </a:r>
-            <a:r>
-              <a:rPr lang="en-US" sz="2000" dirty="0" smtClean="0"/>
-              <a:t>? ...))</a:t>
-            </a:r>
-          </a:p>
-          <a:p>
-            <a:pPr marL="0" indent="0">
-              <a:buNone/>
-            </a:pPr>
-            <a:endParaRPr lang="en-US" sz="2000" dirty="0"/>
-          </a:p>
-          <a:p>
-            <a:pPr marL="0" indent="0">
-              <a:buNone/>
-            </a:pPr>
-            <a:r>
-              <a:rPr lang="en-US" sz="2000" dirty="0" smtClean="0">
+              <a:rPr lang="en-US" sz="2000" dirty="0">
                 <a:solidFill>
                   <a:schemeClr val="tx1">
                     <a:lumMod val="50000"/>
@@ -12152,7 +11670,7 @@
             <a:pPr marL="0" indent="0">
               <a:buNone/>
             </a:pPr>
-            <a:endParaRPr lang="en-US" sz="2000" dirty="0" smtClean="0"/>
+            <a:endParaRPr lang="en-US" sz="2000" dirty="0"/>
           </a:p>
         </p:txBody>
       </p:sp>
@@ -12198,10 +11716,9 @@
           <a:lstStyle/>
           <a:p>
             <a:r>
-              <a:rPr lang="en-US" dirty="0" smtClean="0"/>
+              <a:rPr lang="en-US" dirty="0"/>
               <a:t>Here's how we lay out the tests in our file.</a:t>
             </a:r>
-            <a:endParaRPr lang="en-US" dirty="0"/>
           </a:p>
         </p:txBody>
       </p:sp>
@@ -12261,14 +11778,13 @@
             <a:lstStyle/>
             <a:p>
               <a:r>
-                <a:rPr lang="en-US" dirty="0" smtClean="0"/>
+                <a:rPr lang="en-US" dirty="0"/>
                 <a:t>Contract, purpose function, etc., for </a:t>
               </a:r>
               <a:r>
-                <a:rPr lang="en-US" b="1" dirty="0" smtClean="0"/>
+                <a:rPr lang="en-US" b="1" dirty="0"/>
                 <a:t>world-with-paused-toggled?</a:t>
               </a:r>
-              <a:endParaRPr lang="en-US" b="1" dirty="0"/>
             </a:p>
           </p:txBody>
         </p:sp>
@@ -12342,13 +11858,6 @@
   <p:clrMapOvr>
     <a:masterClrMapping/>
   </p:clrMapOvr>
-  <p:timing>
-    <p:tnLst>
-      <p:par>
-        <p:cTn id="1" dur="indefinite" restart="never" nodeType="tmRoot"/>
-      </p:par>
-    </p:tnLst>
-  </p:timing>
 </p:sld>
 </file>
 
@@ -12387,10 +11896,9 @@
           <a:lstStyle/>
           <a:p>
             <a:r>
-              <a:rPr lang="en-US" dirty="0" smtClean="0"/>
+              <a:rPr lang="en-US" dirty="0"/>
               <a:t>Now we're ready to design our help function</a:t>
             </a:r>
-            <a:endParaRPr lang="en-US" dirty="0"/>
           </a:p>
         </p:txBody>
       </p:sp>
@@ -12446,13 +11954,6 @@
   <p:clrMapOvr>
     <a:masterClrMapping/>
   </p:clrMapOvr>
-  <p:timing>
-    <p:tnLst>
-      <p:par>
-        <p:cTn id="1" dur="indefinite" restart="never" nodeType="tmRoot"/>
-      </p:par>
-    </p:tnLst>
-  </p:timing>
 </p:sld>
 </file>
 
@@ -12489,10 +11990,9 @@
           <a:lstStyle/>
           <a:p>
             <a:r>
-              <a:rPr lang="en-US" dirty="0" smtClean="0"/>
+              <a:rPr lang="en-US" dirty="0"/>
               <a:t>Definition for Helper Function</a:t>
             </a:r>
-            <a:endParaRPr lang="en-US" dirty="0"/>
           </a:p>
         </p:txBody>
       </p:sp>
@@ -12535,28 +12035,17 @@
               </a:rPr>
               <a:t>;; RETURNS: a world just like the given one, but with </a:t>
             </a:r>
-            <a:endParaRPr lang="en-US" sz="2000" b="1" dirty="0" smtClean="0">
-              <a:latin typeface="Consolas" pitchFamily="49" charset="0"/>
-              <a:cs typeface="Consolas" pitchFamily="49" charset="0"/>
-            </a:endParaRPr>
-          </a:p>
-          <a:p>
-            <a:pPr>
-              <a:buNone/>
-            </a:pPr>
-            <a:r>
-              <a:rPr lang="en-US" sz="2000" b="1" dirty="0" smtClean="0">
-                <a:latin typeface="Consolas" pitchFamily="49" charset="0"/>
-                <a:cs typeface="Consolas" pitchFamily="49" charset="0"/>
-              </a:rPr>
-              <a:t>;;  paused</a:t>
-            </a:r>
+          </a:p>
+          <a:p>
+            <a:pPr>
+              <a:buNone/>
+            </a:pPr>
             <a:r>
               <a:rPr lang="en-US" sz="2000" b="1" dirty="0">
                 <a:latin typeface="Consolas" pitchFamily="49" charset="0"/>
                 <a:cs typeface="Consolas" pitchFamily="49" charset="0"/>
               </a:rPr>
-              <a:t>? toggled</a:t>
+              <a:t>;;  paused? toggled</a:t>
             </a:r>
           </a:p>
           <a:p>
@@ -12568,87 +12057,76 @@
                 <a:latin typeface="Consolas" pitchFamily="49" charset="0"/>
                 <a:cs typeface="Consolas" pitchFamily="49" charset="0"/>
               </a:rPr>
-              <a:t>;; STRATEGY: </a:t>
-            </a:r>
-            <a:r>
-              <a:rPr lang="en-US" sz="2000" b="1" dirty="0" smtClean="0">
-                <a:latin typeface="Consolas" pitchFamily="49" charset="0"/>
-                <a:cs typeface="Consolas" pitchFamily="49" charset="0"/>
-              </a:rPr>
-              <a:t>Use template for World on w</a:t>
-            </a:r>
+              <a:t>;; STRATEGY: Use template for World on w</a:t>
+            </a:r>
+          </a:p>
+          <a:p>
+            <a:pPr>
+              <a:buNone/>
+            </a:pPr>
+            <a:r>
+              <a:rPr lang="en-US" sz="2000" b="1" dirty="0">
+                <a:latin typeface="Consolas" pitchFamily="49" charset="0"/>
+                <a:cs typeface="Consolas" pitchFamily="49" charset="0"/>
+              </a:rPr>
+              <a:t>(define (world-with-paused-toggled w)</a:t>
+            </a:r>
+          </a:p>
+          <a:p>
+            <a:pPr>
+              <a:buNone/>
+            </a:pPr>
+            <a:r>
+              <a:rPr lang="en-US" sz="2000" b="1" dirty="0">
+                <a:latin typeface="Consolas" pitchFamily="49" charset="0"/>
+                <a:cs typeface="Consolas" pitchFamily="49" charset="0"/>
+              </a:rPr>
+              <a:t>  (make-world</a:t>
+            </a:r>
+          </a:p>
+          <a:p>
+            <a:pPr>
+              <a:buNone/>
+            </a:pPr>
+            <a:r>
+              <a:rPr lang="en-US" sz="2000" b="1" dirty="0">
+                <a:latin typeface="Consolas" pitchFamily="49" charset="0"/>
+                <a:cs typeface="Consolas" pitchFamily="49" charset="0"/>
+              </a:rPr>
+              <a:t>   (world-</a:t>
+            </a:r>
+            <a:r>
+              <a:rPr lang="en-US" sz="2000" b="1" dirty="0" err="1">
+                <a:latin typeface="Consolas" pitchFamily="49" charset="0"/>
+                <a:cs typeface="Consolas" pitchFamily="49" charset="0"/>
+              </a:rPr>
+              <a:t>pos</a:t>
+            </a:r>
+            <a:r>
+              <a:rPr lang="en-US" sz="2000" b="1" dirty="0">
+                <a:latin typeface="Consolas" pitchFamily="49" charset="0"/>
+                <a:cs typeface="Consolas" pitchFamily="49" charset="0"/>
+              </a:rPr>
+              <a:t> w)</a:t>
+            </a:r>
+          </a:p>
+          <a:p>
+            <a:pPr>
+              <a:buNone/>
+            </a:pPr>
+            <a:r>
+              <a:rPr lang="en-US" sz="2000" b="1" dirty="0">
+                <a:latin typeface="Consolas" pitchFamily="49" charset="0"/>
+                <a:cs typeface="Consolas" pitchFamily="49" charset="0"/>
+              </a:rPr>
+              <a:t>   (not (world-paused? w))))</a:t>
+            </a:r>
+          </a:p>
+          <a:p>
+            <a:pPr>
+              <a:buNone/>
+            </a:pPr>
             <a:endParaRPr lang="en-US" sz="2000" b="1" dirty="0">
-              <a:latin typeface="Consolas" pitchFamily="49" charset="0"/>
-              <a:cs typeface="Consolas" pitchFamily="49" charset="0"/>
-            </a:endParaRPr>
-          </a:p>
-          <a:p>
-            <a:pPr>
-              <a:buNone/>
-            </a:pPr>
-            <a:r>
-              <a:rPr lang="en-US" sz="2000" b="1" dirty="0">
-                <a:latin typeface="Consolas" pitchFamily="49" charset="0"/>
-                <a:cs typeface="Consolas" pitchFamily="49" charset="0"/>
-              </a:rPr>
-              <a:t>(define (world-with-paused-toggled w)</a:t>
-            </a:r>
-          </a:p>
-          <a:p>
-            <a:pPr>
-              <a:buNone/>
-            </a:pPr>
-            <a:r>
-              <a:rPr lang="en-US" sz="2000" b="1" dirty="0">
-                <a:latin typeface="Consolas" pitchFamily="49" charset="0"/>
-                <a:cs typeface="Consolas" pitchFamily="49" charset="0"/>
-              </a:rPr>
-              <a:t>  (make-world</a:t>
-            </a:r>
-          </a:p>
-          <a:p>
-            <a:pPr>
-              <a:buNone/>
-            </a:pPr>
-            <a:r>
-              <a:rPr lang="en-US" sz="2000" b="1" dirty="0">
-                <a:latin typeface="Consolas" pitchFamily="49" charset="0"/>
-                <a:cs typeface="Consolas" pitchFamily="49" charset="0"/>
-              </a:rPr>
-              <a:t>   (world-</a:t>
-            </a:r>
-            <a:r>
-              <a:rPr lang="en-US" sz="2000" b="1" dirty="0" err="1">
-                <a:latin typeface="Consolas" pitchFamily="49" charset="0"/>
-                <a:cs typeface="Consolas" pitchFamily="49" charset="0"/>
-              </a:rPr>
-              <a:t>pos</a:t>
-            </a:r>
-            <a:r>
-              <a:rPr lang="en-US" sz="2000" b="1" dirty="0">
-                <a:latin typeface="Consolas" pitchFamily="49" charset="0"/>
-                <a:cs typeface="Consolas" pitchFamily="49" charset="0"/>
-              </a:rPr>
-              <a:t> w)</a:t>
-            </a:r>
-          </a:p>
-          <a:p>
-            <a:pPr>
-              <a:buNone/>
-            </a:pPr>
-            <a:r>
-              <a:rPr lang="en-US" sz="2000" b="1" dirty="0">
-                <a:latin typeface="Consolas" pitchFamily="49" charset="0"/>
-                <a:cs typeface="Consolas" pitchFamily="49" charset="0"/>
-              </a:rPr>
-              <a:t>   (not (world-paused? w))))</a:t>
-            </a:r>
-          </a:p>
-          <a:p>
-            <a:pPr>
-              <a:buNone/>
-            </a:pPr>
-            <a:endParaRPr lang="en-US" sz="2000" b="1" dirty="0" smtClean="0">
               <a:latin typeface="Consolas" pitchFamily="49" charset="0"/>
               <a:cs typeface="Consolas" pitchFamily="49" charset="0"/>
             </a:endParaRPr>
@@ -12724,13 +12202,7 @@
               <a:rPr lang="en-US" dirty="0">
                 <a:cs typeface="Consolas" pitchFamily="49" charset="0"/>
               </a:rPr>
-              <a:t> already </a:t>
-            </a:r>
-            <a:r>
-              <a:rPr lang="en-US" dirty="0" smtClean="0">
-                <a:cs typeface="Consolas" pitchFamily="49" charset="0"/>
-              </a:rPr>
-              <a:t>test it.</a:t>
+              <a:t> already test it.</a:t>
             </a:r>
             <a:endParaRPr lang="en-US" sz="1600" b="1" dirty="0">
               <a:latin typeface="Courier New" pitchFamily="49" charset="0"/>
@@ -12772,13 +12244,6 @@
   <p:clrMapOvr>
     <a:masterClrMapping/>
   </p:clrMapOvr>
-  <p:timing>
-    <p:tnLst>
-      <p:par>
-        <p:cTn id="1" dur="indefinite" restart="never" nodeType="tmRoot"/>
-      </p:par>
-    </p:tnLst>
-  </p:timing>
 </p:sld>
 </file>
 
@@ -12817,18 +12282,15 @@
           <a:lstStyle/>
           <a:p>
             <a:r>
-              <a:rPr lang="en-US" dirty="0" smtClean="0"/>
+              <a:rPr lang="en-US" dirty="0"/>
               <a:t>What else is on our wishlist</a:t>
             </a:r>
             <a:r>
-              <a:rPr lang="en-US" dirty="0" smtClean="0">
+              <a:rPr lang="en-US" dirty="0">
                 <a:cs typeface="Courier New" pitchFamily="49" charset="0"/>
               </a:rPr>
               <a:t>?</a:t>
             </a:r>
-            <a:endParaRPr lang="en-US" dirty="0">
-              <a:cs typeface="Courier New" pitchFamily="49" charset="0"/>
-            </a:endParaRPr>
           </a:p>
         </p:txBody>
       </p:sp>
@@ -12852,13 +12314,13 @@
           <a:bodyPr/>
           <a:lstStyle/>
           <a:p>
-            <a:endParaRPr lang="en-US" sz="1600" b="1" dirty="0" smtClean="0">
+            <a:endParaRPr lang="en-US" sz="1600" b="1" dirty="0">
               <a:latin typeface="Courier New" pitchFamily="49" charset="0"/>
               <a:cs typeface="Courier New" pitchFamily="49" charset="0"/>
             </a:endParaRPr>
           </a:p>
           <a:p>
-            <a:endParaRPr lang="en-US" dirty="0" smtClean="0"/>
+            <a:endParaRPr lang="en-US" dirty="0"/>
           </a:p>
           <a:p>
             <a:pPr>
@@ -12914,25 +12376,14 @@
               </a:rPr>
               <a:t>;; EXAMPLE: </a:t>
             </a:r>
-            <a:endParaRPr lang="en-US" sz="2000" b="1" dirty="0" smtClean="0">
-              <a:latin typeface="Consolas" pitchFamily="49" charset="0"/>
-              <a:cs typeface="Consolas" pitchFamily="49" charset="0"/>
-            </a:endParaRPr>
-          </a:p>
-          <a:p>
-            <a:r>
-              <a:rPr lang="en-US" sz="2000" b="1" dirty="0" smtClean="0">
-                <a:latin typeface="Consolas" pitchFamily="49" charset="0"/>
-                <a:cs typeface="Consolas" pitchFamily="49" charset="0"/>
-              </a:rPr>
-              <a:t>;; (</a:t>
-            </a:r>
+          </a:p>
+          <a:p>
             <a:r>
               <a:rPr lang="en-US" sz="2000" b="1" dirty="0">
                 <a:latin typeface="Consolas" pitchFamily="49" charset="0"/>
                 <a:cs typeface="Consolas" pitchFamily="49" charset="0"/>
               </a:rPr>
-              <a:t>world-to-scene (make-world 20 ??))</a:t>
+              <a:t>;; (world-to-scene (make-world 20 ??))</a:t>
             </a:r>
           </a:p>
           <a:p>
@@ -12941,37 +12392,16 @@
                 <a:latin typeface="Consolas" pitchFamily="49" charset="0"/>
                 <a:cs typeface="Consolas" pitchFamily="49" charset="0"/>
               </a:rPr>
-              <a:t>;;  </a:t>
-            </a:r>
-            <a:r>
-              <a:rPr lang="en-US" sz="2000" b="1" dirty="0" smtClean="0">
-                <a:latin typeface="Consolas" pitchFamily="49" charset="0"/>
-                <a:cs typeface="Consolas" pitchFamily="49" charset="0"/>
-              </a:rPr>
-              <a:t>= </a:t>
-            </a:r>
+              <a:t>;;  = (place-image CAT-IMAGE CAT-X-COORD 20 EMPTY-CANVAS)</a:t>
+            </a:r>
+          </a:p>
+          <a:p>
             <a:r>
               <a:rPr lang="en-US" sz="2000" b="1" dirty="0">
                 <a:latin typeface="Consolas" pitchFamily="49" charset="0"/>
                 <a:cs typeface="Consolas" pitchFamily="49" charset="0"/>
               </a:rPr>
-              <a:t>(place-image CAT-IMAGE CAT-X-COORD 20 EMPTY-CANVAS)</a:t>
-            </a:r>
-          </a:p>
-          <a:p>
-            <a:r>
-              <a:rPr lang="en-US" sz="2000" b="1" dirty="0">
-                <a:latin typeface="Consolas" pitchFamily="49" charset="0"/>
-                <a:cs typeface="Consolas" pitchFamily="49" charset="0"/>
-              </a:rPr>
-              <a:t>;; STRATEGY: </a:t>
-            </a:r>
-            <a:r>
-              <a:rPr lang="en-US" sz="2000" b="1" dirty="0" smtClean="0">
-                <a:latin typeface="Consolas" pitchFamily="49" charset="0"/>
-                <a:cs typeface="Consolas" pitchFamily="49" charset="0"/>
-              </a:rPr>
-              <a:t>use template for World on w</a:t>
+              <a:t>;; STRATEGY: use template for World on w</a:t>
             </a:r>
           </a:p>
           <a:p>
@@ -13090,48 +12520,47 @@
           <a:lstStyle/>
           <a:p>
             <a:r>
-              <a:rPr lang="en-US" dirty="0" smtClean="0"/>
+              <a:rPr lang="en-US" dirty="0"/>
               <a:t>Here's where we decompose </a:t>
             </a:r>
             <a:r>
-              <a:rPr lang="en-US" b="1" dirty="0" smtClean="0">
+              <a:rPr lang="en-US" b="1" dirty="0">
                 <a:latin typeface="Consolas" pitchFamily="49" charset="0"/>
                 <a:cs typeface="Consolas" pitchFamily="49" charset="0"/>
               </a:rPr>
               <a:t>w</a:t>
             </a:r>
             <a:r>
-              <a:rPr lang="en-US" dirty="0" smtClean="0"/>
+              <a:rPr lang="en-US" dirty="0"/>
               <a:t>.  Note that we don't need </a:t>
             </a:r>
             <a:r>
-              <a:rPr lang="en-US" b="1" dirty="0" smtClean="0">
+              <a:rPr lang="en-US" b="1" dirty="0">
                 <a:latin typeface="Consolas" pitchFamily="49" charset="0"/>
                 <a:cs typeface="Consolas" pitchFamily="49" charset="0"/>
               </a:rPr>
               <a:t>(world-paused? w)</a:t>
             </a:r>
             <a:r>
-              <a:rPr lang="en-US" dirty="0" smtClean="0"/>
+              <a:rPr lang="en-US" dirty="0"/>
               <a:t>.  That's ok– the template tells us what we </a:t>
             </a:r>
             <a:r>
-              <a:rPr lang="en-US" i="1" dirty="0" smtClean="0"/>
+              <a:rPr lang="en-US" i="1" dirty="0"/>
               <a:t>can</a:t>
             </a:r>
             <a:r>
-              <a:rPr lang="en-US" dirty="0" smtClean="0"/>
+              <a:rPr lang="en-US" dirty="0"/>
               <a:t> use, not what we </a:t>
             </a:r>
             <a:r>
-              <a:rPr lang="en-US" i="1" dirty="0" smtClean="0"/>
+              <a:rPr lang="en-US" i="1" dirty="0"/>
               <a:t>must</a:t>
             </a:r>
             <a:r>
-              <a:rPr lang="en-US" dirty="0" smtClean="0"/>
+              <a:rPr lang="en-US" dirty="0"/>
               <a:t> use. </a:t>
             </a:r>
-            <a:endParaRPr lang="en-US" dirty="0"/>
           </a:p>
         </p:txBody>
       </p:sp>
@@ -13199,13 +12628,6 @@
   <p:clrMapOvr>
     <a:masterClrMapping/>
   </p:clrMapOvr>
-  <p:timing>
-    <p:tnLst>
-      <p:par>
-        <p:cTn id="1" dur="indefinite" restart="never" nodeType="tmRoot"/>
-      </p:par>
-    </p:tnLst>
-  </p:timing>
 </p:sld>
 </file>
 
@@ -13242,10 +12664,9 @@
           <a:lstStyle/>
           <a:p>
             <a:r>
-              <a:rPr lang="en-US" dirty="0" smtClean="0"/>
+              <a:rPr lang="en-US" dirty="0"/>
               <a:t>Testing world-to-scene</a:t>
             </a:r>
-            <a:endParaRPr lang="en-US" dirty="0"/>
           </a:p>
         </p:txBody>
       </p:sp>
@@ -13270,7 +12691,7 @@
               <a:buNone/>
             </a:pPr>
             <a:r>
-              <a:rPr lang="en-US" b="1" dirty="0" smtClean="0">
+              <a:rPr lang="en-US" b="1" dirty="0">
                 <a:latin typeface="Consolas" pitchFamily="49" charset="0"/>
                 <a:cs typeface="Consolas" pitchFamily="49" charset="0"/>
               </a:rPr>
@@ -13282,7 +12703,7 @@
               <a:buNone/>
             </a:pPr>
             <a:r>
-              <a:rPr lang="en-US" b="1" dirty="0" smtClean="0">
+              <a:rPr lang="en-US" b="1" dirty="0">
                 <a:latin typeface="Consolas" pitchFamily="49" charset="0"/>
                 <a:cs typeface="Consolas" pitchFamily="49" charset="0"/>
               </a:rPr>
@@ -13294,7 +12715,7 @@
               <a:buNone/>
             </a:pPr>
             <a:r>
-              <a:rPr lang="en-US" b="1" dirty="0" smtClean="0">
+              <a:rPr lang="en-US" b="1" dirty="0">
                 <a:latin typeface="Consolas" pitchFamily="49" charset="0"/>
                 <a:cs typeface="Consolas" pitchFamily="49" charset="0"/>
               </a:rPr>
@@ -13305,202 +12726,198 @@
             <a:pPr>
               <a:buNone/>
             </a:pPr>
-            <a:endParaRPr lang="en-US" b="1" dirty="0" smtClean="0">
-              <a:latin typeface="Consolas" pitchFamily="49" charset="0"/>
-              <a:cs typeface="Consolas" pitchFamily="49" charset="0"/>
-            </a:endParaRPr>
-          </a:p>
-          <a:p>
-            <a:pPr>
-              <a:buNone/>
-            </a:pPr>
-            <a:r>
-              <a:rPr lang="en-US" b="1" dirty="0" smtClean="0">
-                <a:latin typeface="Consolas" pitchFamily="49" charset="0"/>
-                <a:cs typeface="Consolas" pitchFamily="49" charset="0"/>
-              </a:rPr>
-              <a:t>;; these tests are only helpful if image-at-20 is the right image.</a:t>
-            </a:r>
-          </a:p>
-          <a:p>
-            <a:pPr>
-              <a:buNone/>
-            </a:pPr>
-            <a:r>
-              <a:rPr lang="en-US" b="1" dirty="0" smtClean="0">
-                <a:latin typeface="Consolas" pitchFamily="49" charset="0"/>
-                <a:cs typeface="Consolas" pitchFamily="49" charset="0"/>
-              </a:rPr>
-              <a:t>;; Here I've made the strings into error messages.  This is often</a:t>
-            </a:r>
-          </a:p>
-          <a:p>
-            <a:pPr>
-              <a:buNone/>
-            </a:pPr>
-            <a:r>
-              <a:rPr lang="en-US" b="1" dirty="0" smtClean="0">
-                <a:latin typeface="Consolas" pitchFamily="49" charset="0"/>
-                <a:cs typeface="Consolas" pitchFamily="49" charset="0"/>
-              </a:rPr>
-              <a:t>;; works well.</a:t>
-            </a:r>
-          </a:p>
-          <a:p>
-            <a:pPr>
-              <a:buNone/>
-            </a:pPr>
-            <a:endParaRPr lang="en-US" b="1" dirty="0" smtClean="0">
-              <a:latin typeface="Consolas" pitchFamily="49" charset="0"/>
-              <a:cs typeface="Consolas" pitchFamily="49" charset="0"/>
-            </a:endParaRPr>
-          </a:p>
-          <a:p>
-            <a:pPr>
-              <a:buNone/>
-            </a:pPr>
-            <a:r>
-              <a:rPr lang="en-US" b="1" dirty="0" smtClean="0">
-                <a:latin typeface="Consolas" pitchFamily="49" charset="0"/>
-                <a:cs typeface="Consolas" pitchFamily="49" charset="0"/>
-              </a:rPr>
-              <a:t>(begin-for-tests</a:t>
-            </a:r>
-          </a:p>
-          <a:p>
-            <a:pPr>
-              <a:buNone/>
-            </a:pPr>
-            <a:r>
-              <a:rPr lang="en-US" b="1" dirty="0" smtClean="0">
-                <a:latin typeface="Consolas" pitchFamily="49" charset="0"/>
-                <a:cs typeface="Consolas" pitchFamily="49" charset="0"/>
-              </a:rPr>
-              <a:t>  (check-equal? </a:t>
-            </a:r>
-          </a:p>
-          <a:p>
-            <a:pPr>
-              <a:buNone/>
-            </a:pPr>
-            <a:r>
-              <a:rPr lang="en-US" b="1" dirty="0" smtClean="0">
-                <a:latin typeface="Consolas" pitchFamily="49" charset="0"/>
-                <a:cs typeface="Consolas" pitchFamily="49" charset="0"/>
-              </a:rPr>
-              <a:t>    (world-&gt;scene unpaused-world-at-20)</a:t>
-            </a:r>
-          </a:p>
-          <a:p>
-            <a:pPr>
-              <a:buNone/>
-            </a:pPr>
-            <a:r>
-              <a:rPr lang="en-US" b="1" dirty="0" smtClean="0">
-                <a:latin typeface="Consolas" pitchFamily="49" charset="0"/>
-                <a:cs typeface="Consolas" pitchFamily="49" charset="0"/>
-              </a:rPr>
-              <a:t>    image-at-20</a:t>
-            </a:r>
-          </a:p>
-          <a:p>
-            <a:pPr>
-              <a:buNone/>
-            </a:pPr>
-            <a:r>
-              <a:rPr lang="en-US" b="1" dirty="0" smtClean="0">
-                <a:latin typeface="Consolas" pitchFamily="49" charset="0"/>
-                <a:cs typeface="Consolas" pitchFamily="49" charset="0"/>
-              </a:rPr>
-              <a:t>    "</a:t>
-            </a:r>
-            <a:r>
-              <a:rPr lang="en-US" b="1" dirty="0" err="1" smtClean="0">
-                <a:latin typeface="Consolas" pitchFamily="49" charset="0"/>
-                <a:cs typeface="Consolas" pitchFamily="49" charset="0"/>
-              </a:rPr>
-              <a:t>unpaused</a:t>
-            </a:r>
-            <a:r>
-              <a:rPr lang="en-US" b="1" dirty="0" smtClean="0">
-                <a:latin typeface="Consolas" pitchFamily="49" charset="0"/>
-                <a:cs typeface="Consolas" pitchFamily="49" charset="0"/>
-              </a:rPr>
-              <a:t> world yields incorrect image")</a:t>
-            </a:r>
-          </a:p>
-          <a:p>
-            <a:pPr>
-              <a:buNone/>
-            </a:pPr>
-            <a:endParaRPr lang="en-US" b="1" dirty="0" smtClean="0">
-              <a:latin typeface="Consolas" pitchFamily="49" charset="0"/>
-              <a:cs typeface="Consolas" pitchFamily="49" charset="0"/>
-            </a:endParaRPr>
-          </a:p>
-          <a:p>
-            <a:pPr>
-              <a:buNone/>
-            </a:pPr>
-            <a:r>
-              <a:rPr lang="en-US" b="1" dirty="0" smtClean="0">
-                <a:latin typeface="Consolas" pitchFamily="49" charset="0"/>
-                <a:cs typeface="Consolas" pitchFamily="49" charset="0"/>
-              </a:rPr>
-              <a:t>  (check-equal?</a:t>
-            </a:r>
-          </a:p>
-          <a:p>
-            <a:pPr>
-              <a:buNone/>
-            </a:pPr>
-            <a:r>
-              <a:rPr lang="en-US" b="1" dirty="0" smtClean="0">
-                <a:latin typeface="Consolas" pitchFamily="49" charset="0"/>
-                <a:cs typeface="Consolas" pitchFamily="49" charset="0"/>
-              </a:rPr>
-              <a:t>    (world-&gt;scene paused-world-at-20)</a:t>
-            </a:r>
-          </a:p>
-          <a:p>
-            <a:pPr>
-              <a:buNone/>
-            </a:pPr>
-            <a:r>
-              <a:rPr lang="en-US" b="1" dirty="0" smtClean="0">
-                <a:latin typeface="Consolas" pitchFamily="49" charset="0"/>
-                <a:cs typeface="Consolas" pitchFamily="49" charset="0"/>
-              </a:rPr>
-              <a:t>    image-at-20</a:t>
-            </a:r>
-          </a:p>
-          <a:p>
-            <a:pPr>
-              <a:buNone/>
-            </a:pPr>
-            <a:r>
-              <a:rPr lang="en-US" b="1" dirty="0" smtClean="0">
-                <a:latin typeface="Consolas" pitchFamily="49" charset="0"/>
-                <a:cs typeface="Consolas" pitchFamily="49" charset="0"/>
-              </a:rPr>
-              <a:t>    "paused world yields incorrect image"))</a:t>
-            </a:r>
-          </a:p>
-          <a:p>
-            <a:pPr>
-              <a:buNone/>
-            </a:pPr>
-            <a:r>
-              <a:rPr lang="en-US" b="1" dirty="0" smtClean="0">
-                <a:latin typeface="Consolas" pitchFamily="49" charset="0"/>
-                <a:cs typeface="Consolas" pitchFamily="49" charset="0"/>
-              </a:rPr>
-              <a:t>  </a:t>
-            </a:r>
             <a:endParaRPr lang="en-US" b="1" dirty="0">
               <a:latin typeface="Consolas" pitchFamily="49" charset="0"/>
               <a:cs typeface="Consolas" pitchFamily="49" charset="0"/>
             </a:endParaRPr>
+          </a:p>
+          <a:p>
+            <a:pPr>
+              <a:buNone/>
+            </a:pPr>
+            <a:r>
+              <a:rPr lang="en-US" b="1" dirty="0">
+                <a:latin typeface="Consolas" pitchFamily="49" charset="0"/>
+                <a:cs typeface="Consolas" pitchFamily="49" charset="0"/>
+              </a:rPr>
+              <a:t>;; these tests are only helpful if image-at-20 is the right image.</a:t>
+            </a:r>
+          </a:p>
+          <a:p>
+            <a:pPr>
+              <a:buNone/>
+            </a:pPr>
+            <a:r>
+              <a:rPr lang="en-US" b="1" dirty="0">
+                <a:latin typeface="Consolas" pitchFamily="49" charset="0"/>
+                <a:cs typeface="Consolas" pitchFamily="49" charset="0"/>
+              </a:rPr>
+              <a:t>;; Here I've made the strings into error messages.  This is often</a:t>
+            </a:r>
+          </a:p>
+          <a:p>
+            <a:pPr>
+              <a:buNone/>
+            </a:pPr>
+            <a:r>
+              <a:rPr lang="en-US" b="1" dirty="0">
+                <a:latin typeface="Consolas" pitchFamily="49" charset="0"/>
+                <a:cs typeface="Consolas" pitchFamily="49" charset="0"/>
+              </a:rPr>
+              <a:t>;; works well.</a:t>
+            </a:r>
+          </a:p>
+          <a:p>
+            <a:pPr>
+              <a:buNone/>
+            </a:pPr>
+            <a:endParaRPr lang="en-US" b="1" dirty="0">
+              <a:latin typeface="Consolas" pitchFamily="49" charset="0"/>
+              <a:cs typeface="Consolas" pitchFamily="49" charset="0"/>
+            </a:endParaRPr>
+          </a:p>
+          <a:p>
+            <a:pPr>
+              <a:buNone/>
+            </a:pPr>
+            <a:r>
+              <a:rPr lang="en-US" b="1" dirty="0">
+                <a:latin typeface="Consolas" pitchFamily="49" charset="0"/>
+                <a:cs typeface="Consolas" pitchFamily="49" charset="0"/>
+              </a:rPr>
+              <a:t>(begin-for-tests</a:t>
+            </a:r>
+          </a:p>
+          <a:p>
+            <a:pPr>
+              <a:buNone/>
+            </a:pPr>
+            <a:r>
+              <a:rPr lang="en-US" b="1" dirty="0">
+                <a:latin typeface="Consolas" pitchFamily="49" charset="0"/>
+                <a:cs typeface="Consolas" pitchFamily="49" charset="0"/>
+              </a:rPr>
+              <a:t>  (check-equal? </a:t>
+            </a:r>
+          </a:p>
+          <a:p>
+            <a:pPr>
+              <a:buNone/>
+            </a:pPr>
+            <a:r>
+              <a:rPr lang="en-US" b="1" dirty="0">
+                <a:latin typeface="Consolas" pitchFamily="49" charset="0"/>
+                <a:cs typeface="Consolas" pitchFamily="49" charset="0"/>
+              </a:rPr>
+              <a:t>    (world-&gt;scene unpaused-world-at-20)</a:t>
+            </a:r>
+          </a:p>
+          <a:p>
+            <a:pPr>
+              <a:buNone/>
+            </a:pPr>
+            <a:r>
+              <a:rPr lang="en-US" b="1" dirty="0">
+                <a:latin typeface="Consolas" pitchFamily="49" charset="0"/>
+                <a:cs typeface="Consolas" pitchFamily="49" charset="0"/>
+              </a:rPr>
+              <a:t>    image-at-20</a:t>
+            </a:r>
+          </a:p>
+          <a:p>
+            <a:pPr>
+              <a:buNone/>
+            </a:pPr>
+            <a:r>
+              <a:rPr lang="en-US" b="1" dirty="0">
+                <a:latin typeface="Consolas" pitchFamily="49" charset="0"/>
+                <a:cs typeface="Consolas" pitchFamily="49" charset="0"/>
+              </a:rPr>
+              <a:t>    "</a:t>
+            </a:r>
+            <a:r>
+              <a:rPr lang="en-US" b="1" dirty="0" err="1">
+                <a:latin typeface="Consolas" pitchFamily="49" charset="0"/>
+                <a:cs typeface="Consolas" pitchFamily="49" charset="0"/>
+              </a:rPr>
+              <a:t>unpaused</a:t>
+            </a:r>
+            <a:r>
+              <a:rPr lang="en-US" b="1" dirty="0">
+                <a:latin typeface="Consolas" pitchFamily="49" charset="0"/>
+                <a:cs typeface="Consolas" pitchFamily="49" charset="0"/>
+              </a:rPr>
+              <a:t> world yields incorrect image")</a:t>
+            </a:r>
+          </a:p>
+          <a:p>
+            <a:pPr>
+              <a:buNone/>
+            </a:pPr>
+            <a:endParaRPr lang="en-US" b="1" dirty="0">
+              <a:latin typeface="Consolas" pitchFamily="49" charset="0"/>
+              <a:cs typeface="Consolas" pitchFamily="49" charset="0"/>
+            </a:endParaRPr>
+          </a:p>
+          <a:p>
+            <a:pPr>
+              <a:buNone/>
+            </a:pPr>
+            <a:r>
+              <a:rPr lang="en-US" b="1" dirty="0">
+                <a:latin typeface="Consolas" pitchFamily="49" charset="0"/>
+                <a:cs typeface="Consolas" pitchFamily="49" charset="0"/>
+              </a:rPr>
+              <a:t>  (check-equal?</a:t>
+            </a:r>
+          </a:p>
+          <a:p>
+            <a:pPr>
+              <a:buNone/>
+            </a:pPr>
+            <a:r>
+              <a:rPr lang="en-US" b="1" dirty="0">
+                <a:latin typeface="Consolas" pitchFamily="49" charset="0"/>
+                <a:cs typeface="Consolas" pitchFamily="49" charset="0"/>
+              </a:rPr>
+              <a:t>    (world-&gt;scene paused-world-at-20)</a:t>
+            </a:r>
+          </a:p>
+          <a:p>
+            <a:pPr>
+              <a:buNone/>
+            </a:pPr>
+            <a:r>
+              <a:rPr lang="en-US" b="1" dirty="0">
+                <a:latin typeface="Consolas" pitchFamily="49" charset="0"/>
+                <a:cs typeface="Consolas" pitchFamily="49" charset="0"/>
+              </a:rPr>
+              <a:t>    image-at-20</a:t>
+            </a:r>
+          </a:p>
+          <a:p>
+            <a:pPr>
+              <a:buNone/>
+            </a:pPr>
+            <a:r>
+              <a:rPr lang="en-US" b="1" dirty="0">
+                <a:latin typeface="Consolas" pitchFamily="49" charset="0"/>
+                <a:cs typeface="Consolas" pitchFamily="49" charset="0"/>
+              </a:rPr>
+              <a:t>    "paused world yields incorrect image"))</a:t>
+            </a:r>
+          </a:p>
+          <a:p>
+            <a:pPr>
+              <a:buNone/>
+            </a:pPr>
+            <a:r>
+              <a:rPr lang="en-US" b="1" dirty="0">
+                <a:latin typeface="Consolas" pitchFamily="49" charset="0"/>
+                <a:cs typeface="Consolas" pitchFamily="49" charset="0"/>
+              </a:rPr>
+              <a:t>  </a:t>
+            </a:r>
           </a:p>
         </p:txBody>
       </p:sp>
@@ -13532,13 +12949,6 @@
   <p:clrMapOvr>
     <a:masterClrMapping/>
   </p:clrMapOvr>
-  <p:timing>
-    <p:tnLst>
-      <p:par>
-        <p:cTn id="1" dur="indefinite" restart="never" nodeType="tmRoot"/>
-      </p:par>
-    </p:tnLst>
-  </p:timing>
 </p:sld>
 </file>
 
@@ -13575,18 +12985,17 @@
           <a:lstStyle/>
           <a:p>
             <a:r>
-              <a:rPr lang="en-US" dirty="0" smtClean="0"/>
+              <a:rPr lang="en-US" dirty="0"/>
               <a:t>Last </a:t>
             </a:r>
             <a:r>
-              <a:rPr lang="en-US" dirty="0" err="1" smtClean="0"/>
+              <a:rPr lang="en-US" dirty="0" err="1"/>
               <a:t>wishlist</a:t>
             </a:r>
             <a:r>
-              <a:rPr lang="en-US" dirty="0" smtClean="0"/>
+              <a:rPr lang="en-US" dirty="0"/>
               <a:t> item</a:t>
             </a:r>
-            <a:endParaRPr lang="en-US" dirty="0"/>
           </a:p>
         </p:txBody>
       </p:sp>
@@ -13610,15 +13019,7 @@
             </a:pPr>
             <a:r>
               <a:rPr lang="en-US" sz="2000" dirty="0"/>
-              <a:t>;; main : </a:t>
-            </a:r>
-            <a:r>
-              <a:rPr lang="en-US" sz="2000" dirty="0" smtClean="0"/>
-              <a:t>Integer </a:t>
-            </a:r>
-            <a:r>
-              <a:rPr lang="en-US" sz="2000" dirty="0"/>
-              <a:t>-&gt; World</a:t>
+              <a:t>;; main : Integer -&gt; World</a:t>
             </a:r>
           </a:p>
           <a:p>
@@ -13654,11 +13055,7 @@
             </a:pPr>
             <a:r>
               <a:rPr lang="en-US" sz="2000" dirty="0"/>
-              <a:t>;; RETURNS: the final state of the </a:t>
-            </a:r>
-            <a:r>
-              <a:rPr lang="en-US" sz="2000" dirty="0" smtClean="0"/>
-              <a:t>world</a:t>
+              <a:t>;; RETURNS: the final state of the world</a:t>
             </a:r>
           </a:p>
           <a:p>
@@ -13714,34 +13111,33 @@
           <a:lstStyle/>
           <a:p>
             <a:r>
-              <a:rPr lang="en-US" dirty="0" smtClean="0"/>
+              <a:rPr lang="en-US" dirty="0"/>
               <a:t>The</a:t>
             </a:r>
             <a:r>
-              <a:rPr lang="en-US" b="1" dirty="0" smtClean="0"/>
+              <a:rPr lang="en-US" b="1" dirty="0"/>
               <a:t> </a:t>
             </a:r>
             <a:r>
-              <a:rPr lang="en-US" dirty="0" smtClean="0"/>
+              <a:rPr lang="en-US" dirty="0"/>
               <a:t>real purpose of </a:t>
             </a:r>
             <a:r>
-              <a:rPr lang="en-US" b="1" dirty="0" smtClean="0"/>
+              <a:rPr lang="en-US" b="1" dirty="0"/>
               <a:t>main</a:t>
             </a:r>
             <a:r>
-              <a:rPr lang="en-US" dirty="0" smtClean="0"/>
+              <a:rPr lang="en-US" dirty="0"/>
               <a:t> is not to return a useful value; instead, its purpose is have some visible effect in the real world– in this case, to display some things on the real screen and take input from the real user.  We document this in the purpose statement by writing an </a:t>
             </a:r>
             <a:r>
-              <a:rPr lang="en-US" b="1" dirty="0" smtClean="0"/>
+              <a:rPr lang="en-US" b="1" dirty="0"/>
               <a:t>EFFECT</a:t>
             </a:r>
             <a:r>
-              <a:rPr lang="en-US" dirty="0" smtClean="0"/>
+              <a:rPr lang="en-US" dirty="0"/>
               <a:t> clause.</a:t>
             </a:r>
-            <a:endParaRPr lang="en-US" dirty="0"/>
           </a:p>
         </p:txBody>
       </p:sp>
@@ -13816,13 +13212,6 @@
   <p:clrMapOvr>
     <a:masterClrMapping/>
   </p:clrMapOvr>
-  <p:timing>
-    <p:tnLst>
-      <p:par>
-        <p:cTn id="1" dur="indefinite" restart="never" nodeType="tmRoot"/>
-      </p:par>
-    </p:tnLst>
-  </p:timing>
 </p:sld>
 </file>
 
@@ -13859,10 +13248,9 @@
           <a:lstStyle/>
           <a:p>
             <a:r>
-              <a:rPr lang="en-US" dirty="0" smtClean="0"/>
+              <a:rPr lang="en-US" dirty="0"/>
               <a:t>Template for big-bang</a:t>
             </a:r>
-            <a:endParaRPr lang="en-US" dirty="0"/>
           </a:p>
         </p:txBody>
       </p:sp>
@@ -13889,20 +13277,19 @@
           <a:lstStyle/>
           <a:p>
             <a:r>
-              <a:rPr lang="en-US" sz="2000" dirty="0" smtClean="0"/>
+              <a:rPr lang="en-US" sz="2000" dirty="0"/>
               <a:t>;; big-bang </a:t>
             </a:r>
           </a:p>
           <a:p>
             <a:r>
-              <a:rPr lang="en-US" sz="2000" dirty="0" smtClean="0"/>
+              <a:rPr lang="en-US" sz="2000" dirty="0"/>
               <a:t>;; EFFECT : runs a world with the specified event handlers.  </a:t>
             </a:r>
-            <a:endParaRPr lang="en-US" sz="2000" dirty="0"/>
-          </a:p>
-          <a:p>
-            <a:r>
-              <a:rPr lang="en-US" sz="2000" dirty="0" smtClean="0"/>
+          </a:p>
+          <a:p>
+            <a:r>
+              <a:rPr lang="en-US" sz="2000" dirty="0"/>
               <a:t>;; RETURNS: the final state of the world</a:t>
             </a:r>
           </a:p>
@@ -13923,102 +13310,70 @@
               <a:rPr lang="en-US" sz="2000" dirty="0"/>
               <a:t> </a:t>
             </a:r>
-            <a:endParaRPr lang="en-US" sz="2000" dirty="0" smtClean="0"/>
-          </a:p>
-          <a:p>
+          </a:p>
+          <a:p>
+            <a:r>
+              <a:rPr lang="en-US" sz="2000" dirty="0"/>
+              <a:t>  </a:t>
+            </a:r>
+            <a:r>
+              <a:rPr lang="en-US" sz="2000" i="1" dirty="0"/>
+              <a:t>initial-world</a:t>
+            </a:r>
+          </a:p>
+          <a:p>
+            <a:r>
+              <a:rPr lang="en-US" sz="2000" dirty="0"/>
+              <a:t>  (on-tick </a:t>
+            </a:r>
+            <a:r>
+              <a:rPr lang="en-US" sz="2000" i="1" dirty="0"/>
+              <a:t>tick-handler</a:t>
+            </a:r>
             <a:r>
               <a:rPr lang="en-US" sz="2000" dirty="0"/>
               <a:t> </a:t>
             </a:r>
             <a:r>
-              <a:rPr lang="en-US" sz="2000" dirty="0" smtClean="0"/>
-              <a:t> </a:t>
-            </a:r>
-            <a:r>
-              <a:rPr lang="en-US" sz="2000" i="1" dirty="0" smtClean="0"/>
-              <a:t>initial-world</a:t>
-            </a:r>
-          </a:p>
-          <a:p>
+              <a:rPr lang="en-US" sz="2000" i="1" dirty="0"/>
+              <a:t>rate</a:t>
+            </a:r>
             <a:r>
               <a:rPr lang="en-US" sz="2000" dirty="0"/>
-              <a:t> </a:t>
-            </a:r>
-            <a:r>
-              <a:rPr lang="en-US" sz="2000" dirty="0" smtClean="0"/>
-              <a:t> (on-tick </a:t>
-            </a:r>
-            <a:r>
-              <a:rPr lang="en-US" sz="2000" i="1" dirty="0" smtClean="0"/>
-              <a:t>tick-handler</a:t>
-            </a:r>
-            <a:r>
-              <a:rPr lang="en-US" sz="2000" dirty="0" smtClean="0"/>
-              <a:t> </a:t>
-            </a:r>
-            <a:r>
-              <a:rPr lang="en-US" sz="2000" i="1" dirty="0" smtClean="0"/>
-              <a:t>rate</a:t>
-            </a:r>
-            <a:r>
-              <a:rPr lang="en-US" sz="2000" dirty="0" smtClean="0"/>
               <a:t>)</a:t>
             </a:r>
-            <a:endParaRPr lang="en-US" sz="2000" dirty="0"/>
           </a:p>
           <a:p>
             <a:r>
               <a:rPr lang="en-US" sz="2000" dirty="0"/>
-              <a:t>  </a:t>
-            </a:r>
-            <a:r>
-              <a:rPr lang="en-US" sz="2000" dirty="0" smtClean="0"/>
-              <a:t>(</a:t>
+              <a:t>  (on-key  </a:t>
+            </a:r>
+            <a:r>
+              <a:rPr lang="en-US" sz="2000" i="1" dirty="0"/>
+              <a:t>key-handler</a:t>
             </a:r>
             <a:r>
               <a:rPr lang="en-US" sz="2000" dirty="0"/>
-              <a:t>on-key </a:t>
-            </a:r>
-            <a:r>
-              <a:rPr lang="en-US" sz="2000" dirty="0" smtClean="0"/>
-              <a:t> </a:t>
-            </a:r>
-            <a:r>
-              <a:rPr lang="en-US" sz="2000" i="1" dirty="0" smtClean="0"/>
-              <a:t>key-handler</a:t>
-            </a:r>
-            <a:r>
-              <a:rPr lang="en-US" sz="2000" dirty="0" smtClean="0"/>
               <a:t>)</a:t>
             </a:r>
-            <a:endParaRPr lang="en-US" sz="2000" dirty="0"/>
           </a:p>
           <a:p>
             <a:r>
               <a:rPr lang="en-US" sz="2000" dirty="0"/>
-              <a:t>  </a:t>
-            </a:r>
-            <a:r>
-              <a:rPr lang="en-US" sz="2000" dirty="0" smtClean="0"/>
-              <a:t>(</a:t>
+              <a:t>  (on-draw </a:t>
+            </a:r>
+            <a:r>
+              <a:rPr lang="en-US" sz="2000" i="1" dirty="0"/>
+              <a:t>render-</a:t>
+            </a:r>
+            <a:r>
+              <a:rPr lang="en-US" sz="2000" i="1" dirty="0" err="1"/>
+              <a:t>fcn</a:t>
             </a:r>
             <a:r>
               <a:rPr lang="en-US" sz="2000" dirty="0"/>
-              <a:t>on-draw </a:t>
-            </a:r>
-            <a:r>
-              <a:rPr lang="en-US" sz="2000" i="1" dirty="0" smtClean="0"/>
-              <a:t>render-</a:t>
-            </a:r>
-            <a:r>
-              <a:rPr lang="en-US" sz="2000" i="1" dirty="0" err="1" smtClean="0"/>
-              <a:t>fcn</a:t>
-            </a:r>
-            <a:r>
-              <a:rPr lang="en-US" sz="2000" dirty="0" smtClean="0"/>
               <a:t>)))</a:t>
             </a:r>
-            <a:endParaRPr lang="en-US" sz="2000" dirty="0"/>
           </a:p>
         </p:txBody>
       </p:sp>
@@ -14078,7 +13433,7 @@
             <a:p>
               <a:pPr algn="ctr"/>
               <a:r>
-                <a:rPr lang="en-US" dirty="0" smtClean="0">
+                <a:rPr lang="en-US" dirty="0">
                   <a:solidFill>
                     <a:schemeClr val="tx1"/>
                   </a:solidFill>
@@ -14183,7 +13538,7 @@
             <a:p>
               <a:pPr algn="ctr"/>
               <a:r>
-                <a:rPr lang="en-US" dirty="0" smtClean="0">
+                <a:rPr lang="en-US" dirty="0">
                   <a:solidFill>
                     <a:schemeClr val="tx1"/>
                   </a:solidFill>
@@ -14288,7 +13643,7 @@
             <a:p>
               <a:pPr algn="ctr"/>
               <a:r>
-                <a:rPr lang="en-US" dirty="0" smtClean="0">
+                <a:rPr lang="en-US" dirty="0">
                   <a:solidFill>
                     <a:schemeClr val="tx1"/>
                   </a:solidFill>
@@ -14296,7 +13651,7 @@
                 <a:t>frame rate in </a:t>
               </a:r>
               <a:r>
-                <a:rPr lang="en-US" dirty="0" err="1" smtClean="0">
+                <a:rPr lang="en-US" dirty="0" err="1">
                   <a:solidFill>
                     <a:schemeClr val="tx1"/>
                   </a:solidFill>
@@ -14304,7 +13659,7 @@
                 <a:t>secs</a:t>
               </a:r>
               <a:r>
-                <a:rPr lang="en-US" dirty="0" smtClean="0">
+                <a:rPr lang="en-US" dirty="0">
                   <a:solidFill>
                     <a:schemeClr val="tx1"/>
                   </a:solidFill>
@@ -14395,10 +13750,9 @@
           <a:lstStyle/>
           <a:p>
             <a:r>
-              <a:rPr lang="en-US" dirty="0" smtClean="0"/>
-              <a:t>There are other events that big-bang recognizes, see the Help Desk for details</a:t>
-            </a:r>
-            <a:endParaRPr lang="en-US" dirty="0"/>
+              <a:rPr lang="en-US" dirty="0"/>
+              <a:t>There are other events that big-bang recognizes. See the Help Desk for details</a:t>
+            </a:r>
           </a:p>
         </p:txBody>
       </p:sp>
@@ -14591,10 +13945,9 @@
           <a:lstStyle/>
           <a:p>
             <a:r>
-              <a:rPr lang="en-US" dirty="0" smtClean="0"/>
+              <a:rPr lang="en-US" dirty="0"/>
               <a:t>Putting the pieces together</a:t>
             </a:r>
-            <a:endParaRPr lang="en-US" dirty="0"/>
           </a:p>
         </p:txBody>
       </p:sp>
@@ -14628,21 +13981,19 @@
                 <a:latin typeface="Consolas" pitchFamily="49" charset="0"/>
                 <a:cs typeface="Consolas" pitchFamily="49" charset="0"/>
               </a:rPr>
-              <a:t>;; main : </a:t>
-            </a:r>
-            <a:r>
-              <a:rPr lang="en-US" sz="2000" b="1" dirty="0" smtClean="0">
-                <a:latin typeface="Consolas" pitchFamily="49" charset="0"/>
-                <a:cs typeface="Consolas" pitchFamily="49" charset="0"/>
-              </a:rPr>
-              <a:t>Integer </a:t>
-            </a:r>
+              <a:t>;; main : Integer -&gt; World</a:t>
+            </a:r>
+          </a:p>
+          <a:p>
+            <a:pPr>
+              <a:buNone/>
+            </a:pPr>
             <a:r>
               <a:rPr lang="en-US" sz="2000" b="1" dirty="0">
                 <a:latin typeface="Consolas" pitchFamily="49" charset="0"/>
                 <a:cs typeface="Consolas" pitchFamily="49" charset="0"/>
               </a:rPr>
-              <a:t>-&gt; World</a:t>
+              <a:t>;; GIVEN: the initial y-position in the cat</a:t>
             </a:r>
           </a:p>
           <a:p>
@@ -14654,7 +14005,7 @@
                 <a:latin typeface="Consolas" pitchFamily="49" charset="0"/>
                 <a:cs typeface="Consolas" pitchFamily="49" charset="0"/>
               </a:rPr>
-              <a:t>;; GIVEN: the initial y-position in the cat</a:t>
+              <a:t>;; EFFECT: runs the simulation, starting with the cat</a:t>
             </a:r>
           </a:p>
           <a:p>
@@ -14666,7 +14017,7 @@
                 <a:latin typeface="Consolas" pitchFamily="49" charset="0"/>
                 <a:cs typeface="Consolas" pitchFamily="49" charset="0"/>
               </a:rPr>
-              <a:t>;; EFFECT: runs the simulation, starting with the cat</a:t>
+              <a:t>;;  falling</a:t>
             </a:r>
           </a:p>
           <a:p>
@@ -14678,7 +14029,7 @@
                 <a:latin typeface="Consolas" pitchFamily="49" charset="0"/>
                 <a:cs typeface="Consolas" pitchFamily="49" charset="0"/>
               </a:rPr>
-              <a:t>;;  falling</a:t>
+              <a:t>;; RETURNS: the final state of the world</a:t>
             </a:r>
           </a:p>
           <a:p>
@@ -14690,38 +14041,15 @@
                 <a:latin typeface="Consolas" pitchFamily="49" charset="0"/>
                 <a:cs typeface="Consolas" pitchFamily="49" charset="0"/>
               </a:rPr>
-              <a:t>;; RETURNS: the final state of the </a:t>
-            </a:r>
-            <a:r>
-              <a:rPr lang="en-US" sz="2000" b="1" dirty="0" smtClean="0">
-                <a:latin typeface="Consolas" pitchFamily="49" charset="0"/>
-                <a:cs typeface="Consolas" pitchFamily="49" charset="0"/>
-              </a:rPr>
-              <a:t>world</a:t>
-            </a:r>
-          </a:p>
-          <a:p>
-            <a:pPr>
-              <a:buNone/>
-            </a:pPr>
-            <a:r>
-              <a:rPr lang="en-US" sz="2000" b="1" dirty="0" smtClean="0">
-                <a:latin typeface="Consolas" pitchFamily="49" charset="0"/>
-                <a:cs typeface="Consolas" pitchFamily="49" charset="0"/>
-              </a:rPr>
               <a:t>;; STRATEGY: Combine simpler functions</a:t>
             </a:r>
-            <a:endParaRPr lang="en-US" sz="2000" b="1" dirty="0">
-              <a:latin typeface="Consolas" pitchFamily="49" charset="0"/>
-              <a:cs typeface="Consolas" pitchFamily="49" charset="0"/>
-            </a:endParaRPr>
-          </a:p>
-          <a:p>
-            <a:pPr>
-              <a:buNone/>
-            </a:pPr>
-            <a:r>
-              <a:rPr lang="en-US" sz="2000" b="1" dirty="0" smtClean="0">
+          </a:p>
+          <a:p>
+            <a:pPr>
+              <a:buNone/>
+            </a:pPr>
+            <a:r>
+              <a:rPr lang="en-US" sz="2000" b="1" dirty="0">
                 <a:latin typeface="Consolas" pitchFamily="49" charset="0"/>
                 <a:cs typeface="Consolas" pitchFamily="49" charset="0"/>
               </a:rPr>
@@ -14733,14 +14061,14 @@
               <a:buNone/>
             </a:pPr>
             <a:r>
-              <a:rPr lang="en-US" sz="2000" b="1" dirty="0" smtClean="0">
+              <a:rPr lang="en-US" sz="2000" b="1" dirty="0">
                 <a:latin typeface="Consolas" pitchFamily="49" charset="0"/>
                 <a:cs typeface="Consolas" pitchFamily="49" charset="0"/>
               </a:rPr>
               <a:t>  (</a:t>
             </a:r>
             <a:r>
-              <a:rPr lang="en-US" sz="2000" b="1" dirty="0" smtClean="0">
+              <a:rPr lang="en-US" sz="2000" b="1" dirty="0">
                 <a:solidFill>
                   <a:srgbClr val="FF0000"/>
                 </a:solidFill>
@@ -14750,7 +14078,7 @@
               <a:t>big-bang</a:t>
             </a:r>
             <a:r>
-              <a:rPr lang="en-US" sz="2000" b="1" dirty="0" smtClean="0">
+              <a:rPr lang="en-US" sz="2000" b="1" dirty="0">
                 <a:latin typeface="Consolas" pitchFamily="49" charset="0"/>
                 <a:cs typeface="Consolas" pitchFamily="49" charset="0"/>
               </a:rPr>
@@ -14762,7 +14090,7 @@
               <a:buNone/>
             </a:pPr>
             <a:r>
-              <a:rPr lang="en-US" sz="2000" b="1" dirty="0" smtClean="0">
+              <a:rPr lang="en-US" sz="2000" b="1" dirty="0">
                 <a:latin typeface="Consolas" pitchFamily="49" charset="0"/>
                 <a:cs typeface="Consolas" pitchFamily="49" charset="0"/>
               </a:rPr>
@@ -14774,7 +14102,7 @@
               <a:buNone/>
             </a:pPr>
             <a:r>
-              <a:rPr lang="en-US" sz="2000" b="1" dirty="0" smtClean="0">
+              <a:rPr lang="en-US" sz="2000" b="1" dirty="0">
                 <a:latin typeface="Consolas" pitchFamily="49" charset="0"/>
                 <a:cs typeface="Consolas" pitchFamily="49" charset="0"/>
               </a:rPr>
@@ -14786,7 +14114,7 @@
               <a:buNone/>
             </a:pPr>
             <a:r>
-              <a:rPr lang="en-US" sz="2000" b="1" dirty="0" smtClean="0">
+              <a:rPr lang="en-US" sz="2000" b="1" dirty="0">
                 <a:latin typeface="Consolas" pitchFamily="49" charset="0"/>
                 <a:cs typeface="Consolas" pitchFamily="49" charset="0"/>
               </a:rPr>
@@ -14846,38 +14174,37 @@
           <a:lstStyle/>
           <a:p>
             <a:r>
-              <a:rPr lang="en-US" dirty="0" smtClean="0"/>
+              <a:rPr lang="en-US" dirty="0"/>
               <a:t>Here the simpler functions are </a:t>
             </a:r>
             <a:r>
-              <a:rPr lang="en-US" b="1" dirty="0" smtClean="0"/>
+              <a:rPr lang="en-US" b="1" dirty="0"/>
               <a:t>big-bang</a:t>
             </a:r>
             <a:r>
-              <a:rPr lang="en-US" dirty="0" smtClean="0"/>
+              <a:rPr lang="en-US" dirty="0"/>
               <a:t>, </a:t>
             </a:r>
             <a:r>
-              <a:rPr lang="en-US" b="1" dirty="0" smtClean="0"/>
+              <a:rPr lang="en-US" b="1" dirty="0"/>
               <a:t>world-after-tick</a:t>
             </a:r>
             <a:r>
-              <a:rPr lang="en-US" dirty="0" smtClean="0"/>
+              <a:rPr lang="en-US" dirty="0"/>
               <a:t>, </a:t>
             </a:r>
             <a:r>
-              <a:rPr lang="en-US" b="1" dirty="0" smtClean="0"/>
+              <a:rPr lang="en-US" b="1" dirty="0"/>
               <a:t>world-after-key-event</a:t>
             </a:r>
             <a:r>
-              <a:rPr lang="en-US" dirty="0" smtClean="0"/>
+              <a:rPr lang="en-US" dirty="0"/>
               <a:t>, and </a:t>
             </a:r>
             <a:r>
-              <a:rPr lang="en-US" b="1" dirty="0" smtClean="0"/>
+              <a:rPr lang="en-US" b="1" dirty="0"/>
               <a:t>world-to-scene</a:t>
             </a:r>
-            <a:endParaRPr lang="en-US" b="1" dirty="0"/>
           </a:p>
         </p:txBody>
       </p:sp>
@@ -14952,13 +14279,6 @@
   <p:clrMapOvr>
     <a:masterClrMapping/>
   </p:clrMapOvr>
-  <p:timing>
-    <p:tnLst>
-      <p:par>
-        <p:cTn id="1" dur="indefinite" restart="never" nodeType="tmRoot"/>
-      </p:par>
-    </p:tnLst>
-  </p:timing>
 </p:sld>
 </file>
 
@@ -14995,11 +14315,11 @@
           <a:lstStyle/>
           <a:p>
             <a:r>
-              <a:rPr lang="en-US" dirty="0" smtClean="0"/>
+              <a:rPr lang="en-US" dirty="0"/>
               <a:t>Let's walk through falling-</a:t>
             </a:r>
             <a:r>
-              <a:rPr lang="en-US" dirty="0" err="1" smtClean="0"/>
+              <a:rPr lang="en-US" dirty="0" err="1"/>
               <a:t>cat.rkt</a:t>
             </a:r>
             <a:endParaRPr lang="en-US" dirty="0"/>
@@ -15024,56 +14344,56 @@
           <a:lstStyle/>
           <a:p>
             <a:r>
-              <a:rPr lang="en-US" dirty="0" smtClean="0"/>
+              <a:rPr lang="en-US" dirty="0"/>
               <a:t>Note: this video differs from our current technology in a couple of ways:</a:t>
             </a:r>
           </a:p>
           <a:p>
             <a:pPr lvl="1"/>
             <a:r>
-              <a:rPr lang="en-US" dirty="0" smtClean="0"/>
+              <a:rPr lang="en-US" dirty="0"/>
               <a:t>it talks about test suites; these are replaced by </a:t>
             </a:r>
             <a:r>
-              <a:rPr lang="en-US" b="1" dirty="0" smtClean="0"/>
+              <a:rPr lang="en-US" b="1" dirty="0"/>
               <a:t>begin-for-test</a:t>
             </a:r>
             <a:r>
-              <a:rPr lang="en-US" dirty="0" smtClean="0"/>
+              <a:rPr lang="en-US" dirty="0"/>
               <a:t>.</a:t>
             </a:r>
           </a:p>
           <a:p>
             <a:pPr lvl="1"/>
             <a:r>
-              <a:rPr lang="en-US" dirty="0" smtClean="0"/>
+              <a:rPr lang="en-US" dirty="0"/>
               <a:t>it talks about "partition data" and gives a template for </a:t>
             </a:r>
             <a:r>
-              <a:rPr lang="en-US" dirty="0" err="1" smtClean="0"/>
+              <a:rPr lang="en-US" dirty="0" err="1"/>
               <a:t>FallingCatKeyEvents</a:t>
             </a:r>
             <a:r>
-              <a:rPr lang="en-US" dirty="0" smtClean="0"/>
+              <a:rPr lang="en-US" dirty="0"/>
               <a:t>.  We've simplified the presentation--  now we just have </a:t>
             </a:r>
             <a:r>
-              <a:rPr lang="en-US" dirty="0" err="1" smtClean="0"/>
+              <a:rPr lang="en-US" dirty="0" err="1"/>
               <a:t>KeyEvents</a:t>
             </a:r>
             <a:r>
-              <a:rPr lang="en-US" dirty="0" smtClean="0"/>
+              <a:rPr lang="en-US" dirty="0"/>
               <a:t>, which are scalars (no template needed), and we take them apart using the "Cases" strategy.</a:t>
             </a:r>
           </a:p>
           <a:p>
             <a:pPr lvl="1"/>
             <a:r>
-              <a:rPr lang="en-US" dirty="0" smtClean="0"/>
+              <a:rPr lang="en-US" dirty="0"/>
               <a:t>And remember, the “Structural Decomposition” strategy is now called “</a:t>
             </a:r>
             <a:r>
-              <a:rPr lang="en-US" smtClean="0"/>
+              <a:rPr lang="en-US"/>
               <a:t>Use template”.</a:t>
             </a:r>
             <a:endParaRPr lang="en-US" dirty="0"/>
@@ -15113,13 +14433,6 @@
   <p:clrMapOvr>
     <a:masterClrMapping/>
   </p:clrMapOvr>
-  <p:timing>
-    <p:tnLst>
-      <p:par>
-        <p:cTn id="1" dur="indefinite" restart="never" nodeType="tmRoot"/>
-      </p:par>
-    </p:tnLst>
-  </p:timing>
 </p:sld>
 </file>
 
@@ -15158,19 +14471,19 @@
           <a:lstStyle/>
           <a:p>
             <a:r>
-              <a:rPr lang="en-US" dirty="0" smtClean="0"/>
+              <a:rPr lang="en-US" dirty="0"/>
               <a:t>falling-</a:t>
             </a:r>
             <a:r>
-              <a:rPr lang="en-US" dirty="0" err="1" smtClean="0"/>
+              <a:rPr lang="en-US" dirty="0" err="1"/>
               <a:t>cat.rkt</a:t>
             </a:r>
             <a:r>
-              <a:rPr lang="en-US" dirty="0" smtClean="0"/>
+              <a:rPr lang="en-US" dirty="0"/>
               <a:t> </a:t>
             </a:r>
             <a:r>
-              <a:rPr lang="en-US" dirty="0" err="1" smtClean="0"/>
+              <a:rPr lang="en-US" dirty="0" err="1"/>
               <a:t>readthrough</a:t>
             </a:r>
             <a:endParaRPr lang="en-US" dirty="0"/>
@@ -15227,7 +14540,7 @@
           <a:lstStyle/>
           <a:p>
             <a:r>
-              <a:rPr lang="en-US" dirty="0" smtClean="0">
+              <a:rPr lang="en-US" dirty="0">
                 <a:hlinkClick r:id="rId5"/>
               </a:rPr>
               <a:t>YouTube link</a:t>
@@ -15385,10 +14698,9 @@
           <a:lstStyle/>
           <a:p>
             <a:r>
-              <a:rPr lang="en-US" dirty="0" smtClean="0"/>
+              <a:rPr lang="en-US" dirty="0"/>
               <a:t>Let's see where we are</a:t>
             </a:r>
-            <a:endParaRPr lang="en-US" dirty="0"/>
           </a:p>
         </p:txBody>
       </p:sp>
@@ -15418,7 +14730,13 @@
                 <a:tableStyleId>{5C22544A-7EE6-4342-B048-85BDC9FD1C3A}</a:tableStyleId>
               </a:tblPr>
               <a:tblGrid>
-                <a:gridCol w="3603963"/>
+                <a:gridCol w="3603963">
+                  <a:extLst>
+                    <a:ext uri="{9D8B030D-6E8A-4147-A177-3AD203B41FA5}">
+                      <a16:colId xmlns:a16="http://schemas.microsoft.com/office/drawing/2014/main" val="20000"/>
+                    </a:ext>
+                  </a:extLst>
+                </a:gridCol>
               </a:tblGrid>
               <a:tr h="236844">
                 <a:tc>
@@ -15427,14 +14745,18 @@
                     <a:lstStyle/>
                     <a:p>
                       <a:r>
-                        <a:rPr lang="en-US" sz="1200" dirty="0" smtClean="0"/>
+                        <a:rPr lang="en-US" sz="1200" dirty="0"/>
                         <a:t>Adding a New Feature to an Existing Program</a:t>
                       </a:r>
-                      <a:endParaRPr lang="en-US" sz="1200" dirty="0"/>
                     </a:p>
                   </a:txBody>
                   <a:tcPr/>
                 </a:tc>
+                <a:extLst>
+                  <a:ext uri="{0D108BD9-81ED-4DB2-BD59-A6C34878D82A}">
+                    <a16:rowId xmlns:a16="http://schemas.microsoft.com/office/drawing/2014/main" val="10000"/>
+                  </a:ext>
+                </a:extLst>
               </a:tr>
               <a:tr h="236844">
                 <a:tc>
@@ -15446,17 +14768,22 @@
                         <a:buNone/>
                       </a:pPr>
                       <a:r>
-                        <a:rPr lang="en-US" sz="1200" dirty="0" smtClean="0"/>
+                        <a:rPr lang="en-US" sz="1200" dirty="0"/>
                         <a:t>1. Perform</a:t>
                       </a:r>
                       <a:r>
-                        <a:rPr lang="en-US" sz="1200" baseline="0" dirty="0" smtClean="0"/>
+                        <a:rPr lang="en-US" sz="1200" baseline="0" dirty="0"/>
                         <a:t> information analysis for new feature</a:t>
                       </a:r>
                     </a:p>
                   </a:txBody>
                   <a:tcPr/>
                 </a:tc>
+                <a:extLst>
+                  <a:ext uri="{0D108BD9-81ED-4DB2-BD59-A6C34878D82A}">
+                    <a16:rowId xmlns:a16="http://schemas.microsoft.com/office/drawing/2014/main" val="10001"/>
+                  </a:ext>
+                </a:extLst>
               </a:tr>
               <a:tr h="236844">
                 <a:tc>
@@ -15465,11 +14792,11 @@
                     <a:lstStyle/>
                     <a:p>
                       <a:r>
-                        <a:rPr lang="en-US" sz="1200" dirty="0" smtClean="0"/>
+                        <a:rPr lang="en-US" sz="1200" dirty="0"/>
                         <a:t>2. Modify data definitions</a:t>
                       </a:r>
                       <a:r>
-                        <a:rPr lang="en-US" sz="1200" baseline="0" dirty="0" smtClean="0"/>
+                        <a:rPr lang="en-US" sz="1200" baseline="0" dirty="0"/>
                         <a:t> as needed</a:t>
                       </a:r>
                       <a:endParaRPr lang="en-US" sz="1200" dirty="0"/>
@@ -15477,6 +14804,11 @@
                   </a:txBody>
                   <a:tcPr/>
                 </a:tc>
+                <a:extLst>
+                  <a:ext uri="{0D108BD9-81ED-4DB2-BD59-A6C34878D82A}">
+                    <a16:rowId xmlns:a16="http://schemas.microsoft.com/office/drawing/2014/main" val="10002"/>
+                  </a:ext>
+                </a:extLst>
               </a:tr>
               <a:tr h="236844">
                 <a:tc>
@@ -15485,17 +14817,22 @@
                     <a:lstStyle/>
                     <a:p>
                       <a:r>
-                        <a:rPr lang="en-US" sz="1200" dirty="0" smtClean="0"/>
+                        <a:rPr lang="en-US" sz="1200" dirty="0"/>
                         <a:t>3. Update existing functions to work with</a:t>
                       </a:r>
                       <a:r>
-                        <a:rPr lang="en-US" sz="1200" baseline="0" dirty="0" smtClean="0"/>
+                        <a:rPr lang="en-US" sz="1200" baseline="0" dirty="0"/>
                         <a:t> new data definitions</a:t>
                       </a:r>
                     </a:p>
                   </a:txBody>
                   <a:tcPr/>
                 </a:tc>
+                <a:extLst>
+                  <a:ext uri="{0D108BD9-81ED-4DB2-BD59-A6C34878D82A}">
+                    <a16:rowId xmlns:a16="http://schemas.microsoft.com/office/drawing/2014/main" val="10003"/>
+                  </a:ext>
+                </a:extLst>
               </a:tr>
               <a:tr h="236844">
                 <a:tc>
@@ -15504,22 +14841,26 @@
                     <a:lstStyle/>
                     <a:p>
                       <a:r>
-                        <a:rPr lang="en-US" sz="1200" dirty="0" smtClean="0"/>
+                        <a:rPr lang="en-US" sz="1200" dirty="0"/>
                         <a:t>4. Write </a:t>
                       </a:r>
                       <a:r>
-                        <a:rPr lang="en-US" sz="1200" dirty="0" err="1" smtClean="0"/>
+                        <a:rPr lang="en-US" sz="1200" dirty="0" err="1"/>
                         <a:t>wishlist</a:t>
                       </a:r>
                       <a:r>
-                        <a:rPr lang="en-US" sz="1200" dirty="0" smtClean="0"/>
+                        <a:rPr lang="en-US" sz="1200" dirty="0"/>
                         <a:t> of functions for new feature</a:t>
                       </a:r>
-                      <a:endParaRPr lang="en-US" sz="1200" dirty="0"/>
                     </a:p>
                   </a:txBody>
                   <a:tcPr/>
                 </a:tc>
+                <a:extLst>
+                  <a:ext uri="{0D108BD9-81ED-4DB2-BD59-A6C34878D82A}">
+                    <a16:rowId xmlns:a16="http://schemas.microsoft.com/office/drawing/2014/main" val="10004"/>
+                  </a:ext>
+                </a:extLst>
               </a:tr>
               <a:tr h="236844">
                 <a:tc>
@@ -15528,17 +14869,22 @@
                     <a:lstStyle/>
                     <a:p>
                       <a:r>
-                        <a:rPr lang="en-US" sz="1200" dirty="0" smtClean="0"/>
+                        <a:rPr lang="en-US" sz="1200" dirty="0"/>
                         <a:t>5. Design new functions following the Design</a:t>
                       </a:r>
                       <a:r>
-                        <a:rPr lang="en-US" sz="1200" baseline="0" dirty="0" smtClean="0"/>
+                        <a:rPr lang="en-US" sz="1200" baseline="0" dirty="0"/>
                         <a:t> Recipe</a:t>
                       </a:r>
                     </a:p>
                   </a:txBody>
                   <a:tcPr/>
                 </a:tc>
+                <a:extLst>
+                  <a:ext uri="{0D108BD9-81ED-4DB2-BD59-A6C34878D82A}">
+                    <a16:rowId xmlns:a16="http://schemas.microsoft.com/office/drawing/2014/main" val="10005"/>
+                  </a:ext>
+                </a:extLst>
               </a:tr>
               <a:tr h="236844">
                 <a:tc>
@@ -15547,13 +14893,18 @@
                     <a:lstStyle/>
                     <a:p>
                       <a:r>
-                        <a:rPr lang="en-US" sz="1200" baseline="0" dirty="0" smtClean="0"/>
+                        <a:rPr lang="en-US" sz="1200" baseline="0" dirty="0"/>
                         <a:t>6. Repeat for the next new feature</a:t>
                       </a:r>
                     </a:p>
                   </a:txBody>
                   <a:tcPr/>
                 </a:tc>
+                <a:extLst>
+                  <a:ext uri="{0D108BD9-81ED-4DB2-BD59-A6C34878D82A}">
+                    <a16:rowId xmlns:a16="http://schemas.microsoft.com/office/drawing/2014/main" val="10006"/>
+                  </a:ext>
+                </a:extLst>
               </a:tr>
             </a:tbl>
           </a:graphicData>
@@ -15648,7 +14999,13 @@
                 <a:tableStyleId>{5C22544A-7EE6-4342-B048-85BDC9FD1C3A}</a:tableStyleId>
               </a:tblPr>
               <a:tblGrid>
-                <a:gridCol w="3352800"/>
+                <a:gridCol w="3352800">
+                  <a:extLst>
+                    <a:ext uri="{9D8B030D-6E8A-4147-A177-3AD203B41FA5}">
+                      <a16:colId xmlns:a16="http://schemas.microsoft.com/office/drawing/2014/main" val="20000"/>
+                    </a:ext>
+                  </a:extLst>
+                </a:gridCol>
               </a:tblGrid>
               <a:tr h="314229">
                 <a:tc>
@@ -15658,11 +15015,11 @@
                     <a:p>
                       <a:pPr algn="ctr"/>
                       <a:r>
-                        <a:rPr lang="en-US" sz="1200" dirty="0" smtClean="0"/>
+                        <a:rPr lang="en-US" sz="1200" dirty="0"/>
                         <a:t>The Six Principles for</a:t>
                       </a:r>
                       <a:r>
-                        <a:rPr lang="en-US" sz="1200" baseline="0" dirty="0" smtClean="0"/>
+                        <a:rPr lang="en-US" sz="1200" baseline="0" dirty="0"/>
                         <a:t> Writing Beautiful Programs</a:t>
                       </a:r>
                       <a:endParaRPr lang="en-US" sz="1200" dirty="0"/>
@@ -15670,6 +15027,11 @@
                   </a:txBody>
                   <a:tcPr/>
                 </a:tc>
+                <a:extLst>
+                  <a:ext uri="{0D108BD9-81ED-4DB2-BD59-A6C34878D82A}">
+                    <a16:rowId xmlns:a16="http://schemas.microsoft.com/office/drawing/2014/main" val="10000"/>
+                  </a:ext>
+                </a:extLst>
               </a:tr>
               <a:tr h="314229">
                 <a:tc>
@@ -15678,14 +15040,18 @@
                     <a:lstStyle/>
                     <a:p>
                       <a:r>
-                        <a:rPr lang="en-US" sz="1200" dirty="0" smtClean="0"/>
+                        <a:rPr lang="en-US" sz="1200" dirty="0"/>
                         <a:t>1. Programming is a People Discipline</a:t>
                       </a:r>
-                      <a:endParaRPr lang="en-US" sz="1200" dirty="0"/>
                     </a:p>
                   </a:txBody>
                   <a:tcPr/>
                 </a:tc>
+                <a:extLst>
+                  <a:ext uri="{0D108BD9-81ED-4DB2-BD59-A6C34878D82A}">
+                    <a16:rowId xmlns:a16="http://schemas.microsoft.com/office/drawing/2014/main" val="10001"/>
+                  </a:ext>
+                </a:extLst>
               </a:tr>
               <a:tr h="378923">
                 <a:tc>
@@ -15694,14 +15060,18 @@
                     <a:lstStyle/>
                     <a:p>
                       <a:r>
-                        <a:rPr lang="en-US" sz="1200" dirty="0" smtClean="0"/>
+                        <a:rPr lang="en-US" sz="1200" dirty="0"/>
                         <a:t>2. Represent Information as Data; Interpret Data as Information</a:t>
                       </a:r>
-                      <a:endParaRPr lang="en-US" sz="1200" dirty="0"/>
                     </a:p>
                   </a:txBody>
                   <a:tcPr/>
                 </a:tc>
+                <a:extLst>
+                  <a:ext uri="{0D108BD9-81ED-4DB2-BD59-A6C34878D82A}">
+                    <a16:rowId xmlns:a16="http://schemas.microsoft.com/office/drawing/2014/main" val="10002"/>
+                  </a:ext>
+                </a:extLst>
               </a:tr>
               <a:tr h="388166">
                 <a:tc>
@@ -15727,11 +15097,11 @@
                         <a:defRPr/>
                       </a:pPr>
                       <a:r>
-                        <a:rPr lang="en-US" sz="1200" dirty="0" smtClean="0"/>
+                        <a:rPr lang="en-US" sz="1200" dirty="0"/>
                         <a:t>3.</a:t>
                       </a:r>
                       <a:r>
-                        <a:rPr lang="en-US" sz="1200" baseline="0" dirty="0" smtClean="0"/>
+                        <a:rPr lang="en-US" sz="1200" baseline="0" dirty="0"/>
                         <a:t> Programs should consist of functions and methods that consume and produce values</a:t>
                       </a:r>
                       <a:endParaRPr lang="en-US" sz="1200" dirty="0"/>
@@ -15739,6 +15109,11 @@
                   </a:txBody>
                   <a:tcPr/>
                 </a:tc>
+                <a:extLst>
+                  <a:ext uri="{0D108BD9-81ED-4DB2-BD59-A6C34878D82A}">
+                    <a16:rowId xmlns:a16="http://schemas.microsoft.com/office/drawing/2014/main" val="10003"/>
+                  </a:ext>
+                </a:extLst>
               </a:tr>
               <a:tr h="314229">
                 <a:tc>
@@ -15747,18 +15122,23 @@
                     <a:lstStyle/>
                     <a:p>
                       <a:r>
-                        <a:rPr lang="en-US" sz="1200" dirty="0" smtClean="0"/>
+                        <a:rPr lang="en-US" sz="1200" dirty="0"/>
                         <a:t>4. Design Functions</a:t>
                       </a:r>
                       <a:r>
-                        <a:rPr lang="en-US" sz="1200" baseline="0" dirty="0" smtClean="0"/>
+                        <a:rPr lang="en-US" sz="1200" baseline="0" dirty="0"/>
                         <a:t> Systematically</a:t>
                       </a:r>
-                      <a:endParaRPr lang="en-US" sz="1200" dirty="0" smtClean="0"/>
+                      <a:endParaRPr lang="en-US" sz="1200" dirty="0"/>
                     </a:p>
                   </a:txBody>
                   <a:tcPr/>
                 </a:tc>
+                <a:extLst>
+                  <a:ext uri="{0D108BD9-81ED-4DB2-BD59-A6C34878D82A}">
+                    <a16:rowId xmlns:a16="http://schemas.microsoft.com/office/drawing/2014/main" val="10004"/>
+                  </a:ext>
+                </a:extLst>
               </a:tr>
               <a:tr h="314229">
                 <a:tc>
@@ -15767,14 +15147,18 @@
                     <a:lstStyle/>
                     <a:p>
                       <a:r>
-                        <a:rPr lang="en-US" sz="1200" dirty="0" smtClean="0"/>
+                        <a:rPr lang="en-US" sz="1200" dirty="0"/>
                         <a:t>5. Design Systems Iteratively</a:t>
                       </a:r>
-                      <a:endParaRPr lang="en-US" sz="1200" dirty="0"/>
                     </a:p>
                   </a:txBody>
                   <a:tcPr/>
                 </a:tc>
+                <a:extLst>
+                  <a:ext uri="{0D108BD9-81ED-4DB2-BD59-A6C34878D82A}">
+                    <a16:rowId xmlns:a16="http://schemas.microsoft.com/office/drawing/2014/main" val="10005"/>
+                  </a:ext>
+                </a:extLst>
               </a:tr>
               <a:tr h="378923">
                 <a:tc>
@@ -15783,14 +15167,18 @@
                     <a:lstStyle/>
                     <a:p>
                       <a:r>
-                        <a:rPr lang="en-US" sz="1200" dirty="0" smtClean="0"/>
+                        <a:rPr lang="en-US" sz="1200" dirty="0"/>
                         <a:t>6. Pass values when you can, share state only when you must.</a:t>
                       </a:r>
-                      <a:endParaRPr lang="en-US" sz="1200" dirty="0"/>
                     </a:p>
                   </a:txBody>
                   <a:tcPr/>
                 </a:tc>
+                <a:extLst>
+                  <a:ext uri="{0D108BD9-81ED-4DB2-BD59-A6C34878D82A}">
+                    <a16:rowId xmlns:a16="http://schemas.microsoft.com/office/drawing/2014/main" val="10006"/>
+                  </a:ext>
+                </a:extLst>
               </a:tr>
             </a:tbl>
           </a:graphicData>
@@ -15821,7 +15209,13 @@
                 <a:tableStyleId>{5C22544A-7EE6-4342-B048-85BDC9FD1C3A}</a:tableStyleId>
               </a:tblPr>
               <a:tblGrid>
-                <a:gridCol w="3603963"/>
+                <a:gridCol w="3603963">
+                  <a:extLst>
+                    <a:ext uri="{9D8B030D-6E8A-4147-A177-3AD203B41FA5}">
+                      <a16:colId xmlns:a16="http://schemas.microsoft.com/office/drawing/2014/main" val="20000"/>
+                    </a:ext>
+                  </a:extLst>
+                </a:gridCol>
               </a:tblGrid>
               <a:tr h="265060">
                 <a:tc>
@@ -15847,18 +15241,23 @@
                         <a:defRPr/>
                       </a:pPr>
                       <a:r>
-                        <a:rPr lang="en-US" sz="1200" dirty="0" smtClean="0"/>
+                        <a:rPr lang="en-US" sz="1200" dirty="0"/>
                         <a:t>The</a:t>
                       </a:r>
                       <a:r>
-                        <a:rPr lang="en-US" sz="1200" baseline="0" dirty="0" smtClean="0"/>
+                        <a:rPr lang="en-US" sz="1200" baseline="0" dirty="0"/>
                         <a:t> System Design Recipe</a:t>
                       </a:r>
-                      <a:endParaRPr lang="en-US" sz="1200" dirty="0" smtClean="0"/>
+                      <a:endParaRPr lang="en-US" sz="1200" dirty="0"/>
                     </a:p>
                   </a:txBody>
                   <a:tcPr/>
                 </a:tc>
+                <a:extLst>
+                  <a:ext uri="{0D108BD9-81ED-4DB2-BD59-A6C34878D82A}">
+                    <a16:rowId xmlns:a16="http://schemas.microsoft.com/office/drawing/2014/main" val="10000"/>
+                  </a:ext>
+                </a:extLst>
               </a:tr>
               <a:tr h="265060">
                 <a:tc>
@@ -15884,13 +15283,18 @@
                         <a:defRPr/>
                       </a:pPr>
                       <a:r>
-                        <a:rPr lang="en-US" sz="1200" dirty="0" smtClean="0"/>
+                        <a:rPr lang="en-US" sz="1200" dirty="0"/>
                         <a:t>1. Write a purpose statement for your system.</a:t>
                       </a:r>
                     </a:p>
                   </a:txBody>
                   <a:tcPr/>
                 </a:tc>
+                <a:extLst>
+                  <a:ext uri="{0D108BD9-81ED-4DB2-BD59-A6C34878D82A}">
+                    <a16:rowId xmlns:a16="http://schemas.microsoft.com/office/drawing/2014/main" val="10001"/>
+                  </a:ext>
+                </a:extLst>
               </a:tr>
               <a:tr h="457501">
                 <a:tc>
@@ -15916,21 +15320,26 @@
                         <a:defRPr/>
                       </a:pPr>
                       <a:r>
-                        <a:rPr lang="en-US" sz="1200" dirty="0" smtClean="0"/>
+                        <a:rPr lang="en-US" sz="1200" dirty="0"/>
                         <a:t>2. Design data to represent the relevant information</a:t>
                       </a:r>
                       <a:r>
-                        <a:rPr lang="en-US" sz="1200" baseline="0" dirty="0" smtClean="0"/>
+                        <a:rPr lang="en-US" sz="1200" baseline="0" dirty="0"/>
                         <a:t> in </a:t>
                       </a:r>
                       <a:r>
-                        <a:rPr lang="en-US" sz="1200" dirty="0" smtClean="0"/>
+                        <a:rPr lang="en-US" sz="1200" dirty="0"/>
                         <a:t>the world.</a:t>
                       </a:r>
                     </a:p>
                   </a:txBody>
                   <a:tcPr/>
                 </a:tc>
+                <a:extLst>
+                  <a:ext uri="{0D108BD9-81ED-4DB2-BD59-A6C34878D82A}">
+                    <a16:rowId xmlns:a16="http://schemas.microsoft.com/office/drawing/2014/main" val="10002"/>
+                  </a:ext>
+                </a:extLst>
               </a:tr>
               <a:tr h="457501">
                 <a:tc>
@@ -15939,22 +15348,26 @@
                     <a:lstStyle/>
                     <a:p>
                       <a:r>
-                        <a:rPr lang="en-US" sz="1200" dirty="0" smtClean="0"/>
+                        <a:rPr lang="en-US" sz="1200" dirty="0"/>
                         <a:t>3. Make a </a:t>
                       </a:r>
                       <a:r>
-                        <a:rPr lang="en-US" sz="1200" dirty="0" err="1" smtClean="0"/>
+                        <a:rPr lang="en-US" sz="1200" dirty="0" err="1"/>
                         <a:t>wishlist</a:t>
                       </a:r>
                       <a:r>
-                        <a:rPr lang="en-US" sz="1200" dirty="0" smtClean="0"/>
+                        <a:rPr lang="en-US" sz="1200" dirty="0"/>
                         <a:t> of main functions.  Write down their contracts and purpose statements.</a:t>
                       </a:r>
-                      <a:endParaRPr lang="en-US" sz="1200" dirty="0"/>
                     </a:p>
                   </a:txBody>
                   <a:tcPr/>
                 </a:tc>
+                <a:extLst>
+                  <a:ext uri="{0D108BD9-81ED-4DB2-BD59-A6C34878D82A}">
+                    <a16:rowId xmlns:a16="http://schemas.microsoft.com/office/drawing/2014/main" val="10003"/>
+                  </a:ext>
+                </a:extLst>
               </a:tr>
               <a:tr h="265060">
                 <a:tc>
@@ -15963,30 +15376,34 @@
                     <a:lstStyle/>
                     <a:p>
                       <a:r>
-                        <a:rPr lang="en-US" sz="1200" dirty="0" smtClean="0"/>
+                        <a:rPr lang="en-US" sz="1200" dirty="0"/>
                         <a:t>4. Design the individual functions. Maintain a </a:t>
                       </a:r>
                       <a:r>
-                        <a:rPr lang="en-US" sz="1200" dirty="0" err="1" smtClean="0"/>
+                        <a:rPr lang="en-US" sz="1200" dirty="0" err="1"/>
                         <a:t>wishlist</a:t>
                       </a:r>
                       <a:r>
-                        <a:rPr lang="en-US" sz="1200" dirty="0" smtClean="0"/>
+                        <a:rPr lang="en-US" sz="1200" dirty="0"/>
                         <a:t> (or </a:t>
                       </a:r>
                       <a:r>
-                        <a:rPr lang="en-US" sz="1200" dirty="0" err="1" smtClean="0"/>
+                        <a:rPr lang="en-US" sz="1200" dirty="0" err="1"/>
                         <a:t>wishtree</a:t>
                       </a:r>
                       <a:r>
-                        <a:rPr lang="en-US" sz="1200" dirty="0" smtClean="0"/>
+                        <a:rPr lang="en-US" sz="1200" dirty="0"/>
                         <a:t>) of functions you will need to write.</a:t>
                       </a:r>
-                      <a:endParaRPr lang="en-US" sz="1200" dirty="0"/>
                     </a:p>
                   </a:txBody>
                   <a:tcPr/>
                 </a:tc>
+                <a:extLst>
+                  <a:ext uri="{0D108BD9-81ED-4DB2-BD59-A6C34878D82A}">
+                    <a16:rowId xmlns:a16="http://schemas.microsoft.com/office/drawing/2014/main" val="10004"/>
+                  </a:ext>
+                </a:extLst>
               </a:tr>
             </a:tbl>
           </a:graphicData>
@@ -16041,18 +15458,13 @@
               <a:defRPr/>
             </a:pPr>
             <a:r>
-              <a:rPr lang="en-US" dirty="0" smtClean="0">
+              <a:rPr lang="en-US" dirty="0">
                 <a:solidFill>
                   <a:schemeClr val="tx1"/>
                 </a:solidFill>
               </a:rPr>
               <a:t>This module is mostly about principle #5: “Design Systems Iteratively”</a:t>
             </a:r>
-            <a:endParaRPr lang="en-US" dirty="0">
-              <a:solidFill>
-                <a:schemeClr val="tx1"/>
-              </a:solidFill>
-            </a:endParaRPr>
           </a:p>
         </p:txBody>
       </p:sp>
@@ -16066,13 +15478,6 @@
   <p:clrMapOvr>
     <a:masterClrMapping/>
   </p:clrMapOvr>
-  <p:timing>
-    <p:tnLst>
-      <p:par>
-        <p:cTn id="1" dur="indefinite" restart="never" nodeType="tmRoot"/>
-      </p:par>
-    </p:tnLst>
-  </p:timing>
 </p:sld>
 </file>
 
@@ -16109,10 +15514,9 @@
           <a:lstStyle/>
           <a:p>
             <a:r>
-              <a:rPr lang="en-US" dirty="0" smtClean="0"/>
+              <a:rPr lang="en-US" dirty="0"/>
               <a:t>The System Design Recipe</a:t>
             </a:r>
-            <a:endParaRPr lang="en-US" dirty="0"/>
           </a:p>
         </p:txBody>
       </p:sp>
@@ -16132,17 +15536,17 @@
           <a:lstStyle/>
           <a:p>
             <a:r>
-              <a:rPr lang="en-US" dirty="0" smtClean="0"/>
+              <a:rPr lang="en-US" dirty="0"/>
               <a:t>In building this system, we were actually following a recipe.</a:t>
             </a:r>
           </a:p>
           <a:p>
             <a:r>
-              <a:rPr lang="en-US" dirty="0" smtClean="0"/>
+              <a:rPr lang="en-US" dirty="0"/>
               <a:t>This recipe is so widely usable that we give it a name: the </a:t>
             </a:r>
             <a:r>
-              <a:rPr lang="en-US" b="1" i="1" dirty="0" smtClean="0">
+              <a:rPr lang="en-US" b="1" i="1" dirty="0">
                 <a:solidFill>
                   <a:srgbClr val="FF0000"/>
                 </a:solidFill>
@@ -16150,16 +15554,15 @@
               <a:t>System Design Recipe</a:t>
             </a:r>
             <a:r>
-              <a:rPr lang="en-US" dirty="0" smtClean="0"/>
+              <a:rPr lang="en-US" dirty="0"/>
               <a:t>.</a:t>
             </a:r>
           </a:p>
           <a:p>
             <a:r>
-              <a:rPr lang="en-US" dirty="0" smtClean="0"/>
+              <a:rPr lang="en-US" dirty="0"/>
               <a:t>Here it is– you can see that it matches what we did.</a:t>
             </a:r>
-            <a:endParaRPr lang="en-US" dirty="0"/>
           </a:p>
         </p:txBody>
       </p:sp>
@@ -16196,13 +15599,6 @@
   <p:clrMapOvr>
     <a:masterClrMapping/>
   </p:clrMapOvr>
-  <p:timing>
-    <p:tnLst>
-      <p:par>
-        <p:cTn id="1" dur="indefinite" restart="never" nodeType="tmRoot"/>
-      </p:par>
-    </p:tnLst>
-  </p:timing>
 </p:sld>
 </file>
 
@@ -16248,7 +15644,13 @@
                 <a:tableStyleId>{5C22544A-7EE6-4342-B048-85BDC9FD1C3A}</a:tableStyleId>
               </a:tblPr>
               <a:tblGrid>
-                <a:gridCol w="8610600"/>
+                <a:gridCol w="8610600">
+                  <a:extLst>
+                    <a:ext uri="{9D8B030D-6E8A-4147-A177-3AD203B41FA5}">
+                      <a16:colId xmlns:a16="http://schemas.microsoft.com/office/drawing/2014/main" val="20000"/>
+                    </a:ext>
+                  </a:extLst>
+                </a:gridCol>
               </a:tblGrid>
               <a:tr h="480281">
                 <a:tc>
@@ -16274,18 +15676,23 @@
                         <a:defRPr/>
                       </a:pPr>
                       <a:r>
-                        <a:rPr lang="en-US" sz="2800" dirty="0" smtClean="0"/>
+                        <a:rPr lang="en-US" sz="2800" dirty="0"/>
                         <a:t>The</a:t>
                       </a:r>
                       <a:r>
-                        <a:rPr lang="en-US" sz="2800" baseline="0" dirty="0" smtClean="0"/>
+                        <a:rPr lang="en-US" sz="2800" baseline="0" dirty="0"/>
                         <a:t> System Design Recipe</a:t>
                       </a:r>
-                      <a:endParaRPr lang="en-US" sz="2800" dirty="0" smtClean="0"/>
+                      <a:endParaRPr lang="en-US" sz="2800" dirty="0"/>
                     </a:p>
                   </a:txBody>
                   <a:tcPr/>
                 </a:tc>
+                <a:extLst>
+                  <a:ext uri="{0D108BD9-81ED-4DB2-BD59-A6C34878D82A}">
+                    <a16:rowId xmlns:a16="http://schemas.microsoft.com/office/drawing/2014/main" val="10000"/>
+                  </a:ext>
+                </a:extLst>
               </a:tr>
               <a:tr h="480281">
                 <a:tc>
@@ -16311,13 +15718,18 @@
                         <a:defRPr/>
                       </a:pPr>
                       <a:r>
-                        <a:rPr lang="en-US" sz="2800" dirty="0" smtClean="0"/>
+                        <a:rPr lang="en-US" sz="2800" dirty="0"/>
                         <a:t>1. Write a purpose statement for your system.</a:t>
                       </a:r>
                     </a:p>
                   </a:txBody>
                   <a:tcPr/>
                 </a:tc>
+                <a:extLst>
+                  <a:ext uri="{0D108BD9-81ED-4DB2-BD59-A6C34878D82A}">
+                    <a16:rowId xmlns:a16="http://schemas.microsoft.com/office/drawing/2014/main" val="10001"/>
+                  </a:ext>
+                </a:extLst>
               </a:tr>
               <a:tr h="828978">
                 <a:tc>
@@ -16343,21 +15755,26 @@
                         <a:defRPr/>
                       </a:pPr>
                       <a:r>
-                        <a:rPr lang="en-US" sz="2800" dirty="0" smtClean="0"/>
+                        <a:rPr lang="en-US" sz="2800" dirty="0"/>
                         <a:t>2. Design data to represent the relevant information</a:t>
                       </a:r>
                       <a:r>
-                        <a:rPr lang="en-US" sz="2800" baseline="0" dirty="0" smtClean="0"/>
+                        <a:rPr lang="en-US" sz="2800" baseline="0" dirty="0"/>
                         <a:t> in </a:t>
                       </a:r>
                       <a:r>
-                        <a:rPr lang="en-US" sz="2800" dirty="0" smtClean="0"/>
+                        <a:rPr lang="en-US" sz="2800" dirty="0"/>
                         <a:t>the world.</a:t>
                       </a:r>
                     </a:p>
                   </a:txBody>
                   <a:tcPr/>
                 </a:tc>
+                <a:extLst>
+                  <a:ext uri="{0D108BD9-81ED-4DB2-BD59-A6C34878D82A}">
+                    <a16:rowId xmlns:a16="http://schemas.microsoft.com/office/drawing/2014/main" val="10002"/>
+                  </a:ext>
+                </a:extLst>
               </a:tr>
               <a:tr h="828978">
                 <a:tc>
@@ -16366,22 +15783,26 @@
                     <a:lstStyle/>
                     <a:p>
                       <a:r>
-                        <a:rPr lang="en-US" sz="2800" dirty="0" smtClean="0"/>
+                        <a:rPr lang="en-US" sz="2800" dirty="0"/>
                         <a:t>3. Make a </a:t>
                       </a:r>
                       <a:r>
-                        <a:rPr lang="en-US" sz="2800" dirty="0" err="1" smtClean="0"/>
+                        <a:rPr lang="en-US" sz="2800" dirty="0" err="1"/>
                         <a:t>wishlist</a:t>
                       </a:r>
                       <a:r>
-                        <a:rPr lang="en-US" sz="2800" dirty="0" smtClean="0"/>
+                        <a:rPr lang="en-US" sz="2800" dirty="0"/>
                         <a:t> of main functions.  Write down their contracts and purpose statements.</a:t>
                       </a:r>
-                      <a:endParaRPr lang="en-US" sz="2800" dirty="0"/>
                     </a:p>
                   </a:txBody>
                   <a:tcPr/>
                 </a:tc>
+                <a:extLst>
+                  <a:ext uri="{0D108BD9-81ED-4DB2-BD59-A6C34878D82A}">
+                    <a16:rowId xmlns:a16="http://schemas.microsoft.com/office/drawing/2014/main" val="10003"/>
+                  </a:ext>
+                </a:extLst>
               </a:tr>
               <a:tr h="480281">
                 <a:tc>
@@ -16390,30 +15811,34 @@
                     <a:lstStyle/>
                     <a:p>
                       <a:r>
-                        <a:rPr lang="en-US" sz="2800" dirty="0" smtClean="0"/>
+                        <a:rPr lang="en-US" sz="2800" dirty="0"/>
                         <a:t>4. Design the individual functions. Maintain a </a:t>
                       </a:r>
                       <a:r>
-                        <a:rPr lang="en-US" sz="2800" dirty="0" err="1" smtClean="0"/>
+                        <a:rPr lang="en-US" sz="2800" dirty="0" err="1"/>
                         <a:t>wishlist</a:t>
                       </a:r>
                       <a:r>
-                        <a:rPr lang="en-US" sz="2800" dirty="0" smtClean="0"/>
+                        <a:rPr lang="en-US" sz="2800" dirty="0"/>
                         <a:t> (or </a:t>
                       </a:r>
                       <a:r>
-                        <a:rPr lang="en-US" sz="2800" dirty="0" err="1" smtClean="0"/>
+                        <a:rPr lang="en-US" sz="2800" dirty="0" err="1"/>
                         <a:t>wishtree</a:t>
                       </a:r>
                       <a:r>
-                        <a:rPr lang="en-US" sz="2800" dirty="0" smtClean="0"/>
+                        <a:rPr lang="en-US" sz="2800" dirty="0"/>
                         <a:t>) of functions you will need to write.</a:t>
                       </a:r>
-                      <a:endParaRPr lang="en-US" sz="2800" dirty="0"/>
                     </a:p>
                   </a:txBody>
                   <a:tcPr/>
                 </a:tc>
+                <a:extLst>
+                  <a:ext uri="{0D108BD9-81ED-4DB2-BD59-A6C34878D82A}">
+                    <a16:rowId xmlns:a16="http://schemas.microsoft.com/office/drawing/2014/main" val="10004"/>
+                  </a:ext>
+                </a:extLst>
               </a:tr>
             </a:tbl>
           </a:graphicData>
@@ -16452,13 +15877,6 @@
   <p:clrMapOvr>
     <a:masterClrMapping/>
   </p:clrMapOvr>
-  <p:timing>
-    <p:tnLst>
-      <p:par>
-        <p:cTn id="1" dur="indefinite" restart="never" nodeType="tmRoot"/>
-      </p:par>
-    </p:tnLst>
-  </p:timing>
 </p:sld>
 </file>
 
@@ -16495,10 +15913,9 @@
           <a:lstStyle/>
           <a:p>
             <a:r>
-              <a:rPr lang="en-US" dirty="0" smtClean="0"/>
+              <a:rPr lang="en-US" dirty="0"/>
               <a:t>Summary</a:t>
             </a:r>
-            <a:endParaRPr lang="en-US" dirty="0"/>
           </a:p>
         </p:txBody>
       </p:sp>
@@ -16520,17 +15937,17 @@
           <a:lstStyle/>
           <a:p>
             <a:r>
-              <a:rPr lang="en-US" dirty="0" smtClean="0"/>
+              <a:rPr lang="en-US" dirty="0"/>
               <a:t>The universe module provides a way of creating and running an interactive machine.</a:t>
             </a:r>
           </a:p>
           <a:p>
             <a:r>
-              <a:rPr lang="en-US" dirty="0" smtClean="0"/>
+              <a:rPr lang="en-US" dirty="0"/>
               <a:t>Machine will have some </a:t>
             </a:r>
             <a:r>
-              <a:rPr lang="en-US" i="1" dirty="0" smtClean="0">
+              <a:rPr lang="en-US" i="1" dirty="0">
                 <a:solidFill>
                   <a:srgbClr val="FF0000"/>
                 </a:solidFill>
@@ -16540,11 +15957,11 @@
           </a:p>
           <a:p>
             <a:r>
-              <a:rPr lang="en-US" dirty="0" smtClean="0"/>
+              <a:rPr lang="en-US" dirty="0"/>
               <a:t>Machine can respond to </a:t>
             </a:r>
             <a:r>
-              <a:rPr lang="en-US" i="1" dirty="0" smtClean="0">
+              <a:rPr lang="en-US" i="1" dirty="0">
                 <a:solidFill>
                   <a:srgbClr val="FF0000"/>
                 </a:solidFill>
@@ -16552,7 +15969,7 @@
               <a:t>inputs</a:t>
             </a:r>
             <a:r>
-              <a:rPr lang="en-US" dirty="0" smtClean="0">
+              <a:rPr lang="en-US" dirty="0">
                 <a:solidFill>
                   <a:srgbClr val="FF0000"/>
                 </a:solidFill>
@@ -16562,11 +15979,11 @@
           </a:p>
           <a:p>
             <a:r>
-              <a:rPr lang="en-US" dirty="0" smtClean="0"/>
+              <a:rPr lang="en-US" dirty="0"/>
               <a:t>Response to input is described as a </a:t>
             </a:r>
             <a:r>
-              <a:rPr lang="en-US" i="1" dirty="0" smtClean="0">
+              <a:rPr lang="en-US" i="1" dirty="0">
                 <a:solidFill>
                   <a:srgbClr val="FF0000"/>
                 </a:solidFill>
@@ -16574,10 +15991,10 @@
               <a:t>function</a:t>
             </a:r>
             <a:r>
-              <a:rPr lang="en-US" dirty="0" smtClean="0"/>
+              <a:rPr lang="en-US" dirty="0"/>
               <a:t>.</a:t>
             </a:r>
-            <a:endParaRPr lang="en-US" dirty="0" smtClean="0">
+            <a:endParaRPr lang="en-US" dirty="0">
               <a:solidFill>
                 <a:srgbClr val="FF0000"/>
               </a:solidFill>
@@ -16585,11 +16002,11 @@
           </a:p>
           <a:p>
             <a:r>
-              <a:rPr lang="en-US" dirty="0" smtClean="0"/>
+              <a:rPr lang="en-US" dirty="0"/>
               <a:t>Machine can show its state as a </a:t>
             </a:r>
             <a:r>
-              <a:rPr lang="en-US" i="1" dirty="0" smtClean="0">
+              <a:rPr lang="en-US" i="1" dirty="0">
                 <a:solidFill>
                   <a:srgbClr val="FF0000"/>
                 </a:solidFill>
@@ -16599,17 +16016,17 @@
           </a:p>
           <a:p>
             <a:r>
-              <a:rPr lang="en-US" dirty="0" smtClean="0"/>
+              <a:rPr lang="en-US" dirty="0"/>
               <a:t>We use this to create interactive animations.</a:t>
             </a:r>
           </a:p>
           <a:p>
             <a:r>
-              <a:rPr lang="en-US" dirty="0" smtClean="0"/>
+              <a:rPr lang="en-US" dirty="0"/>
               <a:t>We built a system, using the </a:t>
             </a:r>
             <a:r>
-              <a:rPr lang="en-US" i="1" dirty="0" smtClean="0">
+              <a:rPr lang="en-US" i="1" dirty="0">
                 <a:solidFill>
                   <a:srgbClr val="FF0000"/>
                 </a:solidFill>
@@ -16617,12 +16034,12 @@
               <a:t>system design recipe</a:t>
             </a:r>
             <a:r>
-              <a:rPr lang="en-US" dirty="0" smtClean="0"/>
+              <a:rPr lang="en-US" dirty="0"/>
               <a:t>. </a:t>
             </a:r>
           </a:p>
           <a:p>
-            <a:endParaRPr lang="en-US" dirty="0" smtClean="0"/>
+            <a:endParaRPr lang="en-US" dirty="0"/>
           </a:p>
           <a:p>
             <a:pPr lvl="1"/>
@@ -16658,13 +16075,6 @@
   <p:clrMapOvr>
     <a:masterClrMapping/>
   </p:clrMapOvr>
-  <p:timing>
-    <p:tnLst>
-      <p:par>
-        <p:cTn id="1" dur="indefinite" restart="never" nodeType="tmRoot"/>
-      </p:par>
-    </p:tnLst>
-  </p:timing>
 </p:sld>
 </file>
 
@@ -16701,10 +16111,9 @@
           <a:lstStyle/>
           <a:p>
             <a:r>
-              <a:rPr lang="en-US" dirty="0" smtClean="0"/>
+              <a:rPr lang="en-US" dirty="0"/>
               <a:t>Next Steps</a:t>
             </a:r>
-            <a:endParaRPr lang="en-US" dirty="0"/>
           </a:p>
         </p:txBody>
       </p:sp>
@@ -16724,28 +16133,27 @@
           <a:lstStyle/>
           <a:p>
             <a:r>
-              <a:rPr lang="en-US" dirty="0" smtClean="0"/>
+              <a:rPr lang="en-US" dirty="0"/>
               <a:t>Study the files in the Examples folder.</a:t>
             </a:r>
           </a:p>
           <a:p>
             <a:r>
-              <a:rPr lang="en-US" dirty="0" smtClean="0"/>
+              <a:rPr lang="en-US" dirty="0"/>
               <a:t>If you have questions about this lesson, ask them on the Discussion Board</a:t>
             </a:r>
           </a:p>
           <a:p>
             <a:r>
-              <a:rPr lang="en-US" dirty="0" smtClean="0"/>
+              <a:rPr lang="en-US" dirty="0"/>
               <a:t>Do Guided Practice 3.1</a:t>
             </a:r>
           </a:p>
           <a:p>
             <a:r>
-              <a:rPr lang="en-US" dirty="0" smtClean="0"/>
+              <a:rPr lang="en-US" dirty="0"/>
               <a:t>Go on to the next lesson</a:t>
             </a:r>
-            <a:endParaRPr lang="en-US" dirty="0"/>
           </a:p>
         </p:txBody>
       </p:sp>
@@ -16782,13 +16190,6 @@
   <p:clrMapOvr>
     <a:masterClrMapping/>
   </p:clrMapOvr>
-  <p:timing>
-    <p:tnLst>
-      <p:par>
-        <p:cTn id="1" dur="indefinite" restart="never" nodeType="tmRoot"/>
-      </p:par>
-    </p:tnLst>
-  </p:timing>
 </p:sld>
 </file>
 
@@ -16825,10 +16226,9 @@
           <a:lstStyle/>
           <a:p>
             <a:r>
-              <a:rPr lang="en-US" dirty="0" smtClean="0"/>
+              <a:rPr lang="en-US" dirty="0"/>
               <a:t>Learning Objectives for this lesson</a:t>
             </a:r>
-            <a:endParaRPr lang="en-US" dirty="0"/>
           </a:p>
         </p:txBody>
       </p:sp>
@@ -16850,75 +16250,48 @@
           <a:lstStyle/>
           <a:p>
             <a:r>
-              <a:rPr lang="en-US" dirty="0" smtClean="0"/>
+              <a:rPr lang="en-US" dirty="0"/>
               <a:t>In this lesson, you will learn about the 2htdp/universe module, which allows you to create interactive animations.</a:t>
             </a:r>
           </a:p>
           <a:p>
             <a:r>
               <a:rPr lang="en-US" dirty="0"/>
-              <a:t>At the end of this lesson, students should be able to</a:t>
-            </a:r>
-            <a:r>
-              <a:rPr lang="en-US" dirty="0" smtClean="0"/>
-              <a:t>:</a:t>
-            </a:r>
-            <a:endParaRPr lang="en-US" dirty="0"/>
+              <a:t>At the end of this lesson, students should be able to:</a:t>
+            </a:r>
           </a:p>
           <a:p>
             <a:pPr lvl="1"/>
             <a:r>
               <a:rPr lang="en-US" dirty="0"/>
-              <a:t>Use the 2htdp/universe module to create a simple interactive </a:t>
-            </a:r>
-            <a:r>
-              <a:rPr lang="en-US" dirty="0" smtClean="0"/>
-              <a:t>animation, including:</a:t>
-            </a:r>
-            <a:endParaRPr lang="en-US" dirty="0"/>
+              <a:t>Use the 2htdp/universe module to create a simple interactive animation, including:</a:t>
+            </a:r>
           </a:p>
           <a:p>
             <a:pPr lvl="2"/>
             <a:r>
-              <a:rPr lang="en-US" dirty="0" smtClean="0"/>
-              <a:t>Analyzing </a:t>
-            </a:r>
-            <a:r>
               <a:rPr lang="en-US" dirty="0"/>
-              <a:t>data to determine whether it should be constant or part of the world </a:t>
-            </a:r>
-            <a:r>
-              <a:rPr lang="en-US" dirty="0" smtClean="0"/>
-              <a:t>state,</a:t>
-            </a:r>
-            <a:endParaRPr lang="en-US" dirty="0"/>
+              <a:t>Analyzing data to determine whether it should be constant or part of the world state,</a:t>
+            </a:r>
           </a:p>
           <a:p>
             <a:pPr lvl="2"/>
             <a:r>
-              <a:rPr lang="en-US" dirty="0" smtClean="0"/>
-              <a:t>Writing data definitions </a:t>
-            </a:r>
-            <a:r>
               <a:rPr lang="en-US" dirty="0"/>
-              <a:t>for </a:t>
-            </a:r>
-            <a:r>
-              <a:rPr lang="en-US" dirty="0" smtClean="0"/>
-              <a:t>worlds, key events, and mouse events, and</a:t>
+              <a:t>Writing data definitions for worlds, key events, and mouse events, and</a:t>
             </a:r>
           </a:p>
           <a:p>
             <a:pPr lvl="2"/>
             <a:r>
-              <a:rPr lang="en-US" dirty="0" smtClean="0"/>
+              <a:rPr lang="en-US" dirty="0"/>
               <a:t>Writing code to handle the various events during the animation. </a:t>
             </a:r>
           </a:p>
           <a:p>
             <a:pPr lvl="1"/>
             <a:r>
-              <a:rPr lang="en-US" dirty="0" smtClean="0"/>
+              <a:rPr lang="en-US" dirty="0"/>
               <a:t>Explain the steps of the System Design Recipe</a:t>
             </a:r>
           </a:p>
@@ -16960,13 +16333,6 @@
   <p:clrMapOvr>
     <a:masterClrMapping/>
   </p:clrMapOvr>
-  <p:timing>
-    <p:tnLst>
-      <p:par>
-        <p:cTn id="1" dur="indefinite" restart="never" nodeType="tmRoot"/>
-      </p:par>
-    </p:tnLst>
-  </p:timing>
 </p:sld>
 </file>
 
@@ -17003,10 +16369,9 @@
           <a:lstStyle/>
           <a:p>
             <a:r>
-              <a:rPr lang="en-US" dirty="0" smtClean="0"/>
+              <a:rPr lang="en-US" dirty="0"/>
               <a:t>The 2htdp/universe module</a:t>
             </a:r>
-            <a:endParaRPr lang="en-US" dirty="0"/>
           </a:p>
         </p:txBody>
       </p:sp>
@@ -17028,17 +16393,17 @@
           <a:lstStyle/>
           <a:p>
             <a:r>
-              <a:rPr lang="en-US" dirty="0" smtClean="0"/>
+              <a:rPr lang="en-US" dirty="0"/>
               <a:t>Provides a way of creating and running an interactive machine.</a:t>
             </a:r>
           </a:p>
           <a:p>
             <a:r>
-              <a:rPr lang="en-US" dirty="0" smtClean="0"/>
+              <a:rPr lang="en-US" dirty="0"/>
               <a:t>Machine will have some </a:t>
             </a:r>
             <a:r>
-              <a:rPr lang="en-US" i="1" dirty="0" smtClean="0">
+              <a:rPr lang="en-US" i="1" dirty="0">
                 <a:solidFill>
                   <a:srgbClr val="FF0000"/>
                 </a:solidFill>
@@ -17048,11 +16413,11 @@
           </a:p>
           <a:p>
             <a:r>
-              <a:rPr lang="en-US" dirty="0" smtClean="0"/>
+              <a:rPr lang="en-US" dirty="0"/>
               <a:t>Machine can respond to </a:t>
             </a:r>
             <a:r>
-              <a:rPr lang="en-US" i="1" dirty="0" smtClean="0">
+              <a:rPr lang="en-US" i="1" dirty="0">
                 <a:solidFill>
                   <a:srgbClr val="FF0000"/>
                 </a:solidFill>
@@ -17060,7 +16425,7 @@
               <a:t>inputs</a:t>
             </a:r>
             <a:r>
-              <a:rPr lang="en-US" dirty="0" smtClean="0">
+              <a:rPr lang="en-US" dirty="0">
                 <a:solidFill>
                   <a:srgbClr val="FF0000"/>
                 </a:solidFill>
@@ -17070,11 +16435,11 @@
           </a:p>
           <a:p>
             <a:r>
-              <a:rPr lang="en-US" dirty="0" smtClean="0"/>
+              <a:rPr lang="en-US" dirty="0"/>
               <a:t>Response to input is described as a </a:t>
             </a:r>
             <a:r>
-              <a:rPr lang="en-US" i="1" dirty="0" smtClean="0">
+              <a:rPr lang="en-US" i="1" dirty="0">
                 <a:solidFill>
                   <a:srgbClr val="FF0000"/>
                 </a:solidFill>
@@ -17082,10 +16447,10 @@
               <a:t>function</a:t>
             </a:r>
             <a:r>
-              <a:rPr lang="en-US" dirty="0" smtClean="0"/>
+              <a:rPr lang="en-US" dirty="0"/>
               <a:t>.</a:t>
             </a:r>
-            <a:endParaRPr lang="en-US" dirty="0" smtClean="0">
+            <a:endParaRPr lang="en-US" dirty="0">
               <a:solidFill>
                 <a:srgbClr val="FF0000"/>
               </a:solidFill>
@@ -17093,11 +16458,11 @@
           </a:p>
           <a:p>
             <a:r>
-              <a:rPr lang="en-US" dirty="0" smtClean="0"/>
+              <a:rPr lang="en-US" dirty="0"/>
               <a:t>Machine can show its state as a </a:t>
             </a:r>
             <a:r>
-              <a:rPr lang="en-US" i="1" dirty="0" smtClean="0">
+              <a:rPr lang="en-US" i="1" dirty="0">
                 <a:solidFill>
                   <a:srgbClr val="FF0000"/>
                 </a:solidFill>
@@ -17107,7 +16472,7 @@
           </a:p>
           <a:p>
             <a:r>
-              <a:rPr lang="en-US" dirty="0" smtClean="0"/>
+              <a:rPr lang="en-US" dirty="0"/>
               <a:t>We will use this to create interactive animations.</a:t>
             </a:r>
           </a:p>
@@ -17147,13 +16512,6 @@
   <p:clrMapOvr>
     <a:masterClrMapping/>
   </p:clrMapOvr>
-  <p:timing>
-    <p:tnLst>
-      <p:par>
-        <p:cTn id="1" dur="indefinite" restart="never" nodeType="tmRoot"/>
-      </p:par>
-    </p:tnLst>
-  </p:timing>
 </p:sld>
 </file>
 
@@ -17190,10 +16548,9 @@
           <a:lstStyle/>
           <a:p>
             <a:r>
-              <a:rPr lang="en-US" dirty="0" smtClean="0"/>
+              <a:rPr lang="en-US" dirty="0"/>
               <a:t>Example: a traffic light</a:t>
             </a:r>
-            <a:endParaRPr lang="en-US" dirty="0"/>
           </a:p>
         </p:txBody>
       </p:sp>
@@ -17216,32 +16573,19 @@
           <a:p>
             <a:r>
               <a:rPr lang="en-US" dirty="0"/>
-              <a:t>The light is a machine that responds to time passing; as time passes, the light goes through its cycle of colors</a:t>
-            </a:r>
-            <a:r>
-              <a:rPr lang="en-US" dirty="0" smtClean="0"/>
-              <a:t>.</a:t>
-            </a:r>
-          </a:p>
-          <a:p>
-            <a:r>
-              <a:rPr lang="en-US" dirty="0" smtClean="0"/>
-              <a:t>The </a:t>
-            </a:r>
+              <a:t>The light is a machine that responds to time passing; as time passes, the light goes through its cycle of colors.</a:t>
+            </a:r>
+          </a:p>
+          <a:p>
             <a:r>
               <a:rPr lang="en-US" dirty="0"/>
-              <a:t>state of the machine consists of its current color and the amount of time (in ticks) until the next change of color.  At every tick, the amount of time decreases by 1.  </a:t>
-            </a:r>
-            <a:endParaRPr lang="en-US" dirty="0" smtClean="0"/>
-          </a:p>
-          <a:p>
-            <a:r>
-              <a:rPr lang="en-US" dirty="0" smtClean="0"/>
-              <a:t>When </a:t>
-            </a:r>
+              <a:t>The state of the machine consists of its current color and the amount of time (in ticks) until the next change of color.  At every tick, the amount of time decreases by 1.  </a:t>
+            </a:r>
+          </a:p>
+          <a:p>
             <a:r>
               <a:rPr lang="en-US" dirty="0"/>
-              <a:t>the timer reaches 0, the light goes to its next color (from green to yellow, from yellow to red,  from red to green), and the timer is reset to the number of ticks that light should stay in its new color.  </a:t>
+              <a:t>When the timer reaches 0, the light goes to its next color (from green to yellow, from yellow to red,  from red to green), and the timer is reset to the number of ticks that light should stay in its new color.  </a:t>
             </a:r>
           </a:p>
           <a:p>
@@ -17288,13 +16632,6 @@
   <p:clrMapOvr>
     <a:masterClrMapping/>
   </p:clrMapOvr>
-  <p:timing>
-    <p:tnLst>
-      <p:par>
-        <p:cTn id="1" dur="indefinite" restart="never" nodeType="tmRoot"/>
-      </p:par>
-    </p:tnLst>
-  </p:timing>
 </p:sld>
 </file>
 
@@ -17333,10 +16670,9 @@
           <a:lstStyle/>
           <a:p>
             <a:r>
-              <a:rPr lang="en-US" dirty="0" smtClean="0"/>
+              <a:rPr lang="en-US" dirty="0"/>
               <a:t>Traffic Light Example</a:t>
             </a:r>
-            <a:endParaRPr lang="en-US" dirty="0"/>
           </a:p>
         </p:txBody>
       </p:sp>
@@ -17363,53 +16699,40 @@
           <a:lstStyle/>
           <a:p>
             <a:r>
-              <a:rPr lang="en-US" dirty="0" smtClean="0"/>
+              <a:rPr lang="en-US" dirty="0"/>
               <a:t>The traffic light is the machine. Its state is compound information:</a:t>
             </a:r>
           </a:p>
           <a:p>
             <a:pPr lvl="1"/>
             <a:r>
-              <a:rPr lang="en-US" dirty="0" smtClean="0"/>
+              <a:rPr lang="en-US" dirty="0"/>
               <a:t>its current color AND # of ticks until next change</a:t>
             </a:r>
           </a:p>
           <a:p>
             <a:r>
-              <a:rPr lang="en-US" dirty="0" smtClean="0"/>
-              <a:t>Inputs will be the time (ticks</a:t>
-            </a:r>
-            <a:r>
               <a:rPr lang="en-US" dirty="0"/>
-              <a:t>). </a:t>
-            </a:r>
-            <a:r>
-              <a:rPr lang="en-US" dirty="0" smtClean="0"/>
-              <a:t>At every tick, the timer is decremented.</a:t>
-            </a:r>
-          </a:p>
-          <a:p>
-            <a:r>
-              <a:rPr lang="en-US" dirty="0" smtClean="0"/>
-              <a:t>When </a:t>
-            </a:r>
+              <a:t>Inputs will be the time (ticks). At every tick, the timer is decremented.</a:t>
+            </a:r>
+          </a:p>
+          <a:p>
             <a:r>
               <a:rPr lang="en-US" dirty="0"/>
-              <a:t>the timer reaches 0, the light goes to its next color (from green to yellow, from yellow to red,  from red to green), and the timer is reset to the number of ticks that light should stay in its new color. </a:t>
-            </a:r>
-            <a:endParaRPr lang="en-US" dirty="0" smtClean="0"/>
-          </a:p>
-          <a:p>
-            <a:r>
-              <a:rPr lang="en-US" dirty="0" smtClean="0"/>
+              <a:t>When the timer reaches 0, the light goes to its next color (from green to yellow, from yellow to red,  from red to green), and the timer is reset to the number of ticks that light should stay in its new color. </a:t>
+            </a:r>
+          </a:p>
+          <a:p>
+            <a:r>
+              <a:rPr lang="en-US" dirty="0"/>
               <a:t>The traffic light can show its state as a scene, perhaps something like this:</a:t>
             </a:r>
           </a:p>
           <a:p>
-            <a:endParaRPr lang="en-US" dirty="0" smtClean="0"/>
-          </a:p>
-          <a:p>
-            <a:endParaRPr lang="en-US" dirty="0" smtClean="0"/>
+            <a:endParaRPr lang="en-US" dirty="0"/>
+          </a:p>
+          <a:p>
+            <a:endParaRPr lang="en-US" dirty="0"/>
           </a:p>
         </p:txBody>
       </p:sp>
@@ -17471,13 +16794,6 @@
   <p:clrMapOvr>
     <a:masterClrMapping/>
   </p:clrMapOvr>
-  <p:timing>
-    <p:tnLst>
-      <p:par>
-        <p:cTn id="1" dur="indefinite" restart="never" nodeType="tmRoot"/>
-      </p:par>
-    </p:tnLst>
-  </p:timing>
 </p:sld>
 </file>
 
@@ -17516,17 +16832,16 @@
           <a:lstStyle/>
           <a:p>
             <a:r>
-              <a:rPr lang="en-US" dirty="0" smtClean="0"/>
+              <a:rPr lang="en-US" dirty="0"/>
               <a:t>A second example: The Falling Cat </a:t>
             </a:r>
             <a:br>
-              <a:rPr lang="en-US" dirty="0" smtClean="0"/>
+              <a:rPr lang="en-US" dirty="0"/>
             </a:br>
             <a:r>
-              <a:rPr lang="en-US" dirty="0" smtClean="0"/>
-              <a:t>Problem Statement</a:t>
-            </a:r>
-            <a:endParaRPr lang="en-US" dirty="0"/>
+              <a:rPr lang="en-US" dirty="0"/>
+              <a:t>Purpose Statement</a:t>
+            </a:r>
           </a:p>
         </p:txBody>
       </p:sp>
@@ -17548,19 +16863,19 @@
           <a:lstStyle/>
           <a:p>
             <a:r>
-              <a:rPr lang="en-US" dirty="0" smtClean="0"/>
+              <a:rPr lang="en-US" dirty="0"/>
               <a:t>We will produce an animation of a falling cat.</a:t>
             </a:r>
           </a:p>
           <a:p>
             <a:r>
-              <a:rPr lang="en-US" dirty="0" smtClean="0"/>
+              <a:rPr lang="en-US" dirty="0"/>
               <a:t>The cat will starts at the top of the canvas, and fall at a constant velocity.</a:t>
             </a:r>
           </a:p>
           <a:p>
             <a:r>
-              <a:rPr lang="en-US" sz="3200" kern="1200" dirty="0" smtClean="0">
+              <a:rPr lang="en-US" sz="3200" kern="1200" dirty="0">
                 <a:solidFill>
                   <a:schemeClr val="tx1"/>
                 </a:solidFill>
@@ -17570,11 +16885,11 @@
               </a:rPr>
               <a:t>If the cat is falling, hitting the space bar should pause the cat.</a:t>
             </a:r>
-            <a:endParaRPr lang="en-US" sz="3200" dirty="0" smtClean="0"/>
-          </a:p>
-          <a:p>
-            <a:r>
-              <a:rPr lang="en-US" sz="3200" kern="1200" dirty="0" smtClean="0">
+            <a:endParaRPr lang="en-US" sz="3200" dirty="0"/>
+          </a:p>
+          <a:p>
+            <a:r>
+              <a:rPr lang="en-US" sz="3200" kern="1200" dirty="0">
                 <a:solidFill>
                   <a:schemeClr val="tx1"/>
                 </a:solidFill>
@@ -17585,7 +16900,7 @@
               <a:t>If the cat is paused, hitting the space bar should </a:t>
             </a:r>
             <a:r>
-              <a:rPr lang="en-US" sz="3200" kern="1200" dirty="0" err="1" smtClean="0">
+              <a:rPr lang="en-US" sz="3200" kern="1200" dirty="0" err="1">
                 <a:solidFill>
                   <a:schemeClr val="tx1"/>
                 </a:solidFill>
@@ -17596,7 +16911,7 @@
               <a:t>unpause</a:t>
             </a:r>
             <a:r>
-              <a:rPr lang="en-US" sz="3200" kern="1200" dirty="0" smtClean="0">
+              <a:rPr lang="en-US" sz="3200" kern="1200" dirty="0">
                 <a:solidFill>
                   <a:schemeClr val="tx1"/>
                 </a:solidFill>
@@ -17608,7 +16923,7 @@
             </a:r>
           </a:p>
           <a:p>
-            <a:endParaRPr lang="en-US" dirty="0" smtClean="0"/>
+            <a:endParaRPr lang="en-US" dirty="0"/>
           </a:p>
         </p:txBody>
       </p:sp>
@@ -17640,13 +16955,6 @@
   <p:clrMapOvr>
     <a:masterClrMapping/>
   </p:clrMapOvr>
-  <p:timing>
-    <p:tnLst>
-      <p:par>
-        <p:cTn id="1" dur="indefinite" restart="never" nodeType="tmRoot"/>
-      </p:par>
-    </p:tnLst>
-  </p:timing>
 </p:sld>
 </file>
 
